--- a/presentation.pptx
+++ b/presentation.pptx
@@ -5,7 +5,7 @@
     <p:sldMasterId id="2147483648" r:id="rId1"/>
   </p:sldMasterIdLst>
   <p:notesMasterIdLst>
-    <p:notesMasterId r:id="rId9"/>
+    <p:notesMasterId r:id="rId10"/>
   </p:notesMasterIdLst>
   <p:sldIdLst>
     <p:sldId id="256" r:id="rId2"/>
@@ -15,6 +15,7 @@
     <p:sldId id="260" r:id="rId6"/>
     <p:sldId id="261" r:id="rId7"/>
     <p:sldId id="262" r:id="rId8"/>
+    <p:sldId id="263" r:id="rId9"/>
   </p:sldIdLst>
   <p:sldSz cx="12192000" cy="6858000"/>
   <p:notesSz cx="6858000" cy="9144000"/>
@@ -113,6 +114,11 @@
       </a:defRPr>
     </a:lvl9pPr>
   </p:defaultTextStyle>
+  <p:extLst>
+    <p:ext uri="{EFAFB233-063F-42B5-8137-9DF3F51BA10A}">
+      <p15:sldGuideLst xmlns:p15="http://schemas.microsoft.com/office/powerpoint/2012/main"/>
+    </p:ext>
+  </p:extLst>
 </p:presentation>
 </file>
 
@@ -4235,8 +4241,8 @@
           </a:p>
         </p:txBody>
       </p:sp>
-      <mc:AlternateContent xmlns:mc="http://schemas.openxmlformats.org/markup-compatibility/2006">
-        <mc:Choice xmlns:a14="http://schemas.microsoft.com/office/drawing/2010/main" Requires="a14">
+      <mc:AlternateContent xmlns:mc="http://schemas.openxmlformats.org/markup-compatibility/2006" xmlns:a14="http://schemas.microsoft.com/office/drawing/2010/main">
+        <mc:Choice Requires="a14">
           <p:sp>
             <p:nvSpPr>
               <p:cNvPr id="3" name="コンテンツ プレースホルダー 2">
@@ -4618,7 +4624,7 @@
             </p:txBody>
           </p:sp>
         </mc:Choice>
-        <mc:Fallback>
+        <mc:Fallback xmlns="">
           <p:sp>
             <p:nvSpPr>
               <p:cNvPr id="3" name="コンテンツ プレースホルダー 2">
@@ -4778,15 +4784,15 @@
             </a:pPr>
             <a:r>
               <a:rPr lang="en-US" altLang="ja-JP" dirty="0"/>
-              <a:t>1</a:t>
+              <a:t>action</a:t>
             </a:r>
             <a:r>
               <a:rPr lang="ja-JP" altLang="en-US" dirty="0"/>
-              <a:t>つ以上の</a:t>
+              <a:t>または</a:t>
             </a:r>
             <a:r>
               <a:rPr lang="en-US" altLang="ja-JP" dirty="0"/>
-              <a:t>action</a:t>
+              <a:t>pattern</a:t>
             </a:r>
             <a:r>
               <a:rPr lang="ja-JP" altLang="en-US" dirty="0"/>
@@ -4815,18 +4821,14 @@
             </a:pPr>
             <a:r>
               <a:rPr lang="ja-JP" altLang="en-US" dirty="0"/>
-              <a:t>プログラムの開始位置。</a:t>
-            </a:r>
-            <a:r>
-              <a:rPr lang="en-US" altLang="ja-JP" dirty="0"/>
-              <a:t>1</a:t>
-            </a:r>
-            <a:r>
-              <a:rPr lang="ja-JP" altLang="en-US" dirty="0"/>
-              <a:t>つ以上の</a:t>
-            </a:r>
-            <a:r>
-              <a:rPr lang="en-US" altLang="ja-JP" dirty="0"/>
+              <a:t>プログラムの開始</a:t>
+            </a:r>
+            <a:r>
+              <a:rPr lang="ja-JP" altLang="en-US"/>
+              <a:t>位置。</a:t>
+            </a:r>
+            <a:r>
+              <a:rPr lang="en-US" altLang="ja-JP"/>
               <a:t>action</a:t>
             </a:r>
             <a:r>
@@ -5573,6 +5575,101 @@
     <p:extLst>
       <p:ext uri="{BB962C8B-B14F-4D97-AF65-F5344CB8AC3E}">
         <p14:creationId xmlns:p14="http://schemas.microsoft.com/office/powerpoint/2010/main" val="4254739292"/>
+      </p:ext>
+    </p:extLst>
+  </p:cSld>
+  <p:clrMapOvr>
+    <a:masterClrMapping/>
+  </p:clrMapOvr>
+</p:sld>
+</file>
+
+<file path=ppt/slides/slide8.xml><?xml version="1.0" encoding="utf-8"?>
+<p:sld xmlns:a="http://schemas.openxmlformats.org/drawingml/2006/main" xmlns:r="http://schemas.openxmlformats.org/officeDocument/2006/relationships" xmlns:p="http://schemas.openxmlformats.org/presentationml/2006/main">
+  <p:cSld>
+    <p:spTree>
+      <p:nvGrpSpPr>
+        <p:cNvPr id="1" name=""/>
+        <p:cNvGrpSpPr/>
+        <p:nvPr/>
+      </p:nvGrpSpPr>
+      <p:grpSpPr>
+        <a:xfrm>
+          <a:off x="0" y="0"/>
+          <a:ext cx="0" cy="0"/>
+          <a:chOff x="0" y="0"/>
+          <a:chExt cx="0" cy="0"/>
+        </a:xfrm>
+      </p:grpSpPr>
+      <p:sp>
+        <p:nvSpPr>
+          <p:cNvPr id="2" name="タイトル 1">
+            <a:extLst>
+              <a:ext uri="{FF2B5EF4-FFF2-40B4-BE49-F238E27FC236}">
+                <a16:creationId xmlns:a16="http://schemas.microsoft.com/office/drawing/2014/main" id="{2C9C78E2-F2AE-4A34-90EC-902B7CA4B51D}"/>
+              </a:ext>
+            </a:extLst>
+          </p:cNvPr>
+          <p:cNvSpPr>
+            <a:spLocks noGrp="1"/>
+          </p:cNvSpPr>
+          <p:nvPr>
+            <p:ph type="title"/>
+          </p:nvPr>
+        </p:nvSpPr>
+        <p:spPr/>
+        <p:txBody>
+          <a:bodyPr/>
+          <a:lstStyle/>
+          <a:p>
+            <a:r>
+              <a:rPr lang="en-US" altLang="ja-JP" dirty="0"/>
+              <a:t>map</a:t>
+            </a:r>
+            <a:r>
+              <a:rPr lang="ja-JP" altLang="en-US" dirty="0"/>
+              <a:t>の例</a:t>
+            </a:r>
+            <a:endParaRPr kumimoji="1" lang="ja-JP" altLang="en-US" dirty="0"/>
+          </a:p>
+        </p:txBody>
+      </p:sp>
+      <p:pic>
+        <p:nvPicPr>
+          <p:cNvPr id="4" name="コンテンツ プレースホルダー 3">
+            <a:extLst>
+              <a:ext uri="{FF2B5EF4-FFF2-40B4-BE49-F238E27FC236}">
+                <a16:creationId xmlns:a16="http://schemas.microsoft.com/office/drawing/2014/main" id="{3309A9A4-26FD-4C7E-87C6-5323AA16F89E}"/>
+              </a:ext>
+            </a:extLst>
+          </p:cNvPr>
+          <p:cNvPicPr>
+            <a:picLocks noGrp="1" noChangeAspect="1"/>
+          </p:cNvPicPr>
+          <p:nvPr>
+            <p:ph idx="1"/>
+          </p:nvPr>
+        </p:nvPicPr>
+        <p:blipFill>
+          <a:blip r:embed="rId2"/>
+          <a:stretch>
+            <a:fillRect/>
+          </a:stretch>
+        </p:blipFill>
+        <p:spPr>
+          <a:xfrm>
+            <a:off x="838200" y="2904091"/>
+            <a:ext cx="10515600" cy="2194406"/>
+          </a:xfrm>
+          <a:prstGeom prst="rect">
+            <a:avLst/>
+          </a:prstGeom>
+        </p:spPr>
+      </p:pic>
+    </p:spTree>
+    <p:extLst>
+      <p:ext uri="{BB962C8B-B14F-4D97-AF65-F5344CB8AC3E}">
+        <p14:creationId xmlns:p14="http://schemas.microsoft.com/office/powerpoint/2010/main" val="963352615"/>
       </p:ext>
     </p:extLst>
   </p:cSld>

--- a/presentation.pptx
+++ b/presentation.pptx
@@ -5,7 +5,7 @@
     <p:sldMasterId id="2147483648" r:id="rId1"/>
   </p:sldMasterIdLst>
   <p:notesMasterIdLst>
-    <p:notesMasterId r:id="rId10"/>
+    <p:notesMasterId r:id="rId11"/>
   </p:notesMasterIdLst>
   <p:sldIdLst>
     <p:sldId id="256" r:id="rId2"/>
@@ -14,8 +14,9 @@
     <p:sldId id="259" r:id="rId5"/>
     <p:sldId id="260" r:id="rId6"/>
     <p:sldId id="261" r:id="rId7"/>
-    <p:sldId id="262" r:id="rId8"/>
-    <p:sldId id="263" r:id="rId9"/>
+    <p:sldId id="264" r:id="rId8"/>
+    <p:sldId id="262" r:id="rId9"/>
+    <p:sldId id="263" r:id="rId10"/>
   </p:sldIdLst>
   <p:sldSz cx="12192000" cy="6858000"/>
   <p:notesSz cx="6858000" cy="9144000"/>
@@ -5399,6 +5400,235 @@
           <p:cNvPr id="2" name="タイトル 1">
             <a:extLst>
               <a:ext uri="{FF2B5EF4-FFF2-40B4-BE49-F238E27FC236}">
+                <a16:creationId xmlns:a16="http://schemas.microsoft.com/office/drawing/2014/main" id="{077FF7D8-910B-4005-BCEF-DB8D0F1350EA}"/>
+              </a:ext>
+            </a:extLst>
+          </p:cNvPr>
+          <p:cNvSpPr>
+            <a:spLocks noGrp="1"/>
+          </p:cNvSpPr>
+          <p:nvPr>
+            <p:ph type="title"/>
+          </p:nvPr>
+        </p:nvSpPr>
+        <p:spPr/>
+        <p:txBody>
+          <a:bodyPr/>
+          <a:lstStyle/>
+          <a:p>
+            <a:r>
+              <a:rPr lang="en-US" altLang="ja-JP" dirty="0"/>
+              <a:t>map</a:t>
+            </a:r>
+            <a:r>
+              <a:rPr lang="ja-JP" altLang="en-US" dirty="0"/>
+              <a:t>の構文</a:t>
+            </a:r>
+            <a:endParaRPr kumimoji="1" lang="ja-JP" altLang="en-US" dirty="0"/>
+          </a:p>
+        </p:txBody>
+      </p:sp>
+      <mc:AlternateContent xmlns:mc="http://schemas.openxmlformats.org/markup-compatibility/2006">
+        <mc:Choice xmlns:a14="http://schemas.microsoft.com/office/drawing/2010/main" Requires="a14">
+          <p:sp>
+            <p:nvSpPr>
+              <p:cNvPr id="3" name="コンテンツ プレースホルダー 2">
+                <a:extLst>
+                  <a:ext uri="{FF2B5EF4-FFF2-40B4-BE49-F238E27FC236}">
+                    <a16:creationId xmlns:a16="http://schemas.microsoft.com/office/drawing/2014/main" id="{86C44519-6084-4F24-A5C1-01A9641DA3D3}"/>
+                  </a:ext>
+                </a:extLst>
+              </p:cNvPr>
+              <p:cNvSpPr>
+                <a:spLocks noGrp="1"/>
+              </p:cNvSpPr>
+              <p:nvPr>
+                <p:ph idx="1"/>
+              </p:nvPr>
+            </p:nvSpPr>
+            <p:spPr/>
+            <p:txBody>
+              <a:bodyPr/>
+              <a:lstStyle/>
+              <a:p>
+                <a:pPr marL="0" indent="0">
+                  <a:buNone/>
+                </a:pPr>
+                <a14:m>
+                  <m:oMathPara xmlns:m="http://schemas.openxmlformats.org/officeDocument/2006/math">
+                    <m:oMathParaPr>
+                      <m:jc m:val="centerGroup"/>
+                    </m:oMathParaPr>
+                    <m:oMath xmlns:m="http://schemas.openxmlformats.org/officeDocument/2006/math">
+                      <m:r>
+                        <a:rPr kumimoji="1" lang="en-US" altLang="ja-JP" b="0" i="1" smtClean="0">
+                          <a:latin typeface="Cambria Math" panose="02040503050406030204" pitchFamily="18" charset="0"/>
+                        </a:rPr>
+                        <m:t>&lt;</m:t>
+                      </m:r>
+                      <m:r>
+                        <a:rPr kumimoji="1" lang="en-US" altLang="ja-JP" b="0" i="1" smtClean="0">
+                          <a:latin typeface="Cambria Math" panose="02040503050406030204" pitchFamily="18" charset="0"/>
+                        </a:rPr>
+                        <m:t>𝑚𝑎𝑧𝑒</m:t>
+                      </m:r>
+                      <m:r>
+                        <a:rPr kumimoji="1" lang="en-US" altLang="ja-JP" b="0" i="1" smtClean="0">
+                          <a:latin typeface="Cambria Math" panose="02040503050406030204" pitchFamily="18" charset="0"/>
+                        </a:rPr>
+                        <m:t>&gt;∷=′</m:t>
+                      </m:r>
+                      <m:r>
+                        <a:rPr kumimoji="1" lang="en-US" altLang="ja-JP" b="0" i="1" smtClean="0">
+                          <a:latin typeface="Cambria Math" panose="02040503050406030204" pitchFamily="18" charset="0"/>
+                        </a:rPr>
+                        <m:t>𝑋</m:t>
+                      </m:r>
+                      <m:r>
+                        <a:rPr kumimoji="1" lang="en-US" altLang="ja-JP" b="0" i="1" smtClean="0">
+                          <a:latin typeface="Cambria Math" panose="02040503050406030204" pitchFamily="18" charset="0"/>
+                        </a:rPr>
+                        <m:t>′</m:t>
+                      </m:r>
+                      <m:sSup>
+                        <m:sSupPr>
+                          <m:ctrlPr>
+                            <a:rPr kumimoji="1" lang="en-US" altLang="ja-JP" b="0" i="1" smtClean="0">
+                              <a:latin typeface="Cambria Math" panose="02040503050406030204" pitchFamily="18" charset="0"/>
+                            </a:rPr>
+                          </m:ctrlPr>
+                        </m:sSupPr>
+                        <m:e>
+                          <m:d>
+                            <m:dPr>
+                              <m:begChr m:val="|"/>
+                              <m:endChr m:val="|"/>
+                              <m:ctrlPr>
+                                <a:rPr kumimoji="1" lang="en-US" altLang="ja-JP" b="0" i="1" smtClean="0">
+                                  <a:latin typeface="Cambria Math" panose="02040503050406030204" pitchFamily="18" charset="0"/>
+                                </a:rPr>
+                              </m:ctrlPr>
+                            </m:dPr>
+                            <m:e>
+                              <m:r>
+                                <a:rPr kumimoji="1" lang="en-US" altLang="ja-JP" b="0" i="1" smtClean="0">
+                                  <a:latin typeface="Cambria Math" panose="02040503050406030204" pitchFamily="18" charset="0"/>
+                                </a:rPr>
+                                <m:t>′</m:t>
+                              </m:r>
+                              <m:r>
+                                <a:rPr kumimoji="1" lang="en-US" altLang="ja-JP" b="0" i="1" smtClean="0">
+                                  <a:latin typeface="Cambria Math" panose="02040503050406030204" pitchFamily="18" charset="0"/>
+                                </a:rPr>
+                                <m:t>𝑂</m:t>
+                              </m:r>
+                              <m:r>
+                                <a:rPr kumimoji="1" lang="en-US" altLang="ja-JP" b="0" i="1" smtClean="0">
+                                  <a:latin typeface="Cambria Math" panose="02040503050406030204" pitchFamily="18" charset="0"/>
+                                </a:rPr>
+                                <m:t>′</m:t>
+                              </m:r>
+                            </m:e>
+                          </m:d>
+                        </m:e>
+                        <m:sup>
+                          <m:r>
+                            <a:rPr kumimoji="1" lang="en-US" altLang="ja-JP" b="0" i="1" smtClean="0">
+                              <a:latin typeface="Cambria Math" panose="02040503050406030204" pitchFamily="18" charset="0"/>
+                            </a:rPr>
+                            <m:t>′</m:t>
+                          </m:r>
+                        </m:sup>
+                      </m:sSup>
+                      <m:r>
+                        <a:rPr kumimoji="1" lang="en-US" altLang="ja-JP" b="0" i="1" smtClean="0">
+                          <a:latin typeface="Cambria Math" panose="02040503050406030204" pitchFamily="18" charset="0"/>
+                        </a:rPr>
+                        <m:t>′</m:t>
+                      </m:r>
+                    </m:oMath>
+                  </m:oMathPara>
+                </a14:m>
+                <a:endParaRPr kumimoji="1" lang="ja-JP" altLang="en-US" dirty="0"/>
+              </a:p>
+            </p:txBody>
+          </p:sp>
+        </mc:Choice>
+        <mc:Fallback>
+          <p:sp>
+            <p:nvSpPr>
+              <p:cNvPr id="3" name="コンテンツ プレースホルダー 2">
+                <a:extLst>
+                  <a:ext uri="{FF2B5EF4-FFF2-40B4-BE49-F238E27FC236}">
+                    <a16:creationId xmlns:a16="http://schemas.microsoft.com/office/drawing/2014/main" id="{86C44519-6084-4F24-A5C1-01A9641DA3D3}"/>
+                  </a:ext>
+                </a:extLst>
+              </p:cNvPr>
+              <p:cNvSpPr>
+                <a:spLocks noGrp="1" noRot="1" noChangeAspect="1" noMove="1" noResize="1" noEditPoints="1" noAdjustHandles="1" noChangeArrowheads="1" noChangeShapeType="1" noTextEdit="1"/>
+              </p:cNvSpPr>
+              <p:nvPr>
+                <p:ph idx="1"/>
+              </p:nvPr>
+            </p:nvSpPr>
+            <p:spPr>
+              <a:blipFill>
+                <a:blip r:embed="rId2"/>
+                <a:stretch>
+                  <a:fillRect t="-140"/>
+                </a:stretch>
+              </a:blipFill>
+            </p:spPr>
+            <p:txBody>
+              <a:bodyPr/>
+              <a:lstStyle/>
+              <a:p>
+                <a:r>
+                  <a:rPr lang="ja-JP" altLang="en-US">
+                    <a:noFill/>
+                  </a:rPr>
+                  <a:t> </a:t>
+                </a:r>
+              </a:p>
+            </p:txBody>
+          </p:sp>
+        </mc:Fallback>
+      </mc:AlternateContent>
+    </p:spTree>
+    <p:extLst>
+      <p:ext uri="{BB962C8B-B14F-4D97-AF65-F5344CB8AC3E}">
+        <p14:creationId xmlns:p14="http://schemas.microsoft.com/office/powerpoint/2010/main" val="388713178"/>
+      </p:ext>
+    </p:extLst>
+  </p:cSld>
+  <p:clrMapOvr>
+    <a:masterClrMapping/>
+  </p:clrMapOvr>
+</p:sld>
+</file>
+
+<file path=ppt/slides/slide8.xml><?xml version="1.0" encoding="utf-8"?>
+<p:sld xmlns:a="http://schemas.openxmlformats.org/drawingml/2006/main" xmlns:r="http://schemas.openxmlformats.org/officeDocument/2006/relationships" xmlns:p="http://schemas.openxmlformats.org/presentationml/2006/main">
+  <p:cSld>
+    <p:spTree>
+      <p:nvGrpSpPr>
+        <p:cNvPr id="1" name=""/>
+        <p:cNvGrpSpPr/>
+        <p:nvPr/>
+      </p:nvGrpSpPr>
+      <p:grpSpPr>
+        <a:xfrm>
+          <a:off x="0" y="0"/>
+          <a:ext cx="0" cy="0"/>
+          <a:chOff x="0" y="0"/>
+          <a:chExt cx="0" cy="0"/>
+        </a:xfrm>
+      </p:grpSpPr>
+      <p:sp>
+        <p:nvSpPr>
+          <p:cNvPr id="2" name="タイトル 1">
+            <a:extLst>
+              <a:ext uri="{FF2B5EF4-FFF2-40B4-BE49-F238E27FC236}">
                 <a16:creationId xmlns:a16="http://schemas.microsoft.com/office/drawing/2014/main" id="{6E9334EE-5D45-44EF-82DF-FF97D2E64474}"/>
               </a:ext>
             </a:extLst>
@@ -5564,8 +5794,12 @@
               <a:t>’X’</a:t>
             </a:r>
             <a:r>
+              <a:rPr lang="ja-JP" altLang="en-US"/>
+              <a:t>にタテヨコで囲まれなければ</a:t>
+            </a:r>
+            <a:r>
               <a:rPr lang="ja-JP" altLang="en-US" dirty="0"/>
-              <a:t>に囲まれなければならない。</a:t>
+              <a:t>ならない。</a:t>
             </a:r>
             <a:endParaRPr kumimoji="1" lang="ja-JP" altLang="en-US" dirty="0"/>
           </a:p>
@@ -5584,7 +5818,7 @@
 </p:sld>
 </file>
 
-<file path=ppt/slides/slide8.xml><?xml version="1.0" encoding="utf-8"?>
+<file path=ppt/slides/slide9.xml><?xml version="1.0" encoding="utf-8"?>
 <p:sld xmlns:a="http://schemas.openxmlformats.org/drawingml/2006/main" xmlns:r="http://schemas.openxmlformats.org/officeDocument/2006/relationships" xmlns:p="http://schemas.openxmlformats.org/presentationml/2006/main">
   <p:cSld>
     <p:spTree>

--- a/presentation.pptx
+++ b/presentation.pptx
@@ -5457,7 +5457,7 @@
                 <a14:m>
                   <m:oMathPara xmlns:m="http://schemas.openxmlformats.org/officeDocument/2006/math">
                     <m:oMathParaPr>
-                      <m:jc m:val="centerGroup"/>
+                      <m:jc m:val="left"/>
                     </m:oMathParaPr>
                     <m:oMath xmlns:m="http://schemas.openxmlformats.org/officeDocument/2006/math">
                       <m:r>
@@ -5476,7 +5476,52 @@
                         <a:rPr kumimoji="1" lang="en-US" altLang="ja-JP" b="0" i="1" smtClean="0">
                           <a:latin typeface="Cambria Math" panose="02040503050406030204" pitchFamily="18" charset="0"/>
                         </a:rPr>
-                        <m:t>&gt;∷=′</m:t>
+                        <m:t>&gt;∷=&lt;</m:t>
+                      </m:r>
+                      <m:r>
+                        <a:rPr kumimoji="1" lang="en-US" altLang="ja-JP" b="0" i="1" smtClean="0">
+                          <a:latin typeface="Cambria Math" panose="02040503050406030204" pitchFamily="18" charset="0"/>
+                        </a:rPr>
+                        <m:t>𝑙𝑖𝑛𝑒</m:t>
+                      </m:r>
+                      <m:r>
+                        <a:rPr kumimoji="1" lang="en-US" altLang="ja-JP" b="0" i="1" smtClean="0">
+                          <a:latin typeface="Cambria Math" panose="02040503050406030204" pitchFamily="18" charset="0"/>
+                        </a:rPr>
+                        <m:t>&gt;</m:t>
+                      </m:r>
+                    </m:oMath>
+                  </m:oMathPara>
+                </a14:m>
+                <a:endParaRPr kumimoji="1" lang="en-US" altLang="ja-JP" b="0" dirty="0"/>
+              </a:p>
+              <a:p>
+                <a:pPr marL="0" indent="0">
+                  <a:buNone/>
+                </a:pPr>
+                <a14:m>
+                  <m:oMathPara xmlns:m="http://schemas.openxmlformats.org/officeDocument/2006/math">
+                    <m:oMathParaPr>
+                      <m:jc m:val="left"/>
+                    </m:oMathParaPr>
+                    <m:oMath xmlns:m="http://schemas.openxmlformats.org/officeDocument/2006/math">
+                      <m:r>
+                        <a:rPr kumimoji="1" lang="en-US" altLang="ja-JP" b="0" i="1" smtClean="0">
+                          <a:latin typeface="Cambria Math" panose="02040503050406030204" pitchFamily="18" charset="0"/>
+                        </a:rPr>
+                        <m:t>&lt;</m:t>
+                      </m:r>
+                      <m:r>
+                        <a:rPr kumimoji="1" lang="en-US" altLang="ja-JP" b="0" i="1" smtClean="0">
+                          <a:latin typeface="Cambria Math" panose="02040503050406030204" pitchFamily="18" charset="0"/>
+                        </a:rPr>
+                        <m:t>𝑙𝑖𝑛𝑒</m:t>
+                      </m:r>
+                      <m:r>
+                        <a:rPr kumimoji="1" lang="en-US" altLang="ja-JP" b="0" i="1" smtClean="0">
+                          <a:latin typeface="Cambria Math" panose="02040503050406030204" pitchFamily="18" charset="0"/>
+                        </a:rPr>
+                        <m:t>&gt;≔</m:t>
                       </m:r>
                       <m:r>
                         <a:rPr kumimoji="1" lang="en-US" altLang="ja-JP" b="0" i="1" smtClean="0">
@@ -5484,71 +5529,88 @@
                         </a:rPr>
                         <m:t>𝑋</m:t>
                       </m:r>
-                      <m:r>
-                        <a:rPr kumimoji="1" lang="en-US" altLang="ja-JP" b="0" i="1" smtClean="0">
-                          <a:latin typeface="Cambria Math" panose="02040503050406030204" pitchFamily="18" charset="0"/>
-                        </a:rPr>
-                        <m:t>′</m:t>
-                      </m:r>
-                      <m:sSup>
-                        <m:sSupPr>
+                      <m:d>
+                        <m:dPr>
+                          <m:begChr m:val="|"/>
+                          <m:endChr m:val="|"/>
                           <m:ctrlPr>
                             <a:rPr kumimoji="1" lang="en-US" altLang="ja-JP" b="0" i="1" smtClean="0">
                               <a:latin typeface="Cambria Math" panose="02040503050406030204" pitchFamily="18" charset="0"/>
                             </a:rPr>
                           </m:ctrlPr>
-                        </m:sSupPr>
+                        </m:dPr>
                         <m:e>
-                          <m:d>
-                            <m:dPr>
-                              <m:begChr m:val="|"/>
-                              <m:endChr m:val="|"/>
-                              <m:ctrlPr>
-                                <a:rPr kumimoji="1" lang="en-US" altLang="ja-JP" b="0" i="1" smtClean="0">
-                                  <a:latin typeface="Cambria Math" panose="02040503050406030204" pitchFamily="18" charset="0"/>
-                                </a:rPr>
-                              </m:ctrlPr>
-                            </m:dPr>
-                            <m:e>
-                              <m:r>
-                                <a:rPr kumimoji="1" lang="en-US" altLang="ja-JP" b="0" i="1" smtClean="0">
-                                  <a:latin typeface="Cambria Math" panose="02040503050406030204" pitchFamily="18" charset="0"/>
-                                </a:rPr>
-                                <m:t>′</m:t>
-                              </m:r>
-                              <m:r>
-                                <a:rPr kumimoji="1" lang="en-US" altLang="ja-JP" b="0" i="1" smtClean="0">
-                                  <a:latin typeface="Cambria Math" panose="02040503050406030204" pitchFamily="18" charset="0"/>
-                                </a:rPr>
-                                <m:t>𝑂</m:t>
-                              </m:r>
-                              <m:r>
-                                <a:rPr kumimoji="1" lang="en-US" altLang="ja-JP" b="0" i="1" smtClean="0">
-                                  <a:latin typeface="Cambria Math" panose="02040503050406030204" pitchFamily="18" charset="0"/>
-                                </a:rPr>
-                                <m:t>′</m:t>
-                              </m:r>
-                            </m:e>
-                          </m:d>
-                        </m:e>
-                        <m:sup>
                           <m:r>
                             <a:rPr kumimoji="1" lang="en-US" altLang="ja-JP" b="0" i="1" smtClean="0">
                               <a:latin typeface="Cambria Math" panose="02040503050406030204" pitchFamily="18" charset="0"/>
                             </a:rPr>
-                            <m:t>′</m:t>
+                            <m:t>𝑂</m:t>
                           </m:r>
-                        </m:sup>
-                      </m:sSup>
+                        </m:e>
+                      </m:d>
                       <m:r>
                         <a:rPr kumimoji="1" lang="en-US" altLang="ja-JP" b="0" i="1" smtClean="0">
                           <a:latin typeface="Cambria Math" panose="02040503050406030204" pitchFamily="18" charset="0"/>
                         </a:rPr>
-                        <m:t>′</m:t>
+                        <m:t>𝑠𝑝𝑎𝑐𝑒</m:t>
+                      </m:r>
+                      <m:r>
+                        <a:rPr kumimoji="1" lang="en-US" altLang="ja-JP" b="0" i="1" smtClean="0">
+                          <a:latin typeface="Cambria Math" panose="02040503050406030204" pitchFamily="18" charset="0"/>
+                        </a:rPr>
+                        <m:t>|</m:t>
+                      </m:r>
+                      <m:r>
+                        <a:rPr kumimoji="1" lang="en-US" altLang="ja-JP" b="0" i="1" smtClean="0">
+                          <a:latin typeface="Cambria Math" panose="02040503050406030204" pitchFamily="18" charset="0"/>
+                        </a:rPr>
+                        <m:t>𝑁</m:t>
+                      </m:r>
+                      <m:r>
+                        <a:rPr kumimoji="1" lang="en-US" altLang="ja-JP" b="0" i="1" smtClean="0">
+                          <a:latin typeface="Cambria Math" panose="02040503050406030204" pitchFamily="18" charset="0"/>
+                        </a:rPr>
+                        <m:t>|</m:t>
+                      </m:r>
+                      <m:r>
+                        <a:rPr kumimoji="1" lang="en-US" altLang="ja-JP" b="0" i="1" smtClean="0">
+                          <a:latin typeface="Cambria Math" panose="02040503050406030204" pitchFamily="18" charset="0"/>
+                        </a:rPr>
+                        <m:t>𝑆</m:t>
+                      </m:r>
+                      <m:r>
+                        <a:rPr kumimoji="1" lang="en-US" altLang="ja-JP" b="0" i="1" smtClean="0">
+                          <a:latin typeface="Cambria Math" panose="02040503050406030204" pitchFamily="18" charset="0"/>
+                        </a:rPr>
+                        <m:t>|</m:t>
+                      </m:r>
+                      <m:r>
+                        <a:rPr kumimoji="1" lang="en-US" altLang="ja-JP" b="0" i="1" smtClean="0">
+                          <a:latin typeface="Cambria Math" panose="02040503050406030204" pitchFamily="18" charset="0"/>
+                        </a:rPr>
+                        <m:t>𝑊</m:t>
+                      </m:r>
+                      <m:r>
+                        <a:rPr kumimoji="1" lang="en-US" altLang="ja-JP" b="0" i="1" smtClean="0">
+                          <a:latin typeface="Cambria Math" panose="02040503050406030204" pitchFamily="18" charset="0"/>
+                        </a:rPr>
+                        <m:t>|</m:t>
+                      </m:r>
+                      <m:r>
+                        <a:rPr kumimoji="1" lang="en-US" altLang="ja-JP" b="0" i="1" smtClean="0">
+                          <a:latin typeface="Cambria Math" panose="02040503050406030204" pitchFamily="18" charset="0"/>
+                        </a:rPr>
+                        <m:t>𝐸</m:t>
                       </m:r>
                     </m:oMath>
                   </m:oMathPara>
                 </a14:m>
+                <a:endParaRPr kumimoji="1" lang="en-US" altLang="ja-JP" b="0" dirty="0"/>
+              </a:p>
+              <a:p>
+                <a:pPr marL="0" indent="0">
+                  <a:buNone/>
+                </a:pPr>
                 <a:endParaRPr kumimoji="1" lang="ja-JP" altLang="en-US" dirty="0"/>
               </a:p>
             </p:txBody>
@@ -5575,7 +5637,7 @@
               <a:blipFill>
                 <a:blip r:embed="rId2"/>
                 <a:stretch>
-                  <a:fillRect t="-140"/>
+                  <a:fillRect l="-174"/>
                 </a:stretch>
               </a:blipFill>
             </p:spPr>

--- a/presentation.pptx
+++ b/presentation.pptx
@@ -4242,8 +4242,8 @@
           </a:p>
         </p:txBody>
       </p:sp>
-      <mc:AlternateContent xmlns:mc="http://schemas.openxmlformats.org/markup-compatibility/2006" xmlns:a14="http://schemas.microsoft.com/office/drawing/2010/main">
-        <mc:Choice Requires="a14">
+      <mc:AlternateContent xmlns:mc="http://schemas.openxmlformats.org/markup-compatibility/2006">
+        <mc:Choice xmlns:a14="http://schemas.microsoft.com/office/drawing/2010/main" Requires="a14">
           <p:sp>
             <p:nvSpPr>
               <p:cNvPr id="3" name="コンテンツ プレースホルダー 2">
@@ -4284,7 +4284,7 @@
                         <a:rPr kumimoji="1" lang="en-US" altLang="ja-JP" b="0" i="1" smtClean="0">
                           <a:latin typeface="Cambria Math" panose="02040503050406030204" pitchFamily="18" charset="0"/>
                         </a:rPr>
-                        <m:t>𝑙𝑎𝑏𝑒𝑙</m:t>
+                        <m:t>𝑠𝑦𝑛𝑡𝑎𝑥</m:t>
                       </m:r>
                       <m:r>
                         <a:rPr kumimoji="1" lang="en-US" altLang="ja-JP" b="0" i="1" smtClean="0">
@@ -4302,39 +4302,277 @@
                         <a:rPr kumimoji="1" lang="en-US" altLang="ja-JP" b="0" i="1" smtClean="0">
                           <a:latin typeface="Cambria Math" panose="02040503050406030204" pitchFamily="18" charset="0"/>
                         </a:rPr>
+                        <m:t>&gt;&lt;</m:t>
+                      </m:r>
+                      <m:r>
+                        <a:rPr kumimoji="1" lang="en-US" altLang="ja-JP" b="0" i="1" smtClean="0">
+                          <a:latin typeface="Cambria Math" panose="02040503050406030204" pitchFamily="18" charset="0"/>
+                        </a:rPr>
+                        <m:t>𝑒𝑛𝑡𝑟𝑦𝑃𝑜𝑖𝑛𝑡</m:t>
+                      </m:r>
+                      <m:r>
+                        <a:rPr kumimoji="1" lang="en-US" altLang="ja-JP" b="0" i="1" smtClean="0">
+                          <a:latin typeface="Cambria Math" panose="02040503050406030204" pitchFamily="18" charset="0"/>
+                        </a:rPr>
+                        <m:t>&gt;|&lt;</m:t>
+                      </m:r>
+                      <m:r>
+                        <a:rPr kumimoji="1" lang="en-US" altLang="ja-JP" b="0" i="1" smtClean="0">
+                          <a:latin typeface="Cambria Math" panose="02040503050406030204" pitchFamily="18" charset="0"/>
+                        </a:rPr>
+                        <m:t>𝑒𝑛𝑡𝑟𝑦𝑃𝑜𝑖𝑛𝑡</m:t>
+                      </m:r>
+                      <m:r>
+                        <a:rPr kumimoji="1" lang="en-US" altLang="ja-JP" b="0" i="1" smtClean="0">
+                          <a:latin typeface="Cambria Math" panose="02040503050406030204" pitchFamily="18" charset="0"/>
+                        </a:rPr>
+                        <m:t>&gt;&lt;</m:t>
+                      </m:r>
+                      <m:r>
+                        <a:rPr kumimoji="1" lang="en-US" altLang="ja-JP" b="0" i="1" smtClean="0">
+                          <a:latin typeface="Cambria Math" panose="02040503050406030204" pitchFamily="18" charset="0"/>
+                        </a:rPr>
+                        <m:t>𝑚𝑎𝑝</m:t>
+                      </m:r>
+                      <m:r>
+                        <a:rPr kumimoji="1" lang="en-US" altLang="ja-JP" b="0" i="1" smtClean="0">
+                          <a:latin typeface="Cambria Math" panose="02040503050406030204" pitchFamily="18" charset="0"/>
+                        </a:rPr>
+                        <m:t>&gt;|&lt;</m:t>
+                      </m:r>
+                      <m:r>
+                        <a:rPr kumimoji="1" lang="en-US" altLang="ja-JP" b="0" i="1" smtClean="0">
+                          <a:latin typeface="Cambria Math" panose="02040503050406030204" pitchFamily="18" charset="0"/>
+                        </a:rPr>
+                        <m:t>𝑚𝑎𝑝</m:t>
+                      </m:r>
+                      <m:r>
+                        <a:rPr kumimoji="1" lang="en-US" altLang="ja-JP" b="0" i="1" smtClean="0">
+                          <a:latin typeface="Cambria Math" panose="02040503050406030204" pitchFamily="18" charset="0"/>
+                        </a:rPr>
+                        <m:t>&gt;&lt;</m:t>
+                      </m:r>
+                      <m:r>
+                        <a:rPr kumimoji="1" lang="en-US" altLang="ja-JP" b="0" i="1" smtClean="0">
+                          <a:latin typeface="Cambria Math" panose="02040503050406030204" pitchFamily="18" charset="0"/>
+                        </a:rPr>
+                        <m:t>𝑝𝑎𝑡𝑡𝑒𝑟𝑛</m:t>
+                      </m:r>
+                      <m:r>
+                        <a:rPr kumimoji="1" lang="en-US" altLang="ja-JP" b="0" i="1" smtClean="0">
+                          <a:latin typeface="Cambria Math" panose="02040503050406030204" pitchFamily="18" charset="0"/>
+                        </a:rPr>
+                        <m:t>&gt;&lt;</m:t>
+                      </m:r>
+                      <m:r>
+                        <a:rPr kumimoji="1" lang="en-US" altLang="ja-JP" b="0" i="1" smtClean="0">
+                          <a:latin typeface="Cambria Math" panose="02040503050406030204" pitchFamily="18" charset="0"/>
+                        </a:rPr>
+                        <m:t>𝑒𝑛𝑡𝑟𝑦𝑃𝑜𝑖𝑛𝑡</m:t>
+                      </m:r>
+                      <m:r>
+                        <a:rPr kumimoji="1" lang="en-US" altLang="ja-JP" b="0" i="1" smtClean="0">
+                          <a:latin typeface="Cambria Math" panose="02040503050406030204" pitchFamily="18" charset="0"/>
+                        </a:rPr>
+                        <m:t>&gt;|&lt;</m:t>
+                      </m:r>
+                      <m:r>
+                        <a:rPr kumimoji="1" lang="en-US" altLang="ja-JP" b="0" i="1" smtClean="0">
+                          <a:latin typeface="Cambria Math" panose="02040503050406030204" pitchFamily="18" charset="0"/>
+                        </a:rPr>
+                        <m:t>𝑚𝑎𝑝</m:t>
+                      </m:r>
+                      <m:r>
+                        <a:rPr kumimoji="1" lang="en-US" altLang="ja-JP" b="0" i="1" smtClean="0">
+                          <a:latin typeface="Cambria Math" panose="02040503050406030204" pitchFamily="18" charset="0"/>
+                        </a:rPr>
+                        <m:t>&gt;&lt;</m:t>
+                      </m:r>
+                      <m:r>
+                        <a:rPr kumimoji="1" lang="en-US" altLang="ja-JP" b="0" i="1" smtClean="0">
+                          <a:latin typeface="Cambria Math" panose="02040503050406030204" pitchFamily="18" charset="0"/>
+                        </a:rPr>
+                        <m:t>𝑒𝑛𝑡𝑟𝑦𝑃𝑜𝑖𝑛𝑡</m:t>
+                      </m:r>
+                      <m:r>
+                        <a:rPr kumimoji="1" lang="en-US" altLang="ja-JP" b="0" i="1" smtClean="0">
+                          <a:latin typeface="Cambria Math" panose="02040503050406030204" pitchFamily="18" charset="0"/>
+                        </a:rPr>
+                        <m:t>&gt;&lt;</m:t>
+                      </m:r>
+                      <m:r>
+                        <a:rPr kumimoji="1" lang="en-US" altLang="ja-JP" b="0" i="1" smtClean="0">
+                          <a:latin typeface="Cambria Math" panose="02040503050406030204" pitchFamily="18" charset="0"/>
+                        </a:rPr>
+                        <m:t>𝑝𝑎𝑡𝑡𝑒𝑟𝑛</m:t>
+                      </m:r>
+                      <m:r>
+                        <a:rPr kumimoji="1" lang="en-US" altLang="ja-JP" b="0" i="1" smtClean="0">
+                          <a:latin typeface="Cambria Math" panose="02040503050406030204" pitchFamily="18" charset="0"/>
+                        </a:rPr>
+                        <m:t>&gt;|&lt;</m:t>
+                      </m:r>
+                      <m:r>
+                        <a:rPr kumimoji="1" lang="en-US" altLang="ja-JP" b="0" i="1" smtClean="0">
+                          <a:latin typeface="Cambria Math" panose="02040503050406030204" pitchFamily="18" charset="0"/>
+                        </a:rPr>
+                        <m:t>𝑝𝑎𝑡𝑡𝑒𝑟𝑛</m:t>
+                      </m:r>
+                      <m:r>
+                        <a:rPr kumimoji="1" lang="en-US" altLang="ja-JP" b="0" i="1" smtClean="0">
+                          <a:latin typeface="Cambria Math" panose="02040503050406030204" pitchFamily="18" charset="0"/>
+                        </a:rPr>
+                        <m:t>&gt;&lt;</m:t>
+                      </m:r>
+                      <m:r>
+                        <a:rPr kumimoji="1" lang="en-US" altLang="ja-JP" b="0" i="1" smtClean="0">
+                          <a:latin typeface="Cambria Math" panose="02040503050406030204" pitchFamily="18" charset="0"/>
+                        </a:rPr>
+                        <m:t>𝑚𝑎𝑝</m:t>
+                      </m:r>
+                      <m:r>
+                        <a:rPr kumimoji="1" lang="en-US" altLang="ja-JP" b="0" i="1" smtClean="0">
+                          <a:latin typeface="Cambria Math" panose="02040503050406030204" pitchFamily="18" charset="0"/>
+                        </a:rPr>
+                        <m:t>&gt;&lt;</m:t>
+                      </m:r>
+                      <m:r>
+                        <a:rPr kumimoji="1" lang="en-US" altLang="ja-JP" b="0" i="1" smtClean="0">
+                          <a:latin typeface="Cambria Math" panose="02040503050406030204" pitchFamily="18" charset="0"/>
+                        </a:rPr>
+                        <m:t>𝑒𝑛𝑡𝑟𝑦𝑃𝑜𝑖𝑛𝑡</m:t>
+                      </m:r>
+                      <m:r>
+                        <a:rPr kumimoji="1" lang="en-US" altLang="ja-JP" b="0" i="1" smtClean="0">
+                          <a:latin typeface="Cambria Math" panose="02040503050406030204" pitchFamily="18" charset="0"/>
+                        </a:rPr>
+                        <m:t>&gt;|&lt;</m:t>
+                      </m:r>
+                      <m:r>
+                        <a:rPr kumimoji="1" lang="en-US" altLang="ja-JP" b="0" i="1" smtClean="0">
+                          <a:latin typeface="Cambria Math" panose="02040503050406030204" pitchFamily="18" charset="0"/>
+                        </a:rPr>
+                        <m:t>𝑝𝑎𝑡𝑡𝑒𝑟𝑛</m:t>
+                      </m:r>
+                      <m:r>
+                        <a:rPr kumimoji="1" lang="en-US" altLang="ja-JP" b="0" i="1" smtClean="0">
+                          <a:latin typeface="Cambria Math" panose="02040503050406030204" pitchFamily="18" charset="0"/>
+                        </a:rPr>
+                        <m:t>&gt;&lt;</m:t>
+                      </m:r>
+                      <m:r>
+                        <a:rPr kumimoji="1" lang="en-US" altLang="ja-JP" b="0" i="1" smtClean="0">
+                          <a:latin typeface="Cambria Math" panose="02040503050406030204" pitchFamily="18" charset="0"/>
+                        </a:rPr>
+                        <m:t>𝑒𝑛𝑡𝑟𝑦𝑃𝑜𝑖𝑛𝑡</m:t>
+                      </m:r>
+                      <m:r>
+                        <a:rPr kumimoji="1" lang="en-US" altLang="ja-JP" b="0" i="1" smtClean="0">
+                          <a:latin typeface="Cambria Math" panose="02040503050406030204" pitchFamily="18" charset="0"/>
+                        </a:rPr>
+                        <m:t>&gt;&lt;</m:t>
+                      </m:r>
+                      <m:r>
+                        <a:rPr kumimoji="1" lang="en-US" altLang="ja-JP" b="0" i="1" smtClean="0">
+                          <a:latin typeface="Cambria Math" panose="02040503050406030204" pitchFamily="18" charset="0"/>
+                        </a:rPr>
+                        <m:t>𝑚𝑎𝑝</m:t>
+                      </m:r>
+                      <m:r>
+                        <a:rPr kumimoji="1" lang="en-US" altLang="ja-JP" b="0" i="1" smtClean="0">
+                          <a:latin typeface="Cambria Math" panose="02040503050406030204" pitchFamily="18" charset="0"/>
+                        </a:rPr>
+                        <m:t>&gt;|&lt;</m:t>
+                      </m:r>
+                      <m:r>
+                        <a:rPr kumimoji="1" lang="en-US" altLang="ja-JP" b="0" i="1" smtClean="0">
+                          <a:latin typeface="Cambria Math" panose="02040503050406030204" pitchFamily="18" charset="0"/>
+                        </a:rPr>
+                        <m:t>𝑒𝑛𝑡𝑟𝑦𝑃𝑜𝑖𝑛𝑡</m:t>
+                      </m:r>
+                      <m:r>
+                        <a:rPr kumimoji="1" lang="en-US" altLang="ja-JP" b="0" i="1" smtClean="0">
+                          <a:latin typeface="Cambria Math" panose="02040503050406030204" pitchFamily="18" charset="0"/>
+                        </a:rPr>
+                        <m:t>&gt;&lt;</m:t>
+                      </m:r>
+                      <m:r>
+                        <a:rPr kumimoji="1" lang="en-US" altLang="ja-JP" b="0" i="1" smtClean="0">
+                          <a:latin typeface="Cambria Math" panose="02040503050406030204" pitchFamily="18" charset="0"/>
+                        </a:rPr>
+                        <m:t>𝑚𝑎𝑝</m:t>
+                      </m:r>
+                      <m:r>
+                        <a:rPr kumimoji="1" lang="en-US" altLang="ja-JP" b="0" i="1" smtClean="0">
+                          <a:latin typeface="Cambria Math" panose="02040503050406030204" pitchFamily="18" charset="0"/>
+                        </a:rPr>
+                        <m:t>&gt;&lt;</m:t>
+                      </m:r>
+                      <m:r>
+                        <a:rPr kumimoji="1" lang="en-US" altLang="ja-JP" b="0" i="1" smtClean="0">
+                          <a:latin typeface="Cambria Math" panose="02040503050406030204" pitchFamily="18" charset="0"/>
+                        </a:rPr>
+                        <m:t>𝑝𝑎𝑡𝑡𝑒𝑟𝑛</m:t>
+                      </m:r>
+                      <m:r>
+                        <a:rPr kumimoji="1" lang="en-US" altLang="ja-JP" b="0" i="1" smtClean="0">
+                          <a:latin typeface="Cambria Math" panose="02040503050406030204" pitchFamily="18" charset="0"/>
+                        </a:rPr>
+                        <m:t>&gt;|&lt;</m:t>
+                      </m:r>
+                      <m:r>
+                        <a:rPr kumimoji="1" lang="en-US" altLang="ja-JP" b="0" i="1" smtClean="0">
+                          <a:latin typeface="Cambria Math" panose="02040503050406030204" pitchFamily="18" charset="0"/>
+                        </a:rPr>
+                        <m:t>𝑒𝑛𝑡𝑟𝑦𝑃𝑜𝑖𝑛𝑡</m:t>
+                      </m:r>
+                      <m:r>
+                        <a:rPr kumimoji="1" lang="en-US" altLang="ja-JP" b="0" i="1" smtClean="0">
+                          <a:latin typeface="Cambria Math" panose="02040503050406030204" pitchFamily="18" charset="0"/>
+                        </a:rPr>
+                        <m:t>&gt;&lt;</m:t>
+                      </m:r>
+                      <m:r>
+                        <a:rPr kumimoji="1" lang="en-US" altLang="ja-JP" b="0" i="1" smtClean="0">
+                          <a:latin typeface="Cambria Math" panose="02040503050406030204" pitchFamily="18" charset="0"/>
+                        </a:rPr>
+                        <m:t>𝑝𝑎𝑡𝑡𝑒𝑟𝑛</m:t>
+                      </m:r>
+                      <m:r>
+                        <a:rPr kumimoji="1" lang="en-US" altLang="ja-JP" b="0" i="1" smtClean="0">
+                          <a:latin typeface="Cambria Math" panose="02040503050406030204" pitchFamily="18" charset="0"/>
+                        </a:rPr>
+                        <m:t>&gt;&lt;</m:t>
+                      </m:r>
+                      <m:r>
+                        <a:rPr kumimoji="1" lang="en-US" altLang="ja-JP" b="0" i="1" smtClean="0">
+                          <a:latin typeface="Cambria Math" panose="02040503050406030204" pitchFamily="18" charset="0"/>
+                        </a:rPr>
+                        <m:t>𝑚𝑎𝑝</m:t>
+                      </m:r>
+                      <m:r>
+                        <a:rPr kumimoji="1" lang="en-US" altLang="ja-JP" b="0" i="1" smtClean="0">
+                          <a:latin typeface="Cambria Math" panose="02040503050406030204" pitchFamily="18" charset="0"/>
+                        </a:rPr>
                         <m:t>&gt;</m:t>
                       </m:r>
-                      <m:d>
-                        <m:dPr>
-                          <m:begChr m:val="|"/>
-                          <m:endChr m:val="|"/>
-                          <m:ctrlPr>
-                            <a:rPr kumimoji="1" lang="en-US" altLang="ja-JP" b="0" i="1" smtClean="0">
-                              <a:latin typeface="Cambria Math" panose="02040503050406030204" pitchFamily="18" charset="0"/>
-                            </a:rPr>
-                          </m:ctrlPr>
-                        </m:dPr>
-                        <m:e>
-                          <m:r>
-                            <a:rPr kumimoji="1" lang="en-US" altLang="ja-JP" b="0" i="1" smtClean="0">
-                              <a:latin typeface="Cambria Math" panose="02040503050406030204" pitchFamily="18" charset="0"/>
-                            </a:rPr>
-                            <m:t>&lt;</m:t>
-                          </m:r>
-                          <m:r>
-                            <a:rPr kumimoji="1" lang="en-US" altLang="ja-JP" b="0" i="1" smtClean="0">
-                              <a:latin typeface="Cambria Math" panose="02040503050406030204" pitchFamily="18" charset="0"/>
-                            </a:rPr>
-                            <m:t>𝑝𝑎𝑡𝑡𝑒𝑟𝑛</m:t>
-                          </m:r>
-                          <m:r>
-                            <a:rPr kumimoji="1" lang="en-US" altLang="ja-JP" b="0" i="1" smtClean="0">
-                              <a:latin typeface="Cambria Math" panose="02040503050406030204" pitchFamily="18" charset="0"/>
-                            </a:rPr>
-                            <m:t>&gt;</m:t>
-                          </m:r>
-                        </m:e>
-                      </m:d>
+                    </m:oMath>
+                  </m:oMathPara>
+                </a14:m>
+                <a:endParaRPr kumimoji="1" lang="en-US" altLang="ja-JP" b="0" i="1" dirty="0">
+                  <a:latin typeface="Cambria Math" panose="02040503050406030204" pitchFamily="18" charset="0"/>
+                </a:endParaRPr>
+              </a:p>
+              <a:p>
+                <a:pPr marL="0" indent="0">
+                  <a:buNone/>
+                </a:pPr>
+                <a14:m>
+                  <m:oMathPara xmlns:m="http://schemas.openxmlformats.org/officeDocument/2006/math">
+                    <m:oMathParaPr>
+                      <m:jc m:val="left"/>
+                    </m:oMathParaPr>
+                    <m:oMath xmlns:m="http://schemas.openxmlformats.org/officeDocument/2006/math">
                       <m:r>
                         <a:rPr kumimoji="1" lang="en-US" altLang="ja-JP" b="0" i="1" smtClean="0">
                           <a:latin typeface="Cambria Math" panose="02040503050406030204" pitchFamily="18" charset="0"/>
@@ -4345,13 +4583,31 @@
                         <a:rPr kumimoji="1" lang="en-US" altLang="ja-JP" b="0" i="1" smtClean="0">
                           <a:latin typeface="Cambria Math" panose="02040503050406030204" pitchFamily="18" charset="0"/>
                         </a:rPr>
-                        <m:t>𝑒𝑛𝑡𝑟𝑦𝑃𝑜𝑖𝑛𝑡</m:t>
-                      </m:r>
-                      <m:r>
-                        <a:rPr kumimoji="1" lang="en-US" altLang="ja-JP" b="0" i="1" smtClean="0">
-                          <a:latin typeface="Cambria Math" panose="02040503050406030204" pitchFamily="18" charset="0"/>
-                        </a:rPr>
-                        <m:t>&gt;</m:t>
+                        <m:t>𝑚𝑎𝑝</m:t>
+                      </m:r>
+                      <m:r>
+                        <a:rPr kumimoji="1" lang="en-US" altLang="ja-JP" b="0" i="1" smtClean="0">
+                          <a:latin typeface="Cambria Math" panose="02040503050406030204" pitchFamily="18" charset="0"/>
+                        </a:rPr>
+                        <m:t>&gt;∷=</m:t>
+                      </m:r>
+                      <m:r>
+                        <a:rPr kumimoji="1" lang="en-US" altLang="ja-JP" b="0" i="1" smtClean="0">
+                          <a:latin typeface="Cambria Math" panose="02040503050406030204" pitchFamily="18" charset="0"/>
+                        </a:rPr>
+                        <m:t>𝑓𝑖𝑙𝑒</m:t>
+                      </m:r>
+                      <m:r>
+                        <a:rPr kumimoji="1" lang="en-US" altLang="ja-JP" b="0" i="1" smtClean="0">
+                          <a:latin typeface="Cambria Math" panose="02040503050406030204" pitchFamily="18" charset="0"/>
+                        </a:rPr>
+                        <m:t>_</m:t>
+                      </m:r>
+                      <m:r>
+                        <a:rPr kumimoji="1" lang="en-US" altLang="ja-JP" b="0" i="1" smtClean="0">
+                          <a:latin typeface="Cambria Math" panose="02040503050406030204" pitchFamily="18" charset="0"/>
+                        </a:rPr>
+                        <m:t>𝑛𝑎𝑚𝑒</m:t>
                       </m:r>
                     </m:oMath>
                   </m:oMathPara>
@@ -4369,40 +4625,82 @@
                     </m:oMathParaPr>
                     <m:oMath xmlns:m="http://schemas.openxmlformats.org/officeDocument/2006/math">
                       <m:r>
-                        <a:rPr kumimoji="1" lang="en-US" altLang="ja-JP" b="0" i="1" smtClean="0">
+                        <a:rPr lang="en-US" altLang="ja-JP" i="1">
                           <a:latin typeface="Cambria Math" panose="02040503050406030204" pitchFamily="18" charset="0"/>
                         </a:rPr>
                         <m:t>&lt;</m:t>
                       </m:r>
                       <m:r>
-                        <a:rPr kumimoji="1" lang="en-US" altLang="ja-JP" b="0" i="1" smtClean="0">
-                          <a:latin typeface="Cambria Math" panose="02040503050406030204" pitchFamily="18" charset="0"/>
-                        </a:rPr>
-                        <m:t>𝑚𝑎𝑝</m:t>
-                      </m:r>
-                      <m:r>
-                        <a:rPr kumimoji="1" lang="en-US" altLang="ja-JP" b="0" i="1" smtClean="0">
-                          <a:latin typeface="Cambria Math" panose="02040503050406030204" pitchFamily="18" charset="0"/>
-                        </a:rPr>
-                        <m:t>&gt;∷=</m:t>
-                      </m:r>
-                      <m:r>
-                        <a:rPr kumimoji="1" lang="en-US" altLang="ja-JP" b="0" i="1" smtClean="0">
-                          <a:latin typeface="Cambria Math" panose="02040503050406030204" pitchFamily="18" charset="0"/>
-                        </a:rPr>
-                        <m:t>𝑓𝑖𝑙𝑒</m:t>
-                      </m:r>
-                      <m:r>
-                        <a:rPr kumimoji="1" lang="en-US" altLang="ja-JP" b="0" i="1" smtClean="0">
-                          <a:latin typeface="Cambria Math" panose="02040503050406030204" pitchFamily="18" charset="0"/>
-                        </a:rPr>
-                        <m:t>_</m:t>
-                      </m:r>
-                      <m:r>
-                        <a:rPr kumimoji="1" lang="en-US" altLang="ja-JP" b="0" i="1" smtClean="0">
-                          <a:latin typeface="Cambria Math" panose="02040503050406030204" pitchFamily="18" charset="0"/>
-                        </a:rPr>
-                        <m:t>𝑛𝑎𝑚𝑒</m:t>
+                        <a:rPr lang="en-US" altLang="ja-JP" i="1">
+                          <a:latin typeface="Cambria Math" panose="02040503050406030204" pitchFamily="18" charset="0"/>
+                        </a:rPr>
+                        <m:t>𝑒𝑛𝑡𝑟𝑦𝑃𝑜𝑖𝑛𝑡</m:t>
+                      </m:r>
+                      <m:r>
+                        <a:rPr lang="en-US" altLang="ja-JP" b="0" i="1" smtClean="0">
+                          <a:latin typeface="Cambria Math" panose="02040503050406030204" pitchFamily="18" charset="0"/>
+                        </a:rPr>
+                        <m:t>&gt;∷</m:t>
+                      </m:r>
+                      <m:r>
+                        <a:rPr lang="en-US" altLang="ja-JP" b="0" i="1" smtClean="0">
+                          <a:latin typeface="Cambria Math" panose="02040503050406030204" pitchFamily="18" charset="0"/>
+                        </a:rPr>
+                        <m:t>=&lt;</m:t>
+                      </m:r>
+                      <m:r>
+                        <a:rPr lang="en-US" altLang="ja-JP" b="0" i="1" smtClean="0">
+                          <a:latin typeface="Cambria Math" panose="02040503050406030204" pitchFamily="18" charset="0"/>
+                        </a:rPr>
+                        <m:t>𝑎𝑐𝑡𝑖𝑜𝑛</m:t>
+                      </m:r>
+                      <m:r>
+                        <a:rPr lang="en-US" altLang="ja-JP" b="0" i="1" smtClean="0">
+                          <a:latin typeface="Cambria Math" panose="02040503050406030204" pitchFamily="18" charset="0"/>
+                        </a:rPr>
+                        <m:t>/</m:t>
+                      </m:r>
+                      <m:r>
+                        <a:rPr lang="en-US" altLang="ja-JP" b="0" i="1" smtClean="0">
+                          <a:latin typeface="Cambria Math" panose="02040503050406030204" pitchFamily="18" charset="0"/>
+                        </a:rPr>
+                        <m:t>𝑝𝑎𝑡𝑡𝑒𝑟𝑛</m:t>
+                      </m:r>
+                      <m:r>
+                        <a:rPr lang="ja-JP" altLang="en-US" i="1">
+                          <a:latin typeface="Cambria Math" panose="02040503050406030204" pitchFamily="18" charset="0"/>
+                        </a:rPr>
+                        <m:t>の</m:t>
+                      </m:r>
+                      <m:r>
+                        <a:rPr lang="ja-JP" altLang="en-US" i="1" smtClean="0">
+                          <a:latin typeface="Cambria Math" panose="02040503050406030204" pitchFamily="18" charset="0"/>
+                        </a:rPr>
+                        <m:t>繰り返し</m:t>
+                      </m:r>
+                      <m:r>
+                        <a:rPr lang="en-US" altLang="ja-JP" b="0" i="1" smtClean="0">
+                          <a:latin typeface="Cambria Math" panose="02040503050406030204" pitchFamily="18" charset="0"/>
+                        </a:rPr>
+                        <m:t>&gt;</m:t>
+                      </m:r>
+                      <m:r>
+                        <a:rPr lang="en-US" altLang="ja-JP" b="0" i="1" smtClean="0">
+                          <a:latin typeface="Cambria Math" panose="02040503050406030204" pitchFamily="18" charset="0"/>
+                        </a:rPr>
+                        <m:t>𝑒𝑥𝑖𝑡</m:t>
+                      </m:r>
+                      <m:r>
+                        <a:rPr lang="en-US" altLang="ja-JP" b="0" i="1" smtClean="0">
+                          <a:latin typeface="Cambria Math" panose="02040503050406030204" pitchFamily="18" charset="0"/>
+                        </a:rPr>
+                        <m:t>|</m:t>
+                      </m:r>
+                      <m:r>
+                        <a:rPr lang="en-US" altLang="ja-JP" b="0" i="1" smtClean="0">
+                          <a:latin typeface="Cambria Math" panose="02040503050406030204" pitchFamily="18" charset="0"/>
+                        </a:rPr>
+                        <m:t>𝑒𝑥𝑖𝑡</m:t>
                       </m:r>
                     </m:oMath>
                   </m:oMathPara>
@@ -4420,58 +4718,70 @@
                     </m:oMathParaPr>
                     <m:oMath xmlns:m="http://schemas.openxmlformats.org/officeDocument/2006/math">
                       <m:r>
-                        <a:rPr lang="en-US" altLang="ja-JP" i="1">
+                        <a:rPr kumimoji="1" lang="en-US" altLang="ja-JP" b="0" i="1" smtClean="0">
                           <a:latin typeface="Cambria Math" panose="02040503050406030204" pitchFamily="18" charset="0"/>
                         </a:rPr>
                         <m:t>&lt;</m:t>
                       </m:r>
                       <m:r>
-                        <a:rPr lang="en-US" altLang="ja-JP" i="1">
-                          <a:latin typeface="Cambria Math" panose="02040503050406030204" pitchFamily="18" charset="0"/>
-                        </a:rPr>
-                        <m:t>𝑒𝑛𝑡𝑟𝑦𝑃𝑜𝑖𝑛𝑡</m:t>
-                      </m:r>
-                      <m:r>
-                        <a:rPr lang="en-US" altLang="ja-JP" b="0" i="1" smtClean="0">
-                          <a:latin typeface="Cambria Math" panose="02040503050406030204" pitchFamily="18" charset="0"/>
-                        </a:rPr>
-                        <m:t>&gt;∷=</m:t>
-                      </m:r>
-                      <m:r>
-                        <a:rPr lang="en-US" altLang="ja-JP" i="1">
-                          <a:latin typeface="Cambria Math" panose="02040503050406030204" pitchFamily="18" charset="0"/>
-                        </a:rPr>
-                        <m:t>&lt;</m:t>
-                      </m:r>
-                      <m:r>
-                        <a:rPr lang="en-US" altLang="ja-JP" i="1">
+                        <a:rPr kumimoji="1" lang="en-US" altLang="ja-JP" b="0" i="1" smtClean="0">
                           <a:latin typeface="Cambria Math" panose="02040503050406030204" pitchFamily="18" charset="0"/>
                         </a:rPr>
                         <m:t>𝑎𝑐𝑡𝑖𝑜𝑛</m:t>
                       </m:r>
                       <m:r>
-                        <a:rPr lang="en-US" altLang="ja-JP" i="1">
+                        <a:rPr kumimoji="1" lang="en-US" altLang="ja-JP" b="0" i="1" smtClean="0">
+                          <a:latin typeface="Cambria Math" panose="02040503050406030204" pitchFamily="18" charset="0"/>
+                        </a:rPr>
+                        <m:t>/</m:t>
+                      </m:r>
+                      <m:r>
+                        <a:rPr kumimoji="1" lang="en-US" altLang="ja-JP" b="0" i="1" smtClean="0">
+                          <a:latin typeface="Cambria Math" panose="02040503050406030204" pitchFamily="18" charset="0"/>
+                        </a:rPr>
+                        <m:t>𝑝𝑎𝑡𝑡𝑒𝑟𝑛</m:t>
+                      </m:r>
+                      <m:r>
+                        <a:rPr lang="ja-JP" altLang="en-US" i="1">
+                          <a:latin typeface="Cambria Math" panose="02040503050406030204" pitchFamily="18" charset="0"/>
+                        </a:rPr>
+                        <m:t>の</m:t>
+                      </m:r>
+                      <m:r>
+                        <a:rPr lang="ja-JP" altLang="en-US" i="1" smtClean="0">
+                          <a:latin typeface="Cambria Math" panose="02040503050406030204" pitchFamily="18" charset="0"/>
+                        </a:rPr>
+                        <m:t>繰り返し</m:t>
+                      </m:r>
+                      <m:r>
+                        <a:rPr kumimoji="1" lang="en-US" altLang="ja-JP" b="0" i="1" smtClean="0">
+                          <a:latin typeface="Cambria Math" panose="02040503050406030204" pitchFamily="18" charset="0"/>
+                        </a:rPr>
+                        <m:t>&gt;∷=&lt;</m:t>
+                      </m:r>
+                      <m:r>
+                        <a:rPr kumimoji="1" lang="en-US" altLang="ja-JP" b="0" i="1" smtClean="0">
+                          <a:latin typeface="Cambria Math" panose="02040503050406030204" pitchFamily="18" charset="0"/>
+                        </a:rPr>
+                        <m:t>𝑝𝑎𝑡𝑡𝑒𝑟𝑛</m:t>
+                      </m:r>
+                      <m:r>
+                        <a:rPr kumimoji="1" lang="en-US" altLang="ja-JP" b="0" i="1" smtClean="0">
                           <a:latin typeface="Cambria Math" panose="02040503050406030204" pitchFamily="18" charset="0"/>
                         </a:rPr>
                         <m:t>&gt;|&lt;</m:t>
                       </m:r>
                       <m:r>
-                        <a:rPr lang="en-US" altLang="ja-JP" i="1">
-                          <a:latin typeface="Cambria Math" panose="02040503050406030204" pitchFamily="18" charset="0"/>
-                        </a:rPr>
-                        <m:t>𝑝𝑎𝑡𝑡𝑒𝑟𝑛</m:t>
-                      </m:r>
-                      <m:r>
-                        <a:rPr lang="en-US" altLang="ja-JP" i="1">
-                          <a:latin typeface="Cambria Math" panose="02040503050406030204" pitchFamily="18" charset="0"/>
-                        </a:rPr>
-                        <m:t>&gt;|</m:t>
-                      </m:r>
-                      <m:r>
-                        <a:rPr lang="en-US" altLang="ja-JP" i="1">
-                          <a:latin typeface="Cambria Math" panose="02040503050406030204" pitchFamily="18" charset="0"/>
-                        </a:rPr>
-                        <m:t>𝑒𝑥𝑖𝑡</m:t>
+                        <a:rPr kumimoji="1" lang="en-US" altLang="ja-JP" b="0" i="1" smtClean="0">
+                          <a:latin typeface="Cambria Math" panose="02040503050406030204" pitchFamily="18" charset="0"/>
+                        </a:rPr>
+                        <m:t>𝑎𝑐𝑡𝑖𝑜𝑛</m:t>
+                      </m:r>
+                      <m:r>
+                        <a:rPr kumimoji="1" lang="en-US" altLang="ja-JP" b="0" i="1" smtClean="0">
+                          <a:latin typeface="Cambria Math" panose="02040503050406030204" pitchFamily="18" charset="0"/>
+                        </a:rPr>
+                        <m:t>&gt;</m:t>
                       </m:r>
                     </m:oMath>
                   </m:oMathPara>
@@ -4510,25 +4820,25 @@
                         <a:rPr kumimoji="1" lang="en-US" altLang="ja-JP" b="0" i="1" smtClean="0">
                           <a:latin typeface="Cambria Math" panose="02040503050406030204" pitchFamily="18" charset="0"/>
                         </a:rPr>
+                        <m:t>𝑎𝑐𝑡𝑖𝑜𝑛</m:t>
+                      </m:r>
+                      <m:r>
+                        <a:rPr kumimoji="1" lang="en-US" altLang="ja-JP" b="0" i="1" smtClean="0">
+                          <a:latin typeface="Cambria Math" panose="02040503050406030204" pitchFamily="18" charset="0"/>
+                        </a:rPr>
+                        <m:t>&gt;|&lt;</m:t>
+                      </m:r>
+                      <m:r>
+                        <a:rPr kumimoji="1" lang="en-US" altLang="ja-JP" b="0" i="1" smtClean="0">
+                          <a:latin typeface="Cambria Math" panose="02040503050406030204" pitchFamily="18" charset="0"/>
+                        </a:rPr>
                         <m:t>𝑝𝑎𝑡𝑡𝑒𝑟𝑛</m:t>
                       </m:r>
                       <m:r>
                         <a:rPr kumimoji="1" lang="en-US" altLang="ja-JP" b="0" i="1" smtClean="0">
                           <a:latin typeface="Cambria Math" panose="02040503050406030204" pitchFamily="18" charset="0"/>
                         </a:rPr>
-                        <m:t>&gt;|&lt;</m:t>
-                      </m:r>
-                      <m:r>
-                        <a:rPr kumimoji="1" lang="en-US" altLang="ja-JP" b="0" i="1" smtClean="0">
-                          <a:latin typeface="Cambria Math" panose="02040503050406030204" pitchFamily="18" charset="0"/>
-                        </a:rPr>
-                        <m:t>𝑎𝑐𝑡𝑖𝑜𝑛</m:t>
-                      </m:r>
-                      <m:r>
-                        <a:rPr kumimoji="1" lang="en-US" altLang="ja-JP" b="0" i="1" smtClean="0">
-                          <a:latin typeface="Cambria Math" panose="02040503050406030204" pitchFamily="18" charset="0"/>
-                        </a:rPr>
-                        <m:t>&gt;|</m:t>
+                        <m:t>&gt;</m:t>
                       </m:r>
                       <m:r>
                         <a:rPr kumimoji="1" lang="en-US" altLang="ja-JP" b="0" i="1" smtClean="0">
@@ -4625,7 +4935,7 @@
             </p:txBody>
           </p:sp>
         </mc:Choice>
-        <mc:Fallback xmlns="">
+        <mc:Fallback>
           <p:sp>
             <p:nvSpPr>
               <p:cNvPr id="3" name="コンテンツ プレースホルダー 2">
@@ -4646,7 +4956,7 @@
               <a:blipFill>
                 <a:blip r:embed="rId2"/>
                 <a:stretch>
-                  <a:fillRect l="-174"/>
+                  <a:fillRect l="-174" r="-58"/>
                 </a:stretch>
               </a:blipFill>
             </p:spPr>
@@ -5106,10 +5416,17 @@
           <a:lstStyle/>
           <a:p>
             <a:r>
+              <a:rPr lang="en-US" altLang="ja-JP" dirty="0"/>
+              <a:t>e</a:t>
+            </a:r>
+            <a:r>
               <a:rPr kumimoji="1" lang="en-US" altLang="ja-JP" dirty="0"/>
-              <a:t>exit</a:t>
-            </a:r>
-            <a:endParaRPr kumimoji="1" lang="ja-JP" altLang="en-US" dirty="0"/>
+              <a:t>xit</a:t>
+            </a:r>
+            <a:r>
+              <a:rPr kumimoji="1" lang="ja-JP" altLang="en-US" dirty="0"/>
+              <a:t>について</a:t>
+            </a:r>
           </a:p>
         </p:txBody>
       </p:sp>
@@ -5485,6 +5802,42 @@
                         <m:t>𝑙𝑖𝑛𝑒</m:t>
                       </m:r>
                       <m:r>
+                        <a:rPr lang="ja-JP" altLang="en-US" i="1">
+                          <a:latin typeface="Cambria Math" panose="02040503050406030204" pitchFamily="18" charset="0"/>
+                        </a:rPr>
+                        <m:t>の</m:t>
+                      </m:r>
+                      <m:r>
+                        <a:rPr lang="en-US" altLang="ja-JP" b="0" i="1" smtClean="0">
+                          <a:latin typeface="Cambria Math" panose="02040503050406030204" pitchFamily="18" charset="0"/>
+                        </a:rPr>
+                        <m:t>10</m:t>
+                      </m:r>
+                      <m:r>
+                        <a:rPr lang="ja-JP" altLang="en-US" i="1">
+                          <a:latin typeface="Cambria Math" panose="02040503050406030204" pitchFamily="18" charset="0"/>
+                        </a:rPr>
+                        <m:t>回</m:t>
+                      </m:r>
+                      <m:r>
+                        <a:rPr lang="ja-JP" altLang="en-US" i="1" smtClean="0">
+                          <a:latin typeface="Cambria Math" panose="02040503050406030204" pitchFamily="18" charset="0"/>
+                        </a:rPr>
+                        <m:t>以下</m:t>
+                      </m:r>
+                      <m:r>
+                        <a:rPr lang="ja-JP" altLang="en-US" i="1">
+                          <a:latin typeface="Cambria Math" panose="02040503050406030204" pitchFamily="18" charset="0"/>
+                        </a:rPr>
+                        <m:t>の</m:t>
+                      </m:r>
+                      <m:r>
+                        <a:rPr lang="ja-JP" altLang="en-US" i="1" smtClean="0">
+                          <a:latin typeface="Cambria Math" panose="02040503050406030204" pitchFamily="18" charset="0"/>
+                        </a:rPr>
+                        <m:t>繰り返し</m:t>
+                      </m:r>
+                      <m:r>
                         <a:rPr kumimoji="1" lang="en-US" altLang="ja-JP" b="0" i="1" smtClean="0">
                           <a:latin typeface="Cambria Math" panose="02040503050406030204" pitchFamily="18" charset="0"/>
                         </a:rPr>
@@ -5518,99 +5871,326 @@
                         <m:t>𝑙𝑖𝑛𝑒</m:t>
                       </m:r>
                       <m:r>
-                        <a:rPr kumimoji="1" lang="en-US" altLang="ja-JP" b="0" i="1" smtClean="0">
-                          <a:latin typeface="Cambria Math" panose="02040503050406030204" pitchFamily="18" charset="0"/>
-                        </a:rPr>
-                        <m:t>&gt;≔</m:t>
-                      </m:r>
-                      <m:r>
-                        <a:rPr kumimoji="1" lang="en-US" altLang="ja-JP" b="0" i="1" smtClean="0">
-                          <a:latin typeface="Cambria Math" panose="02040503050406030204" pitchFamily="18" charset="0"/>
-                        </a:rPr>
-                        <m:t>𝑋</m:t>
-                      </m:r>
-                      <m:d>
-                        <m:dPr>
-                          <m:begChr m:val="|"/>
-                          <m:endChr m:val="|"/>
-                          <m:ctrlPr>
-                            <a:rPr kumimoji="1" lang="en-US" altLang="ja-JP" b="0" i="1" smtClean="0">
-                              <a:latin typeface="Cambria Math" panose="02040503050406030204" pitchFamily="18" charset="0"/>
-                            </a:rPr>
-                          </m:ctrlPr>
-                        </m:dPr>
-                        <m:e>
-                          <m:r>
-                            <a:rPr kumimoji="1" lang="en-US" altLang="ja-JP" b="0" i="1" smtClean="0">
-                              <a:latin typeface="Cambria Math" panose="02040503050406030204" pitchFamily="18" charset="0"/>
-                            </a:rPr>
-                            <m:t>𝑂</m:t>
-                          </m:r>
-                        </m:e>
-                      </m:d>
-                      <m:r>
-                        <a:rPr kumimoji="1" lang="en-US" altLang="ja-JP" b="0" i="1" smtClean="0">
-                          <a:latin typeface="Cambria Math" panose="02040503050406030204" pitchFamily="18" charset="0"/>
-                        </a:rPr>
-                        <m:t>𝑠𝑝𝑎𝑐𝑒</m:t>
-                      </m:r>
-                      <m:r>
-                        <a:rPr kumimoji="1" lang="en-US" altLang="ja-JP" b="0" i="1" smtClean="0">
-                          <a:latin typeface="Cambria Math" panose="02040503050406030204" pitchFamily="18" charset="0"/>
-                        </a:rPr>
-                        <m:t>|</m:t>
-                      </m:r>
-                      <m:r>
-                        <a:rPr kumimoji="1" lang="en-US" altLang="ja-JP" b="0" i="1" smtClean="0">
-                          <a:latin typeface="Cambria Math" panose="02040503050406030204" pitchFamily="18" charset="0"/>
-                        </a:rPr>
-                        <m:t>𝑁</m:t>
-                      </m:r>
-                      <m:r>
-                        <a:rPr kumimoji="1" lang="en-US" altLang="ja-JP" b="0" i="1" smtClean="0">
-                          <a:latin typeface="Cambria Math" panose="02040503050406030204" pitchFamily="18" charset="0"/>
-                        </a:rPr>
-                        <m:t>|</m:t>
-                      </m:r>
-                      <m:r>
-                        <a:rPr kumimoji="1" lang="en-US" altLang="ja-JP" b="0" i="1" smtClean="0">
-                          <a:latin typeface="Cambria Math" panose="02040503050406030204" pitchFamily="18" charset="0"/>
-                        </a:rPr>
-                        <m:t>𝑆</m:t>
-                      </m:r>
-                      <m:r>
-                        <a:rPr kumimoji="1" lang="en-US" altLang="ja-JP" b="0" i="1" smtClean="0">
-                          <a:latin typeface="Cambria Math" panose="02040503050406030204" pitchFamily="18" charset="0"/>
-                        </a:rPr>
-                        <m:t>|</m:t>
-                      </m:r>
-                      <m:r>
-                        <a:rPr kumimoji="1" lang="en-US" altLang="ja-JP" b="0" i="1" smtClean="0">
-                          <a:latin typeface="Cambria Math" panose="02040503050406030204" pitchFamily="18" charset="0"/>
-                        </a:rPr>
-                        <m:t>𝑊</m:t>
-                      </m:r>
-                      <m:r>
-                        <a:rPr kumimoji="1" lang="en-US" altLang="ja-JP" b="0" i="1" smtClean="0">
-                          <a:latin typeface="Cambria Math" panose="02040503050406030204" pitchFamily="18" charset="0"/>
-                        </a:rPr>
-                        <m:t>|</m:t>
-                      </m:r>
-                      <m:r>
-                        <a:rPr kumimoji="1" lang="en-US" altLang="ja-JP" b="0" i="1" smtClean="0">
-                          <a:latin typeface="Cambria Math" panose="02040503050406030204" pitchFamily="18" charset="0"/>
-                        </a:rPr>
-                        <m:t>𝐸</m:t>
+                        <a:rPr lang="ja-JP" altLang="en-US" i="1">
+                          <a:latin typeface="Cambria Math" panose="02040503050406030204" pitchFamily="18" charset="0"/>
+                        </a:rPr>
+                        <m:t>の</m:t>
+                      </m:r>
+                      <m:r>
+                        <a:rPr lang="en-US" altLang="ja-JP" b="0" i="1" smtClean="0">
+                          <a:latin typeface="Cambria Math" panose="02040503050406030204" pitchFamily="18" charset="0"/>
+                        </a:rPr>
+                        <m:t>10</m:t>
+                      </m:r>
+                      <m:r>
+                        <a:rPr lang="ja-JP" altLang="en-US" i="1">
+                          <a:latin typeface="Cambria Math" panose="02040503050406030204" pitchFamily="18" charset="0"/>
+                        </a:rPr>
+                        <m:t>回</m:t>
+                      </m:r>
+                      <m:r>
+                        <a:rPr lang="ja-JP" altLang="en-US" i="1" smtClean="0">
+                          <a:latin typeface="Cambria Math" panose="02040503050406030204" pitchFamily="18" charset="0"/>
+                        </a:rPr>
+                        <m:t>以下</m:t>
+                      </m:r>
+                      <m:r>
+                        <a:rPr lang="ja-JP" altLang="en-US" i="1">
+                          <a:latin typeface="Cambria Math" panose="02040503050406030204" pitchFamily="18" charset="0"/>
+                        </a:rPr>
+                        <m:t>の</m:t>
+                      </m:r>
+                      <m:r>
+                        <a:rPr lang="ja-JP" altLang="en-US" i="1" smtClean="0">
+                          <a:latin typeface="Cambria Math" panose="02040503050406030204" pitchFamily="18" charset="0"/>
+                        </a:rPr>
+                        <m:t>繰り返し</m:t>
+                      </m:r>
+                      <m:r>
+                        <a:rPr kumimoji="1" lang="en-US" altLang="ja-JP" b="0" i="1" smtClean="0">
+                          <a:latin typeface="Cambria Math" panose="02040503050406030204" pitchFamily="18" charset="0"/>
+                        </a:rPr>
+                        <m:t>&gt;</m:t>
+                      </m:r>
+                      <m:r>
+                        <a:rPr kumimoji="1" lang="en-US" altLang="ja-JP" b="0" i="1" smtClean="0">
+                          <a:latin typeface="Cambria Math" panose="02040503050406030204" pitchFamily="18" charset="0"/>
+                        </a:rPr>
+                        <m:t>∷=&lt;</m:t>
+                      </m:r>
+                      <m:r>
+                        <a:rPr kumimoji="1" lang="en-US" altLang="ja-JP" b="0" i="1" smtClean="0">
+                          <a:latin typeface="Cambria Math" panose="02040503050406030204" pitchFamily="18" charset="0"/>
+                        </a:rPr>
+                        <m:t>𝑒𝑙𝑒𝑚𝑒𝑛𝑡</m:t>
+                      </m:r>
+                      <m:r>
+                        <a:rPr lang="ja-JP" altLang="en-US" i="1">
+                          <a:latin typeface="Cambria Math" panose="02040503050406030204" pitchFamily="18" charset="0"/>
+                        </a:rPr>
+                        <m:t>の</m:t>
+                      </m:r>
+                      <m:r>
+                        <a:rPr lang="en-US" altLang="ja-JP" b="0" i="1" smtClean="0">
+                          <a:latin typeface="Cambria Math" panose="02040503050406030204" pitchFamily="18" charset="0"/>
+                        </a:rPr>
+                        <m:t>10</m:t>
+                      </m:r>
+                      <m:r>
+                        <a:rPr lang="ja-JP" altLang="en-US" i="1">
+                          <a:latin typeface="Cambria Math" panose="02040503050406030204" pitchFamily="18" charset="0"/>
+                        </a:rPr>
+                        <m:t>回</m:t>
+                      </m:r>
+                      <m:r>
+                        <a:rPr lang="ja-JP" altLang="en-US" i="1" smtClean="0">
+                          <a:latin typeface="Cambria Math" panose="02040503050406030204" pitchFamily="18" charset="0"/>
+                        </a:rPr>
+                        <m:t>以下の</m:t>
+                      </m:r>
+                      <m:r>
+                        <a:rPr lang="ja-JP" altLang="en-US" i="1">
+                          <a:latin typeface="Cambria Math" panose="02040503050406030204" pitchFamily="18" charset="0"/>
+                        </a:rPr>
+                        <m:t>繰り返し</m:t>
+                      </m:r>
+                      <m:r>
+                        <a:rPr kumimoji="1" lang="en-US" altLang="ja-JP" b="0" i="1" smtClean="0">
+                          <a:latin typeface="Cambria Math" panose="02040503050406030204" pitchFamily="18" charset="0"/>
+                        </a:rPr>
+                        <m:t>&gt;</m:t>
                       </m:r>
                     </m:oMath>
                   </m:oMathPara>
                 </a14:m>
-                <a:endParaRPr kumimoji="1" lang="en-US" altLang="ja-JP" b="0" dirty="0"/>
+                <a:endParaRPr kumimoji="1" lang="en-US" altLang="ja-JP" dirty="0"/>
               </a:p>
               <a:p>
                 <a:pPr marL="0" indent="0">
                   <a:buNone/>
                 </a:pPr>
+                <a14:m>
+                  <m:oMathPara xmlns:m="http://schemas.openxmlformats.org/officeDocument/2006/math">
+                    <m:oMathParaPr>
+                      <m:jc m:val="left"/>
+                    </m:oMathParaPr>
+                    <m:oMath xmlns:m="http://schemas.openxmlformats.org/officeDocument/2006/math">
+                      <m:r>
+                        <a:rPr kumimoji="1" lang="en-US" altLang="ja-JP" b="0" i="1" smtClean="0">
+                          <a:latin typeface="Cambria Math" panose="02040503050406030204" pitchFamily="18" charset="0"/>
+                        </a:rPr>
+                        <m:t>&lt;</m:t>
+                      </m:r>
+                      <m:r>
+                        <a:rPr kumimoji="1" lang="en-US" altLang="ja-JP" b="0" i="1" smtClean="0">
+                          <a:latin typeface="Cambria Math" panose="02040503050406030204" pitchFamily="18" charset="0"/>
+                        </a:rPr>
+                        <m:t>𝑒𝑙𝑒𝑚𝑒𝑛𝑡</m:t>
+                      </m:r>
+                      <m:r>
+                        <a:rPr lang="ja-JP" altLang="en-US" i="1">
+                          <a:latin typeface="Cambria Math" panose="02040503050406030204" pitchFamily="18" charset="0"/>
+                        </a:rPr>
+                        <m:t>の</m:t>
+                      </m:r>
+                      <m:r>
+                        <a:rPr lang="en-US" altLang="ja-JP" b="0" i="1" smtClean="0">
+                          <a:latin typeface="Cambria Math" panose="02040503050406030204" pitchFamily="18" charset="0"/>
+                        </a:rPr>
+                        <m:t>10</m:t>
+                      </m:r>
+                      <m:r>
+                        <a:rPr lang="ja-JP" altLang="en-US" i="1">
+                          <a:latin typeface="Cambria Math" panose="02040503050406030204" pitchFamily="18" charset="0"/>
+                        </a:rPr>
+                        <m:t>回</m:t>
+                      </m:r>
+                      <m:r>
+                        <a:rPr lang="ja-JP" altLang="en-US" i="1" smtClean="0">
+                          <a:latin typeface="Cambria Math" panose="02040503050406030204" pitchFamily="18" charset="0"/>
+                        </a:rPr>
+                        <m:t>以下の繰り返し</m:t>
+                      </m:r>
+                      <m:r>
+                        <a:rPr lang="en-US" altLang="ja-JP" b="0" i="1" smtClean="0">
+                          <a:latin typeface="Cambria Math" panose="02040503050406030204" pitchFamily="18" charset="0"/>
+                        </a:rPr>
+                        <m:t>&gt;∷=</m:t>
+                      </m:r>
+                      <m:r>
+                        <a:rPr lang="en-US" altLang="ja-JP" b="0" i="1" smtClean="0">
+                          <a:latin typeface="Cambria Math" panose="02040503050406030204" pitchFamily="18" charset="0"/>
+                        </a:rPr>
+                        <m:t>𝑂</m:t>
+                      </m:r>
+                      <m:r>
+                        <a:rPr lang="en-US" altLang="ja-JP" b="0" i="1" smtClean="0">
+                          <a:latin typeface="Cambria Math" panose="02040503050406030204" pitchFamily="18" charset="0"/>
+                        </a:rPr>
+                        <m:t>|</m:t>
+                      </m:r>
+                      <m:r>
+                        <a:rPr lang="en-US" altLang="ja-JP" b="0" i="1" smtClean="0">
+                          <a:latin typeface="Cambria Math" panose="02040503050406030204" pitchFamily="18" charset="0"/>
+                        </a:rPr>
+                        <m:t>𝑋</m:t>
+                      </m:r>
+                      <m:r>
+                        <a:rPr lang="en-US" altLang="ja-JP" b="0" i="1" smtClean="0">
+                          <a:latin typeface="Cambria Math" panose="02040503050406030204" pitchFamily="18" charset="0"/>
+                        </a:rPr>
+                        <m:t>|</m:t>
+                      </m:r>
+                      <m:r>
+                        <a:rPr lang="en-US" altLang="ja-JP" b="0" i="1" smtClean="0">
+                          <a:latin typeface="Cambria Math" panose="02040503050406030204" pitchFamily="18" charset="0"/>
+                        </a:rPr>
+                        <m:t>𝑠𝑝𝑎𝑐𝑒</m:t>
+                      </m:r>
+                      <m:r>
+                        <a:rPr lang="en-US" altLang="ja-JP" b="0" i="1" smtClean="0">
+                          <a:latin typeface="Cambria Math" panose="02040503050406030204" pitchFamily="18" charset="0"/>
+                        </a:rPr>
+                        <m:t>|&lt;</m:t>
+                      </m:r>
+                      <m:r>
+                        <a:rPr lang="en-US" altLang="ja-JP" b="0" i="1" smtClean="0">
+                          <a:latin typeface="Cambria Math" panose="02040503050406030204" pitchFamily="18" charset="0"/>
+                        </a:rPr>
+                        <m:t>𝑚𝑎𝑧𝑒</m:t>
+                      </m:r>
+                      <m:r>
+                        <a:rPr lang="ja-JP" altLang="en-US" i="1">
+                          <a:latin typeface="Cambria Math" panose="02040503050406030204" pitchFamily="18" charset="0"/>
+                        </a:rPr>
+                        <m:t>内で</m:t>
+                      </m:r>
+                      <m:r>
+                        <a:rPr lang="ja-JP" altLang="en-US" i="1" smtClean="0">
+                          <a:latin typeface="Cambria Math" panose="02040503050406030204" pitchFamily="18" charset="0"/>
+                        </a:rPr>
+                        <m:t>唯一</m:t>
+                      </m:r>
+                      <m:r>
+                        <a:rPr lang="ja-JP" altLang="en-US" i="1">
+                          <a:latin typeface="Cambria Math" panose="02040503050406030204" pitchFamily="18" charset="0"/>
+                        </a:rPr>
+                        <m:t>の</m:t>
+                      </m:r>
+                      <m:r>
+                        <a:rPr lang="en-US" altLang="ja-JP" b="0" i="1" smtClean="0">
+                          <a:latin typeface="Cambria Math" panose="02040503050406030204" pitchFamily="18" charset="0"/>
+                        </a:rPr>
+                        <m:t>𝑝𝑙𝑎𝑦𝑒𝑟</m:t>
+                      </m:r>
+                      <m:r>
+                        <a:rPr lang="en-US" altLang="ja-JP" b="0" i="1" smtClean="0">
+                          <a:latin typeface="Cambria Math" panose="02040503050406030204" pitchFamily="18" charset="0"/>
+                        </a:rPr>
+                        <m:t>&gt;</m:t>
+                      </m:r>
+                    </m:oMath>
+                  </m:oMathPara>
+                </a14:m>
+                <a:endParaRPr kumimoji="1" lang="en-US" altLang="ja-JP" dirty="0"/>
+              </a:p>
+              <a:p>
+                <a:pPr marL="0" indent="0">
+                  <a:buNone/>
+                </a:pPr>
+                <a14:m>
+                  <m:oMathPara xmlns:m="http://schemas.openxmlformats.org/officeDocument/2006/math">
+                    <m:oMathParaPr>
+                      <m:jc m:val="left"/>
+                    </m:oMathParaPr>
+                    <m:oMath xmlns:m="http://schemas.openxmlformats.org/officeDocument/2006/math">
+                      <m:r>
+                        <a:rPr kumimoji="1" lang="en-US" altLang="ja-JP" b="0" i="1" smtClean="0">
+                          <a:latin typeface="Cambria Math" panose="02040503050406030204" pitchFamily="18" charset="0"/>
+                        </a:rPr>
+                        <m:t>&lt;</m:t>
+                      </m:r>
+                      <m:r>
+                        <a:rPr kumimoji="1" lang="en-US" altLang="ja-JP" b="0" i="1" smtClean="0">
+                          <a:latin typeface="Cambria Math" panose="02040503050406030204" pitchFamily="18" charset="0"/>
+                        </a:rPr>
+                        <m:t>𝑚𝑎𝑧𝑒</m:t>
+                      </m:r>
+                      <m:r>
+                        <a:rPr lang="ja-JP" altLang="en-US" i="1">
+                          <a:latin typeface="Cambria Math" panose="02040503050406030204" pitchFamily="18" charset="0"/>
+                        </a:rPr>
+                        <m:t>内で</m:t>
+                      </m:r>
+                      <m:r>
+                        <a:rPr lang="ja-JP" altLang="en-US" i="1" smtClean="0">
+                          <a:latin typeface="Cambria Math" panose="02040503050406030204" pitchFamily="18" charset="0"/>
+                        </a:rPr>
+                        <m:t>唯一</m:t>
+                      </m:r>
+                      <m:r>
+                        <a:rPr lang="ja-JP" altLang="en-US" i="1">
+                          <a:latin typeface="Cambria Math" panose="02040503050406030204" pitchFamily="18" charset="0"/>
+                        </a:rPr>
+                        <m:t>の</m:t>
+                      </m:r>
+                      <m:r>
+                        <a:rPr lang="en-US" altLang="ja-JP" b="0" i="1" smtClean="0">
+                          <a:latin typeface="Cambria Math" panose="02040503050406030204" pitchFamily="18" charset="0"/>
+                        </a:rPr>
+                        <m:t>𝑝𝑙𝑎𝑦𝑒𝑟</m:t>
+                      </m:r>
+                      <m:r>
+                        <a:rPr lang="en-US" altLang="ja-JP" b="0" i="1" smtClean="0">
+                          <a:latin typeface="Cambria Math" panose="02040503050406030204" pitchFamily="18" charset="0"/>
+                        </a:rPr>
+                        <m:t>&gt;∷=</m:t>
+                      </m:r>
+                      <m:r>
+                        <a:rPr lang="en-US" altLang="ja-JP" b="0" i="1" smtClean="0">
+                          <a:latin typeface="Cambria Math" panose="02040503050406030204" pitchFamily="18" charset="0"/>
+                        </a:rPr>
+                        <m:t>𝑁</m:t>
+                      </m:r>
+                      <m:r>
+                        <a:rPr lang="en-US" altLang="ja-JP" b="0" i="1" smtClean="0">
+                          <a:latin typeface="Cambria Math" panose="02040503050406030204" pitchFamily="18" charset="0"/>
+                        </a:rPr>
+                        <m:t>|</m:t>
+                      </m:r>
+                      <m:r>
+                        <a:rPr lang="en-US" altLang="ja-JP" b="0" i="1" smtClean="0">
+                          <a:latin typeface="Cambria Math" panose="02040503050406030204" pitchFamily="18" charset="0"/>
+                        </a:rPr>
+                        <m:t>𝑆</m:t>
+                      </m:r>
+                      <m:r>
+                        <a:rPr lang="en-US" altLang="ja-JP" b="0" i="1" smtClean="0">
+                          <a:latin typeface="Cambria Math" panose="02040503050406030204" pitchFamily="18" charset="0"/>
+                        </a:rPr>
+                        <m:t>|</m:t>
+                      </m:r>
+                      <m:r>
+                        <a:rPr lang="en-US" altLang="ja-JP" b="0" i="1" smtClean="0">
+                          <a:latin typeface="Cambria Math" panose="02040503050406030204" pitchFamily="18" charset="0"/>
+                        </a:rPr>
+                        <m:t>𝑊</m:t>
+                      </m:r>
+                      <m:r>
+                        <a:rPr lang="en-US" altLang="ja-JP" b="0" i="1" smtClean="0">
+                          <a:latin typeface="Cambria Math" panose="02040503050406030204" pitchFamily="18" charset="0"/>
+                        </a:rPr>
+                        <m:t>|</m:t>
+                      </m:r>
+                      <m:r>
+                        <a:rPr lang="en-US" altLang="ja-JP" b="0" i="1" smtClean="0">
+                          <a:latin typeface="Cambria Math" panose="02040503050406030204" pitchFamily="18" charset="0"/>
+                        </a:rPr>
+                        <m:t>𝐸</m:t>
+                      </m:r>
+                    </m:oMath>
+                  </m:oMathPara>
+                </a14:m>
                 <a:endParaRPr kumimoji="1" lang="ja-JP" altLang="en-US" dirty="0"/>
               </a:p>
             </p:txBody>
@@ -5637,7 +6217,7 @@
               <a:blipFill>
                 <a:blip r:embed="rId2"/>
                 <a:stretch>
-                  <a:fillRect l="-174"/>
+                  <a:fillRect l="-174" t="-980"/>
                 </a:stretch>
               </a:blipFill>
             </p:spPr>

--- a/presentation.pptx
+++ b/presentation.pptx
@@ -205,7 +205,7 @@
           <a:p>
             <a:fld id="{DACD13BE-CFF8-4274-8F33-E17667936FF0}" type="datetimeFigureOut">
               <a:rPr kumimoji="1" lang="ja-JP" altLang="en-US" smtClean="0"/>
-              <a:t>2021/4/28</a:t>
+              <a:t>2021/5/8</a:t>
             </a:fld>
             <a:endParaRPr kumimoji="1" lang="ja-JP" altLang="en-US"/>
           </a:p>
@@ -735,7 +735,7 @@
           <a:p>
             <a:fld id="{2D3307F4-2003-445F-80EA-0A6F700AA6C1}" type="datetimeFigureOut">
               <a:rPr kumimoji="1" lang="ja-JP" altLang="en-US" smtClean="0"/>
-              <a:t>2021/4/28</a:t>
+              <a:t>2021/5/8</a:t>
             </a:fld>
             <a:endParaRPr kumimoji="1" lang="ja-JP" altLang="en-US"/>
           </a:p>
@@ -965,7 +965,7 @@
           <a:p>
             <a:fld id="{2D3307F4-2003-445F-80EA-0A6F700AA6C1}" type="datetimeFigureOut">
               <a:rPr kumimoji="1" lang="ja-JP" altLang="en-US" smtClean="0"/>
-              <a:t>2021/4/28</a:t>
+              <a:t>2021/5/8</a:t>
             </a:fld>
             <a:endParaRPr kumimoji="1" lang="ja-JP" altLang="en-US"/>
           </a:p>
@@ -1205,7 +1205,7 @@
           <a:p>
             <a:fld id="{2D3307F4-2003-445F-80EA-0A6F700AA6C1}" type="datetimeFigureOut">
               <a:rPr kumimoji="1" lang="ja-JP" altLang="en-US" smtClean="0"/>
-              <a:t>2021/4/28</a:t>
+              <a:t>2021/5/8</a:t>
             </a:fld>
             <a:endParaRPr kumimoji="1" lang="ja-JP" altLang="en-US"/>
           </a:p>
@@ -1435,7 +1435,7 @@
           <a:p>
             <a:fld id="{2D3307F4-2003-445F-80EA-0A6F700AA6C1}" type="datetimeFigureOut">
               <a:rPr kumimoji="1" lang="ja-JP" altLang="en-US" smtClean="0"/>
-              <a:t>2021/4/28</a:t>
+              <a:t>2021/5/8</a:t>
             </a:fld>
             <a:endParaRPr kumimoji="1" lang="ja-JP" altLang="en-US"/>
           </a:p>
@@ -1710,7 +1710,7 @@
           <a:p>
             <a:fld id="{2D3307F4-2003-445F-80EA-0A6F700AA6C1}" type="datetimeFigureOut">
               <a:rPr kumimoji="1" lang="ja-JP" altLang="en-US" smtClean="0"/>
-              <a:t>2021/4/28</a:t>
+              <a:t>2021/5/8</a:t>
             </a:fld>
             <a:endParaRPr kumimoji="1" lang="ja-JP" altLang="en-US"/>
           </a:p>
@@ -2039,7 +2039,7 @@
           <a:p>
             <a:fld id="{2D3307F4-2003-445F-80EA-0A6F700AA6C1}" type="datetimeFigureOut">
               <a:rPr kumimoji="1" lang="ja-JP" altLang="en-US" smtClean="0"/>
-              <a:t>2021/4/28</a:t>
+              <a:t>2021/5/8</a:t>
             </a:fld>
             <a:endParaRPr kumimoji="1" lang="ja-JP" altLang="en-US"/>
           </a:p>
@@ -2515,7 +2515,7 @@
           <a:p>
             <a:fld id="{2D3307F4-2003-445F-80EA-0A6F700AA6C1}" type="datetimeFigureOut">
               <a:rPr kumimoji="1" lang="ja-JP" altLang="en-US" smtClean="0"/>
-              <a:t>2021/4/28</a:t>
+              <a:t>2021/5/8</a:t>
             </a:fld>
             <a:endParaRPr kumimoji="1" lang="ja-JP" altLang="en-US"/>
           </a:p>
@@ -2656,7 +2656,7 @@
           <a:p>
             <a:fld id="{2D3307F4-2003-445F-80EA-0A6F700AA6C1}" type="datetimeFigureOut">
               <a:rPr kumimoji="1" lang="ja-JP" altLang="en-US" smtClean="0"/>
-              <a:t>2021/4/28</a:t>
+              <a:t>2021/5/8</a:t>
             </a:fld>
             <a:endParaRPr kumimoji="1" lang="ja-JP" altLang="en-US"/>
           </a:p>
@@ -2769,7 +2769,7 @@
           <a:p>
             <a:fld id="{2D3307F4-2003-445F-80EA-0A6F700AA6C1}" type="datetimeFigureOut">
               <a:rPr kumimoji="1" lang="ja-JP" altLang="en-US" smtClean="0"/>
-              <a:t>2021/4/28</a:t>
+              <a:t>2021/5/8</a:t>
             </a:fld>
             <a:endParaRPr kumimoji="1" lang="ja-JP" altLang="en-US"/>
           </a:p>
@@ -3112,7 +3112,7 @@
           <a:p>
             <a:fld id="{2D3307F4-2003-445F-80EA-0A6F700AA6C1}" type="datetimeFigureOut">
               <a:rPr kumimoji="1" lang="ja-JP" altLang="en-US" smtClean="0"/>
-              <a:t>2021/4/28</a:t>
+              <a:t>2021/5/8</a:t>
             </a:fld>
             <a:endParaRPr kumimoji="1" lang="ja-JP" altLang="en-US"/>
           </a:p>
@@ -3400,7 +3400,7 @@
           <a:p>
             <a:fld id="{2D3307F4-2003-445F-80EA-0A6F700AA6C1}" type="datetimeFigureOut">
               <a:rPr kumimoji="1" lang="ja-JP" altLang="en-US" smtClean="0"/>
-              <a:t>2021/4/28</a:t>
+              <a:t>2021/5/8</a:t>
             </a:fld>
             <a:endParaRPr kumimoji="1" lang="ja-JP" altLang="en-US"/>
           </a:p>
@@ -3673,7 +3673,7 @@
           <a:p>
             <a:fld id="{2D3307F4-2003-445F-80EA-0A6F700AA6C1}" type="datetimeFigureOut">
               <a:rPr kumimoji="1" lang="ja-JP" altLang="en-US" smtClean="0"/>
-              <a:t>2021/4/28</a:t>
+              <a:t>2021/5/8</a:t>
             </a:fld>
             <a:endParaRPr kumimoji="1" lang="ja-JP" altLang="en-US"/>
           </a:p>
@@ -4112,10 +4112,13 @@
           <a:lstStyle/>
           <a:p>
             <a:r>
-              <a:rPr kumimoji="1" lang="en-US" altLang="ja-JP" dirty="0"/>
-              <a:t>TBD</a:t>
-            </a:r>
-            <a:endParaRPr kumimoji="1" lang="ja-JP" altLang="en-US" dirty="0"/>
+              <a:rPr lang="en-US" altLang="ja-JP" dirty="0"/>
+              <a:t>3D</a:t>
+            </a:r>
+            <a:r>
+              <a:rPr kumimoji="1" lang="ja-JP" altLang="en-US" dirty="0"/>
+              <a:t>スクリーンセーバー</a:t>
+            </a:r>
           </a:p>
         </p:txBody>
       </p:sp>
@@ -4242,8 +4245,8 @@
           </a:p>
         </p:txBody>
       </p:sp>
-      <mc:AlternateContent xmlns:mc="http://schemas.openxmlformats.org/markup-compatibility/2006">
-        <mc:Choice xmlns:a14="http://schemas.microsoft.com/office/drawing/2010/main" Requires="a14">
+      <mc:AlternateContent xmlns:mc="http://schemas.openxmlformats.org/markup-compatibility/2006" xmlns:a14="http://schemas.microsoft.com/office/drawing/2010/main">
+        <mc:Choice Requires="a14">
           <p:sp>
             <p:nvSpPr>
               <p:cNvPr id="3" name="コンテンツ プレースホルダー 2">
@@ -4640,13 +4643,7 @@
                         <a:rPr lang="en-US" altLang="ja-JP" b="0" i="1" smtClean="0">
                           <a:latin typeface="Cambria Math" panose="02040503050406030204" pitchFamily="18" charset="0"/>
                         </a:rPr>
-                        <m:t>&gt;∷</m:t>
-                      </m:r>
-                      <m:r>
-                        <a:rPr lang="en-US" altLang="ja-JP" b="0" i="1" smtClean="0">
-                          <a:latin typeface="Cambria Math" panose="02040503050406030204" pitchFamily="18" charset="0"/>
-                        </a:rPr>
-                        <m:t>=&lt;</m:t>
+                        <m:t>&gt;∷=&lt;</m:t>
                       </m:r>
                       <m:r>
                         <a:rPr lang="en-US" altLang="ja-JP" b="0" i="1" smtClean="0">
@@ -4935,7 +4932,7 @@
             </p:txBody>
           </p:sp>
         </mc:Choice>
-        <mc:Fallback>
+        <mc:Fallback xmlns="">
           <p:sp>
             <p:nvSpPr>
               <p:cNvPr id="3" name="コンテンツ プレースホルダー 2">
@@ -5329,7 +5326,7 @@
             </a:r>
             <a:r>
               <a:rPr lang="en-US" altLang="ja-JP" dirty="0"/>
-              <a:t>10</a:t>
+              <a:t>3</a:t>
             </a:r>
             <a:r>
               <a:rPr lang="ja-JP" altLang="en-US" dirty="0"/>
@@ -5354,7 +5351,7 @@
             </a:r>
             <a:r>
               <a:rPr lang="en-US" altLang="ja-JP" dirty="0"/>
-              <a:t>10</a:t>
+              <a:t>3</a:t>
             </a:r>
             <a:r>
               <a:rPr lang="ja-JP" altLang="en-US" dirty="0"/>
@@ -5745,8 +5742,8 @@
           </a:p>
         </p:txBody>
       </p:sp>
-      <mc:AlternateContent xmlns:mc="http://schemas.openxmlformats.org/markup-compatibility/2006">
-        <mc:Choice xmlns:a14="http://schemas.microsoft.com/office/drawing/2010/main" Requires="a14">
+      <mc:AlternateContent xmlns:mc="http://schemas.openxmlformats.org/markup-compatibility/2006" xmlns:a14="http://schemas.microsoft.com/office/drawing/2010/main">
+        <mc:Choice Requires="a14">
           <p:sp>
             <p:nvSpPr>
               <p:cNvPr id="3" name="コンテンツ プレースホルダー 2">
@@ -5910,13 +5907,7 @@
                         <a:rPr kumimoji="1" lang="en-US" altLang="ja-JP" b="0" i="1" smtClean="0">
                           <a:latin typeface="Cambria Math" panose="02040503050406030204" pitchFamily="18" charset="0"/>
                         </a:rPr>
-                        <m:t>&gt;</m:t>
-                      </m:r>
-                      <m:r>
-                        <a:rPr kumimoji="1" lang="en-US" altLang="ja-JP" b="0" i="1" smtClean="0">
-                          <a:latin typeface="Cambria Math" panose="02040503050406030204" pitchFamily="18" charset="0"/>
-                        </a:rPr>
-                        <m:t>∷=&lt;</m:t>
+                        <m:t>&gt;∷=&lt;</m:t>
                       </m:r>
                       <m:r>
                         <a:rPr kumimoji="1" lang="en-US" altLang="ja-JP" b="0" i="1" smtClean="0">
@@ -6196,7 +6187,7 @@
             </p:txBody>
           </p:sp>
         </mc:Choice>
-        <mc:Fallback>
+        <mc:Fallback xmlns="">
           <p:sp>
             <p:nvSpPr>
               <p:cNvPr id="3" name="コンテンツ プレースホルダー 2">

--- a/presentation.pptx
+++ b/presentation.pptx
@@ -5,18 +5,19 @@
     <p:sldMasterId id="2147483648" r:id="rId1"/>
   </p:sldMasterIdLst>
   <p:notesMasterIdLst>
-    <p:notesMasterId r:id="rId11"/>
+    <p:notesMasterId r:id="rId12"/>
   </p:notesMasterIdLst>
   <p:sldIdLst>
     <p:sldId id="256" r:id="rId2"/>
-    <p:sldId id="257" r:id="rId3"/>
-    <p:sldId id="258" r:id="rId4"/>
-    <p:sldId id="259" r:id="rId5"/>
-    <p:sldId id="260" r:id="rId6"/>
-    <p:sldId id="261" r:id="rId7"/>
-    <p:sldId id="264" r:id="rId8"/>
-    <p:sldId id="262" r:id="rId9"/>
-    <p:sldId id="263" r:id="rId10"/>
+    <p:sldId id="265" r:id="rId3"/>
+    <p:sldId id="263" r:id="rId4"/>
+    <p:sldId id="261" r:id="rId5"/>
+    <p:sldId id="257" r:id="rId6"/>
+    <p:sldId id="258" r:id="rId7"/>
+    <p:sldId id="259" r:id="rId8"/>
+    <p:sldId id="260" r:id="rId9"/>
+    <p:sldId id="264" r:id="rId10"/>
+    <p:sldId id="262" r:id="rId11"/>
   </p:sldIdLst>
   <p:sldSz cx="12192000" cy="6858000"/>
   <p:notesSz cx="6858000" cy="9144000"/>
@@ -569,7 +570,7 @@
           <a:p>
             <a:fld id="{5A21C2A0-4F37-4755-A7D4-6161E960034A}" type="slidenum">
               <a:rPr kumimoji="1" lang="ja-JP" altLang="en-US" smtClean="0"/>
-              <a:t>3</a:t>
+              <a:t>6</a:t>
             </a:fld>
             <a:endParaRPr kumimoji="1" lang="ja-JP" altLang="en-US"/>
           </a:p>
@@ -4199,6 +4200,217 @@
 </p:sld>
 </file>
 
+<file path=ppt/slides/slide10.xml><?xml version="1.0" encoding="utf-8"?>
+<p:sld xmlns:a="http://schemas.openxmlformats.org/drawingml/2006/main" xmlns:r="http://schemas.openxmlformats.org/officeDocument/2006/relationships" xmlns:p="http://schemas.openxmlformats.org/presentationml/2006/main">
+  <p:cSld>
+    <p:spTree>
+      <p:nvGrpSpPr>
+        <p:cNvPr id="1" name=""/>
+        <p:cNvGrpSpPr/>
+        <p:nvPr/>
+      </p:nvGrpSpPr>
+      <p:grpSpPr>
+        <a:xfrm>
+          <a:off x="0" y="0"/>
+          <a:ext cx="0" cy="0"/>
+          <a:chOff x="0" y="0"/>
+          <a:chExt cx="0" cy="0"/>
+        </a:xfrm>
+      </p:grpSpPr>
+      <p:sp>
+        <p:nvSpPr>
+          <p:cNvPr id="2" name="タイトル 1">
+            <a:extLst>
+              <a:ext uri="{FF2B5EF4-FFF2-40B4-BE49-F238E27FC236}">
+                <a16:creationId xmlns:a16="http://schemas.microsoft.com/office/drawing/2014/main" id="{6E9334EE-5D45-44EF-82DF-FF97D2E64474}"/>
+              </a:ext>
+            </a:extLst>
+          </p:cNvPr>
+          <p:cNvSpPr>
+            <a:spLocks noGrp="1"/>
+          </p:cNvSpPr>
+          <p:nvPr>
+            <p:ph type="title"/>
+          </p:nvPr>
+        </p:nvSpPr>
+        <p:spPr/>
+        <p:txBody>
+          <a:bodyPr/>
+          <a:lstStyle/>
+          <a:p>
+            <a:r>
+              <a:rPr lang="en-US" altLang="ja-JP" dirty="0"/>
+              <a:t>m</a:t>
+            </a:r>
+            <a:r>
+              <a:rPr kumimoji="1" lang="en-US" altLang="ja-JP" dirty="0"/>
+              <a:t>ap</a:t>
+            </a:r>
+            <a:r>
+              <a:rPr kumimoji="1" lang="ja-JP" altLang="en-US" dirty="0"/>
+              <a:t>について</a:t>
+            </a:r>
+          </a:p>
+        </p:txBody>
+      </p:sp>
+      <p:sp>
+        <p:nvSpPr>
+          <p:cNvPr id="3" name="コンテンツ プレースホルダー 2">
+            <a:extLst>
+              <a:ext uri="{FF2B5EF4-FFF2-40B4-BE49-F238E27FC236}">
+                <a16:creationId xmlns:a16="http://schemas.microsoft.com/office/drawing/2014/main" id="{79F858DF-31E8-4128-86C0-1D01139D4AA3}"/>
+              </a:ext>
+            </a:extLst>
+          </p:cNvPr>
+          <p:cNvSpPr>
+            <a:spLocks noGrp="1"/>
+          </p:cNvSpPr>
+          <p:nvPr>
+            <p:ph idx="1"/>
+          </p:nvPr>
+        </p:nvSpPr>
+        <p:spPr/>
+        <p:txBody>
+          <a:bodyPr/>
+          <a:lstStyle/>
+          <a:p>
+            <a:r>
+              <a:rPr lang="ja-JP" altLang="en-US" dirty="0"/>
+              <a:t>プレイヤーの初期位置は</a:t>
+            </a:r>
+            <a:r>
+              <a:rPr lang="en-US" altLang="ja-JP" dirty="0"/>
+              <a:t>’N’,’S’,’W’,’E’</a:t>
+            </a:r>
+            <a:r>
+              <a:rPr lang="ja-JP" altLang="en-US" dirty="0"/>
+              <a:t>のいずれかで、</a:t>
+            </a:r>
+            <a:r>
+              <a:rPr lang="en-US" altLang="ja-JP" dirty="0"/>
+              <a:t>’N’</a:t>
+            </a:r>
+            <a:r>
+              <a:rPr lang="ja-JP" altLang="en-US" dirty="0"/>
+              <a:t>が</a:t>
+            </a:r>
+            <a:r>
+              <a:rPr lang="en-US" altLang="ja-JP" dirty="0"/>
+              <a:t>map</a:t>
+            </a:r>
+            <a:r>
+              <a:rPr lang="ja-JP" altLang="en-US" dirty="0"/>
+              <a:t>ファイルの上方向となる</a:t>
+            </a:r>
+            <a:endParaRPr lang="en-US" altLang="ja-JP" dirty="0"/>
+          </a:p>
+          <a:p>
+            <a:r>
+              <a:rPr kumimoji="1" lang="en-US" altLang="ja-JP" dirty="0"/>
+              <a:t>‘O’</a:t>
+            </a:r>
+            <a:r>
+              <a:rPr kumimoji="1" lang="ja-JP" altLang="en-US" dirty="0"/>
+              <a:t>は通行可能なマス</a:t>
+            </a:r>
+            <a:endParaRPr kumimoji="1" lang="en-US" altLang="ja-JP" dirty="0"/>
+          </a:p>
+          <a:p>
+            <a:r>
+              <a:rPr kumimoji="1" lang="en-US" altLang="ja-JP" dirty="0"/>
+              <a:t>‘X’</a:t>
+            </a:r>
+            <a:r>
+              <a:rPr kumimoji="1" lang="ja-JP" altLang="en-US" dirty="0"/>
+              <a:t>は</a:t>
+            </a:r>
+            <a:r>
+              <a:rPr lang="ja-JP" altLang="en-US" dirty="0"/>
+              <a:t>障害物で、</a:t>
+            </a:r>
+            <a:r>
+              <a:rPr kumimoji="1" lang="ja-JP" altLang="en-US" dirty="0"/>
+              <a:t>通行不可なマス</a:t>
+            </a:r>
+            <a:endParaRPr kumimoji="1" lang="en-US" altLang="ja-JP" dirty="0"/>
+          </a:p>
+          <a:p>
+            <a:r>
+              <a:rPr lang="en-US" altLang="ja-JP" dirty="0"/>
+              <a:t>‘ ‘</a:t>
+            </a:r>
+            <a:r>
+              <a:rPr lang="ja-JP" altLang="en-US" dirty="0"/>
+              <a:t>は何もないマス</a:t>
+            </a:r>
+            <a:r>
+              <a:rPr lang="en-US" altLang="ja-JP" dirty="0"/>
+              <a:t>(</a:t>
+            </a:r>
+            <a:r>
+              <a:rPr lang="ja-JP" altLang="en-US" dirty="0"/>
+              <a:t>通常プレイヤーは到達できない</a:t>
+            </a:r>
+            <a:r>
+              <a:rPr lang="en-US" altLang="ja-JP" dirty="0"/>
+              <a:t>)</a:t>
+            </a:r>
+          </a:p>
+          <a:p>
+            <a:pPr marL="0" indent="0">
+              <a:buNone/>
+            </a:pPr>
+            <a:endParaRPr kumimoji="1" lang="en-US" altLang="ja-JP" dirty="0"/>
+          </a:p>
+          <a:p>
+            <a:pPr marL="0" indent="0">
+              <a:buNone/>
+            </a:pPr>
+            <a:r>
+              <a:rPr kumimoji="1" lang="ja-JP" altLang="en-US" dirty="0"/>
+              <a:t>プレイヤーは必ず、</a:t>
+            </a:r>
+            <a:r>
+              <a:rPr kumimoji="1" lang="en-US" altLang="ja-JP" dirty="0"/>
+              <a:t>’</a:t>
+            </a:r>
+            <a:r>
+              <a:rPr lang="en-US" altLang="ja-JP" dirty="0"/>
+              <a:t>O’</a:t>
+            </a:r>
+            <a:r>
+              <a:rPr lang="ja-JP" altLang="en-US" dirty="0"/>
+              <a:t>か初期位置に位置し、それらのマスは通行可能なマスか、</a:t>
+            </a:r>
+            <a:r>
+              <a:rPr lang="en-US" altLang="ja-JP" dirty="0"/>
+              <a:t>’X’</a:t>
+            </a:r>
+            <a:r>
+              <a:rPr lang="ja-JP" altLang="en-US"/>
+              <a:t>にタテヨコで囲まれなければ</a:t>
+            </a:r>
+            <a:r>
+              <a:rPr lang="ja-JP" altLang="en-US" dirty="0"/>
+              <a:t>ならない。</a:t>
+            </a:r>
+            <a:endParaRPr kumimoji="1" lang="ja-JP" altLang="en-US" dirty="0"/>
+          </a:p>
+        </p:txBody>
+      </p:sp>
+    </p:spTree>
+    <p:extLst>
+      <p:ext uri="{BB962C8B-B14F-4D97-AF65-F5344CB8AC3E}">
+        <p14:creationId xmlns:p14="http://schemas.microsoft.com/office/powerpoint/2010/main" val="4254739292"/>
+      </p:ext>
+    </p:extLst>
+  </p:cSld>
+  <p:clrMapOvr>
+    <a:masterClrMapping/>
+  </p:clrMapOvr>
+</p:sld>
+</file>
+
 <file path=ppt/slides/slide2.xml><?xml version="1.0" encoding="utf-8"?>
 <p:sld xmlns:a="http://schemas.openxmlformats.org/drawingml/2006/main" xmlns:r="http://schemas.openxmlformats.org/officeDocument/2006/relationships" xmlns:p="http://schemas.openxmlformats.org/presentationml/2006/main">
   <p:cSld>
@@ -4221,7 +4433,7 @@
           <p:cNvPr id="2" name="タイトル 1">
             <a:extLst>
               <a:ext uri="{FF2B5EF4-FFF2-40B4-BE49-F238E27FC236}">
-                <a16:creationId xmlns:a16="http://schemas.microsoft.com/office/drawing/2014/main" id="{D7E869F7-720C-4B0F-9544-F3A90E01DA50}"/>
+                <a16:creationId xmlns:a16="http://schemas.microsoft.com/office/drawing/2014/main" id="{FB6AB65B-AA8C-4727-A57B-D5ADA8E46555}"/>
               </a:ext>
             </a:extLst>
           </p:cNvPr>
@@ -4237,745 +4449,54 @@
           <a:bodyPr/>
           <a:lstStyle/>
           <a:p>
-            <a:r>
-              <a:rPr lang="ja-JP" altLang="en-US" dirty="0"/>
-              <a:t>記述言語の構文</a:t>
+            <a:pPr algn="ctr"/>
+            <a:r>
+              <a:rPr kumimoji="1" lang="en-US" altLang="ja-JP" dirty="0" err="1"/>
+              <a:t>ScreenShot</a:t>
             </a:r>
             <a:endParaRPr kumimoji="1" lang="ja-JP" altLang="en-US" dirty="0"/>
           </a:p>
         </p:txBody>
       </p:sp>
-      <mc:AlternateContent xmlns:mc="http://schemas.openxmlformats.org/markup-compatibility/2006" xmlns:a14="http://schemas.microsoft.com/office/drawing/2010/main">
-        <mc:Choice Requires="a14">
-          <p:sp>
-            <p:nvSpPr>
-              <p:cNvPr id="3" name="コンテンツ プレースホルダー 2">
-                <a:extLst>
-                  <a:ext uri="{FF2B5EF4-FFF2-40B4-BE49-F238E27FC236}">
-                    <a16:creationId xmlns:a16="http://schemas.microsoft.com/office/drawing/2014/main" id="{5D7A65E8-C9EB-48A5-B037-88288CCF89F1}"/>
-                  </a:ext>
-                </a:extLst>
-              </p:cNvPr>
-              <p:cNvSpPr>
-                <a:spLocks noGrp="1"/>
-              </p:cNvSpPr>
-              <p:nvPr>
-                <p:ph idx="1"/>
-              </p:nvPr>
-            </p:nvSpPr>
-            <p:spPr/>
-            <p:txBody>
-              <a:bodyPr/>
-              <a:lstStyle/>
-              <a:p>
-                <a:pPr marL="0" indent="0">
-                  <a:buNone/>
-                </a:pPr>
-                <a14:m>
-                  <m:oMathPara xmlns:m="http://schemas.openxmlformats.org/officeDocument/2006/math">
-                    <m:oMathParaPr>
-                      <m:jc m:val="left"/>
-                    </m:oMathParaPr>
-                    <m:oMath xmlns:m="http://schemas.openxmlformats.org/officeDocument/2006/math">
-                      <m:r>
-                        <a:rPr kumimoji="1" lang="en-US" altLang="ja-JP" b="0" i="1" smtClean="0">
-                          <a:latin typeface="Cambria Math" panose="02040503050406030204" pitchFamily="18" charset="0"/>
-                        </a:rPr>
-                        <m:t>&lt;</m:t>
-                      </m:r>
-                      <m:r>
-                        <a:rPr kumimoji="1" lang="en-US" altLang="ja-JP" b="0" i="1" smtClean="0">
-                          <a:latin typeface="Cambria Math" panose="02040503050406030204" pitchFamily="18" charset="0"/>
-                        </a:rPr>
-                        <m:t>𝑠𝑦𝑛𝑡𝑎𝑥</m:t>
-                      </m:r>
-                      <m:r>
-                        <a:rPr kumimoji="1" lang="en-US" altLang="ja-JP" b="0" i="1" smtClean="0">
-                          <a:latin typeface="Cambria Math" panose="02040503050406030204" pitchFamily="18" charset="0"/>
-                        </a:rPr>
-                        <m:t>&gt;∷=&lt;</m:t>
-                      </m:r>
-                      <m:r>
-                        <a:rPr kumimoji="1" lang="en-US" altLang="ja-JP" b="0" i="1" smtClean="0">
-                          <a:latin typeface="Cambria Math" panose="02040503050406030204" pitchFamily="18" charset="0"/>
-                        </a:rPr>
-                        <m:t>𝑚𝑎𝑝</m:t>
-                      </m:r>
-                      <m:r>
-                        <a:rPr kumimoji="1" lang="en-US" altLang="ja-JP" b="0" i="1" smtClean="0">
-                          <a:latin typeface="Cambria Math" panose="02040503050406030204" pitchFamily="18" charset="0"/>
-                        </a:rPr>
-                        <m:t>&gt;&lt;</m:t>
-                      </m:r>
-                      <m:r>
-                        <a:rPr kumimoji="1" lang="en-US" altLang="ja-JP" b="0" i="1" smtClean="0">
-                          <a:latin typeface="Cambria Math" panose="02040503050406030204" pitchFamily="18" charset="0"/>
-                        </a:rPr>
-                        <m:t>𝑒𝑛𝑡𝑟𝑦𝑃𝑜𝑖𝑛𝑡</m:t>
-                      </m:r>
-                      <m:r>
-                        <a:rPr kumimoji="1" lang="en-US" altLang="ja-JP" b="0" i="1" smtClean="0">
-                          <a:latin typeface="Cambria Math" panose="02040503050406030204" pitchFamily="18" charset="0"/>
-                        </a:rPr>
-                        <m:t>&gt;|&lt;</m:t>
-                      </m:r>
-                      <m:r>
-                        <a:rPr kumimoji="1" lang="en-US" altLang="ja-JP" b="0" i="1" smtClean="0">
-                          <a:latin typeface="Cambria Math" panose="02040503050406030204" pitchFamily="18" charset="0"/>
-                        </a:rPr>
-                        <m:t>𝑒𝑛𝑡𝑟𝑦𝑃𝑜𝑖𝑛𝑡</m:t>
-                      </m:r>
-                      <m:r>
-                        <a:rPr kumimoji="1" lang="en-US" altLang="ja-JP" b="0" i="1" smtClean="0">
-                          <a:latin typeface="Cambria Math" panose="02040503050406030204" pitchFamily="18" charset="0"/>
-                        </a:rPr>
-                        <m:t>&gt;&lt;</m:t>
-                      </m:r>
-                      <m:r>
-                        <a:rPr kumimoji="1" lang="en-US" altLang="ja-JP" b="0" i="1" smtClean="0">
-                          <a:latin typeface="Cambria Math" panose="02040503050406030204" pitchFamily="18" charset="0"/>
-                        </a:rPr>
-                        <m:t>𝑚𝑎𝑝</m:t>
-                      </m:r>
-                      <m:r>
-                        <a:rPr kumimoji="1" lang="en-US" altLang="ja-JP" b="0" i="1" smtClean="0">
-                          <a:latin typeface="Cambria Math" panose="02040503050406030204" pitchFamily="18" charset="0"/>
-                        </a:rPr>
-                        <m:t>&gt;|&lt;</m:t>
-                      </m:r>
-                      <m:r>
-                        <a:rPr kumimoji="1" lang="en-US" altLang="ja-JP" b="0" i="1" smtClean="0">
-                          <a:latin typeface="Cambria Math" panose="02040503050406030204" pitchFamily="18" charset="0"/>
-                        </a:rPr>
-                        <m:t>𝑚𝑎𝑝</m:t>
-                      </m:r>
-                      <m:r>
-                        <a:rPr kumimoji="1" lang="en-US" altLang="ja-JP" b="0" i="1" smtClean="0">
-                          <a:latin typeface="Cambria Math" panose="02040503050406030204" pitchFamily="18" charset="0"/>
-                        </a:rPr>
-                        <m:t>&gt;&lt;</m:t>
-                      </m:r>
-                      <m:r>
-                        <a:rPr kumimoji="1" lang="en-US" altLang="ja-JP" b="0" i="1" smtClean="0">
-                          <a:latin typeface="Cambria Math" panose="02040503050406030204" pitchFamily="18" charset="0"/>
-                        </a:rPr>
-                        <m:t>𝑝𝑎𝑡𝑡𝑒𝑟𝑛</m:t>
-                      </m:r>
-                      <m:r>
-                        <a:rPr kumimoji="1" lang="en-US" altLang="ja-JP" b="0" i="1" smtClean="0">
-                          <a:latin typeface="Cambria Math" panose="02040503050406030204" pitchFamily="18" charset="0"/>
-                        </a:rPr>
-                        <m:t>&gt;&lt;</m:t>
-                      </m:r>
-                      <m:r>
-                        <a:rPr kumimoji="1" lang="en-US" altLang="ja-JP" b="0" i="1" smtClean="0">
-                          <a:latin typeface="Cambria Math" panose="02040503050406030204" pitchFamily="18" charset="0"/>
-                        </a:rPr>
-                        <m:t>𝑒𝑛𝑡𝑟𝑦𝑃𝑜𝑖𝑛𝑡</m:t>
-                      </m:r>
-                      <m:r>
-                        <a:rPr kumimoji="1" lang="en-US" altLang="ja-JP" b="0" i="1" smtClean="0">
-                          <a:latin typeface="Cambria Math" panose="02040503050406030204" pitchFamily="18" charset="0"/>
-                        </a:rPr>
-                        <m:t>&gt;|&lt;</m:t>
-                      </m:r>
-                      <m:r>
-                        <a:rPr kumimoji="1" lang="en-US" altLang="ja-JP" b="0" i="1" smtClean="0">
-                          <a:latin typeface="Cambria Math" panose="02040503050406030204" pitchFamily="18" charset="0"/>
-                        </a:rPr>
-                        <m:t>𝑚𝑎𝑝</m:t>
-                      </m:r>
-                      <m:r>
-                        <a:rPr kumimoji="1" lang="en-US" altLang="ja-JP" b="0" i="1" smtClean="0">
-                          <a:latin typeface="Cambria Math" panose="02040503050406030204" pitchFamily="18" charset="0"/>
-                        </a:rPr>
-                        <m:t>&gt;&lt;</m:t>
-                      </m:r>
-                      <m:r>
-                        <a:rPr kumimoji="1" lang="en-US" altLang="ja-JP" b="0" i="1" smtClean="0">
-                          <a:latin typeface="Cambria Math" panose="02040503050406030204" pitchFamily="18" charset="0"/>
-                        </a:rPr>
-                        <m:t>𝑒𝑛𝑡𝑟𝑦𝑃𝑜𝑖𝑛𝑡</m:t>
-                      </m:r>
-                      <m:r>
-                        <a:rPr kumimoji="1" lang="en-US" altLang="ja-JP" b="0" i="1" smtClean="0">
-                          <a:latin typeface="Cambria Math" panose="02040503050406030204" pitchFamily="18" charset="0"/>
-                        </a:rPr>
-                        <m:t>&gt;&lt;</m:t>
-                      </m:r>
-                      <m:r>
-                        <a:rPr kumimoji="1" lang="en-US" altLang="ja-JP" b="0" i="1" smtClean="0">
-                          <a:latin typeface="Cambria Math" panose="02040503050406030204" pitchFamily="18" charset="0"/>
-                        </a:rPr>
-                        <m:t>𝑝𝑎𝑡𝑡𝑒𝑟𝑛</m:t>
-                      </m:r>
-                      <m:r>
-                        <a:rPr kumimoji="1" lang="en-US" altLang="ja-JP" b="0" i="1" smtClean="0">
-                          <a:latin typeface="Cambria Math" panose="02040503050406030204" pitchFamily="18" charset="0"/>
-                        </a:rPr>
-                        <m:t>&gt;|&lt;</m:t>
-                      </m:r>
-                      <m:r>
-                        <a:rPr kumimoji="1" lang="en-US" altLang="ja-JP" b="0" i="1" smtClean="0">
-                          <a:latin typeface="Cambria Math" panose="02040503050406030204" pitchFamily="18" charset="0"/>
-                        </a:rPr>
-                        <m:t>𝑝𝑎𝑡𝑡𝑒𝑟𝑛</m:t>
-                      </m:r>
-                      <m:r>
-                        <a:rPr kumimoji="1" lang="en-US" altLang="ja-JP" b="0" i="1" smtClean="0">
-                          <a:latin typeface="Cambria Math" panose="02040503050406030204" pitchFamily="18" charset="0"/>
-                        </a:rPr>
-                        <m:t>&gt;&lt;</m:t>
-                      </m:r>
-                      <m:r>
-                        <a:rPr kumimoji="1" lang="en-US" altLang="ja-JP" b="0" i="1" smtClean="0">
-                          <a:latin typeface="Cambria Math" panose="02040503050406030204" pitchFamily="18" charset="0"/>
-                        </a:rPr>
-                        <m:t>𝑚𝑎𝑝</m:t>
-                      </m:r>
-                      <m:r>
-                        <a:rPr kumimoji="1" lang="en-US" altLang="ja-JP" b="0" i="1" smtClean="0">
-                          <a:latin typeface="Cambria Math" panose="02040503050406030204" pitchFamily="18" charset="0"/>
-                        </a:rPr>
-                        <m:t>&gt;&lt;</m:t>
-                      </m:r>
-                      <m:r>
-                        <a:rPr kumimoji="1" lang="en-US" altLang="ja-JP" b="0" i="1" smtClean="0">
-                          <a:latin typeface="Cambria Math" panose="02040503050406030204" pitchFamily="18" charset="0"/>
-                        </a:rPr>
-                        <m:t>𝑒𝑛𝑡𝑟𝑦𝑃𝑜𝑖𝑛𝑡</m:t>
-                      </m:r>
-                      <m:r>
-                        <a:rPr kumimoji="1" lang="en-US" altLang="ja-JP" b="0" i="1" smtClean="0">
-                          <a:latin typeface="Cambria Math" panose="02040503050406030204" pitchFamily="18" charset="0"/>
-                        </a:rPr>
-                        <m:t>&gt;|&lt;</m:t>
-                      </m:r>
-                      <m:r>
-                        <a:rPr kumimoji="1" lang="en-US" altLang="ja-JP" b="0" i="1" smtClean="0">
-                          <a:latin typeface="Cambria Math" panose="02040503050406030204" pitchFamily="18" charset="0"/>
-                        </a:rPr>
-                        <m:t>𝑝𝑎𝑡𝑡𝑒𝑟𝑛</m:t>
-                      </m:r>
-                      <m:r>
-                        <a:rPr kumimoji="1" lang="en-US" altLang="ja-JP" b="0" i="1" smtClean="0">
-                          <a:latin typeface="Cambria Math" panose="02040503050406030204" pitchFamily="18" charset="0"/>
-                        </a:rPr>
-                        <m:t>&gt;&lt;</m:t>
-                      </m:r>
-                      <m:r>
-                        <a:rPr kumimoji="1" lang="en-US" altLang="ja-JP" b="0" i="1" smtClean="0">
-                          <a:latin typeface="Cambria Math" panose="02040503050406030204" pitchFamily="18" charset="0"/>
-                        </a:rPr>
-                        <m:t>𝑒𝑛𝑡𝑟𝑦𝑃𝑜𝑖𝑛𝑡</m:t>
-                      </m:r>
-                      <m:r>
-                        <a:rPr kumimoji="1" lang="en-US" altLang="ja-JP" b="0" i="1" smtClean="0">
-                          <a:latin typeface="Cambria Math" panose="02040503050406030204" pitchFamily="18" charset="0"/>
-                        </a:rPr>
-                        <m:t>&gt;&lt;</m:t>
-                      </m:r>
-                      <m:r>
-                        <a:rPr kumimoji="1" lang="en-US" altLang="ja-JP" b="0" i="1" smtClean="0">
-                          <a:latin typeface="Cambria Math" panose="02040503050406030204" pitchFamily="18" charset="0"/>
-                        </a:rPr>
-                        <m:t>𝑚𝑎𝑝</m:t>
-                      </m:r>
-                      <m:r>
-                        <a:rPr kumimoji="1" lang="en-US" altLang="ja-JP" b="0" i="1" smtClean="0">
-                          <a:latin typeface="Cambria Math" panose="02040503050406030204" pitchFamily="18" charset="0"/>
-                        </a:rPr>
-                        <m:t>&gt;|&lt;</m:t>
-                      </m:r>
-                      <m:r>
-                        <a:rPr kumimoji="1" lang="en-US" altLang="ja-JP" b="0" i="1" smtClean="0">
-                          <a:latin typeface="Cambria Math" panose="02040503050406030204" pitchFamily="18" charset="0"/>
-                        </a:rPr>
-                        <m:t>𝑒𝑛𝑡𝑟𝑦𝑃𝑜𝑖𝑛𝑡</m:t>
-                      </m:r>
-                      <m:r>
-                        <a:rPr kumimoji="1" lang="en-US" altLang="ja-JP" b="0" i="1" smtClean="0">
-                          <a:latin typeface="Cambria Math" panose="02040503050406030204" pitchFamily="18" charset="0"/>
-                        </a:rPr>
-                        <m:t>&gt;&lt;</m:t>
-                      </m:r>
-                      <m:r>
-                        <a:rPr kumimoji="1" lang="en-US" altLang="ja-JP" b="0" i="1" smtClean="0">
-                          <a:latin typeface="Cambria Math" panose="02040503050406030204" pitchFamily="18" charset="0"/>
-                        </a:rPr>
-                        <m:t>𝑚𝑎𝑝</m:t>
-                      </m:r>
-                      <m:r>
-                        <a:rPr kumimoji="1" lang="en-US" altLang="ja-JP" b="0" i="1" smtClean="0">
-                          <a:latin typeface="Cambria Math" panose="02040503050406030204" pitchFamily="18" charset="0"/>
-                        </a:rPr>
-                        <m:t>&gt;&lt;</m:t>
-                      </m:r>
-                      <m:r>
-                        <a:rPr kumimoji="1" lang="en-US" altLang="ja-JP" b="0" i="1" smtClean="0">
-                          <a:latin typeface="Cambria Math" panose="02040503050406030204" pitchFamily="18" charset="0"/>
-                        </a:rPr>
-                        <m:t>𝑝𝑎𝑡𝑡𝑒𝑟𝑛</m:t>
-                      </m:r>
-                      <m:r>
-                        <a:rPr kumimoji="1" lang="en-US" altLang="ja-JP" b="0" i="1" smtClean="0">
-                          <a:latin typeface="Cambria Math" panose="02040503050406030204" pitchFamily="18" charset="0"/>
-                        </a:rPr>
-                        <m:t>&gt;|&lt;</m:t>
-                      </m:r>
-                      <m:r>
-                        <a:rPr kumimoji="1" lang="en-US" altLang="ja-JP" b="0" i="1" smtClean="0">
-                          <a:latin typeface="Cambria Math" panose="02040503050406030204" pitchFamily="18" charset="0"/>
-                        </a:rPr>
-                        <m:t>𝑒𝑛𝑡𝑟𝑦𝑃𝑜𝑖𝑛𝑡</m:t>
-                      </m:r>
-                      <m:r>
-                        <a:rPr kumimoji="1" lang="en-US" altLang="ja-JP" b="0" i="1" smtClean="0">
-                          <a:latin typeface="Cambria Math" panose="02040503050406030204" pitchFamily="18" charset="0"/>
-                        </a:rPr>
-                        <m:t>&gt;&lt;</m:t>
-                      </m:r>
-                      <m:r>
-                        <a:rPr kumimoji="1" lang="en-US" altLang="ja-JP" b="0" i="1" smtClean="0">
-                          <a:latin typeface="Cambria Math" panose="02040503050406030204" pitchFamily="18" charset="0"/>
-                        </a:rPr>
-                        <m:t>𝑝𝑎𝑡𝑡𝑒𝑟𝑛</m:t>
-                      </m:r>
-                      <m:r>
-                        <a:rPr kumimoji="1" lang="en-US" altLang="ja-JP" b="0" i="1" smtClean="0">
-                          <a:latin typeface="Cambria Math" panose="02040503050406030204" pitchFamily="18" charset="0"/>
-                        </a:rPr>
-                        <m:t>&gt;&lt;</m:t>
-                      </m:r>
-                      <m:r>
-                        <a:rPr kumimoji="1" lang="en-US" altLang="ja-JP" b="0" i="1" smtClean="0">
-                          <a:latin typeface="Cambria Math" panose="02040503050406030204" pitchFamily="18" charset="0"/>
-                        </a:rPr>
-                        <m:t>𝑚𝑎𝑝</m:t>
-                      </m:r>
-                      <m:r>
-                        <a:rPr kumimoji="1" lang="en-US" altLang="ja-JP" b="0" i="1" smtClean="0">
-                          <a:latin typeface="Cambria Math" panose="02040503050406030204" pitchFamily="18" charset="0"/>
-                        </a:rPr>
-                        <m:t>&gt;</m:t>
-                      </m:r>
-                    </m:oMath>
-                  </m:oMathPara>
-                </a14:m>
-                <a:endParaRPr kumimoji="1" lang="en-US" altLang="ja-JP" b="0" i="1" dirty="0">
-                  <a:latin typeface="Cambria Math" panose="02040503050406030204" pitchFamily="18" charset="0"/>
-                </a:endParaRPr>
-              </a:p>
-              <a:p>
-                <a:pPr marL="0" indent="0">
-                  <a:buNone/>
-                </a:pPr>
-                <a14:m>
-                  <m:oMathPara xmlns:m="http://schemas.openxmlformats.org/officeDocument/2006/math">
-                    <m:oMathParaPr>
-                      <m:jc m:val="left"/>
-                    </m:oMathParaPr>
-                    <m:oMath xmlns:m="http://schemas.openxmlformats.org/officeDocument/2006/math">
-                      <m:r>
-                        <a:rPr kumimoji="1" lang="en-US" altLang="ja-JP" b="0" i="1" smtClean="0">
-                          <a:latin typeface="Cambria Math" panose="02040503050406030204" pitchFamily="18" charset="0"/>
-                        </a:rPr>
-                        <m:t>&lt;</m:t>
-                      </m:r>
-                      <m:r>
-                        <a:rPr kumimoji="1" lang="en-US" altLang="ja-JP" b="0" i="1" smtClean="0">
-                          <a:latin typeface="Cambria Math" panose="02040503050406030204" pitchFamily="18" charset="0"/>
-                        </a:rPr>
-                        <m:t>𝑚𝑎𝑝</m:t>
-                      </m:r>
-                      <m:r>
-                        <a:rPr kumimoji="1" lang="en-US" altLang="ja-JP" b="0" i="1" smtClean="0">
-                          <a:latin typeface="Cambria Math" panose="02040503050406030204" pitchFamily="18" charset="0"/>
-                        </a:rPr>
-                        <m:t>&gt;∷=</m:t>
-                      </m:r>
-                      <m:r>
-                        <a:rPr kumimoji="1" lang="en-US" altLang="ja-JP" b="0" i="1" smtClean="0">
-                          <a:latin typeface="Cambria Math" panose="02040503050406030204" pitchFamily="18" charset="0"/>
-                        </a:rPr>
-                        <m:t>𝑓𝑖𝑙𝑒</m:t>
-                      </m:r>
-                      <m:r>
-                        <a:rPr kumimoji="1" lang="en-US" altLang="ja-JP" b="0" i="1" smtClean="0">
-                          <a:latin typeface="Cambria Math" panose="02040503050406030204" pitchFamily="18" charset="0"/>
-                        </a:rPr>
-                        <m:t>_</m:t>
-                      </m:r>
-                      <m:r>
-                        <a:rPr kumimoji="1" lang="en-US" altLang="ja-JP" b="0" i="1" smtClean="0">
-                          <a:latin typeface="Cambria Math" panose="02040503050406030204" pitchFamily="18" charset="0"/>
-                        </a:rPr>
-                        <m:t>𝑛𝑎𝑚𝑒</m:t>
-                      </m:r>
-                    </m:oMath>
-                  </m:oMathPara>
-                </a14:m>
-                <a:endParaRPr kumimoji="1" lang="en-US" altLang="ja-JP" b="0" dirty="0"/>
-              </a:p>
-              <a:p>
-                <a:pPr marL="0" indent="0">
-                  <a:buNone/>
-                </a:pPr>
-                <a14:m>
-                  <m:oMathPara xmlns:m="http://schemas.openxmlformats.org/officeDocument/2006/math">
-                    <m:oMathParaPr>
-                      <m:jc m:val="left"/>
-                    </m:oMathParaPr>
-                    <m:oMath xmlns:m="http://schemas.openxmlformats.org/officeDocument/2006/math">
-                      <m:r>
-                        <a:rPr lang="en-US" altLang="ja-JP" i="1">
-                          <a:latin typeface="Cambria Math" panose="02040503050406030204" pitchFamily="18" charset="0"/>
-                        </a:rPr>
-                        <m:t>&lt;</m:t>
-                      </m:r>
-                      <m:r>
-                        <a:rPr lang="en-US" altLang="ja-JP" i="1">
-                          <a:latin typeface="Cambria Math" panose="02040503050406030204" pitchFamily="18" charset="0"/>
-                        </a:rPr>
-                        <m:t>𝑒𝑛𝑡𝑟𝑦𝑃𝑜𝑖𝑛𝑡</m:t>
-                      </m:r>
-                      <m:r>
-                        <a:rPr lang="en-US" altLang="ja-JP" b="0" i="1" smtClean="0">
-                          <a:latin typeface="Cambria Math" panose="02040503050406030204" pitchFamily="18" charset="0"/>
-                        </a:rPr>
-                        <m:t>&gt;∷=&lt;</m:t>
-                      </m:r>
-                      <m:r>
-                        <a:rPr lang="en-US" altLang="ja-JP" b="0" i="1" smtClean="0">
-                          <a:latin typeface="Cambria Math" panose="02040503050406030204" pitchFamily="18" charset="0"/>
-                        </a:rPr>
-                        <m:t>𝑎𝑐𝑡𝑖𝑜𝑛</m:t>
-                      </m:r>
-                      <m:r>
-                        <a:rPr lang="en-US" altLang="ja-JP" b="0" i="1" smtClean="0">
-                          <a:latin typeface="Cambria Math" panose="02040503050406030204" pitchFamily="18" charset="0"/>
-                        </a:rPr>
-                        <m:t>/</m:t>
-                      </m:r>
-                      <m:r>
-                        <a:rPr lang="en-US" altLang="ja-JP" b="0" i="1" smtClean="0">
-                          <a:latin typeface="Cambria Math" panose="02040503050406030204" pitchFamily="18" charset="0"/>
-                        </a:rPr>
-                        <m:t>𝑝𝑎𝑡𝑡𝑒𝑟𝑛</m:t>
-                      </m:r>
-                      <m:r>
-                        <a:rPr lang="ja-JP" altLang="en-US" i="1">
-                          <a:latin typeface="Cambria Math" panose="02040503050406030204" pitchFamily="18" charset="0"/>
-                        </a:rPr>
-                        <m:t>の</m:t>
-                      </m:r>
-                      <m:r>
-                        <a:rPr lang="ja-JP" altLang="en-US" i="1" smtClean="0">
-                          <a:latin typeface="Cambria Math" panose="02040503050406030204" pitchFamily="18" charset="0"/>
-                        </a:rPr>
-                        <m:t>繰り返し</m:t>
-                      </m:r>
-                      <m:r>
-                        <a:rPr lang="en-US" altLang="ja-JP" b="0" i="1" smtClean="0">
-                          <a:latin typeface="Cambria Math" panose="02040503050406030204" pitchFamily="18" charset="0"/>
-                        </a:rPr>
-                        <m:t>&gt;</m:t>
-                      </m:r>
-                      <m:r>
-                        <a:rPr lang="en-US" altLang="ja-JP" b="0" i="1" smtClean="0">
-                          <a:latin typeface="Cambria Math" panose="02040503050406030204" pitchFamily="18" charset="0"/>
-                        </a:rPr>
-                        <m:t>𝑒𝑥𝑖𝑡</m:t>
-                      </m:r>
-                      <m:r>
-                        <a:rPr lang="en-US" altLang="ja-JP" b="0" i="1" smtClean="0">
-                          <a:latin typeface="Cambria Math" panose="02040503050406030204" pitchFamily="18" charset="0"/>
-                        </a:rPr>
-                        <m:t>|</m:t>
-                      </m:r>
-                      <m:r>
-                        <a:rPr lang="en-US" altLang="ja-JP" b="0" i="1" smtClean="0">
-                          <a:latin typeface="Cambria Math" panose="02040503050406030204" pitchFamily="18" charset="0"/>
-                        </a:rPr>
-                        <m:t>𝑒𝑥𝑖𝑡</m:t>
-                      </m:r>
-                    </m:oMath>
-                  </m:oMathPara>
-                </a14:m>
-                <a:endParaRPr kumimoji="1" lang="en-US" altLang="ja-JP" b="0" dirty="0"/>
-              </a:p>
-              <a:p>
-                <a:pPr marL="0" indent="0">
-                  <a:buNone/>
-                </a:pPr>
-                <a14:m>
-                  <m:oMathPara xmlns:m="http://schemas.openxmlformats.org/officeDocument/2006/math">
-                    <m:oMathParaPr>
-                      <m:jc m:val="left"/>
-                    </m:oMathParaPr>
-                    <m:oMath xmlns:m="http://schemas.openxmlformats.org/officeDocument/2006/math">
-                      <m:r>
-                        <a:rPr kumimoji="1" lang="en-US" altLang="ja-JP" b="0" i="1" smtClean="0">
-                          <a:latin typeface="Cambria Math" panose="02040503050406030204" pitchFamily="18" charset="0"/>
-                        </a:rPr>
-                        <m:t>&lt;</m:t>
-                      </m:r>
-                      <m:r>
-                        <a:rPr kumimoji="1" lang="en-US" altLang="ja-JP" b="0" i="1" smtClean="0">
-                          <a:latin typeface="Cambria Math" panose="02040503050406030204" pitchFamily="18" charset="0"/>
-                        </a:rPr>
-                        <m:t>𝑎𝑐𝑡𝑖𝑜𝑛</m:t>
-                      </m:r>
-                      <m:r>
-                        <a:rPr kumimoji="1" lang="en-US" altLang="ja-JP" b="0" i="1" smtClean="0">
-                          <a:latin typeface="Cambria Math" panose="02040503050406030204" pitchFamily="18" charset="0"/>
-                        </a:rPr>
-                        <m:t>/</m:t>
-                      </m:r>
-                      <m:r>
-                        <a:rPr kumimoji="1" lang="en-US" altLang="ja-JP" b="0" i="1" smtClean="0">
-                          <a:latin typeface="Cambria Math" panose="02040503050406030204" pitchFamily="18" charset="0"/>
-                        </a:rPr>
-                        <m:t>𝑝𝑎𝑡𝑡𝑒𝑟𝑛</m:t>
-                      </m:r>
-                      <m:r>
-                        <a:rPr lang="ja-JP" altLang="en-US" i="1">
-                          <a:latin typeface="Cambria Math" panose="02040503050406030204" pitchFamily="18" charset="0"/>
-                        </a:rPr>
-                        <m:t>の</m:t>
-                      </m:r>
-                      <m:r>
-                        <a:rPr lang="ja-JP" altLang="en-US" i="1" smtClean="0">
-                          <a:latin typeface="Cambria Math" panose="02040503050406030204" pitchFamily="18" charset="0"/>
-                        </a:rPr>
-                        <m:t>繰り返し</m:t>
-                      </m:r>
-                      <m:r>
-                        <a:rPr kumimoji="1" lang="en-US" altLang="ja-JP" b="0" i="1" smtClean="0">
-                          <a:latin typeface="Cambria Math" panose="02040503050406030204" pitchFamily="18" charset="0"/>
-                        </a:rPr>
-                        <m:t>&gt;∷=&lt;</m:t>
-                      </m:r>
-                      <m:r>
-                        <a:rPr kumimoji="1" lang="en-US" altLang="ja-JP" b="0" i="1" smtClean="0">
-                          <a:latin typeface="Cambria Math" panose="02040503050406030204" pitchFamily="18" charset="0"/>
-                        </a:rPr>
-                        <m:t>𝑝𝑎𝑡𝑡𝑒𝑟𝑛</m:t>
-                      </m:r>
-                      <m:r>
-                        <a:rPr kumimoji="1" lang="en-US" altLang="ja-JP" b="0" i="1" smtClean="0">
-                          <a:latin typeface="Cambria Math" panose="02040503050406030204" pitchFamily="18" charset="0"/>
-                        </a:rPr>
-                        <m:t>&gt;|&lt;</m:t>
-                      </m:r>
-                      <m:r>
-                        <a:rPr kumimoji="1" lang="en-US" altLang="ja-JP" b="0" i="1" smtClean="0">
-                          <a:latin typeface="Cambria Math" panose="02040503050406030204" pitchFamily="18" charset="0"/>
-                        </a:rPr>
-                        <m:t>𝑎𝑐𝑡𝑖𝑜𝑛</m:t>
-                      </m:r>
-                      <m:r>
-                        <a:rPr kumimoji="1" lang="en-US" altLang="ja-JP" b="0" i="1" smtClean="0">
-                          <a:latin typeface="Cambria Math" panose="02040503050406030204" pitchFamily="18" charset="0"/>
-                        </a:rPr>
-                        <m:t>&gt;</m:t>
-                      </m:r>
-                    </m:oMath>
-                  </m:oMathPara>
-                </a14:m>
-                <a:endParaRPr kumimoji="1" lang="en-US" altLang="ja-JP" b="0" dirty="0"/>
-              </a:p>
-              <a:p>
-                <a:pPr marL="0" indent="0">
-                  <a:buNone/>
-                </a:pPr>
-                <a14:m>
-                  <m:oMathPara xmlns:m="http://schemas.openxmlformats.org/officeDocument/2006/math">
-                    <m:oMathParaPr>
-                      <m:jc m:val="left"/>
-                    </m:oMathParaPr>
-                    <m:oMath xmlns:m="http://schemas.openxmlformats.org/officeDocument/2006/math">
-                      <m:r>
-                        <a:rPr kumimoji="1" lang="en-US" altLang="ja-JP" b="0" i="1" smtClean="0">
-                          <a:latin typeface="Cambria Math" panose="02040503050406030204" pitchFamily="18" charset="0"/>
-                        </a:rPr>
-                        <m:t>&lt;</m:t>
-                      </m:r>
-                      <m:r>
-                        <a:rPr kumimoji="1" lang="en-US" altLang="ja-JP" b="0" i="1" smtClean="0">
-                          <a:latin typeface="Cambria Math" panose="02040503050406030204" pitchFamily="18" charset="0"/>
-                        </a:rPr>
-                        <m:t>𝑝𝑎𝑡𝑡𝑒𝑟𝑛</m:t>
-                      </m:r>
-                      <m:r>
-                        <a:rPr kumimoji="1" lang="en-US" altLang="ja-JP" b="0" i="1" smtClean="0">
-                          <a:latin typeface="Cambria Math" panose="02040503050406030204" pitchFamily="18" charset="0"/>
-                        </a:rPr>
-                        <m:t>&gt;∷=&lt;</m:t>
-                      </m:r>
-                      <m:r>
-                        <a:rPr kumimoji="1" lang="en-US" altLang="ja-JP" b="0" i="1" smtClean="0">
-                          <a:latin typeface="Cambria Math" panose="02040503050406030204" pitchFamily="18" charset="0"/>
-                        </a:rPr>
-                        <m:t>𝑎𝑐𝑡𝑖𝑜𝑛</m:t>
-                      </m:r>
-                      <m:r>
-                        <a:rPr kumimoji="1" lang="en-US" altLang="ja-JP" b="0" i="1" smtClean="0">
-                          <a:latin typeface="Cambria Math" panose="02040503050406030204" pitchFamily="18" charset="0"/>
-                        </a:rPr>
-                        <m:t>&gt;|&lt;</m:t>
-                      </m:r>
-                      <m:r>
-                        <a:rPr kumimoji="1" lang="en-US" altLang="ja-JP" b="0" i="1" smtClean="0">
-                          <a:latin typeface="Cambria Math" panose="02040503050406030204" pitchFamily="18" charset="0"/>
-                        </a:rPr>
-                        <m:t>𝑝𝑎𝑡𝑡𝑒𝑟𝑛</m:t>
-                      </m:r>
-                      <m:r>
-                        <a:rPr kumimoji="1" lang="en-US" altLang="ja-JP" b="0" i="1" smtClean="0">
-                          <a:latin typeface="Cambria Math" panose="02040503050406030204" pitchFamily="18" charset="0"/>
-                        </a:rPr>
-                        <m:t>&gt;</m:t>
-                      </m:r>
-                      <m:r>
-                        <a:rPr kumimoji="1" lang="en-US" altLang="ja-JP" b="0" i="1" smtClean="0">
-                          <a:latin typeface="Cambria Math" panose="02040503050406030204" pitchFamily="18" charset="0"/>
-                        </a:rPr>
-                        <m:t>𝑒𝑥𝑖𝑡</m:t>
-                      </m:r>
-                    </m:oMath>
-                  </m:oMathPara>
-                </a14:m>
-                <a:endParaRPr kumimoji="1" lang="en-US" altLang="ja-JP" b="0" dirty="0"/>
-              </a:p>
-              <a:p>
-                <a:pPr marL="0" indent="0">
-                  <a:buNone/>
-                </a:pPr>
-                <a14:m>
-                  <m:oMathPara xmlns:m="http://schemas.openxmlformats.org/officeDocument/2006/math">
-                    <m:oMathParaPr>
-                      <m:jc m:val="left"/>
-                    </m:oMathParaPr>
-                    <m:oMath xmlns:m="http://schemas.openxmlformats.org/officeDocument/2006/math">
-                      <m:r>
-                        <a:rPr kumimoji="1" lang="en-US" altLang="ja-JP" b="0" i="1" smtClean="0">
-                          <a:latin typeface="Cambria Math" panose="02040503050406030204" pitchFamily="18" charset="0"/>
-                        </a:rPr>
-                        <m:t>&lt;</m:t>
-                      </m:r>
-                      <m:r>
-                        <a:rPr kumimoji="1" lang="en-US" altLang="ja-JP" b="0" i="1" smtClean="0">
-                          <a:latin typeface="Cambria Math" panose="02040503050406030204" pitchFamily="18" charset="0"/>
-                        </a:rPr>
-                        <m:t>𝑎𝑐𝑡𝑖𝑜𝑛</m:t>
-                      </m:r>
-                      <m:r>
-                        <a:rPr kumimoji="1" lang="en-US" altLang="ja-JP" b="0" i="1" smtClean="0">
-                          <a:latin typeface="Cambria Math" panose="02040503050406030204" pitchFamily="18" charset="0"/>
-                        </a:rPr>
-                        <m:t>&gt;∷=</m:t>
-                      </m:r>
-                      <m:r>
-                        <a:rPr kumimoji="1" lang="en-US" altLang="ja-JP" b="0" i="1" smtClean="0">
-                          <a:latin typeface="Cambria Math" panose="02040503050406030204" pitchFamily="18" charset="0"/>
-                        </a:rPr>
-                        <m:t>𝑎h𝑒𝑎𝑑</m:t>
-                      </m:r>
-                      <m:r>
-                        <a:rPr kumimoji="1" lang="en-US" altLang="ja-JP" b="0" i="1" smtClean="0">
-                          <a:latin typeface="Cambria Math" panose="02040503050406030204" pitchFamily="18" charset="0"/>
-                        </a:rPr>
-                        <m:t>|</m:t>
-                      </m:r>
-                      <m:r>
-                        <a:rPr kumimoji="1" lang="en-US" altLang="ja-JP" b="0" i="1" smtClean="0">
-                          <a:latin typeface="Cambria Math" panose="02040503050406030204" pitchFamily="18" charset="0"/>
-                        </a:rPr>
-                        <m:t>𝑏𝑎𝑐𝑘</m:t>
-                      </m:r>
-                      <m:r>
-                        <a:rPr kumimoji="1" lang="en-US" altLang="ja-JP" b="0" i="1" smtClean="0">
-                          <a:latin typeface="Cambria Math" panose="02040503050406030204" pitchFamily="18" charset="0"/>
-                        </a:rPr>
-                        <m:t>|</m:t>
-                      </m:r>
-                      <m:r>
-                        <a:rPr kumimoji="1" lang="en-US" altLang="ja-JP" b="0" i="1" smtClean="0">
-                          <a:latin typeface="Cambria Math" panose="02040503050406030204" pitchFamily="18" charset="0"/>
-                        </a:rPr>
-                        <m:t>𝑡𝑢𝑟𝑛𝑅</m:t>
-                      </m:r>
-                      <m:r>
-                        <a:rPr kumimoji="1" lang="en-US" altLang="ja-JP" b="0" i="1" smtClean="0">
-                          <a:latin typeface="Cambria Math" panose="02040503050406030204" pitchFamily="18" charset="0"/>
-                        </a:rPr>
-                        <m:t>|</m:t>
-                      </m:r>
-                      <m:r>
-                        <a:rPr kumimoji="1" lang="en-US" altLang="ja-JP" b="0" i="1" smtClean="0">
-                          <a:latin typeface="Cambria Math" panose="02040503050406030204" pitchFamily="18" charset="0"/>
-                        </a:rPr>
-                        <m:t>𝑡𝑢𝑟𝑛𝐿</m:t>
-                      </m:r>
-                    </m:oMath>
-                  </m:oMathPara>
-                </a14:m>
-                <a:endParaRPr kumimoji="1" lang="en-US" altLang="ja-JP" b="0" dirty="0"/>
-              </a:p>
-              <a:p>
-                <a:pPr marL="0" indent="0">
-                  <a:buNone/>
-                </a:pPr>
-                <a:endParaRPr kumimoji="1" lang="ja-JP" altLang="en-US" dirty="0"/>
-              </a:p>
-            </p:txBody>
-          </p:sp>
-        </mc:Choice>
-        <mc:Fallback xmlns="">
-          <p:sp>
-            <p:nvSpPr>
-              <p:cNvPr id="3" name="コンテンツ プレースホルダー 2">
-                <a:extLst>
-                  <a:ext uri="{FF2B5EF4-FFF2-40B4-BE49-F238E27FC236}">
-                    <a16:creationId xmlns:a16="http://schemas.microsoft.com/office/drawing/2014/main" id="{5D7A65E8-C9EB-48A5-B037-88288CCF89F1}"/>
-                  </a:ext>
-                </a:extLst>
-              </p:cNvPr>
-              <p:cNvSpPr>
-                <a:spLocks noGrp="1" noRot="1" noChangeAspect="1" noMove="1" noResize="1" noEditPoints="1" noAdjustHandles="1" noChangeArrowheads="1" noChangeShapeType="1" noTextEdit="1"/>
-              </p:cNvSpPr>
-              <p:nvPr>
-                <p:ph idx="1"/>
-              </p:nvPr>
-            </p:nvSpPr>
-            <p:spPr>
-              <a:blipFill>
-                <a:blip r:embed="rId2"/>
-                <a:stretch>
-                  <a:fillRect l="-174" r="-58"/>
-                </a:stretch>
-              </a:blipFill>
-            </p:spPr>
-            <p:txBody>
-              <a:bodyPr/>
-              <a:lstStyle/>
-              <a:p>
-                <a:r>
-                  <a:rPr lang="ja-JP" altLang="en-US">
-                    <a:noFill/>
-                  </a:rPr>
-                  <a:t> </a:t>
-                </a:r>
-              </a:p>
-            </p:txBody>
-          </p:sp>
-        </mc:Fallback>
-      </mc:AlternateContent>
+      <p:pic>
+        <p:nvPicPr>
+          <p:cNvPr id="5" name="コンテンツ プレースホルダー 4">
+            <a:extLst>
+              <a:ext uri="{FF2B5EF4-FFF2-40B4-BE49-F238E27FC236}">
+                <a16:creationId xmlns:a16="http://schemas.microsoft.com/office/drawing/2014/main" id="{277E8BB1-D030-4120-9D8A-C8F09CC2552B}"/>
+              </a:ext>
+            </a:extLst>
+          </p:cNvPr>
+          <p:cNvPicPr>
+            <a:picLocks noGrp="1" noChangeAspect="1"/>
+          </p:cNvPicPr>
+          <p:nvPr>
+            <p:ph idx="1"/>
+          </p:nvPr>
+        </p:nvPicPr>
+        <p:blipFill>
+          <a:blip r:embed="rId2">
+            <a:extLst>
+              <a:ext uri="{28A0092B-C50C-407E-A947-70E740481C1C}">
+                <a14:useLocalDpi xmlns:a14="http://schemas.microsoft.com/office/drawing/2010/main" val="0"/>
+              </a:ext>
+            </a:extLst>
+          </a:blip>
+          <a:stretch>
+            <a:fillRect/>
+          </a:stretch>
+        </p:blipFill>
+        <p:spPr>
+          <a:xfrm>
+            <a:off x="2832496" y="1825625"/>
+            <a:ext cx="6527007" cy="4351338"/>
+          </a:xfrm>
+        </p:spPr>
+      </p:pic>
     </p:spTree>
     <p:extLst>
       <p:ext uri="{BB962C8B-B14F-4D97-AF65-F5344CB8AC3E}">
-        <p14:creationId xmlns:p14="http://schemas.microsoft.com/office/powerpoint/2010/main" val="421719967"/>
+        <p14:creationId xmlns:p14="http://schemas.microsoft.com/office/powerpoint/2010/main" val="383223613"/>
       </p:ext>
     </p:extLst>
   </p:cSld>
@@ -5007,7 +4528,7 @@
           <p:cNvPr id="2" name="タイトル 1">
             <a:extLst>
               <a:ext uri="{FF2B5EF4-FFF2-40B4-BE49-F238E27FC236}">
-                <a16:creationId xmlns:a16="http://schemas.microsoft.com/office/drawing/2014/main" id="{2509A96F-60EC-4860-A532-ED9A5BFECF91}"/>
+                <a16:creationId xmlns:a16="http://schemas.microsoft.com/office/drawing/2014/main" id="{2C9C78E2-F2AE-4A34-90EC-902B7CA4B51D}"/>
               </a:ext>
             </a:extLst>
           </p:cNvPr>
@@ -5023,150 +4544,55 @@
           <a:bodyPr/>
           <a:lstStyle/>
           <a:p>
+            <a:pPr algn="ctr"/>
             <a:r>
               <a:rPr lang="en-US" altLang="ja-JP" dirty="0"/>
-              <a:t>label</a:t>
+              <a:t>Map</a:t>
             </a:r>
             <a:r>
               <a:rPr lang="ja-JP" altLang="en-US" dirty="0"/>
-              <a:t>の解説</a:t>
+              <a:t>の記述例</a:t>
             </a:r>
             <a:endParaRPr kumimoji="1" lang="ja-JP" altLang="en-US" dirty="0"/>
           </a:p>
         </p:txBody>
       </p:sp>
-      <p:sp>
-        <p:nvSpPr>
-          <p:cNvPr id="3" name="コンテンツ プレースホルダー 2">
-            <a:extLst>
-              <a:ext uri="{FF2B5EF4-FFF2-40B4-BE49-F238E27FC236}">
-                <a16:creationId xmlns:a16="http://schemas.microsoft.com/office/drawing/2014/main" id="{3CEF5605-D01B-4404-8035-FDDC1D7A5B2D}"/>
-              </a:ext>
-            </a:extLst>
-          </p:cNvPr>
-          <p:cNvSpPr>
-            <a:spLocks noGrp="1"/>
-          </p:cNvSpPr>
+      <p:pic>
+        <p:nvPicPr>
+          <p:cNvPr id="4" name="コンテンツ プレースホルダー 3">
+            <a:extLst>
+              <a:ext uri="{FF2B5EF4-FFF2-40B4-BE49-F238E27FC236}">
+                <a16:creationId xmlns:a16="http://schemas.microsoft.com/office/drawing/2014/main" id="{3309A9A4-26FD-4C7E-87C6-5323AA16F89E}"/>
+              </a:ext>
+            </a:extLst>
+          </p:cNvPr>
+          <p:cNvPicPr>
+            <a:picLocks noGrp="1" noChangeAspect="1"/>
+          </p:cNvPicPr>
           <p:nvPr>
             <p:ph idx="1"/>
           </p:nvPr>
-        </p:nvSpPr>
-        <p:spPr/>
-        <p:txBody>
-          <a:bodyPr/>
-          <a:lstStyle/>
-          <a:p>
-            <a:r>
-              <a:rPr lang="en-US" altLang="ja-JP" dirty="0"/>
-              <a:t>m</a:t>
-            </a:r>
-            <a:r>
-              <a:rPr kumimoji="1" lang="en-US" altLang="ja-JP" dirty="0"/>
-              <a:t>ap</a:t>
-            </a:r>
-            <a:endParaRPr lang="en-US" altLang="ja-JP" dirty="0"/>
-          </a:p>
-          <a:p>
-            <a:pPr marL="0" indent="0">
-              <a:buNone/>
-            </a:pPr>
-            <a:r>
-              <a:rPr kumimoji="1" lang="ja-JP" altLang="en-US" dirty="0"/>
-              <a:t>プレイヤーが行動するマップを定義したファイルの名前</a:t>
-            </a:r>
-            <a:endParaRPr kumimoji="1" lang="en-US" altLang="ja-JP" dirty="0"/>
-          </a:p>
-          <a:p>
-            <a:r>
-              <a:rPr lang="en-US" altLang="ja-JP" dirty="0"/>
-              <a:t>p</a:t>
-            </a:r>
-            <a:r>
-              <a:rPr kumimoji="1" lang="en-US" altLang="ja-JP" dirty="0"/>
-              <a:t>attern</a:t>
-            </a:r>
-          </a:p>
-          <a:p>
-            <a:pPr marL="0" indent="0">
-              <a:buNone/>
-            </a:pPr>
-            <a:r>
-              <a:rPr lang="en-US" altLang="ja-JP" dirty="0"/>
-              <a:t>action</a:t>
-            </a:r>
-            <a:r>
-              <a:rPr lang="ja-JP" altLang="en-US" dirty="0"/>
-              <a:t>または</a:t>
-            </a:r>
-            <a:r>
-              <a:rPr lang="en-US" altLang="ja-JP" dirty="0"/>
-              <a:t>pattern</a:t>
-            </a:r>
-            <a:r>
-              <a:rPr lang="ja-JP" altLang="en-US" dirty="0"/>
-              <a:t>の並びの最後に</a:t>
-            </a:r>
-            <a:r>
-              <a:rPr lang="en-US" altLang="ja-JP" dirty="0"/>
-              <a:t>exit</a:t>
-            </a:r>
-            <a:r>
-              <a:rPr lang="ja-JP" altLang="en-US" dirty="0"/>
-              <a:t>が付いたもの</a:t>
-            </a:r>
-            <a:endParaRPr lang="en-US" altLang="ja-JP" dirty="0"/>
-          </a:p>
-          <a:p>
-            <a:r>
-              <a:rPr lang="en-US" altLang="ja-JP" dirty="0" err="1"/>
-              <a:t>entryPoint</a:t>
-            </a:r>
-            <a:endParaRPr lang="en-US" altLang="ja-JP" dirty="0"/>
-          </a:p>
-          <a:p>
-            <a:pPr marL="0" indent="0">
-              <a:buNone/>
-            </a:pPr>
-            <a:r>
-              <a:rPr lang="ja-JP" altLang="en-US" dirty="0"/>
-              <a:t>プログラムの開始</a:t>
-            </a:r>
-            <a:r>
-              <a:rPr lang="ja-JP" altLang="en-US"/>
-              <a:t>位置。</a:t>
-            </a:r>
-            <a:r>
-              <a:rPr lang="en-US" altLang="ja-JP"/>
-              <a:t>action</a:t>
-            </a:r>
-            <a:r>
-              <a:rPr lang="ja-JP" altLang="en-US" dirty="0"/>
-              <a:t>または</a:t>
-            </a:r>
-            <a:r>
-              <a:rPr lang="en-US" altLang="ja-JP" dirty="0"/>
-              <a:t>pattern</a:t>
-            </a:r>
-            <a:r>
-              <a:rPr lang="ja-JP" altLang="en-US" dirty="0"/>
-              <a:t>の並びの最後に</a:t>
-            </a:r>
-            <a:r>
-              <a:rPr lang="en-US" altLang="ja-JP" dirty="0"/>
-              <a:t>exit</a:t>
-            </a:r>
-            <a:r>
-              <a:rPr lang="ja-JP" altLang="en-US" dirty="0"/>
-              <a:t>が付いたもの</a:t>
-            </a:r>
-            <a:endParaRPr lang="en-US" altLang="ja-JP" dirty="0"/>
-          </a:p>
-        </p:txBody>
-      </p:sp>
+        </p:nvPicPr>
+        <p:blipFill>
+          <a:blip r:embed="rId2"/>
+          <a:stretch>
+            <a:fillRect/>
+          </a:stretch>
+        </p:blipFill>
+        <p:spPr>
+          <a:xfrm>
+            <a:off x="838200" y="2904091"/>
+            <a:ext cx="10515600" cy="2194406"/>
+          </a:xfrm>
+          <a:prstGeom prst="rect">
+            <a:avLst/>
+          </a:prstGeom>
+        </p:spPr>
+      </p:pic>
     </p:spTree>
     <p:extLst>
       <p:ext uri="{BB962C8B-B14F-4D97-AF65-F5344CB8AC3E}">
-        <p14:creationId xmlns:p14="http://schemas.microsoft.com/office/powerpoint/2010/main" val="2730871500"/>
+        <p14:creationId xmlns:p14="http://schemas.microsoft.com/office/powerpoint/2010/main" val="963352615"/>
       </p:ext>
     </p:extLst>
   </p:cSld>
@@ -5198,7 +4624,7 @@
           <p:cNvPr id="2" name="タイトル 1">
             <a:extLst>
               <a:ext uri="{FF2B5EF4-FFF2-40B4-BE49-F238E27FC236}">
-                <a16:creationId xmlns:a16="http://schemas.microsoft.com/office/drawing/2014/main" id="{6AAE0496-FDD1-4773-B015-345D9791D33D}"/>
+                <a16:creationId xmlns:a16="http://schemas.microsoft.com/office/drawing/2014/main" id="{F5CC9A44-352C-43EB-9D80-998D13ECCBF5}"/>
               </a:ext>
             </a:extLst>
           </p:cNvPr>
@@ -5214,412 +4640,10 @@
           <a:bodyPr/>
           <a:lstStyle/>
           <a:p>
-            <a:r>
-              <a:rPr kumimoji="1" lang="en-US" altLang="ja-JP" dirty="0"/>
-              <a:t>action</a:t>
-            </a:r>
+            <a:pPr algn="ctr"/>
             <a:r>
               <a:rPr kumimoji="1" lang="ja-JP" altLang="en-US" dirty="0"/>
-              <a:t>について</a:t>
-            </a:r>
-          </a:p>
-        </p:txBody>
-      </p:sp>
-      <p:sp>
-        <p:nvSpPr>
-          <p:cNvPr id="3" name="コンテンツ プレースホルダー 2">
-            <a:extLst>
-              <a:ext uri="{FF2B5EF4-FFF2-40B4-BE49-F238E27FC236}">
-                <a16:creationId xmlns:a16="http://schemas.microsoft.com/office/drawing/2014/main" id="{54F82C75-4F05-4C1A-8F10-5AE981448AFA}"/>
-              </a:ext>
-            </a:extLst>
-          </p:cNvPr>
-          <p:cNvSpPr>
-            <a:spLocks noGrp="1"/>
-          </p:cNvSpPr>
-          <p:nvPr>
-            <p:ph idx="1"/>
-          </p:nvPr>
-        </p:nvSpPr>
-        <p:spPr/>
-        <p:txBody>
-          <a:bodyPr>
-            <a:normAutofit lnSpcReduction="10000"/>
-          </a:bodyPr>
-          <a:lstStyle/>
-          <a:p>
-            <a:pPr marL="0" indent="0">
-              <a:buNone/>
-            </a:pPr>
-            <a:r>
-              <a:rPr lang="en-US" altLang="ja-JP" dirty="0"/>
-              <a:t>action:</a:t>
-            </a:r>
-            <a:r>
-              <a:rPr lang="ja-JP" altLang="en-US" dirty="0"/>
-              <a:t>プレイヤーの行動の基本単位</a:t>
-            </a:r>
-            <a:endParaRPr lang="en-US" altLang="ja-JP" dirty="0"/>
-          </a:p>
-          <a:p>
-            <a:r>
-              <a:rPr lang="en-US" altLang="ja-JP" dirty="0"/>
-              <a:t>ahead</a:t>
-            </a:r>
-          </a:p>
-          <a:p>
-            <a:pPr marL="0" indent="0">
-              <a:buNone/>
-            </a:pPr>
-            <a:r>
-              <a:rPr kumimoji="1" lang="ja-JP" altLang="en-US" dirty="0"/>
-              <a:t>プレイヤーの向いている方向に</a:t>
-            </a:r>
-            <a:r>
-              <a:rPr kumimoji="1" lang="en-US" altLang="ja-JP" dirty="0"/>
-              <a:t>0.3</a:t>
-            </a:r>
-            <a:r>
-              <a:rPr kumimoji="1" lang="ja-JP" altLang="en-US" dirty="0"/>
-              <a:t>マス進む</a:t>
-            </a:r>
-            <a:endParaRPr kumimoji="1" lang="en-US" altLang="ja-JP" dirty="0"/>
-          </a:p>
-          <a:p>
-            <a:r>
-              <a:rPr lang="en-US" altLang="ja-JP" dirty="0"/>
-              <a:t>back</a:t>
-            </a:r>
-          </a:p>
-          <a:p>
-            <a:pPr marL="0" indent="0">
-              <a:buNone/>
-            </a:pPr>
-            <a:r>
-              <a:rPr kumimoji="1" lang="ja-JP" altLang="en-US" dirty="0"/>
-              <a:t>プレイヤーの向いている方向から</a:t>
-            </a:r>
-            <a:r>
-              <a:rPr kumimoji="1" lang="en-US" altLang="ja-JP" dirty="0"/>
-              <a:t>0.3</a:t>
-            </a:r>
-            <a:r>
-              <a:rPr kumimoji="1" lang="ja-JP" altLang="en-US" dirty="0"/>
-              <a:t>マス後退する</a:t>
-            </a:r>
-            <a:endParaRPr kumimoji="1" lang="en-US" altLang="ja-JP" dirty="0"/>
-          </a:p>
-          <a:p>
-            <a:r>
-              <a:rPr kumimoji="1" lang="en-US" altLang="ja-JP" dirty="0" err="1"/>
-              <a:t>turnR</a:t>
-            </a:r>
-            <a:endParaRPr kumimoji="1" lang="en-US" altLang="ja-JP" dirty="0"/>
-          </a:p>
-          <a:p>
-            <a:pPr marL="0" indent="0">
-              <a:buNone/>
-            </a:pPr>
-            <a:r>
-              <a:rPr lang="ja-JP" altLang="en-US" dirty="0"/>
-              <a:t>プレイヤーが時計回りに</a:t>
-            </a:r>
-            <a:r>
-              <a:rPr lang="en-US" altLang="ja-JP" dirty="0"/>
-              <a:t>3</a:t>
-            </a:r>
-            <a:r>
-              <a:rPr lang="ja-JP" altLang="en-US" dirty="0"/>
-              <a:t>度回転する</a:t>
-            </a:r>
-            <a:endParaRPr lang="en-US" altLang="ja-JP" dirty="0"/>
-          </a:p>
-          <a:p>
-            <a:r>
-              <a:rPr kumimoji="1" lang="en-US" altLang="ja-JP" dirty="0" err="1"/>
-              <a:t>turnL</a:t>
-            </a:r>
-            <a:endParaRPr kumimoji="1" lang="en-US" altLang="ja-JP" dirty="0"/>
-          </a:p>
-          <a:p>
-            <a:pPr marL="0" indent="0">
-              <a:buNone/>
-            </a:pPr>
-            <a:r>
-              <a:rPr lang="ja-JP" altLang="en-US" dirty="0"/>
-              <a:t>プレイヤーが反時計回りに</a:t>
-            </a:r>
-            <a:r>
-              <a:rPr lang="en-US" altLang="ja-JP" dirty="0"/>
-              <a:t>3</a:t>
-            </a:r>
-            <a:r>
-              <a:rPr lang="ja-JP" altLang="en-US" dirty="0"/>
-              <a:t>度回転する</a:t>
-            </a:r>
-            <a:endParaRPr kumimoji="1" lang="en-US" altLang="ja-JP" dirty="0"/>
-          </a:p>
-        </p:txBody>
-      </p:sp>
-    </p:spTree>
-    <p:extLst>
-      <p:ext uri="{BB962C8B-B14F-4D97-AF65-F5344CB8AC3E}">
-        <p14:creationId xmlns:p14="http://schemas.microsoft.com/office/powerpoint/2010/main" val="3838047077"/>
-      </p:ext>
-    </p:extLst>
-  </p:cSld>
-  <p:clrMapOvr>
-    <a:masterClrMapping/>
-  </p:clrMapOvr>
-</p:sld>
-</file>
-
-<file path=ppt/slides/slide5.xml><?xml version="1.0" encoding="utf-8"?>
-<p:sld xmlns:a="http://schemas.openxmlformats.org/drawingml/2006/main" xmlns:r="http://schemas.openxmlformats.org/officeDocument/2006/relationships" xmlns:p="http://schemas.openxmlformats.org/presentationml/2006/main">
-  <p:cSld>
-    <p:spTree>
-      <p:nvGrpSpPr>
-        <p:cNvPr id="1" name=""/>
-        <p:cNvGrpSpPr/>
-        <p:nvPr/>
-      </p:nvGrpSpPr>
-      <p:grpSpPr>
-        <a:xfrm>
-          <a:off x="0" y="0"/>
-          <a:ext cx="0" cy="0"/>
-          <a:chOff x="0" y="0"/>
-          <a:chExt cx="0" cy="0"/>
-        </a:xfrm>
-      </p:grpSpPr>
-      <p:sp>
-        <p:nvSpPr>
-          <p:cNvPr id="2" name="タイトル 1">
-            <a:extLst>
-              <a:ext uri="{FF2B5EF4-FFF2-40B4-BE49-F238E27FC236}">
-                <a16:creationId xmlns:a16="http://schemas.microsoft.com/office/drawing/2014/main" id="{D7F4C9B4-F55B-4986-ABD8-F9C057C8CC62}"/>
-              </a:ext>
-            </a:extLst>
-          </p:cNvPr>
-          <p:cNvSpPr>
-            <a:spLocks noGrp="1"/>
-          </p:cNvSpPr>
-          <p:nvPr>
-            <p:ph type="title"/>
-          </p:nvPr>
-        </p:nvSpPr>
-        <p:spPr/>
-        <p:txBody>
-          <a:bodyPr/>
-          <a:lstStyle/>
-          <a:p>
-            <a:r>
-              <a:rPr lang="en-US" altLang="ja-JP" dirty="0"/>
-              <a:t>e</a:t>
-            </a:r>
-            <a:r>
-              <a:rPr kumimoji="1" lang="en-US" altLang="ja-JP" dirty="0"/>
-              <a:t>xit</a:t>
-            </a:r>
-            <a:r>
-              <a:rPr kumimoji="1" lang="ja-JP" altLang="en-US" dirty="0"/>
-              <a:t>について</a:t>
-            </a:r>
-          </a:p>
-        </p:txBody>
-      </p:sp>
-      <p:sp>
-        <p:nvSpPr>
-          <p:cNvPr id="3" name="コンテンツ プレースホルダー 2">
-            <a:extLst>
-              <a:ext uri="{FF2B5EF4-FFF2-40B4-BE49-F238E27FC236}">
-                <a16:creationId xmlns:a16="http://schemas.microsoft.com/office/drawing/2014/main" id="{1F91F743-4A5C-4034-85EC-70EF88F29D59}"/>
-              </a:ext>
-            </a:extLst>
-          </p:cNvPr>
-          <p:cNvSpPr>
-            <a:spLocks noGrp="1"/>
-          </p:cNvSpPr>
-          <p:nvPr>
-            <p:ph idx="1"/>
-          </p:nvPr>
-        </p:nvSpPr>
-        <p:spPr/>
-        <p:txBody>
-          <a:bodyPr/>
-          <a:lstStyle/>
-          <a:p>
-            <a:pPr marL="0" indent="0">
-              <a:buNone/>
-            </a:pPr>
-            <a:r>
-              <a:rPr lang="en-US" altLang="ja-JP" dirty="0" err="1"/>
-              <a:t>entryPoint</a:t>
-            </a:r>
-            <a:r>
-              <a:rPr lang="ja-JP" altLang="en-US" dirty="0"/>
-              <a:t>や</a:t>
-            </a:r>
-            <a:r>
-              <a:rPr lang="en-US" altLang="ja-JP" dirty="0"/>
-              <a:t>pattern</a:t>
-            </a:r>
-            <a:r>
-              <a:rPr lang="ja-JP" altLang="en-US" dirty="0"/>
-              <a:t>の終端を示す</a:t>
-            </a:r>
-            <a:endParaRPr lang="en-US" altLang="ja-JP" dirty="0"/>
-          </a:p>
-          <a:p>
-            <a:pPr marL="0" indent="0">
-              <a:buNone/>
-            </a:pPr>
-            <a:endParaRPr kumimoji="1" lang="en-US" altLang="ja-JP" dirty="0"/>
-          </a:p>
-          <a:p>
-            <a:pPr marL="0" indent="0">
-              <a:buNone/>
-            </a:pPr>
-            <a:r>
-              <a:rPr kumimoji="1" lang="en-US" altLang="ja-JP" dirty="0" err="1"/>
-              <a:t>entryPoint</a:t>
-            </a:r>
-            <a:r>
-              <a:rPr kumimoji="1" lang="ja-JP" altLang="en-US" dirty="0"/>
-              <a:t>で</a:t>
-            </a:r>
-            <a:r>
-              <a:rPr kumimoji="1" lang="en-US" altLang="ja-JP" dirty="0"/>
-              <a:t>exit</a:t>
-            </a:r>
-            <a:r>
-              <a:rPr kumimoji="1" lang="ja-JP" altLang="en-US" dirty="0"/>
-              <a:t>に達したときは</a:t>
-            </a:r>
-            <a:r>
-              <a:rPr kumimoji="1" lang="en-US" altLang="ja-JP" dirty="0" err="1"/>
-              <a:t>entryPoint</a:t>
-            </a:r>
-            <a:r>
-              <a:rPr kumimoji="1" lang="ja-JP" altLang="en-US" dirty="0"/>
-              <a:t>の先頭に戻って</a:t>
-            </a:r>
-            <a:r>
-              <a:rPr kumimoji="1" lang="en-US" altLang="ja-JP" dirty="0"/>
-              <a:t>action</a:t>
-            </a:r>
-            <a:r>
-              <a:rPr kumimoji="1" lang="ja-JP" altLang="en-US" dirty="0"/>
-              <a:t>や</a:t>
-            </a:r>
-            <a:r>
-              <a:rPr kumimoji="1" lang="en-US" altLang="ja-JP" dirty="0"/>
-              <a:t>pattern</a:t>
-            </a:r>
-            <a:r>
-              <a:rPr kumimoji="1" lang="ja-JP" altLang="en-US" dirty="0"/>
-              <a:t>が繰り返される。</a:t>
-            </a:r>
-            <a:endParaRPr kumimoji="1" lang="en-US" altLang="ja-JP" dirty="0"/>
-          </a:p>
-          <a:p>
-            <a:pPr marL="0" indent="0">
-              <a:buNone/>
-            </a:pPr>
-            <a:endParaRPr lang="en-US" altLang="ja-JP" dirty="0"/>
-          </a:p>
-          <a:p>
-            <a:pPr marL="0" indent="0">
-              <a:buNone/>
-            </a:pPr>
-            <a:r>
-              <a:rPr kumimoji="1" lang="en-US" altLang="ja-JP" dirty="0"/>
-              <a:t>pattern</a:t>
-            </a:r>
-            <a:r>
-              <a:rPr kumimoji="1" lang="ja-JP" altLang="en-US" dirty="0"/>
-              <a:t>で</a:t>
-            </a:r>
-            <a:r>
-              <a:rPr kumimoji="1" lang="en-US" altLang="ja-JP" dirty="0"/>
-              <a:t>exit</a:t>
-            </a:r>
-            <a:r>
-              <a:rPr kumimoji="1" lang="ja-JP" altLang="en-US" dirty="0"/>
-              <a:t>に達すると、呼び出し元の次の</a:t>
-            </a:r>
-            <a:r>
-              <a:rPr kumimoji="1" lang="en-US" altLang="ja-JP" dirty="0"/>
-              <a:t>pattern</a:t>
-            </a:r>
-            <a:r>
-              <a:rPr kumimoji="1" lang="ja-JP" altLang="en-US" dirty="0"/>
-              <a:t>や</a:t>
-            </a:r>
-            <a:r>
-              <a:rPr kumimoji="1" lang="en-US" altLang="ja-JP" dirty="0"/>
-              <a:t>action</a:t>
-            </a:r>
-            <a:r>
-              <a:rPr kumimoji="1" lang="ja-JP" altLang="en-US" dirty="0"/>
-              <a:t>が実行される。</a:t>
-            </a:r>
-          </a:p>
-        </p:txBody>
-      </p:sp>
-    </p:spTree>
-    <p:extLst>
-      <p:ext uri="{BB962C8B-B14F-4D97-AF65-F5344CB8AC3E}">
-        <p14:creationId xmlns:p14="http://schemas.microsoft.com/office/powerpoint/2010/main" val="751766278"/>
-      </p:ext>
-    </p:extLst>
-  </p:cSld>
-  <p:clrMapOvr>
-    <a:masterClrMapping/>
-  </p:clrMapOvr>
-</p:sld>
-</file>
-
-<file path=ppt/slides/slide6.xml><?xml version="1.0" encoding="utf-8"?>
-<p:sld xmlns:a="http://schemas.openxmlformats.org/drawingml/2006/main" xmlns:r="http://schemas.openxmlformats.org/officeDocument/2006/relationships" xmlns:p="http://schemas.openxmlformats.org/presentationml/2006/main">
-  <p:cSld>
-    <p:spTree>
-      <p:nvGrpSpPr>
-        <p:cNvPr id="1" name=""/>
-        <p:cNvGrpSpPr/>
-        <p:nvPr/>
-      </p:nvGrpSpPr>
-      <p:grpSpPr>
-        <a:xfrm>
-          <a:off x="0" y="0"/>
-          <a:ext cx="0" cy="0"/>
-          <a:chOff x="0" y="0"/>
-          <a:chExt cx="0" cy="0"/>
-        </a:xfrm>
-      </p:grpSpPr>
-      <p:sp>
-        <p:nvSpPr>
-          <p:cNvPr id="2" name="タイトル 1">
-            <a:extLst>
-              <a:ext uri="{FF2B5EF4-FFF2-40B4-BE49-F238E27FC236}">
-                <a16:creationId xmlns:a16="http://schemas.microsoft.com/office/drawing/2014/main" id="{F5CC9A44-352C-43EB-9D80-998D13ECCBF5}"/>
-              </a:ext>
-            </a:extLst>
-          </p:cNvPr>
-          <p:cNvSpPr>
-            <a:spLocks noGrp="1"/>
-          </p:cNvSpPr>
-          <p:nvPr>
-            <p:ph type="title"/>
-          </p:nvPr>
-        </p:nvSpPr>
-        <p:spPr/>
-        <p:txBody>
-          <a:bodyPr/>
-          <a:lstStyle/>
-          <a:p>
-            <a:r>
-              <a:rPr kumimoji="1" lang="ja-JP" altLang="en-US" dirty="0"/>
-              <a:t>構文の例</a:t>
+              <a:t>動作の記述例</a:t>
             </a:r>
           </a:p>
         </p:txBody>
@@ -5692,7 +4716,1426 @@
 </p:sld>
 </file>
 
+<file path=ppt/slides/slide5.xml><?xml version="1.0" encoding="utf-8"?>
+<p:sld xmlns:a="http://schemas.openxmlformats.org/drawingml/2006/main" xmlns:r="http://schemas.openxmlformats.org/officeDocument/2006/relationships" xmlns:p="http://schemas.openxmlformats.org/presentationml/2006/main">
+  <p:cSld>
+    <p:spTree>
+      <p:nvGrpSpPr>
+        <p:cNvPr id="1" name=""/>
+        <p:cNvGrpSpPr/>
+        <p:nvPr/>
+      </p:nvGrpSpPr>
+      <p:grpSpPr>
+        <a:xfrm>
+          <a:off x="0" y="0"/>
+          <a:ext cx="0" cy="0"/>
+          <a:chOff x="0" y="0"/>
+          <a:chExt cx="0" cy="0"/>
+        </a:xfrm>
+      </p:grpSpPr>
+      <p:sp>
+        <p:nvSpPr>
+          <p:cNvPr id="2" name="タイトル 1">
+            <a:extLst>
+              <a:ext uri="{FF2B5EF4-FFF2-40B4-BE49-F238E27FC236}">
+                <a16:creationId xmlns:a16="http://schemas.microsoft.com/office/drawing/2014/main" id="{D7E869F7-720C-4B0F-9544-F3A90E01DA50}"/>
+              </a:ext>
+            </a:extLst>
+          </p:cNvPr>
+          <p:cNvSpPr>
+            <a:spLocks noGrp="1"/>
+          </p:cNvSpPr>
+          <p:nvPr>
+            <p:ph type="title"/>
+          </p:nvPr>
+        </p:nvSpPr>
+        <p:spPr/>
+        <p:txBody>
+          <a:bodyPr/>
+          <a:lstStyle/>
+          <a:p>
+            <a:r>
+              <a:rPr lang="ja-JP" altLang="en-US" dirty="0"/>
+              <a:t>記述言語の構文</a:t>
+            </a:r>
+            <a:endParaRPr kumimoji="1" lang="ja-JP" altLang="en-US" dirty="0"/>
+          </a:p>
+        </p:txBody>
+      </p:sp>
+      <mc:AlternateContent xmlns:mc="http://schemas.openxmlformats.org/markup-compatibility/2006">
+        <mc:Choice xmlns:a14="http://schemas.microsoft.com/office/drawing/2010/main" Requires="a14">
+          <p:sp>
+            <p:nvSpPr>
+              <p:cNvPr id="3" name="コンテンツ プレースホルダー 2">
+                <a:extLst>
+                  <a:ext uri="{FF2B5EF4-FFF2-40B4-BE49-F238E27FC236}">
+                    <a16:creationId xmlns:a16="http://schemas.microsoft.com/office/drawing/2014/main" id="{5D7A65E8-C9EB-48A5-B037-88288CCF89F1}"/>
+                  </a:ext>
+                </a:extLst>
+              </p:cNvPr>
+              <p:cNvSpPr>
+                <a:spLocks noGrp="1"/>
+              </p:cNvSpPr>
+              <p:nvPr>
+                <p:ph idx="1"/>
+              </p:nvPr>
+            </p:nvSpPr>
+            <p:spPr/>
+            <p:txBody>
+              <a:bodyPr>
+                <a:normAutofit/>
+              </a:bodyPr>
+              <a:lstStyle/>
+              <a:p>
+                <a:pPr marL="0" indent="0">
+                  <a:buNone/>
+                </a:pPr>
+                <a14:m>
+                  <m:oMathPara xmlns:m="http://schemas.openxmlformats.org/officeDocument/2006/math">
+                    <m:oMathParaPr>
+                      <m:jc m:val="left"/>
+                    </m:oMathParaPr>
+                    <m:oMath xmlns:m="http://schemas.openxmlformats.org/officeDocument/2006/math">
+                      <m:r>
+                        <a:rPr kumimoji="1" lang="en-US" altLang="ja-JP" b="0" i="1" smtClean="0">
+                          <a:latin typeface="Cambria Math" panose="02040503050406030204" pitchFamily="18" charset="0"/>
+                        </a:rPr>
+                        <m:t>&lt;</m:t>
+                      </m:r>
+                      <m:r>
+                        <a:rPr kumimoji="1" lang="en-US" altLang="ja-JP" b="0" i="1" smtClean="0">
+                          <a:latin typeface="Cambria Math" panose="02040503050406030204" pitchFamily="18" charset="0"/>
+                        </a:rPr>
+                        <m:t>𝑠𝑦𝑛𝑡𝑎𝑥</m:t>
+                      </m:r>
+                      <m:r>
+                        <a:rPr kumimoji="1" lang="en-US" altLang="ja-JP" b="0" i="1" smtClean="0">
+                          <a:latin typeface="Cambria Math" panose="02040503050406030204" pitchFamily="18" charset="0"/>
+                        </a:rPr>
+                        <m:t>&gt;∷=</m:t>
+                      </m:r>
+                      <m:r>
+                        <a:rPr kumimoji="1" lang="en-US" altLang="ja-JP" b="0" i="1" smtClean="0">
+                          <a:latin typeface="Cambria Math" panose="02040503050406030204" pitchFamily="18" charset="0"/>
+                        </a:rPr>
+                        <m:t>𝑓𝑖𝑙𝑒</m:t>
+                      </m:r>
+                      <m:r>
+                        <a:rPr kumimoji="1" lang="en-US" altLang="ja-JP" b="0" i="1" smtClean="0">
+                          <a:latin typeface="Cambria Math" panose="02040503050406030204" pitchFamily="18" charset="0"/>
+                        </a:rPr>
+                        <m:t>_</m:t>
+                      </m:r>
+                      <m:r>
+                        <a:rPr kumimoji="1" lang="en-US" altLang="ja-JP" b="0" i="1" smtClean="0">
+                          <a:latin typeface="Cambria Math" panose="02040503050406030204" pitchFamily="18" charset="0"/>
+                        </a:rPr>
+                        <m:t>𝑛𝑎𝑚𝑒</m:t>
+                      </m:r>
+                      <m:r>
+                        <a:rPr kumimoji="1" lang="en-US" altLang="ja-JP" b="0" i="1" smtClean="0">
+                          <a:latin typeface="Cambria Math" panose="02040503050406030204" pitchFamily="18" charset="0"/>
+                        </a:rPr>
+                        <m:t>&lt;</m:t>
+                      </m:r>
+                      <m:r>
+                        <a:rPr kumimoji="1" lang="en-US" altLang="ja-JP" b="0" i="1" smtClean="0">
+                          <a:latin typeface="Cambria Math" panose="02040503050406030204" pitchFamily="18" charset="0"/>
+                        </a:rPr>
+                        <m:t>𝑒𝑛𝑡𝑟𝑦𝑃𝑜𝑖𝑛𝑡</m:t>
+                      </m:r>
+                      <m:r>
+                        <a:rPr kumimoji="1" lang="en-US" altLang="ja-JP" b="0" i="1" smtClean="0">
+                          <a:latin typeface="Cambria Math" panose="02040503050406030204" pitchFamily="18" charset="0"/>
+                        </a:rPr>
+                        <m:t>&gt;|&lt;</m:t>
+                      </m:r>
+                      <m:r>
+                        <a:rPr kumimoji="1" lang="en-US" altLang="ja-JP" b="0" i="1" smtClean="0">
+                          <a:latin typeface="Cambria Math" panose="02040503050406030204" pitchFamily="18" charset="0"/>
+                        </a:rPr>
+                        <m:t>𝑒𝑛𝑡𝑟𝑦𝑃𝑜𝑖𝑛𝑡</m:t>
+                      </m:r>
+                      <m:r>
+                        <a:rPr kumimoji="1" lang="en-US" altLang="ja-JP" b="0" i="1" smtClean="0">
+                          <a:latin typeface="Cambria Math" panose="02040503050406030204" pitchFamily="18" charset="0"/>
+                        </a:rPr>
+                        <m:t>&gt;</m:t>
+                      </m:r>
+                      <m:r>
+                        <a:rPr kumimoji="1" lang="en-US" altLang="ja-JP" b="0" i="1" smtClean="0">
+                          <a:latin typeface="Cambria Math" panose="02040503050406030204" pitchFamily="18" charset="0"/>
+                        </a:rPr>
+                        <m:t>𝑓𝑖𝑙𝑒</m:t>
+                      </m:r>
+                      <m:r>
+                        <a:rPr kumimoji="1" lang="en-US" altLang="ja-JP" b="0" i="1" smtClean="0">
+                          <a:latin typeface="Cambria Math" panose="02040503050406030204" pitchFamily="18" charset="0"/>
+                        </a:rPr>
+                        <m:t>_</m:t>
+                      </m:r>
+                      <m:r>
+                        <a:rPr kumimoji="1" lang="en-US" altLang="ja-JP" b="0" i="1" smtClean="0">
+                          <a:latin typeface="Cambria Math" panose="02040503050406030204" pitchFamily="18" charset="0"/>
+                        </a:rPr>
+                        <m:t>𝑛𝑎𝑚𝑒</m:t>
+                      </m:r>
+                      <m:r>
+                        <a:rPr kumimoji="1" lang="en-US" altLang="ja-JP" b="0" i="1" smtClean="0">
+                          <a:latin typeface="Cambria Math" panose="02040503050406030204" pitchFamily="18" charset="0"/>
+                        </a:rPr>
+                        <m:t>|</m:t>
+                      </m:r>
+                      <m:r>
+                        <a:rPr kumimoji="1" lang="en-US" altLang="ja-JP" b="0" i="1" smtClean="0">
+                          <a:latin typeface="Cambria Math" panose="02040503050406030204" pitchFamily="18" charset="0"/>
+                        </a:rPr>
+                        <m:t>𝑓𝑖𝑙𝑒</m:t>
+                      </m:r>
+                      <m:r>
+                        <a:rPr kumimoji="1" lang="en-US" altLang="ja-JP" b="0" i="1" smtClean="0">
+                          <a:latin typeface="Cambria Math" panose="02040503050406030204" pitchFamily="18" charset="0"/>
+                        </a:rPr>
+                        <m:t>_</m:t>
+                      </m:r>
+                      <m:r>
+                        <a:rPr kumimoji="1" lang="en-US" altLang="ja-JP" b="0" i="1" smtClean="0">
+                          <a:latin typeface="Cambria Math" panose="02040503050406030204" pitchFamily="18" charset="0"/>
+                        </a:rPr>
+                        <m:t>𝑛𝑎𝑚𝑒</m:t>
+                      </m:r>
+                      <m:r>
+                        <a:rPr kumimoji="1" lang="en-US" altLang="ja-JP" b="0" i="1" smtClean="0">
+                          <a:latin typeface="Cambria Math" panose="02040503050406030204" pitchFamily="18" charset="0"/>
+                        </a:rPr>
+                        <m:t>&lt;</m:t>
+                      </m:r>
+                      <m:r>
+                        <a:rPr kumimoji="1" lang="en-US" altLang="ja-JP" b="0" i="1" smtClean="0">
+                          <a:latin typeface="Cambria Math" panose="02040503050406030204" pitchFamily="18" charset="0"/>
+                        </a:rPr>
+                        <m:t>𝑝𝑎𝑡𝑡𝑒𝑟𝑛</m:t>
+                      </m:r>
+                      <m:r>
+                        <a:rPr kumimoji="1" lang="en-US" altLang="ja-JP" b="0" i="1" smtClean="0">
+                          <a:latin typeface="Cambria Math" panose="02040503050406030204" pitchFamily="18" charset="0"/>
+                        </a:rPr>
+                        <m:t>&gt;&lt;</m:t>
+                      </m:r>
+                      <m:r>
+                        <a:rPr kumimoji="1" lang="en-US" altLang="ja-JP" b="0" i="1" smtClean="0">
+                          <a:latin typeface="Cambria Math" panose="02040503050406030204" pitchFamily="18" charset="0"/>
+                        </a:rPr>
+                        <m:t>𝑒𝑛𝑡𝑟𝑦𝑃𝑜𝑖𝑛𝑡</m:t>
+                      </m:r>
+                      <m:r>
+                        <a:rPr kumimoji="1" lang="en-US" altLang="ja-JP" b="0" i="1" smtClean="0">
+                          <a:latin typeface="Cambria Math" panose="02040503050406030204" pitchFamily="18" charset="0"/>
+                        </a:rPr>
+                        <m:t>&gt;|</m:t>
+                      </m:r>
+                      <m:r>
+                        <a:rPr kumimoji="1" lang="en-US" altLang="ja-JP" b="0" i="1" smtClean="0">
+                          <a:latin typeface="Cambria Math" panose="02040503050406030204" pitchFamily="18" charset="0"/>
+                        </a:rPr>
+                        <m:t>𝑓𝑖𝑙𝑒</m:t>
+                      </m:r>
+                      <m:r>
+                        <a:rPr kumimoji="1" lang="en-US" altLang="ja-JP" b="0" i="1" smtClean="0">
+                          <a:latin typeface="Cambria Math" panose="02040503050406030204" pitchFamily="18" charset="0"/>
+                        </a:rPr>
+                        <m:t>_</m:t>
+                      </m:r>
+                      <m:r>
+                        <a:rPr kumimoji="1" lang="en-US" altLang="ja-JP" b="0" i="1" smtClean="0">
+                          <a:latin typeface="Cambria Math" panose="02040503050406030204" pitchFamily="18" charset="0"/>
+                        </a:rPr>
+                        <m:t>𝑛𝑎𝑚𝑒</m:t>
+                      </m:r>
+                      <m:r>
+                        <a:rPr kumimoji="1" lang="en-US" altLang="ja-JP" b="0" i="1" smtClean="0">
+                          <a:latin typeface="Cambria Math" panose="02040503050406030204" pitchFamily="18" charset="0"/>
+                        </a:rPr>
+                        <m:t>&lt;</m:t>
+                      </m:r>
+                      <m:r>
+                        <a:rPr kumimoji="1" lang="en-US" altLang="ja-JP" b="0" i="1" smtClean="0">
+                          <a:latin typeface="Cambria Math" panose="02040503050406030204" pitchFamily="18" charset="0"/>
+                        </a:rPr>
+                        <m:t>𝑒𝑛𝑡𝑟𝑦𝑃𝑜𝑖𝑛𝑡</m:t>
+                      </m:r>
+                      <m:r>
+                        <a:rPr kumimoji="1" lang="en-US" altLang="ja-JP" b="0" i="1" smtClean="0">
+                          <a:latin typeface="Cambria Math" panose="02040503050406030204" pitchFamily="18" charset="0"/>
+                        </a:rPr>
+                        <m:t>&gt;&lt;</m:t>
+                      </m:r>
+                      <m:r>
+                        <a:rPr kumimoji="1" lang="en-US" altLang="ja-JP" b="0" i="1" smtClean="0">
+                          <a:latin typeface="Cambria Math" panose="02040503050406030204" pitchFamily="18" charset="0"/>
+                        </a:rPr>
+                        <m:t>𝑝𝑎𝑡𝑡𝑒𝑟𝑛</m:t>
+                      </m:r>
+                      <m:r>
+                        <a:rPr kumimoji="1" lang="en-US" altLang="ja-JP" b="0" i="1" smtClean="0">
+                          <a:latin typeface="Cambria Math" panose="02040503050406030204" pitchFamily="18" charset="0"/>
+                        </a:rPr>
+                        <m:t>&gt;|&lt;</m:t>
+                      </m:r>
+                      <m:r>
+                        <a:rPr kumimoji="1" lang="en-US" altLang="ja-JP" b="0" i="1" smtClean="0">
+                          <a:latin typeface="Cambria Math" panose="02040503050406030204" pitchFamily="18" charset="0"/>
+                        </a:rPr>
+                        <m:t>𝑝𝑎𝑡𝑡𝑒𝑟𝑛</m:t>
+                      </m:r>
+                      <m:r>
+                        <a:rPr kumimoji="1" lang="en-US" altLang="ja-JP" b="0" i="1" smtClean="0">
+                          <a:latin typeface="Cambria Math" panose="02040503050406030204" pitchFamily="18" charset="0"/>
+                        </a:rPr>
+                        <m:t>&gt;</m:t>
+                      </m:r>
+                      <m:r>
+                        <a:rPr kumimoji="1" lang="en-US" altLang="ja-JP" b="0" i="1" smtClean="0">
+                          <a:latin typeface="Cambria Math" panose="02040503050406030204" pitchFamily="18" charset="0"/>
+                        </a:rPr>
+                        <m:t>𝑓𝑖𝑙𝑒</m:t>
+                      </m:r>
+                      <m:r>
+                        <a:rPr kumimoji="1" lang="en-US" altLang="ja-JP" b="0" i="1" smtClean="0">
+                          <a:latin typeface="Cambria Math" panose="02040503050406030204" pitchFamily="18" charset="0"/>
+                        </a:rPr>
+                        <m:t>_</m:t>
+                      </m:r>
+                      <m:r>
+                        <a:rPr kumimoji="1" lang="en-US" altLang="ja-JP" b="0" i="1" smtClean="0">
+                          <a:latin typeface="Cambria Math" panose="02040503050406030204" pitchFamily="18" charset="0"/>
+                        </a:rPr>
+                        <m:t>𝑛𝑎𝑚𝑒</m:t>
+                      </m:r>
+                      <m:r>
+                        <a:rPr kumimoji="1" lang="en-US" altLang="ja-JP" b="0" i="1" smtClean="0">
+                          <a:latin typeface="Cambria Math" panose="02040503050406030204" pitchFamily="18" charset="0"/>
+                        </a:rPr>
+                        <m:t>&lt;</m:t>
+                      </m:r>
+                      <m:r>
+                        <a:rPr kumimoji="1" lang="en-US" altLang="ja-JP" b="0" i="1" smtClean="0">
+                          <a:latin typeface="Cambria Math" panose="02040503050406030204" pitchFamily="18" charset="0"/>
+                        </a:rPr>
+                        <m:t>𝑒𝑛𝑡𝑟𝑦𝑃𝑜𝑖𝑛𝑡</m:t>
+                      </m:r>
+                      <m:r>
+                        <a:rPr kumimoji="1" lang="en-US" altLang="ja-JP" b="0" i="1" smtClean="0">
+                          <a:latin typeface="Cambria Math" panose="02040503050406030204" pitchFamily="18" charset="0"/>
+                        </a:rPr>
+                        <m:t>&gt;|&lt;</m:t>
+                      </m:r>
+                      <m:r>
+                        <a:rPr kumimoji="1" lang="en-US" altLang="ja-JP" b="0" i="1" smtClean="0">
+                          <a:latin typeface="Cambria Math" panose="02040503050406030204" pitchFamily="18" charset="0"/>
+                        </a:rPr>
+                        <m:t>𝑝𝑎𝑡𝑡𝑒𝑟𝑛</m:t>
+                      </m:r>
+                      <m:r>
+                        <a:rPr kumimoji="1" lang="en-US" altLang="ja-JP" b="0" i="1" smtClean="0">
+                          <a:latin typeface="Cambria Math" panose="02040503050406030204" pitchFamily="18" charset="0"/>
+                        </a:rPr>
+                        <m:t>&gt;&lt;</m:t>
+                      </m:r>
+                      <m:r>
+                        <a:rPr kumimoji="1" lang="en-US" altLang="ja-JP" b="0" i="1" smtClean="0">
+                          <a:latin typeface="Cambria Math" panose="02040503050406030204" pitchFamily="18" charset="0"/>
+                        </a:rPr>
+                        <m:t>𝑒𝑛𝑡𝑟𝑦𝑃𝑜𝑖𝑛𝑡</m:t>
+                      </m:r>
+                      <m:r>
+                        <a:rPr kumimoji="1" lang="en-US" altLang="ja-JP" b="0" i="1" smtClean="0">
+                          <a:latin typeface="Cambria Math" panose="02040503050406030204" pitchFamily="18" charset="0"/>
+                        </a:rPr>
+                        <m:t>&gt;</m:t>
+                      </m:r>
+                      <m:r>
+                        <a:rPr kumimoji="1" lang="en-US" altLang="ja-JP" b="0" i="1" smtClean="0">
+                          <a:latin typeface="Cambria Math" panose="02040503050406030204" pitchFamily="18" charset="0"/>
+                        </a:rPr>
+                        <m:t>𝑓𝑖𝑙𝑒</m:t>
+                      </m:r>
+                      <m:r>
+                        <a:rPr kumimoji="1" lang="en-US" altLang="ja-JP" b="0" i="1" smtClean="0">
+                          <a:latin typeface="Cambria Math" panose="02040503050406030204" pitchFamily="18" charset="0"/>
+                        </a:rPr>
+                        <m:t>_</m:t>
+                      </m:r>
+                      <m:r>
+                        <a:rPr kumimoji="1" lang="en-US" altLang="ja-JP" b="0" i="1" smtClean="0">
+                          <a:latin typeface="Cambria Math" panose="02040503050406030204" pitchFamily="18" charset="0"/>
+                        </a:rPr>
+                        <m:t>𝑛𝑎𝑚𝑒</m:t>
+                      </m:r>
+                      <m:r>
+                        <a:rPr kumimoji="1" lang="en-US" altLang="ja-JP" b="0" i="1" smtClean="0">
+                          <a:latin typeface="Cambria Math" panose="02040503050406030204" pitchFamily="18" charset="0"/>
+                        </a:rPr>
+                        <m:t>|&lt;</m:t>
+                      </m:r>
+                      <m:r>
+                        <a:rPr kumimoji="1" lang="en-US" altLang="ja-JP" b="0" i="1" smtClean="0">
+                          <a:latin typeface="Cambria Math" panose="02040503050406030204" pitchFamily="18" charset="0"/>
+                        </a:rPr>
+                        <m:t>𝑒𝑛𝑡𝑟𝑦𝑃𝑜𝑖𝑛𝑡</m:t>
+                      </m:r>
+                      <m:r>
+                        <a:rPr kumimoji="1" lang="en-US" altLang="ja-JP" b="0" i="1" smtClean="0">
+                          <a:latin typeface="Cambria Math" panose="02040503050406030204" pitchFamily="18" charset="0"/>
+                        </a:rPr>
+                        <m:t>&gt;</m:t>
+                      </m:r>
+                      <m:r>
+                        <a:rPr kumimoji="1" lang="en-US" altLang="ja-JP" b="0" i="1" smtClean="0">
+                          <a:latin typeface="Cambria Math" panose="02040503050406030204" pitchFamily="18" charset="0"/>
+                        </a:rPr>
+                        <m:t>𝑓𝑖𝑙𝑒</m:t>
+                      </m:r>
+                      <m:r>
+                        <a:rPr kumimoji="1" lang="en-US" altLang="ja-JP" b="0" i="1" smtClean="0">
+                          <a:latin typeface="Cambria Math" panose="02040503050406030204" pitchFamily="18" charset="0"/>
+                        </a:rPr>
+                        <m:t>_</m:t>
+                      </m:r>
+                      <m:r>
+                        <a:rPr kumimoji="1" lang="en-US" altLang="ja-JP" b="0" i="1" smtClean="0">
+                          <a:latin typeface="Cambria Math" panose="02040503050406030204" pitchFamily="18" charset="0"/>
+                        </a:rPr>
+                        <m:t>𝑛𝑎𝑚𝑒</m:t>
+                      </m:r>
+                      <m:r>
+                        <a:rPr kumimoji="1" lang="en-US" altLang="ja-JP" b="0" i="1" smtClean="0">
+                          <a:latin typeface="Cambria Math" panose="02040503050406030204" pitchFamily="18" charset="0"/>
+                        </a:rPr>
+                        <m:t>&lt;</m:t>
+                      </m:r>
+                      <m:r>
+                        <a:rPr kumimoji="1" lang="en-US" altLang="ja-JP" b="0" i="1" smtClean="0">
+                          <a:latin typeface="Cambria Math" panose="02040503050406030204" pitchFamily="18" charset="0"/>
+                        </a:rPr>
+                        <m:t>𝑝𝑎𝑡𝑡𝑒𝑟𝑛</m:t>
+                      </m:r>
+                      <m:r>
+                        <a:rPr kumimoji="1" lang="en-US" altLang="ja-JP" b="0" i="1" smtClean="0">
+                          <a:latin typeface="Cambria Math" panose="02040503050406030204" pitchFamily="18" charset="0"/>
+                        </a:rPr>
+                        <m:t>&gt;|&lt;</m:t>
+                      </m:r>
+                      <m:r>
+                        <a:rPr kumimoji="1" lang="en-US" altLang="ja-JP" b="0" i="1" smtClean="0">
+                          <a:latin typeface="Cambria Math" panose="02040503050406030204" pitchFamily="18" charset="0"/>
+                        </a:rPr>
+                        <m:t>𝑒𝑛𝑡𝑟𝑦𝑃𝑜𝑖𝑛𝑡</m:t>
+                      </m:r>
+                      <m:r>
+                        <a:rPr kumimoji="1" lang="en-US" altLang="ja-JP" b="0" i="1" smtClean="0">
+                          <a:latin typeface="Cambria Math" panose="02040503050406030204" pitchFamily="18" charset="0"/>
+                        </a:rPr>
+                        <m:t>&gt;&lt;</m:t>
+                      </m:r>
+                      <m:r>
+                        <a:rPr kumimoji="1" lang="en-US" altLang="ja-JP" b="0" i="1" smtClean="0">
+                          <a:latin typeface="Cambria Math" panose="02040503050406030204" pitchFamily="18" charset="0"/>
+                        </a:rPr>
+                        <m:t>𝑝𝑎𝑡𝑡𝑒𝑟𝑛</m:t>
+                      </m:r>
+                      <m:r>
+                        <a:rPr kumimoji="1" lang="en-US" altLang="ja-JP" b="0" i="1" smtClean="0">
+                          <a:latin typeface="Cambria Math" panose="02040503050406030204" pitchFamily="18" charset="0"/>
+                        </a:rPr>
+                        <m:t>&gt;</m:t>
+                      </m:r>
+                      <m:r>
+                        <a:rPr kumimoji="1" lang="en-US" altLang="ja-JP" b="0" i="1" smtClean="0">
+                          <a:latin typeface="Cambria Math" panose="02040503050406030204" pitchFamily="18" charset="0"/>
+                        </a:rPr>
+                        <m:t>𝑓𝑖𝑙𝑒</m:t>
+                      </m:r>
+                      <m:r>
+                        <a:rPr kumimoji="1" lang="en-US" altLang="ja-JP" b="0" i="1" smtClean="0">
+                          <a:latin typeface="Cambria Math" panose="02040503050406030204" pitchFamily="18" charset="0"/>
+                        </a:rPr>
+                        <m:t>_</m:t>
+                      </m:r>
+                      <m:r>
+                        <a:rPr kumimoji="1" lang="en-US" altLang="ja-JP" b="0" i="1" smtClean="0">
+                          <a:latin typeface="Cambria Math" panose="02040503050406030204" pitchFamily="18" charset="0"/>
+                        </a:rPr>
+                        <m:t>𝑛𝑎𝑚𝑒</m:t>
+                      </m:r>
+                    </m:oMath>
+                  </m:oMathPara>
+                </a14:m>
+                <a:endParaRPr kumimoji="1" lang="en-US" altLang="ja-JP" b="0" dirty="0"/>
+              </a:p>
+              <a:p>
+                <a:pPr marL="0" indent="0">
+                  <a:buNone/>
+                </a:pPr>
+                <a14:m>
+                  <m:oMathPara xmlns:m="http://schemas.openxmlformats.org/officeDocument/2006/math">
+                    <m:oMathParaPr>
+                      <m:jc m:val="left"/>
+                    </m:oMathParaPr>
+                    <m:oMath xmlns:m="http://schemas.openxmlformats.org/officeDocument/2006/math">
+                      <m:r>
+                        <a:rPr lang="en-US" altLang="ja-JP" i="1">
+                          <a:latin typeface="Cambria Math" panose="02040503050406030204" pitchFamily="18" charset="0"/>
+                        </a:rPr>
+                        <m:t>&lt;</m:t>
+                      </m:r>
+                      <m:r>
+                        <a:rPr lang="en-US" altLang="ja-JP" i="1">
+                          <a:latin typeface="Cambria Math" panose="02040503050406030204" pitchFamily="18" charset="0"/>
+                        </a:rPr>
+                        <m:t>𝑒𝑛𝑡𝑟𝑦𝑃𝑜𝑖𝑛𝑡</m:t>
+                      </m:r>
+                      <m:r>
+                        <a:rPr lang="en-US" altLang="ja-JP" b="0" i="1" smtClean="0">
+                          <a:latin typeface="Cambria Math" panose="02040503050406030204" pitchFamily="18" charset="0"/>
+                        </a:rPr>
+                        <m:t>&gt;∷=&lt;</m:t>
+                      </m:r>
+                      <m:r>
+                        <a:rPr lang="en-US" altLang="ja-JP" b="0" i="1" smtClean="0">
+                          <a:latin typeface="Cambria Math" panose="02040503050406030204" pitchFamily="18" charset="0"/>
+                        </a:rPr>
+                        <m:t>𝑎𝑐𝑡𝑖𝑜𝑛</m:t>
+                      </m:r>
+                      <m:r>
+                        <a:rPr lang="en-US" altLang="ja-JP" b="0" i="1" smtClean="0">
+                          <a:latin typeface="Cambria Math" panose="02040503050406030204" pitchFamily="18" charset="0"/>
+                        </a:rPr>
+                        <m:t>/</m:t>
+                      </m:r>
+                      <m:r>
+                        <a:rPr lang="en-US" altLang="ja-JP" b="0" i="1" smtClean="0">
+                          <a:latin typeface="Cambria Math" panose="02040503050406030204" pitchFamily="18" charset="0"/>
+                        </a:rPr>
+                        <m:t>𝑝𝑎𝑡𝑡𝑒𝑟𝑛</m:t>
+                      </m:r>
+                      <m:r>
+                        <a:rPr lang="ja-JP" altLang="en-US" i="1">
+                          <a:latin typeface="Cambria Math" panose="02040503050406030204" pitchFamily="18" charset="0"/>
+                        </a:rPr>
+                        <m:t>の</m:t>
+                      </m:r>
+                      <m:r>
+                        <a:rPr lang="ja-JP" altLang="en-US" i="1" smtClean="0">
+                          <a:latin typeface="Cambria Math" panose="02040503050406030204" pitchFamily="18" charset="0"/>
+                        </a:rPr>
+                        <m:t>繰り返し</m:t>
+                      </m:r>
+                      <m:r>
+                        <a:rPr lang="en-US" altLang="ja-JP" b="0" i="1" smtClean="0">
+                          <a:latin typeface="Cambria Math" panose="02040503050406030204" pitchFamily="18" charset="0"/>
+                        </a:rPr>
+                        <m:t>&gt;</m:t>
+                      </m:r>
+                      <m:r>
+                        <a:rPr lang="en-US" altLang="ja-JP" b="0" i="1" smtClean="0">
+                          <a:latin typeface="Cambria Math" panose="02040503050406030204" pitchFamily="18" charset="0"/>
+                        </a:rPr>
+                        <m:t>𝑒𝑥𝑖𝑡</m:t>
+                      </m:r>
+                      <m:r>
+                        <a:rPr lang="en-US" altLang="ja-JP" b="0" i="1" smtClean="0">
+                          <a:latin typeface="Cambria Math" panose="02040503050406030204" pitchFamily="18" charset="0"/>
+                        </a:rPr>
+                        <m:t>|</m:t>
+                      </m:r>
+                      <m:r>
+                        <a:rPr lang="en-US" altLang="ja-JP" b="0" i="1" smtClean="0">
+                          <a:latin typeface="Cambria Math" panose="02040503050406030204" pitchFamily="18" charset="0"/>
+                        </a:rPr>
+                        <m:t>𝑒𝑥𝑖𝑡</m:t>
+                      </m:r>
+                    </m:oMath>
+                  </m:oMathPara>
+                </a14:m>
+                <a:endParaRPr kumimoji="1" lang="en-US" altLang="ja-JP" b="0" dirty="0"/>
+              </a:p>
+              <a:p>
+                <a:pPr marL="0" indent="0">
+                  <a:buNone/>
+                </a:pPr>
+                <a14:m>
+                  <m:oMathPara xmlns:m="http://schemas.openxmlformats.org/officeDocument/2006/math">
+                    <m:oMathParaPr>
+                      <m:jc m:val="left"/>
+                    </m:oMathParaPr>
+                    <m:oMath xmlns:m="http://schemas.openxmlformats.org/officeDocument/2006/math">
+                      <m:r>
+                        <a:rPr kumimoji="1" lang="en-US" altLang="ja-JP" b="0" i="1" smtClean="0">
+                          <a:latin typeface="Cambria Math" panose="02040503050406030204" pitchFamily="18" charset="0"/>
+                        </a:rPr>
+                        <m:t>&lt;</m:t>
+                      </m:r>
+                      <m:r>
+                        <a:rPr kumimoji="1" lang="en-US" altLang="ja-JP" b="0" i="1" smtClean="0">
+                          <a:latin typeface="Cambria Math" panose="02040503050406030204" pitchFamily="18" charset="0"/>
+                        </a:rPr>
+                        <m:t>𝑎𝑐𝑡𝑖𝑜𝑛</m:t>
+                      </m:r>
+                      <m:r>
+                        <a:rPr kumimoji="1" lang="en-US" altLang="ja-JP" b="0" i="1" smtClean="0">
+                          <a:latin typeface="Cambria Math" panose="02040503050406030204" pitchFamily="18" charset="0"/>
+                        </a:rPr>
+                        <m:t>/</m:t>
+                      </m:r>
+                      <m:r>
+                        <a:rPr kumimoji="1" lang="en-US" altLang="ja-JP" b="0" i="1" smtClean="0">
+                          <a:latin typeface="Cambria Math" panose="02040503050406030204" pitchFamily="18" charset="0"/>
+                        </a:rPr>
+                        <m:t>𝑝𝑎𝑡𝑡𝑒𝑟𝑛</m:t>
+                      </m:r>
+                      <m:r>
+                        <a:rPr lang="ja-JP" altLang="en-US" i="1">
+                          <a:latin typeface="Cambria Math" panose="02040503050406030204" pitchFamily="18" charset="0"/>
+                        </a:rPr>
+                        <m:t>の</m:t>
+                      </m:r>
+                      <m:r>
+                        <a:rPr lang="ja-JP" altLang="en-US" i="1" smtClean="0">
+                          <a:latin typeface="Cambria Math" panose="02040503050406030204" pitchFamily="18" charset="0"/>
+                        </a:rPr>
+                        <m:t>繰り返し</m:t>
+                      </m:r>
+                      <m:r>
+                        <a:rPr kumimoji="1" lang="en-US" altLang="ja-JP" b="0" i="1" smtClean="0">
+                          <a:latin typeface="Cambria Math" panose="02040503050406030204" pitchFamily="18" charset="0"/>
+                        </a:rPr>
+                        <m:t>&gt;∷=&lt;</m:t>
+                      </m:r>
+                      <m:r>
+                        <a:rPr kumimoji="1" lang="en-US" altLang="ja-JP" b="0" i="1" smtClean="0">
+                          <a:latin typeface="Cambria Math" panose="02040503050406030204" pitchFamily="18" charset="0"/>
+                        </a:rPr>
+                        <m:t>𝑝𝑎𝑡𝑡𝑒𝑟𝑛</m:t>
+                      </m:r>
+                      <m:r>
+                        <a:rPr kumimoji="1" lang="en-US" altLang="ja-JP" b="0" i="1" smtClean="0">
+                          <a:latin typeface="Cambria Math" panose="02040503050406030204" pitchFamily="18" charset="0"/>
+                        </a:rPr>
+                        <m:t>&gt;|&lt;</m:t>
+                      </m:r>
+                      <m:r>
+                        <a:rPr kumimoji="1" lang="en-US" altLang="ja-JP" b="0" i="1" smtClean="0">
+                          <a:latin typeface="Cambria Math" panose="02040503050406030204" pitchFamily="18" charset="0"/>
+                        </a:rPr>
+                        <m:t>𝑎𝑐𝑡𝑖𝑜𝑛</m:t>
+                      </m:r>
+                      <m:r>
+                        <a:rPr kumimoji="1" lang="en-US" altLang="ja-JP" b="0" i="1" smtClean="0">
+                          <a:latin typeface="Cambria Math" panose="02040503050406030204" pitchFamily="18" charset="0"/>
+                        </a:rPr>
+                        <m:t>&gt;</m:t>
+                      </m:r>
+                    </m:oMath>
+                  </m:oMathPara>
+                </a14:m>
+                <a:endParaRPr kumimoji="1" lang="en-US" altLang="ja-JP" b="0" dirty="0"/>
+              </a:p>
+              <a:p>
+                <a:pPr marL="0" indent="0">
+                  <a:buNone/>
+                </a:pPr>
+                <a14:m>
+                  <m:oMathPara xmlns:m="http://schemas.openxmlformats.org/officeDocument/2006/math">
+                    <m:oMathParaPr>
+                      <m:jc m:val="left"/>
+                    </m:oMathParaPr>
+                    <m:oMath xmlns:m="http://schemas.openxmlformats.org/officeDocument/2006/math">
+                      <m:r>
+                        <a:rPr kumimoji="1" lang="en-US" altLang="ja-JP" b="0" i="1" smtClean="0">
+                          <a:latin typeface="Cambria Math" panose="02040503050406030204" pitchFamily="18" charset="0"/>
+                        </a:rPr>
+                        <m:t>&lt;</m:t>
+                      </m:r>
+                      <m:r>
+                        <a:rPr kumimoji="1" lang="en-US" altLang="ja-JP" b="0" i="1" smtClean="0">
+                          <a:latin typeface="Cambria Math" panose="02040503050406030204" pitchFamily="18" charset="0"/>
+                        </a:rPr>
+                        <m:t>𝑝𝑎𝑡𝑡𝑒𝑟𝑛</m:t>
+                      </m:r>
+                      <m:r>
+                        <a:rPr kumimoji="1" lang="en-US" altLang="ja-JP" b="0" i="1" smtClean="0">
+                          <a:latin typeface="Cambria Math" panose="02040503050406030204" pitchFamily="18" charset="0"/>
+                        </a:rPr>
+                        <m:t>&gt;∷=&lt;</m:t>
+                      </m:r>
+                      <m:r>
+                        <a:rPr kumimoji="1" lang="en-US" altLang="ja-JP" b="0" i="1" smtClean="0">
+                          <a:latin typeface="Cambria Math" panose="02040503050406030204" pitchFamily="18" charset="0"/>
+                        </a:rPr>
+                        <m:t>𝑎𝑐𝑡𝑖𝑜𝑛</m:t>
+                      </m:r>
+                      <m:r>
+                        <a:rPr kumimoji="1" lang="en-US" altLang="ja-JP" b="0" i="1" smtClean="0">
+                          <a:latin typeface="Cambria Math" panose="02040503050406030204" pitchFamily="18" charset="0"/>
+                        </a:rPr>
+                        <m:t>&gt;|&lt;</m:t>
+                      </m:r>
+                      <m:r>
+                        <a:rPr kumimoji="1" lang="en-US" altLang="ja-JP" b="0" i="1" smtClean="0">
+                          <a:latin typeface="Cambria Math" panose="02040503050406030204" pitchFamily="18" charset="0"/>
+                        </a:rPr>
+                        <m:t>𝑝𝑎𝑡𝑡𝑒𝑟𝑛</m:t>
+                      </m:r>
+                      <m:r>
+                        <a:rPr kumimoji="1" lang="en-US" altLang="ja-JP" b="0" i="1" smtClean="0">
+                          <a:latin typeface="Cambria Math" panose="02040503050406030204" pitchFamily="18" charset="0"/>
+                        </a:rPr>
+                        <m:t>&gt;</m:t>
+                      </m:r>
+                      <m:r>
+                        <a:rPr kumimoji="1" lang="en-US" altLang="ja-JP" b="0" i="1" smtClean="0">
+                          <a:latin typeface="Cambria Math" panose="02040503050406030204" pitchFamily="18" charset="0"/>
+                        </a:rPr>
+                        <m:t>𝑒𝑥𝑖𝑡</m:t>
+                      </m:r>
+                    </m:oMath>
+                  </m:oMathPara>
+                </a14:m>
+                <a:endParaRPr kumimoji="1" lang="en-US" altLang="ja-JP" b="0" dirty="0"/>
+              </a:p>
+              <a:p>
+                <a:pPr marL="0" indent="0">
+                  <a:buNone/>
+                </a:pPr>
+                <a14:m>
+                  <m:oMathPara xmlns:m="http://schemas.openxmlformats.org/officeDocument/2006/math">
+                    <m:oMathParaPr>
+                      <m:jc m:val="left"/>
+                    </m:oMathParaPr>
+                    <m:oMath xmlns:m="http://schemas.openxmlformats.org/officeDocument/2006/math">
+                      <m:r>
+                        <a:rPr kumimoji="1" lang="en-US" altLang="ja-JP" b="0" i="1" smtClean="0">
+                          <a:latin typeface="Cambria Math" panose="02040503050406030204" pitchFamily="18" charset="0"/>
+                        </a:rPr>
+                        <m:t>&lt;</m:t>
+                      </m:r>
+                      <m:r>
+                        <a:rPr kumimoji="1" lang="en-US" altLang="ja-JP" b="0" i="1" smtClean="0">
+                          <a:latin typeface="Cambria Math" panose="02040503050406030204" pitchFamily="18" charset="0"/>
+                        </a:rPr>
+                        <m:t>𝑎𝑐𝑡𝑖𝑜𝑛</m:t>
+                      </m:r>
+                      <m:r>
+                        <a:rPr kumimoji="1" lang="en-US" altLang="ja-JP" b="0" i="1" smtClean="0">
+                          <a:latin typeface="Cambria Math" panose="02040503050406030204" pitchFamily="18" charset="0"/>
+                        </a:rPr>
+                        <m:t>&gt;∷=</m:t>
+                      </m:r>
+                      <m:r>
+                        <a:rPr kumimoji="1" lang="en-US" altLang="ja-JP" b="0" i="1" smtClean="0">
+                          <a:latin typeface="Cambria Math" panose="02040503050406030204" pitchFamily="18" charset="0"/>
+                        </a:rPr>
+                        <m:t>𝑎h𝑒𝑎𝑑</m:t>
+                      </m:r>
+                      <m:r>
+                        <a:rPr kumimoji="1" lang="en-US" altLang="ja-JP" b="0" i="1" smtClean="0">
+                          <a:latin typeface="Cambria Math" panose="02040503050406030204" pitchFamily="18" charset="0"/>
+                        </a:rPr>
+                        <m:t>|</m:t>
+                      </m:r>
+                      <m:r>
+                        <a:rPr kumimoji="1" lang="en-US" altLang="ja-JP" b="0" i="1" smtClean="0">
+                          <a:latin typeface="Cambria Math" panose="02040503050406030204" pitchFamily="18" charset="0"/>
+                        </a:rPr>
+                        <m:t>𝑏𝑎𝑐𝑘</m:t>
+                      </m:r>
+                      <m:r>
+                        <a:rPr kumimoji="1" lang="en-US" altLang="ja-JP" b="0" i="1" smtClean="0">
+                          <a:latin typeface="Cambria Math" panose="02040503050406030204" pitchFamily="18" charset="0"/>
+                        </a:rPr>
+                        <m:t>|</m:t>
+                      </m:r>
+                      <m:r>
+                        <a:rPr kumimoji="1" lang="en-US" altLang="ja-JP" b="0" i="1" smtClean="0">
+                          <a:latin typeface="Cambria Math" panose="02040503050406030204" pitchFamily="18" charset="0"/>
+                        </a:rPr>
+                        <m:t>𝑡𝑢𝑟𝑛𝑅</m:t>
+                      </m:r>
+                      <m:r>
+                        <a:rPr kumimoji="1" lang="en-US" altLang="ja-JP" b="0" i="1" smtClean="0">
+                          <a:latin typeface="Cambria Math" panose="02040503050406030204" pitchFamily="18" charset="0"/>
+                        </a:rPr>
+                        <m:t>|</m:t>
+                      </m:r>
+                      <m:r>
+                        <a:rPr kumimoji="1" lang="en-US" altLang="ja-JP" b="0" i="1" smtClean="0">
+                          <a:latin typeface="Cambria Math" panose="02040503050406030204" pitchFamily="18" charset="0"/>
+                        </a:rPr>
+                        <m:t>𝑡𝑢𝑟𝑛𝐿</m:t>
+                      </m:r>
+                    </m:oMath>
+                  </m:oMathPara>
+                </a14:m>
+                <a:endParaRPr kumimoji="1" lang="en-US" altLang="ja-JP" b="0" dirty="0"/>
+              </a:p>
+              <a:p>
+                <a:pPr marL="0" indent="0">
+                  <a:buNone/>
+                </a:pPr>
+                <a:endParaRPr kumimoji="1" lang="ja-JP" altLang="en-US" dirty="0"/>
+              </a:p>
+            </p:txBody>
+          </p:sp>
+        </mc:Choice>
+        <mc:Fallback>
+          <p:sp>
+            <p:nvSpPr>
+              <p:cNvPr id="3" name="コンテンツ プレースホルダー 2">
+                <a:extLst>
+                  <a:ext uri="{FF2B5EF4-FFF2-40B4-BE49-F238E27FC236}">
+                    <a16:creationId xmlns:a16="http://schemas.microsoft.com/office/drawing/2014/main" id="{5D7A65E8-C9EB-48A5-B037-88288CCF89F1}"/>
+                  </a:ext>
+                </a:extLst>
+              </p:cNvPr>
+              <p:cNvSpPr>
+                <a:spLocks noGrp="1" noRot="1" noChangeAspect="1" noMove="1" noResize="1" noEditPoints="1" noAdjustHandles="1" noChangeArrowheads="1" noChangeShapeType="1" noTextEdit="1"/>
+              </p:cNvSpPr>
+              <p:nvPr>
+                <p:ph idx="1"/>
+              </p:nvPr>
+            </p:nvSpPr>
+            <p:spPr>
+              <a:blipFill>
+                <a:blip r:embed="rId2"/>
+                <a:stretch>
+                  <a:fillRect l="-174"/>
+                </a:stretch>
+              </a:blipFill>
+            </p:spPr>
+            <p:txBody>
+              <a:bodyPr/>
+              <a:lstStyle/>
+              <a:p>
+                <a:r>
+                  <a:rPr lang="ja-JP" altLang="en-US">
+                    <a:noFill/>
+                  </a:rPr>
+                  <a:t> </a:t>
+                </a:r>
+              </a:p>
+            </p:txBody>
+          </p:sp>
+        </mc:Fallback>
+      </mc:AlternateContent>
+    </p:spTree>
+    <p:extLst>
+      <p:ext uri="{BB962C8B-B14F-4D97-AF65-F5344CB8AC3E}">
+        <p14:creationId xmlns:p14="http://schemas.microsoft.com/office/powerpoint/2010/main" val="421719967"/>
+      </p:ext>
+    </p:extLst>
+  </p:cSld>
+  <p:clrMapOvr>
+    <a:masterClrMapping/>
+  </p:clrMapOvr>
+</p:sld>
+</file>
+
+<file path=ppt/slides/slide6.xml><?xml version="1.0" encoding="utf-8"?>
+<p:sld xmlns:a="http://schemas.openxmlformats.org/drawingml/2006/main" xmlns:r="http://schemas.openxmlformats.org/officeDocument/2006/relationships" xmlns:p="http://schemas.openxmlformats.org/presentationml/2006/main">
+  <p:cSld>
+    <p:spTree>
+      <p:nvGrpSpPr>
+        <p:cNvPr id="1" name=""/>
+        <p:cNvGrpSpPr/>
+        <p:nvPr/>
+      </p:nvGrpSpPr>
+      <p:grpSpPr>
+        <a:xfrm>
+          <a:off x="0" y="0"/>
+          <a:ext cx="0" cy="0"/>
+          <a:chOff x="0" y="0"/>
+          <a:chExt cx="0" cy="0"/>
+        </a:xfrm>
+      </p:grpSpPr>
+      <p:sp>
+        <p:nvSpPr>
+          <p:cNvPr id="2" name="タイトル 1">
+            <a:extLst>
+              <a:ext uri="{FF2B5EF4-FFF2-40B4-BE49-F238E27FC236}">
+                <a16:creationId xmlns:a16="http://schemas.microsoft.com/office/drawing/2014/main" id="{2509A96F-60EC-4860-A532-ED9A5BFECF91}"/>
+              </a:ext>
+            </a:extLst>
+          </p:cNvPr>
+          <p:cNvSpPr>
+            <a:spLocks noGrp="1"/>
+          </p:cNvSpPr>
+          <p:nvPr>
+            <p:ph type="title"/>
+          </p:nvPr>
+        </p:nvSpPr>
+        <p:spPr/>
+        <p:txBody>
+          <a:bodyPr/>
+          <a:lstStyle/>
+          <a:p>
+            <a:r>
+              <a:rPr lang="en-US" altLang="ja-JP" dirty="0"/>
+              <a:t>label</a:t>
+            </a:r>
+            <a:r>
+              <a:rPr lang="ja-JP" altLang="en-US" dirty="0"/>
+              <a:t>の解説</a:t>
+            </a:r>
+            <a:endParaRPr kumimoji="1" lang="ja-JP" altLang="en-US" dirty="0"/>
+          </a:p>
+        </p:txBody>
+      </p:sp>
+      <p:sp>
+        <p:nvSpPr>
+          <p:cNvPr id="3" name="コンテンツ プレースホルダー 2">
+            <a:extLst>
+              <a:ext uri="{FF2B5EF4-FFF2-40B4-BE49-F238E27FC236}">
+                <a16:creationId xmlns:a16="http://schemas.microsoft.com/office/drawing/2014/main" id="{3CEF5605-D01B-4404-8035-FDDC1D7A5B2D}"/>
+              </a:ext>
+            </a:extLst>
+          </p:cNvPr>
+          <p:cNvSpPr>
+            <a:spLocks noGrp="1"/>
+          </p:cNvSpPr>
+          <p:nvPr>
+            <p:ph idx="1"/>
+          </p:nvPr>
+        </p:nvSpPr>
+        <p:spPr/>
+        <p:txBody>
+          <a:bodyPr/>
+          <a:lstStyle/>
+          <a:p>
+            <a:r>
+              <a:rPr lang="en-US" altLang="ja-JP" dirty="0"/>
+              <a:t>m</a:t>
+            </a:r>
+            <a:r>
+              <a:rPr kumimoji="1" lang="en-US" altLang="ja-JP" dirty="0"/>
+              <a:t>ap</a:t>
+            </a:r>
+            <a:endParaRPr lang="en-US" altLang="ja-JP" dirty="0"/>
+          </a:p>
+          <a:p>
+            <a:pPr marL="0" indent="0">
+              <a:buNone/>
+            </a:pPr>
+            <a:r>
+              <a:rPr kumimoji="1" lang="ja-JP" altLang="en-US" dirty="0"/>
+              <a:t>プレイヤーが行動するマップを定義したファイルの名前</a:t>
+            </a:r>
+            <a:endParaRPr kumimoji="1" lang="en-US" altLang="ja-JP" dirty="0"/>
+          </a:p>
+          <a:p>
+            <a:r>
+              <a:rPr lang="en-US" altLang="ja-JP" dirty="0"/>
+              <a:t>p</a:t>
+            </a:r>
+            <a:r>
+              <a:rPr kumimoji="1" lang="en-US" altLang="ja-JP" dirty="0"/>
+              <a:t>attern</a:t>
+            </a:r>
+          </a:p>
+          <a:p>
+            <a:pPr marL="0" indent="0">
+              <a:buNone/>
+            </a:pPr>
+            <a:r>
+              <a:rPr lang="en-US" altLang="ja-JP" dirty="0"/>
+              <a:t>action</a:t>
+            </a:r>
+            <a:r>
+              <a:rPr lang="ja-JP" altLang="en-US" dirty="0"/>
+              <a:t>または</a:t>
+            </a:r>
+            <a:r>
+              <a:rPr lang="en-US" altLang="ja-JP" dirty="0"/>
+              <a:t>pattern</a:t>
+            </a:r>
+            <a:r>
+              <a:rPr lang="ja-JP" altLang="en-US" dirty="0"/>
+              <a:t>の並びの最後に</a:t>
+            </a:r>
+            <a:r>
+              <a:rPr lang="en-US" altLang="ja-JP" dirty="0"/>
+              <a:t>exit</a:t>
+            </a:r>
+            <a:r>
+              <a:rPr lang="ja-JP" altLang="en-US" dirty="0"/>
+              <a:t>が付いたもの</a:t>
+            </a:r>
+            <a:endParaRPr lang="en-US" altLang="ja-JP" dirty="0"/>
+          </a:p>
+          <a:p>
+            <a:r>
+              <a:rPr lang="en-US" altLang="ja-JP" dirty="0" err="1"/>
+              <a:t>entryPoint</a:t>
+            </a:r>
+            <a:endParaRPr lang="en-US" altLang="ja-JP" dirty="0"/>
+          </a:p>
+          <a:p>
+            <a:pPr marL="0" indent="0">
+              <a:buNone/>
+            </a:pPr>
+            <a:r>
+              <a:rPr lang="ja-JP" altLang="en-US" dirty="0"/>
+              <a:t>プログラムの開始</a:t>
+            </a:r>
+            <a:r>
+              <a:rPr lang="ja-JP" altLang="en-US"/>
+              <a:t>位置。</a:t>
+            </a:r>
+            <a:r>
+              <a:rPr lang="en-US" altLang="ja-JP"/>
+              <a:t>action</a:t>
+            </a:r>
+            <a:r>
+              <a:rPr lang="ja-JP" altLang="en-US" dirty="0"/>
+              <a:t>または</a:t>
+            </a:r>
+            <a:r>
+              <a:rPr lang="en-US" altLang="ja-JP" dirty="0"/>
+              <a:t>pattern</a:t>
+            </a:r>
+            <a:r>
+              <a:rPr lang="ja-JP" altLang="en-US" dirty="0"/>
+              <a:t>の並びの最後に</a:t>
+            </a:r>
+            <a:r>
+              <a:rPr lang="en-US" altLang="ja-JP" dirty="0"/>
+              <a:t>exit</a:t>
+            </a:r>
+            <a:r>
+              <a:rPr lang="ja-JP" altLang="en-US" dirty="0"/>
+              <a:t>が付いたもの</a:t>
+            </a:r>
+            <a:endParaRPr lang="en-US" altLang="ja-JP" dirty="0"/>
+          </a:p>
+        </p:txBody>
+      </p:sp>
+    </p:spTree>
+    <p:extLst>
+      <p:ext uri="{BB962C8B-B14F-4D97-AF65-F5344CB8AC3E}">
+        <p14:creationId xmlns:p14="http://schemas.microsoft.com/office/powerpoint/2010/main" val="2730871500"/>
+      </p:ext>
+    </p:extLst>
+  </p:cSld>
+  <p:clrMapOvr>
+    <a:masterClrMapping/>
+  </p:clrMapOvr>
+</p:sld>
+</file>
+
 <file path=ppt/slides/slide7.xml><?xml version="1.0" encoding="utf-8"?>
+<p:sld xmlns:a="http://schemas.openxmlformats.org/drawingml/2006/main" xmlns:r="http://schemas.openxmlformats.org/officeDocument/2006/relationships" xmlns:p="http://schemas.openxmlformats.org/presentationml/2006/main">
+  <p:cSld>
+    <p:spTree>
+      <p:nvGrpSpPr>
+        <p:cNvPr id="1" name=""/>
+        <p:cNvGrpSpPr/>
+        <p:nvPr/>
+      </p:nvGrpSpPr>
+      <p:grpSpPr>
+        <a:xfrm>
+          <a:off x="0" y="0"/>
+          <a:ext cx="0" cy="0"/>
+          <a:chOff x="0" y="0"/>
+          <a:chExt cx="0" cy="0"/>
+        </a:xfrm>
+      </p:grpSpPr>
+      <p:sp>
+        <p:nvSpPr>
+          <p:cNvPr id="2" name="タイトル 1">
+            <a:extLst>
+              <a:ext uri="{FF2B5EF4-FFF2-40B4-BE49-F238E27FC236}">
+                <a16:creationId xmlns:a16="http://schemas.microsoft.com/office/drawing/2014/main" id="{6AAE0496-FDD1-4773-B015-345D9791D33D}"/>
+              </a:ext>
+            </a:extLst>
+          </p:cNvPr>
+          <p:cNvSpPr>
+            <a:spLocks noGrp="1"/>
+          </p:cNvSpPr>
+          <p:nvPr>
+            <p:ph type="title"/>
+          </p:nvPr>
+        </p:nvSpPr>
+        <p:spPr/>
+        <p:txBody>
+          <a:bodyPr/>
+          <a:lstStyle/>
+          <a:p>
+            <a:r>
+              <a:rPr kumimoji="1" lang="en-US" altLang="ja-JP" dirty="0"/>
+              <a:t>action</a:t>
+            </a:r>
+            <a:r>
+              <a:rPr kumimoji="1" lang="ja-JP" altLang="en-US" dirty="0"/>
+              <a:t>について</a:t>
+            </a:r>
+          </a:p>
+        </p:txBody>
+      </p:sp>
+      <p:sp>
+        <p:nvSpPr>
+          <p:cNvPr id="3" name="コンテンツ プレースホルダー 2">
+            <a:extLst>
+              <a:ext uri="{FF2B5EF4-FFF2-40B4-BE49-F238E27FC236}">
+                <a16:creationId xmlns:a16="http://schemas.microsoft.com/office/drawing/2014/main" id="{54F82C75-4F05-4C1A-8F10-5AE981448AFA}"/>
+              </a:ext>
+            </a:extLst>
+          </p:cNvPr>
+          <p:cNvSpPr>
+            <a:spLocks noGrp="1"/>
+          </p:cNvSpPr>
+          <p:nvPr>
+            <p:ph idx="1"/>
+          </p:nvPr>
+        </p:nvSpPr>
+        <p:spPr/>
+        <p:txBody>
+          <a:bodyPr>
+            <a:normAutofit lnSpcReduction="10000"/>
+          </a:bodyPr>
+          <a:lstStyle/>
+          <a:p>
+            <a:pPr marL="0" indent="0">
+              <a:buNone/>
+            </a:pPr>
+            <a:r>
+              <a:rPr lang="en-US" altLang="ja-JP" dirty="0"/>
+              <a:t>action:</a:t>
+            </a:r>
+            <a:r>
+              <a:rPr lang="ja-JP" altLang="en-US" dirty="0"/>
+              <a:t>プレイヤーの行動の基本単位</a:t>
+            </a:r>
+            <a:endParaRPr lang="en-US" altLang="ja-JP" dirty="0"/>
+          </a:p>
+          <a:p>
+            <a:r>
+              <a:rPr lang="en-US" altLang="ja-JP" dirty="0"/>
+              <a:t>ahead</a:t>
+            </a:r>
+          </a:p>
+          <a:p>
+            <a:pPr marL="0" indent="0">
+              <a:buNone/>
+            </a:pPr>
+            <a:r>
+              <a:rPr kumimoji="1" lang="ja-JP" altLang="en-US" dirty="0"/>
+              <a:t>プレイヤーの向いている方向に</a:t>
+            </a:r>
+            <a:r>
+              <a:rPr kumimoji="1" lang="en-US" altLang="ja-JP" dirty="0"/>
+              <a:t>0.3</a:t>
+            </a:r>
+            <a:r>
+              <a:rPr kumimoji="1" lang="ja-JP" altLang="en-US" dirty="0"/>
+              <a:t>マス進む</a:t>
+            </a:r>
+            <a:endParaRPr kumimoji="1" lang="en-US" altLang="ja-JP" dirty="0"/>
+          </a:p>
+          <a:p>
+            <a:r>
+              <a:rPr lang="en-US" altLang="ja-JP" dirty="0"/>
+              <a:t>back</a:t>
+            </a:r>
+          </a:p>
+          <a:p>
+            <a:pPr marL="0" indent="0">
+              <a:buNone/>
+            </a:pPr>
+            <a:r>
+              <a:rPr kumimoji="1" lang="ja-JP" altLang="en-US" dirty="0"/>
+              <a:t>プレイヤーの向いている方向から</a:t>
+            </a:r>
+            <a:r>
+              <a:rPr kumimoji="1" lang="en-US" altLang="ja-JP" dirty="0"/>
+              <a:t>0.3</a:t>
+            </a:r>
+            <a:r>
+              <a:rPr kumimoji="1" lang="ja-JP" altLang="en-US" dirty="0"/>
+              <a:t>マス後退する</a:t>
+            </a:r>
+            <a:endParaRPr kumimoji="1" lang="en-US" altLang="ja-JP" dirty="0"/>
+          </a:p>
+          <a:p>
+            <a:r>
+              <a:rPr kumimoji="1" lang="en-US" altLang="ja-JP" dirty="0" err="1"/>
+              <a:t>turnR</a:t>
+            </a:r>
+            <a:endParaRPr kumimoji="1" lang="en-US" altLang="ja-JP" dirty="0"/>
+          </a:p>
+          <a:p>
+            <a:pPr marL="0" indent="0">
+              <a:buNone/>
+            </a:pPr>
+            <a:r>
+              <a:rPr lang="ja-JP" altLang="en-US" dirty="0"/>
+              <a:t>プレイヤーが時計回りに</a:t>
+            </a:r>
+            <a:r>
+              <a:rPr lang="en-US" altLang="ja-JP" dirty="0"/>
+              <a:t>3</a:t>
+            </a:r>
+            <a:r>
+              <a:rPr lang="ja-JP" altLang="en-US" dirty="0"/>
+              <a:t>度回転する</a:t>
+            </a:r>
+            <a:endParaRPr lang="en-US" altLang="ja-JP" dirty="0"/>
+          </a:p>
+          <a:p>
+            <a:r>
+              <a:rPr kumimoji="1" lang="en-US" altLang="ja-JP" dirty="0" err="1"/>
+              <a:t>turnL</a:t>
+            </a:r>
+            <a:endParaRPr kumimoji="1" lang="en-US" altLang="ja-JP" dirty="0"/>
+          </a:p>
+          <a:p>
+            <a:pPr marL="0" indent="0">
+              <a:buNone/>
+            </a:pPr>
+            <a:r>
+              <a:rPr lang="ja-JP" altLang="en-US" dirty="0"/>
+              <a:t>プレイヤーが反時計回りに</a:t>
+            </a:r>
+            <a:r>
+              <a:rPr lang="en-US" altLang="ja-JP" dirty="0"/>
+              <a:t>3</a:t>
+            </a:r>
+            <a:r>
+              <a:rPr lang="ja-JP" altLang="en-US" dirty="0"/>
+              <a:t>度回転する</a:t>
+            </a:r>
+            <a:endParaRPr kumimoji="1" lang="en-US" altLang="ja-JP" dirty="0"/>
+          </a:p>
+        </p:txBody>
+      </p:sp>
+    </p:spTree>
+    <p:extLst>
+      <p:ext uri="{BB962C8B-B14F-4D97-AF65-F5344CB8AC3E}">
+        <p14:creationId xmlns:p14="http://schemas.microsoft.com/office/powerpoint/2010/main" val="3838047077"/>
+      </p:ext>
+    </p:extLst>
+  </p:cSld>
+  <p:clrMapOvr>
+    <a:masterClrMapping/>
+  </p:clrMapOvr>
+</p:sld>
+</file>
+
+<file path=ppt/slides/slide8.xml><?xml version="1.0" encoding="utf-8"?>
+<p:sld xmlns:a="http://schemas.openxmlformats.org/drawingml/2006/main" xmlns:r="http://schemas.openxmlformats.org/officeDocument/2006/relationships" xmlns:p="http://schemas.openxmlformats.org/presentationml/2006/main">
+  <p:cSld>
+    <p:spTree>
+      <p:nvGrpSpPr>
+        <p:cNvPr id="1" name=""/>
+        <p:cNvGrpSpPr/>
+        <p:nvPr/>
+      </p:nvGrpSpPr>
+      <p:grpSpPr>
+        <a:xfrm>
+          <a:off x="0" y="0"/>
+          <a:ext cx="0" cy="0"/>
+          <a:chOff x="0" y="0"/>
+          <a:chExt cx="0" cy="0"/>
+        </a:xfrm>
+      </p:grpSpPr>
+      <p:sp>
+        <p:nvSpPr>
+          <p:cNvPr id="2" name="タイトル 1">
+            <a:extLst>
+              <a:ext uri="{FF2B5EF4-FFF2-40B4-BE49-F238E27FC236}">
+                <a16:creationId xmlns:a16="http://schemas.microsoft.com/office/drawing/2014/main" id="{D7F4C9B4-F55B-4986-ABD8-F9C057C8CC62}"/>
+              </a:ext>
+            </a:extLst>
+          </p:cNvPr>
+          <p:cNvSpPr>
+            <a:spLocks noGrp="1"/>
+          </p:cNvSpPr>
+          <p:nvPr>
+            <p:ph type="title"/>
+          </p:nvPr>
+        </p:nvSpPr>
+        <p:spPr/>
+        <p:txBody>
+          <a:bodyPr/>
+          <a:lstStyle/>
+          <a:p>
+            <a:r>
+              <a:rPr lang="en-US" altLang="ja-JP" dirty="0"/>
+              <a:t>e</a:t>
+            </a:r>
+            <a:r>
+              <a:rPr kumimoji="1" lang="en-US" altLang="ja-JP" dirty="0"/>
+              <a:t>xit</a:t>
+            </a:r>
+            <a:r>
+              <a:rPr kumimoji="1" lang="ja-JP" altLang="en-US" dirty="0"/>
+              <a:t>について</a:t>
+            </a:r>
+          </a:p>
+        </p:txBody>
+      </p:sp>
+      <p:sp>
+        <p:nvSpPr>
+          <p:cNvPr id="3" name="コンテンツ プレースホルダー 2">
+            <a:extLst>
+              <a:ext uri="{FF2B5EF4-FFF2-40B4-BE49-F238E27FC236}">
+                <a16:creationId xmlns:a16="http://schemas.microsoft.com/office/drawing/2014/main" id="{1F91F743-4A5C-4034-85EC-70EF88F29D59}"/>
+              </a:ext>
+            </a:extLst>
+          </p:cNvPr>
+          <p:cNvSpPr>
+            <a:spLocks noGrp="1"/>
+          </p:cNvSpPr>
+          <p:nvPr>
+            <p:ph idx="1"/>
+          </p:nvPr>
+        </p:nvSpPr>
+        <p:spPr/>
+        <p:txBody>
+          <a:bodyPr/>
+          <a:lstStyle/>
+          <a:p>
+            <a:pPr marL="0" indent="0">
+              <a:buNone/>
+            </a:pPr>
+            <a:r>
+              <a:rPr lang="en-US" altLang="ja-JP" dirty="0" err="1"/>
+              <a:t>entryPoint</a:t>
+            </a:r>
+            <a:r>
+              <a:rPr lang="ja-JP" altLang="en-US" dirty="0"/>
+              <a:t>や</a:t>
+            </a:r>
+            <a:r>
+              <a:rPr lang="en-US" altLang="ja-JP" dirty="0"/>
+              <a:t>pattern</a:t>
+            </a:r>
+            <a:r>
+              <a:rPr lang="ja-JP" altLang="en-US" dirty="0"/>
+              <a:t>の終端を示す</a:t>
+            </a:r>
+            <a:endParaRPr lang="en-US" altLang="ja-JP" dirty="0"/>
+          </a:p>
+          <a:p>
+            <a:pPr marL="0" indent="0">
+              <a:buNone/>
+            </a:pPr>
+            <a:endParaRPr kumimoji="1" lang="en-US" altLang="ja-JP" dirty="0"/>
+          </a:p>
+          <a:p>
+            <a:pPr marL="0" indent="0">
+              <a:buNone/>
+            </a:pPr>
+            <a:r>
+              <a:rPr kumimoji="1" lang="en-US" altLang="ja-JP" dirty="0" err="1"/>
+              <a:t>entryPoint</a:t>
+            </a:r>
+            <a:r>
+              <a:rPr kumimoji="1" lang="ja-JP" altLang="en-US" dirty="0"/>
+              <a:t>で</a:t>
+            </a:r>
+            <a:r>
+              <a:rPr kumimoji="1" lang="en-US" altLang="ja-JP" dirty="0"/>
+              <a:t>exit</a:t>
+            </a:r>
+            <a:r>
+              <a:rPr kumimoji="1" lang="ja-JP" altLang="en-US" dirty="0"/>
+              <a:t>に達したときは</a:t>
+            </a:r>
+            <a:r>
+              <a:rPr kumimoji="1" lang="en-US" altLang="ja-JP" dirty="0" err="1"/>
+              <a:t>entryPoint</a:t>
+            </a:r>
+            <a:r>
+              <a:rPr kumimoji="1" lang="ja-JP" altLang="en-US" dirty="0"/>
+              <a:t>の先頭に戻って</a:t>
+            </a:r>
+            <a:r>
+              <a:rPr kumimoji="1" lang="en-US" altLang="ja-JP" dirty="0"/>
+              <a:t>action</a:t>
+            </a:r>
+            <a:r>
+              <a:rPr kumimoji="1" lang="ja-JP" altLang="en-US" dirty="0"/>
+              <a:t>や</a:t>
+            </a:r>
+            <a:r>
+              <a:rPr kumimoji="1" lang="en-US" altLang="ja-JP" dirty="0"/>
+              <a:t>pattern</a:t>
+            </a:r>
+            <a:r>
+              <a:rPr kumimoji="1" lang="ja-JP" altLang="en-US" dirty="0"/>
+              <a:t>が繰り返される。</a:t>
+            </a:r>
+            <a:endParaRPr kumimoji="1" lang="en-US" altLang="ja-JP" dirty="0"/>
+          </a:p>
+          <a:p>
+            <a:pPr marL="0" indent="0">
+              <a:buNone/>
+            </a:pPr>
+            <a:endParaRPr lang="en-US" altLang="ja-JP" dirty="0"/>
+          </a:p>
+          <a:p>
+            <a:pPr marL="0" indent="0">
+              <a:buNone/>
+            </a:pPr>
+            <a:r>
+              <a:rPr kumimoji="1" lang="en-US" altLang="ja-JP" dirty="0"/>
+              <a:t>pattern</a:t>
+            </a:r>
+            <a:r>
+              <a:rPr kumimoji="1" lang="ja-JP" altLang="en-US" dirty="0"/>
+              <a:t>で</a:t>
+            </a:r>
+            <a:r>
+              <a:rPr kumimoji="1" lang="en-US" altLang="ja-JP" dirty="0"/>
+              <a:t>exit</a:t>
+            </a:r>
+            <a:r>
+              <a:rPr kumimoji="1" lang="ja-JP" altLang="en-US" dirty="0"/>
+              <a:t>に達すると、呼び出し元の次の</a:t>
+            </a:r>
+            <a:r>
+              <a:rPr kumimoji="1" lang="en-US" altLang="ja-JP" dirty="0"/>
+              <a:t>pattern</a:t>
+            </a:r>
+            <a:r>
+              <a:rPr kumimoji="1" lang="ja-JP" altLang="en-US" dirty="0"/>
+              <a:t>や</a:t>
+            </a:r>
+            <a:r>
+              <a:rPr kumimoji="1" lang="en-US" altLang="ja-JP" dirty="0"/>
+              <a:t>action</a:t>
+            </a:r>
+            <a:r>
+              <a:rPr kumimoji="1" lang="ja-JP" altLang="en-US" dirty="0"/>
+              <a:t>が実行される。</a:t>
+            </a:r>
+          </a:p>
+        </p:txBody>
+      </p:sp>
+    </p:spTree>
+    <p:extLst>
+      <p:ext uri="{BB962C8B-B14F-4D97-AF65-F5344CB8AC3E}">
+        <p14:creationId xmlns:p14="http://schemas.microsoft.com/office/powerpoint/2010/main" val="751766278"/>
+      </p:ext>
+    </p:extLst>
+  </p:cSld>
+  <p:clrMapOvr>
+    <a:masterClrMapping/>
+  </p:clrMapOvr>
+</p:sld>
+</file>
+
+<file path=ppt/slides/slide9.xml><?xml version="1.0" encoding="utf-8"?>
 <p:sld xmlns:a="http://schemas.openxmlformats.org/drawingml/2006/main" xmlns:r="http://schemas.openxmlformats.org/officeDocument/2006/relationships" xmlns:p="http://schemas.openxmlformats.org/presentationml/2006/main">
   <p:cSld>
     <p:spTree>
@@ -6231,312 +6674,6 @@
     <p:extLst>
       <p:ext uri="{BB962C8B-B14F-4D97-AF65-F5344CB8AC3E}">
         <p14:creationId xmlns:p14="http://schemas.microsoft.com/office/powerpoint/2010/main" val="388713178"/>
-      </p:ext>
-    </p:extLst>
-  </p:cSld>
-  <p:clrMapOvr>
-    <a:masterClrMapping/>
-  </p:clrMapOvr>
-</p:sld>
-</file>
-
-<file path=ppt/slides/slide8.xml><?xml version="1.0" encoding="utf-8"?>
-<p:sld xmlns:a="http://schemas.openxmlformats.org/drawingml/2006/main" xmlns:r="http://schemas.openxmlformats.org/officeDocument/2006/relationships" xmlns:p="http://schemas.openxmlformats.org/presentationml/2006/main">
-  <p:cSld>
-    <p:spTree>
-      <p:nvGrpSpPr>
-        <p:cNvPr id="1" name=""/>
-        <p:cNvGrpSpPr/>
-        <p:nvPr/>
-      </p:nvGrpSpPr>
-      <p:grpSpPr>
-        <a:xfrm>
-          <a:off x="0" y="0"/>
-          <a:ext cx="0" cy="0"/>
-          <a:chOff x="0" y="0"/>
-          <a:chExt cx="0" cy="0"/>
-        </a:xfrm>
-      </p:grpSpPr>
-      <p:sp>
-        <p:nvSpPr>
-          <p:cNvPr id="2" name="タイトル 1">
-            <a:extLst>
-              <a:ext uri="{FF2B5EF4-FFF2-40B4-BE49-F238E27FC236}">
-                <a16:creationId xmlns:a16="http://schemas.microsoft.com/office/drawing/2014/main" id="{6E9334EE-5D45-44EF-82DF-FF97D2E64474}"/>
-              </a:ext>
-            </a:extLst>
-          </p:cNvPr>
-          <p:cNvSpPr>
-            <a:spLocks noGrp="1"/>
-          </p:cNvSpPr>
-          <p:nvPr>
-            <p:ph type="title"/>
-          </p:nvPr>
-        </p:nvSpPr>
-        <p:spPr/>
-        <p:txBody>
-          <a:bodyPr/>
-          <a:lstStyle/>
-          <a:p>
-            <a:r>
-              <a:rPr lang="en-US" altLang="ja-JP" dirty="0"/>
-              <a:t>m</a:t>
-            </a:r>
-            <a:r>
-              <a:rPr kumimoji="1" lang="en-US" altLang="ja-JP" dirty="0"/>
-              <a:t>ap</a:t>
-            </a:r>
-            <a:r>
-              <a:rPr kumimoji="1" lang="ja-JP" altLang="en-US" dirty="0"/>
-              <a:t>について</a:t>
-            </a:r>
-          </a:p>
-        </p:txBody>
-      </p:sp>
-      <p:sp>
-        <p:nvSpPr>
-          <p:cNvPr id="3" name="コンテンツ プレースホルダー 2">
-            <a:extLst>
-              <a:ext uri="{FF2B5EF4-FFF2-40B4-BE49-F238E27FC236}">
-                <a16:creationId xmlns:a16="http://schemas.microsoft.com/office/drawing/2014/main" id="{79F858DF-31E8-4128-86C0-1D01139D4AA3}"/>
-              </a:ext>
-            </a:extLst>
-          </p:cNvPr>
-          <p:cNvSpPr>
-            <a:spLocks noGrp="1"/>
-          </p:cNvSpPr>
-          <p:nvPr>
-            <p:ph idx="1"/>
-          </p:nvPr>
-        </p:nvSpPr>
-        <p:spPr/>
-        <p:txBody>
-          <a:bodyPr/>
-          <a:lstStyle/>
-          <a:p>
-            <a:r>
-              <a:rPr lang="ja-JP" altLang="en-US" dirty="0"/>
-              <a:t>プレイヤーの初期位置は</a:t>
-            </a:r>
-            <a:r>
-              <a:rPr lang="en-US" altLang="ja-JP" dirty="0"/>
-              <a:t>’N’,’S’,’W’,’E’</a:t>
-            </a:r>
-            <a:r>
-              <a:rPr lang="ja-JP" altLang="en-US" dirty="0"/>
-              <a:t>のいずれかで、</a:t>
-            </a:r>
-            <a:r>
-              <a:rPr lang="en-US" altLang="ja-JP" dirty="0"/>
-              <a:t>’N’</a:t>
-            </a:r>
-            <a:r>
-              <a:rPr lang="ja-JP" altLang="en-US" dirty="0"/>
-              <a:t>が</a:t>
-            </a:r>
-            <a:r>
-              <a:rPr lang="en-US" altLang="ja-JP" dirty="0"/>
-              <a:t>map</a:t>
-            </a:r>
-            <a:r>
-              <a:rPr lang="ja-JP" altLang="en-US" dirty="0"/>
-              <a:t>ファイルの上方向となる</a:t>
-            </a:r>
-            <a:endParaRPr lang="en-US" altLang="ja-JP" dirty="0"/>
-          </a:p>
-          <a:p>
-            <a:r>
-              <a:rPr kumimoji="1" lang="en-US" altLang="ja-JP" dirty="0"/>
-              <a:t>‘O’</a:t>
-            </a:r>
-            <a:r>
-              <a:rPr kumimoji="1" lang="ja-JP" altLang="en-US" dirty="0"/>
-              <a:t>は通行可能なマス</a:t>
-            </a:r>
-            <a:endParaRPr kumimoji="1" lang="en-US" altLang="ja-JP" dirty="0"/>
-          </a:p>
-          <a:p>
-            <a:r>
-              <a:rPr kumimoji="1" lang="en-US" altLang="ja-JP" dirty="0"/>
-              <a:t>‘X’</a:t>
-            </a:r>
-            <a:r>
-              <a:rPr kumimoji="1" lang="ja-JP" altLang="en-US" dirty="0"/>
-              <a:t>は</a:t>
-            </a:r>
-            <a:r>
-              <a:rPr lang="ja-JP" altLang="en-US" dirty="0"/>
-              <a:t>障害物で、</a:t>
-            </a:r>
-            <a:r>
-              <a:rPr kumimoji="1" lang="ja-JP" altLang="en-US" dirty="0"/>
-              <a:t>通行不可なマス</a:t>
-            </a:r>
-            <a:endParaRPr kumimoji="1" lang="en-US" altLang="ja-JP" dirty="0"/>
-          </a:p>
-          <a:p>
-            <a:r>
-              <a:rPr lang="en-US" altLang="ja-JP" dirty="0"/>
-              <a:t>‘ ‘</a:t>
-            </a:r>
-            <a:r>
-              <a:rPr lang="ja-JP" altLang="en-US" dirty="0"/>
-              <a:t>は何もないマス</a:t>
-            </a:r>
-            <a:r>
-              <a:rPr lang="en-US" altLang="ja-JP" dirty="0"/>
-              <a:t>(</a:t>
-            </a:r>
-            <a:r>
-              <a:rPr lang="ja-JP" altLang="en-US" dirty="0"/>
-              <a:t>通常プレイヤーは到達できない</a:t>
-            </a:r>
-            <a:r>
-              <a:rPr lang="en-US" altLang="ja-JP" dirty="0"/>
-              <a:t>)</a:t>
-            </a:r>
-          </a:p>
-          <a:p>
-            <a:pPr marL="0" indent="0">
-              <a:buNone/>
-            </a:pPr>
-            <a:endParaRPr kumimoji="1" lang="en-US" altLang="ja-JP" dirty="0"/>
-          </a:p>
-          <a:p>
-            <a:pPr marL="0" indent="0">
-              <a:buNone/>
-            </a:pPr>
-            <a:r>
-              <a:rPr kumimoji="1" lang="ja-JP" altLang="en-US" dirty="0"/>
-              <a:t>プレイヤーは必ず、</a:t>
-            </a:r>
-            <a:r>
-              <a:rPr kumimoji="1" lang="en-US" altLang="ja-JP" dirty="0"/>
-              <a:t>’</a:t>
-            </a:r>
-            <a:r>
-              <a:rPr lang="en-US" altLang="ja-JP" dirty="0"/>
-              <a:t>O’</a:t>
-            </a:r>
-            <a:r>
-              <a:rPr lang="ja-JP" altLang="en-US" dirty="0"/>
-              <a:t>か初期位置に位置し、それらのマスは通行可能なマスか、</a:t>
-            </a:r>
-            <a:r>
-              <a:rPr lang="en-US" altLang="ja-JP" dirty="0"/>
-              <a:t>’X’</a:t>
-            </a:r>
-            <a:r>
-              <a:rPr lang="ja-JP" altLang="en-US"/>
-              <a:t>にタテヨコで囲まれなければ</a:t>
-            </a:r>
-            <a:r>
-              <a:rPr lang="ja-JP" altLang="en-US" dirty="0"/>
-              <a:t>ならない。</a:t>
-            </a:r>
-            <a:endParaRPr kumimoji="1" lang="ja-JP" altLang="en-US" dirty="0"/>
-          </a:p>
-        </p:txBody>
-      </p:sp>
-    </p:spTree>
-    <p:extLst>
-      <p:ext uri="{BB962C8B-B14F-4D97-AF65-F5344CB8AC3E}">
-        <p14:creationId xmlns:p14="http://schemas.microsoft.com/office/powerpoint/2010/main" val="4254739292"/>
-      </p:ext>
-    </p:extLst>
-  </p:cSld>
-  <p:clrMapOvr>
-    <a:masterClrMapping/>
-  </p:clrMapOvr>
-</p:sld>
-</file>
-
-<file path=ppt/slides/slide9.xml><?xml version="1.0" encoding="utf-8"?>
-<p:sld xmlns:a="http://schemas.openxmlformats.org/drawingml/2006/main" xmlns:r="http://schemas.openxmlformats.org/officeDocument/2006/relationships" xmlns:p="http://schemas.openxmlformats.org/presentationml/2006/main">
-  <p:cSld>
-    <p:spTree>
-      <p:nvGrpSpPr>
-        <p:cNvPr id="1" name=""/>
-        <p:cNvGrpSpPr/>
-        <p:nvPr/>
-      </p:nvGrpSpPr>
-      <p:grpSpPr>
-        <a:xfrm>
-          <a:off x="0" y="0"/>
-          <a:ext cx="0" cy="0"/>
-          <a:chOff x="0" y="0"/>
-          <a:chExt cx="0" cy="0"/>
-        </a:xfrm>
-      </p:grpSpPr>
-      <p:sp>
-        <p:nvSpPr>
-          <p:cNvPr id="2" name="タイトル 1">
-            <a:extLst>
-              <a:ext uri="{FF2B5EF4-FFF2-40B4-BE49-F238E27FC236}">
-                <a16:creationId xmlns:a16="http://schemas.microsoft.com/office/drawing/2014/main" id="{2C9C78E2-F2AE-4A34-90EC-902B7CA4B51D}"/>
-              </a:ext>
-            </a:extLst>
-          </p:cNvPr>
-          <p:cNvSpPr>
-            <a:spLocks noGrp="1"/>
-          </p:cNvSpPr>
-          <p:nvPr>
-            <p:ph type="title"/>
-          </p:nvPr>
-        </p:nvSpPr>
-        <p:spPr/>
-        <p:txBody>
-          <a:bodyPr/>
-          <a:lstStyle/>
-          <a:p>
-            <a:r>
-              <a:rPr lang="en-US" altLang="ja-JP" dirty="0"/>
-              <a:t>map</a:t>
-            </a:r>
-            <a:r>
-              <a:rPr lang="ja-JP" altLang="en-US" dirty="0"/>
-              <a:t>の例</a:t>
-            </a:r>
-            <a:endParaRPr kumimoji="1" lang="ja-JP" altLang="en-US" dirty="0"/>
-          </a:p>
-        </p:txBody>
-      </p:sp>
-      <p:pic>
-        <p:nvPicPr>
-          <p:cNvPr id="4" name="コンテンツ プレースホルダー 3">
-            <a:extLst>
-              <a:ext uri="{FF2B5EF4-FFF2-40B4-BE49-F238E27FC236}">
-                <a16:creationId xmlns:a16="http://schemas.microsoft.com/office/drawing/2014/main" id="{3309A9A4-26FD-4C7E-87C6-5323AA16F89E}"/>
-              </a:ext>
-            </a:extLst>
-          </p:cNvPr>
-          <p:cNvPicPr>
-            <a:picLocks noGrp="1" noChangeAspect="1"/>
-          </p:cNvPicPr>
-          <p:nvPr>
-            <p:ph idx="1"/>
-          </p:nvPr>
-        </p:nvPicPr>
-        <p:blipFill>
-          <a:blip r:embed="rId2"/>
-          <a:stretch>
-            <a:fillRect/>
-          </a:stretch>
-        </p:blipFill>
-        <p:spPr>
-          <a:xfrm>
-            <a:off x="838200" y="2904091"/>
-            <a:ext cx="10515600" cy="2194406"/>
-          </a:xfrm>
-          <a:prstGeom prst="rect">
-            <a:avLst/>
-          </a:prstGeom>
-        </p:spPr>
-      </p:pic>
-    </p:spTree>
-    <p:extLst>
-      <p:ext uri="{BB962C8B-B14F-4D97-AF65-F5344CB8AC3E}">
-        <p14:creationId xmlns:p14="http://schemas.microsoft.com/office/powerpoint/2010/main" val="963352615"/>
       </p:ext>
     </p:extLst>
   </p:cSld>

--- a/presentation.pptx
+++ b/presentation.pptx
@@ -4762,8 +4762,8 @@
           </a:p>
         </p:txBody>
       </p:sp>
-      <mc:AlternateContent xmlns:mc="http://schemas.openxmlformats.org/markup-compatibility/2006">
-        <mc:Choice xmlns:a14="http://schemas.microsoft.com/office/drawing/2010/main" Requires="a14">
+      <mc:AlternateContent xmlns:mc="http://schemas.openxmlformats.org/markup-compatibility/2006" xmlns:a14="http://schemas.microsoft.com/office/drawing/2010/main">
+        <mc:Choice Requires="a14">
           <p:sp>
             <p:nvSpPr>
               <p:cNvPr id="3" name="コンテンツ プレースホルダー 2">
@@ -5488,7 +5488,7 @@
             </p:txBody>
           </p:sp>
         </mc:Choice>
-        <mc:Fallback>
+        <mc:Fallback xmlns="">
           <p:sp>
             <p:nvSpPr>
               <p:cNvPr id="3" name="コンテンツ プレースホルダー 2">
@@ -6185,8 +6185,8 @@
           </a:p>
         </p:txBody>
       </p:sp>
-      <mc:AlternateContent xmlns:mc="http://schemas.openxmlformats.org/markup-compatibility/2006" xmlns:a14="http://schemas.microsoft.com/office/drawing/2010/main">
-        <mc:Choice Requires="a14">
+      <mc:AlternateContent xmlns:mc="http://schemas.openxmlformats.org/markup-compatibility/2006">
+        <mc:Choice xmlns:a14="http://schemas.microsoft.com/office/drawing/2010/main" Requires="a14">
           <p:sp>
             <p:nvSpPr>
               <p:cNvPr id="3" name="コンテンツ プレースホルダー 2">
@@ -6218,16 +6218,16 @@
                     </m:oMathParaPr>
                     <m:oMath xmlns:m="http://schemas.openxmlformats.org/officeDocument/2006/math">
                       <m:r>
-                        <a:rPr kumimoji="1" lang="en-US" altLang="ja-JP" b="0" i="1" smtClean="0">
+                        <a:rPr lang="en-US" altLang="ja-JP" i="1" smtClean="0">
                           <a:latin typeface="Cambria Math" panose="02040503050406030204" pitchFamily="18" charset="0"/>
                         </a:rPr>
                         <m:t>&lt;</m:t>
                       </m:r>
                       <m:r>
-                        <a:rPr kumimoji="1" lang="en-US" altLang="ja-JP" b="0" i="1" smtClean="0">
-                          <a:latin typeface="Cambria Math" panose="02040503050406030204" pitchFamily="18" charset="0"/>
-                        </a:rPr>
-                        <m:t>𝑚𝑎𝑧𝑒</m:t>
+                        <a:rPr lang="en-US" altLang="ja-JP" b="0" i="1" smtClean="0">
+                          <a:latin typeface="Cambria Math" panose="02040503050406030204" pitchFamily="18" charset="0"/>
+                        </a:rPr>
+                        <m:t>𝑚𝑎𝑝</m:t>
                       </m:r>
                       <m:r>
                         <a:rPr kumimoji="1" lang="en-US" altLang="ja-JP" b="0" i="1" smtClean="0">
@@ -6630,7 +6630,7 @@
             </p:txBody>
           </p:sp>
         </mc:Choice>
-        <mc:Fallback xmlns="">
+        <mc:Fallback>
           <p:sp>
             <p:nvSpPr>
               <p:cNvPr id="3" name="コンテンツ プレースホルダー 2">

--- a/presentation.pptx
+++ b/presentation.pptx
@@ -2,10 +2,10 @@
 <file path=ppt/presentation.xml><?xml version="1.0" encoding="utf-8"?>
 <p:presentation xmlns:a="http://schemas.openxmlformats.org/drawingml/2006/main" xmlns:r="http://schemas.openxmlformats.org/officeDocument/2006/relationships" xmlns:p="http://schemas.openxmlformats.org/presentationml/2006/main" saveSubsetFonts="1">
   <p:sldMasterIdLst>
-    <p:sldMasterId id="2147483648" r:id="rId1"/>
+    <p:sldMasterId id="2147483660" r:id="rId1"/>
   </p:sldMasterIdLst>
   <p:notesMasterIdLst>
-    <p:notesMasterId r:id="rId12"/>
+    <p:notesMasterId r:id="rId13"/>
   </p:notesMasterIdLst>
   <p:sldIdLst>
     <p:sldId id="256" r:id="rId2"/>
@@ -18,15 +18,16 @@
     <p:sldId id="260" r:id="rId9"/>
     <p:sldId id="264" r:id="rId10"/>
     <p:sldId id="262" r:id="rId11"/>
+    <p:sldId id="266" r:id="rId12"/>
   </p:sldIdLst>
   <p:sldSz cx="12192000" cy="6858000"/>
   <p:notesSz cx="6858000" cy="9144000"/>
   <p:defaultTextStyle>
     <a:defPPr>
-      <a:defRPr lang="ja-JP"/>
+      <a:defRPr lang="en-US"/>
     </a:defPPr>
-    <a:lvl1pPr marL="0" algn="l" defTabSz="914400" rtl="0" eaLnBrk="1" latinLnBrk="0" hangingPunct="1">
-      <a:defRPr kumimoji="1" sz="1800" kern="1200">
+    <a:lvl1pPr marL="0" algn="l" defTabSz="457200" rtl="0" eaLnBrk="1" latinLnBrk="0" hangingPunct="1">
+      <a:defRPr sz="1800" kern="1200">
         <a:solidFill>
           <a:schemeClr val="tx1"/>
         </a:solidFill>
@@ -35,8 +36,8 @@
         <a:cs typeface="+mn-cs"/>
       </a:defRPr>
     </a:lvl1pPr>
-    <a:lvl2pPr marL="457200" algn="l" defTabSz="914400" rtl="0" eaLnBrk="1" latinLnBrk="0" hangingPunct="1">
-      <a:defRPr kumimoji="1" sz="1800" kern="1200">
+    <a:lvl2pPr marL="457200" algn="l" defTabSz="457200" rtl="0" eaLnBrk="1" latinLnBrk="0" hangingPunct="1">
+      <a:defRPr sz="1800" kern="1200">
         <a:solidFill>
           <a:schemeClr val="tx1"/>
         </a:solidFill>
@@ -45,8 +46,8 @@
         <a:cs typeface="+mn-cs"/>
       </a:defRPr>
     </a:lvl2pPr>
-    <a:lvl3pPr marL="914400" algn="l" defTabSz="914400" rtl="0" eaLnBrk="1" latinLnBrk="0" hangingPunct="1">
-      <a:defRPr kumimoji="1" sz="1800" kern="1200">
+    <a:lvl3pPr marL="914400" algn="l" defTabSz="457200" rtl="0" eaLnBrk="1" latinLnBrk="0" hangingPunct="1">
+      <a:defRPr sz="1800" kern="1200">
         <a:solidFill>
           <a:schemeClr val="tx1"/>
         </a:solidFill>
@@ -55,8 +56,8 @@
         <a:cs typeface="+mn-cs"/>
       </a:defRPr>
     </a:lvl3pPr>
-    <a:lvl4pPr marL="1371600" algn="l" defTabSz="914400" rtl="0" eaLnBrk="1" latinLnBrk="0" hangingPunct="1">
-      <a:defRPr kumimoji="1" sz="1800" kern="1200">
+    <a:lvl4pPr marL="1371600" algn="l" defTabSz="457200" rtl="0" eaLnBrk="1" latinLnBrk="0" hangingPunct="1">
+      <a:defRPr sz="1800" kern="1200">
         <a:solidFill>
           <a:schemeClr val="tx1"/>
         </a:solidFill>
@@ -65,8 +66,8 @@
         <a:cs typeface="+mn-cs"/>
       </a:defRPr>
     </a:lvl4pPr>
-    <a:lvl5pPr marL="1828800" algn="l" defTabSz="914400" rtl="0" eaLnBrk="1" latinLnBrk="0" hangingPunct="1">
-      <a:defRPr kumimoji="1" sz="1800" kern="1200">
+    <a:lvl5pPr marL="1828800" algn="l" defTabSz="457200" rtl="0" eaLnBrk="1" latinLnBrk="0" hangingPunct="1">
+      <a:defRPr sz="1800" kern="1200">
         <a:solidFill>
           <a:schemeClr val="tx1"/>
         </a:solidFill>
@@ -75,8 +76,8 @@
         <a:cs typeface="+mn-cs"/>
       </a:defRPr>
     </a:lvl5pPr>
-    <a:lvl6pPr marL="2286000" algn="l" defTabSz="914400" rtl="0" eaLnBrk="1" latinLnBrk="0" hangingPunct="1">
-      <a:defRPr kumimoji="1" sz="1800" kern="1200">
+    <a:lvl6pPr marL="2286000" algn="l" defTabSz="457200" rtl="0" eaLnBrk="1" latinLnBrk="0" hangingPunct="1">
+      <a:defRPr sz="1800" kern="1200">
         <a:solidFill>
           <a:schemeClr val="tx1"/>
         </a:solidFill>
@@ -85,8 +86,8 @@
         <a:cs typeface="+mn-cs"/>
       </a:defRPr>
     </a:lvl6pPr>
-    <a:lvl7pPr marL="2743200" algn="l" defTabSz="914400" rtl="0" eaLnBrk="1" latinLnBrk="0" hangingPunct="1">
-      <a:defRPr kumimoji="1" sz="1800" kern="1200">
+    <a:lvl7pPr marL="2743200" algn="l" defTabSz="457200" rtl="0" eaLnBrk="1" latinLnBrk="0" hangingPunct="1">
+      <a:defRPr sz="1800" kern="1200">
         <a:solidFill>
           <a:schemeClr val="tx1"/>
         </a:solidFill>
@@ -95,8 +96,8 @@
         <a:cs typeface="+mn-cs"/>
       </a:defRPr>
     </a:lvl7pPr>
-    <a:lvl8pPr marL="3200400" algn="l" defTabSz="914400" rtl="0" eaLnBrk="1" latinLnBrk="0" hangingPunct="1">
-      <a:defRPr kumimoji="1" sz="1800" kern="1200">
+    <a:lvl8pPr marL="3200400" algn="l" defTabSz="457200" rtl="0" eaLnBrk="1" latinLnBrk="0" hangingPunct="1">
+      <a:defRPr sz="1800" kern="1200">
         <a:solidFill>
           <a:schemeClr val="tx1"/>
         </a:solidFill>
@@ -105,8 +106,8 @@
         <a:cs typeface="+mn-cs"/>
       </a:defRPr>
     </a:lvl8pPr>
-    <a:lvl9pPr marL="3657600" algn="l" defTabSz="914400" rtl="0" eaLnBrk="1" latinLnBrk="0" hangingPunct="1">
-      <a:defRPr kumimoji="1" sz="1800" kern="1200">
+    <a:lvl9pPr marL="3657600" algn="l" defTabSz="457200" rtl="0" eaLnBrk="1" latinLnBrk="0" hangingPunct="1">
+      <a:defRPr sz="1800" kern="1200">
         <a:solidFill>
           <a:schemeClr val="tx1"/>
         </a:solidFill>
@@ -590,7 +591,7 @@
 </file>
 
 <file path=ppt/slideLayouts/slideLayout1.xml><?xml version="1.0" encoding="utf-8"?>
-<p:sldLayout xmlns:a="http://schemas.openxmlformats.org/drawingml/2006/main" xmlns:r="http://schemas.openxmlformats.org/officeDocument/2006/relationships" xmlns:p="http://schemas.openxmlformats.org/presentationml/2006/main" type="title" preserve="1">
+<p:sldLayout xmlns:a="http://schemas.openxmlformats.org/drawingml/2006/main" xmlns:r="http://schemas.openxmlformats.org/officeDocument/2006/relationships" xmlns:p="http://schemas.openxmlformats.org/presentationml/2006/main" showMasterSp="0" type="title" preserve="1">
   <p:cSld name="タイトル スライド">
     <p:spTree>
       <p:nvGrpSpPr>
@@ -606,15 +607,539 @@
           <a:chExt cx="0" cy="0"/>
         </a:xfrm>
       </p:grpSpPr>
-      <p:sp>
-        <p:nvSpPr>
-          <p:cNvPr id="2" name="タイトル 1">
-            <a:extLst>
-              <a:ext uri="{FF2B5EF4-FFF2-40B4-BE49-F238E27FC236}">
-                <a16:creationId xmlns:a16="http://schemas.microsoft.com/office/drawing/2014/main" id="{8ADD2D6C-58DA-4626-821C-FA9FDE425CA0}"/>
-              </a:ext>
-            </a:extLst>
-          </p:cNvPr>
+      <p:grpSp>
+        <p:nvGrpSpPr>
+          <p:cNvPr id="7" name="Group 6"/>
+          <p:cNvGrpSpPr/>
+          <p:nvPr/>
+        </p:nvGrpSpPr>
+        <p:grpSpPr>
+          <a:xfrm>
+            <a:off x="0" y="-8467"/>
+            <a:ext cx="12192000" cy="6866467"/>
+            <a:chOff x="0" y="-8467"/>
+            <a:chExt cx="12192000" cy="6866467"/>
+          </a:xfrm>
+        </p:grpSpPr>
+        <p:cxnSp>
+          <p:nvCxnSpPr>
+            <p:cNvPr id="32" name="Straight Connector 31"/>
+            <p:cNvCxnSpPr/>
+            <p:nvPr/>
+          </p:nvCxnSpPr>
+          <p:spPr>
+            <a:xfrm>
+              <a:off x="9371012" y="0"/>
+              <a:ext cx="1219200" cy="6858000"/>
+            </a:xfrm>
+            <a:prstGeom prst="line">
+              <a:avLst/>
+            </a:prstGeom>
+            <a:ln w="9525">
+              <a:solidFill>
+                <a:schemeClr val="bg1">
+                  <a:lumMod val="75000"/>
+                </a:schemeClr>
+              </a:solidFill>
+            </a:ln>
+          </p:spPr>
+          <p:style>
+            <a:lnRef idx="2">
+              <a:schemeClr val="accent1"/>
+            </a:lnRef>
+            <a:fillRef idx="0">
+              <a:schemeClr val="accent1"/>
+            </a:fillRef>
+            <a:effectRef idx="1">
+              <a:schemeClr val="accent1"/>
+            </a:effectRef>
+            <a:fontRef idx="minor">
+              <a:schemeClr val="tx1"/>
+            </a:fontRef>
+          </p:style>
+        </p:cxnSp>
+        <p:cxnSp>
+          <p:nvCxnSpPr>
+            <p:cNvPr id="21" name="Straight Connector 20"/>
+            <p:cNvCxnSpPr/>
+            <p:nvPr/>
+          </p:nvCxnSpPr>
+          <p:spPr>
+            <a:xfrm flipH="1">
+              <a:off x="7425267" y="3681413"/>
+              <a:ext cx="4763558" cy="3176587"/>
+            </a:xfrm>
+            <a:prstGeom prst="line">
+              <a:avLst/>
+            </a:prstGeom>
+            <a:ln w="9525">
+              <a:solidFill>
+                <a:schemeClr val="bg1">
+                  <a:lumMod val="85000"/>
+                </a:schemeClr>
+              </a:solidFill>
+            </a:ln>
+          </p:spPr>
+          <p:style>
+            <a:lnRef idx="2">
+              <a:schemeClr val="accent1"/>
+            </a:lnRef>
+            <a:fillRef idx="0">
+              <a:schemeClr val="accent1"/>
+            </a:fillRef>
+            <a:effectRef idx="1">
+              <a:schemeClr val="accent1"/>
+            </a:effectRef>
+            <a:fontRef idx="minor">
+              <a:schemeClr val="tx1"/>
+            </a:fontRef>
+          </p:style>
+        </p:cxnSp>
+        <p:sp>
+          <p:nvSpPr>
+            <p:cNvPr id="24" name="Rectangle 23"/>
+            <p:cNvSpPr/>
+            <p:nvPr/>
+          </p:nvSpPr>
+          <p:spPr>
+            <a:xfrm>
+              <a:off x="9181476" y="-8467"/>
+              <a:ext cx="3007349" cy="6866467"/>
+            </a:xfrm>
+            <a:custGeom>
+              <a:avLst/>
+              <a:gdLst/>
+              <a:ahLst/>
+              <a:cxnLst/>
+              <a:rect l="l" t="t" r="r" b="b"/>
+              <a:pathLst>
+                <a:path w="3007349" h="6866467">
+                  <a:moveTo>
+                    <a:pt x="2045532" y="0"/>
+                  </a:moveTo>
+                  <a:lnTo>
+                    <a:pt x="3007349" y="0"/>
+                  </a:lnTo>
+                  <a:lnTo>
+                    <a:pt x="3007349" y="6866467"/>
+                  </a:lnTo>
+                  <a:lnTo>
+                    <a:pt x="0" y="6866467"/>
+                  </a:lnTo>
+                  <a:lnTo>
+                    <a:pt x="2045532" y="0"/>
+                  </a:lnTo>
+                  <a:close/>
+                </a:path>
+              </a:pathLst>
+            </a:custGeom>
+            <a:solidFill>
+              <a:schemeClr val="accent1">
+                <a:alpha val="30000"/>
+              </a:schemeClr>
+            </a:solidFill>
+            <a:ln>
+              <a:noFill/>
+            </a:ln>
+            <a:effectLst/>
+          </p:spPr>
+          <p:style>
+            <a:lnRef idx="1">
+              <a:schemeClr val="accent1"/>
+            </a:lnRef>
+            <a:fillRef idx="3">
+              <a:schemeClr val="accent1"/>
+            </a:fillRef>
+            <a:effectRef idx="2">
+              <a:schemeClr val="accent1"/>
+            </a:effectRef>
+            <a:fontRef idx="minor">
+              <a:schemeClr val="lt1"/>
+            </a:fontRef>
+          </p:style>
+        </p:sp>
+        <p:sp>
+          <p:nvSpPr>
+            <p:cNvPr id="26" name="Rectangle 25"/>
+            <p:cNvSpPr/>
+            <p:nvPr/>
+          </p:nvSpPr>
+          <p:spPr>
+            <a:xfrm>
+              <a:off x="9603442" y="-8467"/>
+              <a:ext cx="2588558" cy="6866467"/>
+            </a:xfrm>
+            <a:custGeom>
+              <a:avLst/>
+              <a:gdLst/>
+              <a:ahLst/>
+              <a:cxnLst/>
+              <a:rect l="l" t="t" r="r" b="b"/>
+              <a:pathLst>
+                <a:path w="2573311" h="6866467">
+                  <a:moveTo>
+                    <a:pt x="0" y="0"/>
+                  </a:moveTo>
+                  <a:lnTo>
+                    <a:pt x="2573311" y="0"/>
+                  </a:lnTo>
+                  <a:lnTo>
+                    <a:pt x="2573311" y="6866467"/>
+                  </a:lnTo>
+                  <a:lnTo>
+                    <a:pt x="1202336" y="6866467"/>
+                  </a:lnTo>
+                  <a:lnTo>
+                    <a:pt x="0" y="0"/>
+                  </a:lnTo>
+                  <a:close/>
+                </a:path>
+              </a:pathLst>
+            </a:custGeom>
+            <a:solidFill>
+              <a:schemeClr val="accent1">
+                <a:alpha val="20000"/>
+              </a:schemeClr>
+            </a:solidFill>
+            <a:ln>
+              <a:noFill/>
+            </a:ln>
+            <a:effectLst/>
+          </p:spPr>
+          <p:style>
+            <a:lnRef idx="1">
+              <a:schemeClr val="accent1"/>
+            </a:lnRef>
+            <a:fillRef idx="3">
+              <a:schemeClr val="accent1"/>
+            </a:fillRef>
+            <a:effectRef idx="2">
+              <a:schemeClr val="accent1"/>
+            </a:effectRef>
+            <a:fontRef idx="minor">
+              <a:schemeClr val="lt1"/>
+            </a:fontRef>
+          </p:style>
+        </p:sp>
+        <p:sp>
+          <p:nvSpPr>
+            <p:cNvPr id="27" name="Isosceles Triangle 26"/>
+            <p:cNvSpPr/>
+            <p:nvPr/>
+          </p:nvSpPr>
+          <p:spPr>
+            <a:xfrm>
+              <a:off x="8932333" y="3048000"/>
+              <a:ext cx="3259667" cy="3810000"/>
+            </a:xfrm>
+            <a:prstGeom prst="triangle">
+              <a:avLst>
+                <a:gd name="adj" fmla="val 100000"/>
+              </a:avLst>
+            </a:prstGeom>
+            <a:solidFill>
+              <a:schemeClr val="accent2">
+                <a:alpha val="72000"/>
+              </a:schemeClr>
+            </a:solidFill>
+            <a:ln>
+              <a:noFill/>
+            </a:ln>
+            <a:effectLst/>
+          </p:spPr>
+          <p:style>
+            <a:lnRef idx="1">
+              <a:schemeClr val="accent1"/>
+            </a:lnRef>
+            <a:fillRef idx="3">
+              <a:schemeClr val="accent1"/>
+            </a:fillRef>
+            <a:effectRef idx="2">
+              <a:schemeClr val="accent1"/>
+            </a:effectRef>
+            <a:fontRef idx="minor">
+              <a:schemeClr val="lt1"/>
+            </a:fontRef>
+          </p:style>
+        </p:sp>
+        <p:sp>
+          <p:nvSpPr>
+            <p:cNvPr id="28" name="Rectangle 27"/>
+            <p:cNvSpPr/>
+            <p:nvPr/>
+          </p:nvSpPr>
+          <p:spPr>
+            <a:xfrm>
+              <a:off x="9334500" y="-8467"/>
+              <a:ext cx="2854326" cy="6866467"/>
+            </a:xfrm>
+            <a:custGeom>
+              <a:avLst/>
+              <a:gdLst/>
+              <a:ahLst/>
+              <a:cxnLst/>
+              <a:rect l="l" t="t" r="r" b="b"/>
+              <a:pathLst>
+                <a:path w="2858013" h="6866467">
+                  <a:moveTo>
+                    <a:pt x="0" y="0"/>
+                  </a:moveTo>
+                  <a:lnTo>
+                    <a:pt x="2858013" y="0"/>
+                  </a:lnTo>
+                  <a:lnTo>
+                    <a:pt x="2858013" y="6866467"/>
+                  </a:lnTo>
+                  <a:lnTo>
+                    <a:pt x="2473942" y="6866467"/>
+                  </a:lnTo>
+                  <a:lnTo>
+                    <a:pt x="0" y="0"/>
+                  </a:lnTo>
+                  <a:close/>
+                </a:path>
+              </a:pathLst>
+            </a:custGeom>
+            <a:solidFill>
+              <a:schemeClr val="accent2">
+                <a:lumMod val="75000"/>
+                <a:alpha val="70000"/>
+              </a:schemeClr>
+            </a:solidFill>
+            <a:ln>
+              <a:noFill/>
+            </a:ln>
+            <a:effectLst/>
+          </p:spPr>
+          <p:style>
+            <a:lnRef idx="1">
+              <a:schemeClr val="accent1"/>
+            </a:lnRef>
+            <a:fillRef idx="3">
+              <a:schemeClr val="accent1"/>
+            </a:fillRef>
+            <a:effectRef idx="2">
+              <a:schemeClr val="accent1"/>
+            </a:effectRef>
+            <a:fontRef idx="minor">
+              <a:schemeClr val="lt1"/>
+            </a:fontRef>
+          </p:style>
+        </p:sp>
+        <p:sp>
+          <p:nvSpPr>
+            <p:cNvPr id="29" name="Rectangle 28"/>
+            <p:cNvSpPr/>
+            <p:nvPr/>
+          </p:nvSpPr>
+          <p:spPr>
+            <a:xfrm>
+              <a:off x="10898730" y="-8467"/>
+              <a:ext cx="1290094" cy="6866467"/>
+            </a:xfrm>
+            <a:custGeom>
+              <a:avLst/>
+              <a:gdLst/>
+              <a:ahLst/>
+              <a:cxnLst/>
+              <a:rect l="l" t="t" r="r" b="b"/>
+              <a:pathLst>
+                <a:path w="1290094" h="6858000">
+                  <a:moveTo>
+                    <a:pt x="1019735" y="0"/>
+                  </a:moveTo>
+                  <a:lnTo>
+                    <a:pt x="1290094" y="0"/>
+                  </a:lnTo>
+                  <a:lnTo>
+                    <a:pt x="1290094" y="6858000"/>
+                  </a:lnTo>
+                  <a:lnTo>
+                    <a:pt x="0" y="6858000"/>
+                  </a:lnTo>
+                  <a:lnTo>
+                    <a:pt x="1019735" y="0"/>
+                  </a:lnTo>
+                  <a:close/>
+                </a:path>
+              </a:pathLst>
+            </a:custGeom>
+            <a:solidFill>
+              <a:schemeClr val="accent1">
+                <a:lumMod val="60000"/>
+                <a:lumOff val="40000"/>
+                <a:alpha val="70000"/>
+              </a:schemeClr>
+            </a:solidFill>
+            <a:ln>
+              <a:noFill/>
+            </a:ln>
+            <a:effectLst/>
+          </p:spPr>
+          <p:style>
+            <a:lnRef idx="1">
+              <a:schemeClr val="accent1"/>
+            </a:lnRef>
+            <a:fillRef idx="3">
+              <a:schemeClr val="accent1"/>
+            </a:fillRef>
+            <a:effectRef idx="2">
+              <a:schemeClr val="accent1"/>
+            </a:effectRef>
+            <a:fontRef idx="minor">
+              <a:schemeClr val="lt1"/>
+            </a:fontRef>
+          </p:style>
+        </p:sp>
+        <p:sp>
+          <p:nvSpPr>
+            <p:cNvPr id="30" name="Rectangle 29"/>
+            <p:cNvSpPr/>
+            <p:nvPr/>
+          </p:nvSpPr>
+          <p:spPr>
+            <a:xfrm>
+              <a:off x="10938999" y="-8467"/>
+              <a:ext cx="1249825" cy="6866467"/>
+            </a:xfrm>
+            <a:custGeom>
+              <a:avLst/>
+              <a:gdLst/>
+              <a:ahLst/>
+              <a:cxnLst/>
+              <a:rect l="l" t="t" r="r" b="b"/>
+              <a:pathLst>
+                <a:path w="1249825" h="6858000">
+                  <a:moveTo>
+                    <a:pt x="0" y="0"/>
+                  </a:moveTo>
+                  <a:lnTo>
+                    <a:pt x="1249825" y="0"/>
+                  </a:lnTo>
+                  <a:lnTo>
+                    <a:pt x="1249825" y="6858000"/>
+                  </a:lnTo>
+                  <a:lnTo>
+                    <a:pt x="1109382" y="6858000"/>
+                  </a:lnTo>
+                  <a:lnTo>
+                    <a:pt x="0" y="0"/>
+                  </a:lnTo>
+                  <a:close/>
+                </a:path>
+              </a:pathLst>
+            </a:custGeom>
+            <a:solidFill>
+              <a:schemeClr val="accent1">
+                <a:alpha val="65000"/>
+              </a:schemeClr>
+            </a:solidFill>
+            <a:ln>
+              <a:noFill/>
+            </a:ln>
+            <a:effectLst/>
+          </p:spPr>
+          <p:style>
+            <a:lnRef idx="1">
+              <a:schemeClr val="accent1"/>
+            </a:lnRef>
+            <a:fillRef idx="3">
+              <a:schemeClr val="accent1"/>
+            </a:fillRef>
+            <a:effectRef idx="2">
+              <a:schemeClr val="accent1"/>
+            </a:effectRef>
+            <a:fontRef idx="minor">
+              <a:schemeClr val="lt1"/>
+            </a:fontRef>
+          </p:style>
+        </p:sp>
+        <p:sp>
+          <p:nvSpPr>
+            <p:cNvPr id="31" name="Isosceles Triangle 30"/>
+            <p:cNvSpPr/>
+            <p:nvPr/>
+          </p:nvSpPr>
+          <p:spPr>
+            <a:xfrm>
+              <a:off x="10371666" y="3589867"/>
+              <a:ext cx="1817159" cy="3268133"/>
+            </a:xfrm>
+            <a:prstGeom prst="triangle">
+              <a:avLst>
+                <a:gd name="adj" fmla="val 100000"/>
+              </a:avLst>
+            </a:prstGeom>
+            <a:solidFill>
+              <a:schemeClr val="accent1">
+                <a:alpha val="80000"/>
+              </a:schemeClr>
+            </a:solidFill>
+            <a:ln>
+              <a:noFill/>
+            </a:ln>
+            <a:effectLst/>
+          </p:spPr>
+          <p:style>
+            <a:lnRef idx="1">
+              <a:schemeClr val="accent1"/>
+            </a:lnRef>
+            <a:fillRef idx="3">
+              <a:schemeClr val="accent1"/>
+            </a:fillRef>
+            <a:effectRef idx="2">
+              <a:schemeClr val="accent1"/>
+            </a:effectRef>
+            <a:fontRef idx="minor">
+              <a:schemeClr val="lt1"/>
+            </a:fontRef>
+          </p:style>
+        </p:sp>
+        <p:sp>
+          <p:nvSpPr>
+            <p:cNvPr id="19" name="Isosceles Triangle 18"/>
+            <p:cNvSpPr/>
+            <p:nvPr/>
+          </p:nvSpPr>
+          <p:spPr>
+            <a:xfrm rot="10800000">
+              <a:off x="0" y="0"/>
+              <a:ext cx="842596" cy="5666154"/>
+            </a:xfrm>
+            <a:prstGeom prst="triangle">
+              <a:avLst>
+                <a:gd name="adj" fmla="val 100000"/>
+              </a:avLst>
+            </a:prstGeom>
+            <a:solidFill>
+              <a:schemeClr val="accent1">
+                <a:alpha val="85000"/>
+              </a:schemeClr>
+            </a:solidFill>
+            <a:ln>
+              <a:noFill/>
+            </a:ln>
+            <a:effectLst/>
+          </p:spPr>
+          <p:style>
+            <a:lnRef idx="1">
+              <a:schemeClr val="accent1"/>
+            </a:lnRef>
+            <a:fillRef idx="3">
+              <a:schemeClr val="accent1"/>
+            </a:fillRef>
+            <a:effectRef idx="2">
+              <a:schemeClr val="accent1"/>
+            </a:effectRef>
+            <a:fontRef idx="minor">
+              <a:schemeClr val="lt1"/>
+            </a:fontRef>
+          </p:style>
+        </p:sp>
+      </p:grpSp>
+      <p:sp>
+        <p:nvSpPr>
+          <p:cNvPr id="2" name="Title 1"/>
           <p:cNvSpPr>
             <a:spLocks noGrp="1"/>
           </p:cNvSpPr>
@@ -624,34 +1149,35 @@
         </p:nvSpPr>
         <p:spPr>
           <a:xfrm>
-            <a:off x="1524000" y="1122363"/>
-            <a:ext cx="9144000" cy="2387600"/>
+            <a:off x="1507067" y="2404534"/>
+            <a:ext cx="7766936" cy="1646302"/>
           </a:xfrm>
         </p:spPr>
         <p:txBody>
-          <a:bodyPr anchor="b"/>
+          <a:bodyPr anchor="b">
+            <a:noAutofit/>
+          </a:bodyPr>
           <a:lstStyle>
-            <a:lvl1pPr algn="ctr">
-              <a:defRPr sz="6000"/>
+            <a:lvl1pPr algn="r">
+              <a:defRPr sz="5400">
+                <a:solidFill>
+                  <a:schemeClr val="accent1"/>
+                </a:solidFill>
+              </a:defRPr>
             </a:lvl1pPr>
           </a:lstStyle>
           <a:p>
             <a:r>
-              <a:rPr kumimoji="1" lang="ja-JP" altLang="en-US"/>
+              <a:rPr lang="ja-JP" altLang="en-US"/>
               <a:t>マスター タイトルの書式設定</a:t>
             </a:r>
-          </a:p>
-        </p:txBody>
-      </p:sp>
-      <p:sp>
-        <p:nvSpPr>
-          <p:cNvPr id="3" name="字幕 2">
-            <a:extLst>
-              <a:ext uri="{FF2B5EF4-FFF2-40B4-BE49-F238E27FC236}">
-                <a16:creationId xmlns:a16="http://schemas.microsoft.com/office/drawing/2014/main" id="{F3A5C355-619C-4986-8DAB-D0E44F8B75E2}"/>
-              </a:ext>
-            </a:extLst>
-          </p:cNvPr>
+            <a:endParaRPr lang="en-US" dirty="0"/>
+          </a:p>
+        </p:txBody>
+      </p:sp>
+      <p:sp>
+        <p:nvSpPr>
+          <p:cNvPr id="3" name="Subtitle 2"/>
           <p:cNvSpPr>
             <a:spLocks noGrp="1"/>
           </p:cNvSpPr>
@@ -661,67 +1187,117 @@
         </p:nvSpPr>
         <p:spPr>
           <a:xfrm>
-            <a:off x="1524000" y="3602038"/>
-            <a:ext cx="9144000" cy="1655762"/>
+            <a:off x="1507067" y="4050833"/>
+            <a:ext cx="7766936" cy="1096899"/>
           </a:xfrm>
         </p:spPr>
         <p:txBody>
-          <a:bodyPr/>
+          <a:bodyPr anchor="t"/>
           <a:lstStyle>
-            <a:lvl1pPr marL="0" indent="0" algn="ctr">
-              <a:buNone/>
-              <a:defRPr sz="2400"/>
+            <a:lvl1pPr marL="0" indent="0" algn="r">
+              <a:buNone/>
+              <a:defRPr>
+                <a:solidFill>
+                  <a:schemeClr val="tx1">
+                    <a:lumMod val="50000"/>
+                    <a:lumOff val="50000"/>
+                  </a:schemeClr>
+                </a:solidFill>
+              </a:defRPr>
             </a:lvl1pPr>
             <a:lvl2pPr marL="457200" indent="0" algn="ctr">
               <a:buNone/>
-              <a:defRPr sz="2000"/>
+              <a:defRPr>
+                <a:solidFill>
+                  <a:schemeClr val="tx1">
+                    <a:tint val="75000"/>
+                  </a:schemeClr>
+                </a:solidFill>
+              </a:defRPr>
             </a:lvl2pPr>
             <a:lvl3pPr marL="914400" indent="0" algn="ctr">
               <a:buNone/>
-              <a:defRPr sz="1800"/>
+              <a:defRPr>
+                <a:solidFill>
+                  <a:schemeClr val="tx1">
+                    <a:tint val="75000"/>
+                  </a:schemeClr>
+                </a:solidFill>
+              </a:defRPr>
             </a:lvl3pPr>
             <a:lvl4pPr marL="1371600" indent="0" algn="ctr">
               <a:buNone/>
-              <a:defRPr sz="1600"/>
+              <a:defRPr>
+                <a:solidFill>
+                  <a:schemeClr val="tx1">
+                    <a:tint val="75000"/>
+                  </a:schemeClr>
+                </a:solidFill>
+              </a:defRPr>
             </a:lvl4pPr>
             <a:lvl5pPr marL="1828800" indent="0" algn="ctr">
               <a:buNone/>
-              <a:defRPr sz="1600"/>
+              <a:defRPr>
+                <a:solidFill>
+                  <a:schemeClr val="tx1">
+                    <a:tint val="75000"/>
+                  </a:schemeClr>
+                </a:solidFill>
+              </a:defRPr>
             </a:lvl5pPr>
             <a:lvl6pPr marL="2286000" indent="0" algn="ctr">
               <a:buNone/>
-              <a:defRPr sz="1600"/>
+              <a:defRPr>
+                <a:solidFill>
+                  <a:schemeClr val="tx1">
+                    <a:tint val="75000"/>
+                  </a:schemeClr>
+                </a:solidFill>
+              </a:defRPr>
             </a:lvl6pPr>
             <a:lvl7pPr marL="2743200" indent="0" algn="ctr">
               <a:buNone/>
-              <a:defRPr sz="1600"/>
+              <a:defRPr>
+                <a:solidFill>
+                  <a:schemeClr val="tx1">
+                    <a:tint val="75000"/>
+                  </a:schemeClr>
+                </a:solidFill>
+              </a:defRPr>
             </a:lvl7pPr>
             <a:lvl8pPr marL="3200400" indent="0" algn="ctr">
               <a:buNone/>
-              <a:defRPr sz="1600"/>
+              <a:defRPr>
+                <a:solidFill>
+                  <a:schemeClr val="tx1">
+                    <a:tint val="75000"/>
+                  </a:schemeClr>
+                </a:solidFill>
+              </a:defRPr>
             </a:lvl8pPr>
             <a:lvl9pPr marL="3657600" indent="0" algn="ctr">
               <a:buNone/>
-              <a:defRPr sz="1600"/>
+              <a:defRPr>
+                <a:solidFill>
+                  <a:schemeClr val="tx1">
+                    <a:tint val="75000"/>
+                  </a:schemeClr>
+                </a:solidFill>
+              </a:defRPr>
             </a:lvl9pPr>
           </a:lstStyle>
           <a:p>
             <a:r>
-              <a:rPr kumimoji="1" lang="ja-JP" altLang="en-US"/>
+              <a:rPr lang="ja-JP" altLang="en-US"/>
               <a:t>マスター サブタイトルの書式設定</a:t>
             </a:r>
-          </a:p>
-        </p:txBody>
-      </p:sp>
-      <p:sp>
-        <p:nvSpPr>
-          <p:cNvPr id="4" name="日付プレースホルダー 3">
-            <a:extLst>
-              <a:ext uri="{FF2B5EF4-FFF2-40B4-BE49-F238E27FC236}">
-                <a16:creationId xmlns:a16="http://schemas.microsoft.com/office/drawing/2014/main" id="{083A9C35-D122-4C02-AC21-205E3CAACC29}"/>
-              </a:ext>
-            </a:extLst>
-          </p:cNvPr>
+            <a:endParaRPr lang="en-US" dirty="0"/>
+          </a:p>
+        </p:txBody>
+      </p:sp>
+      <p:sp>
+        <p:nvSpPr>
+          <p:cNvPr id="4" name="Date Placeholder 3"/>
           <p:cNvSpPr>
             <a:spLocks noGrp="1"/>
           </p:cNvSpPr>
@@ -744,13 +1320,7 @@
       </p:sp>
       <p:sp>
         <p:nvSpPr>
-          <p:cNvPr id="5" name="フッター プレースホルダー 4">
-            <a:extLst>
-              <a:ext uri="{FF2B5EF4-FFF2-40B4-BE49-F238E27FC236}">
-                <a16:creationId xmlns:a16="http://schemas.microsoft.com/office/drawing/2014/main" id="{24DC1552-1F98-40A4-888D-9AD7BAC790EE}"/>
-              </a:ext>
-            </a:extLst>
-          </p:cNvPr>
+          <p:cNvPr id="5" name="Footer Placeholder 4"/>
           <p:cNvSpPr>
             <a:spLocks noGrp="1"/>
           </p:cNvSpPr>
@@ -769,13 +1339,7 @@
       </p:sp>
       <p:sp>
         <p:nvSpPr>
-          <p:cNvPr id="6" name="スライド番号プレースホルダー 5">
-            <a:extLst>
-              <a:ext uri="{FF2B5EF4-FFF2-40B4-BE49-F238E27FC236}">
-                <a16:creationId xmlns:a16="http://schemas.microsoft.com/office/drawing/2014/main" id="{B719A4E8-FDDB-4D1B-AC39-305F2EC95DAB}"/>
-              </a:ext>
-            </a:extLst>
-          </p:cNvPr>
+          <p:cNvPr id="6" name="Slide Number Placeholder 5"/>
           <p:cNvSpPr>
             <a:spLocks noGrp="1"/>
           </p:cNvSpPr>
@@ -799,7 +1363,7 @@
     </p:spTree>
     <p:extLst>
       <p:ext uri="{BB962C8B-B14F-4D97-AF65-F5344CB8AC3E}">
-        <p14:creationId xmlns:p14="http://schemas.microsoft.com/office/powerpoint/2010/main" val="4040182352"/>
+        <p14:creationId xmlns:p14="http://schemas.microsoft.com/office/powerpoint/2010/main" val="3051938438"/>
       </p:ext>
     </p:extLst>
   </p:cSld>
@@ -810,6 +1374,1619 @@
 </file>
 
 <file path=ppt/slideLayouts/slideLayout10.xml><?xml version="1.0" encoding="utf-8"?>
+<p:sldLayout xmlns:a="http://schemas.openxmlformats.org/drawingml/2006/main" xmlns:r="http://schemas.openxmlformats.org/officeDocument/2006/relationships" xmlns:p="http://schemas.openxmlformats.org/presentationml/2006/main" preserve="1">
+  <p:cSld name="タイトルとキャプション">
+    <p:spTree>
+      <p:nvGrpSpPr>
+        <p:cNvPr id="1" name=""/>
+        <p:cNvGrpSpPr/>
+        <p:nvPr/>
+      </p:nvGrpSpPr>
+      <p:grpSpPr>
+        <a:xfrm>
+          <a:off x="0" y="0"/>
+          <a:ext cx="0" cy="0"/>
+          <a:chOff x="0" y="0"/>
+          <a:chExt cx="0" cy="0"/>
+        </a:xfrm>
+      </p:grpSpPr>
+      <p:sp>
+        <p:nvSpPr>
+          <p:cNvPr id="2" name="Title 1"/>
+          <p:cNvSpPr>
+            <a:spLocks noGrp="1"/>
+          </p:cNvSpPr>
+          <p:nvPr>
+            <p:ph type="title"/>
+          </p:nvPr>
+        </p:nvSpPr>
+        <p:spPr>
+          <a:xfrm>
+            <a:off x="677335" y="609600"/>
+            <a:ext cx="8596668" cy="3403600"/>
+          </a:xfrm>
+        </p:spPr>
+        <p:txBody>
+          <a:bodyPr anchor="ctr">
+            <a:normAutofit/>
+          </a:bodyPr>
+          <a:lstStyle>
+            <a:lvl1pPr algn="l">
+              <a:defRPr sz="4400" b="0" cap="none"/>
+            </a:lvl1pPr>
+          </a:lstStyle>
+          <a:p>
+            <a:r>
+              <a:rPr lang="ja-JP" altLang="en-US"/>
+              <a:t>マスター タイトルの書式設定</a:t>
+            </a:r>
+            <a:endParaRPr lang="en-US" dirty="0"/>
+          </a:p>
+        </p:txBody>
+      </p:sp>
+      <p:sp>
+        <p:nvSpPr>
+          <p:cNvPr id="3" name="Text Placeholder 2"/>
+          <p:cNvSpPr>
+            <a:spLocks noGrp="1"/>
+          </p:cNvSpPr>
+          <p:nvPr>
+            <p:ph type="body" idx="1"/>
+          </p:nvPr>
+        </p:nvSpPr>
+        <p:spPr>
+          <a:xfrm>
+            <a:off x="677335" y="4470400"/>
+            <a:ext cx="8596668" cy="1570962"/>
+          </a:xfrm>
+        </p:spPr>
+        <p:txBody>
+          <a:bodyPr anchor="ctr">
+            <a:normAutofit/>
+          </a:bodyPr>
+          <a:lstStyle>
+            <a:lvl1pPr marL="0" indent="0" algn="l">
+              <a:buNone/>
+              <a:defRPr sz="1800">
+                <a:solidFill>
+                  <a:schemeClr val="tx1">
+                    <a:lumMod val="75000"/>
+                    <a:lumOff val="25000"/>
+                  </a:schemeClr>
+                </a:solidFill>
+              </a:defRPr>
+            </a:lvl1pPr>
+            <a:lvl2pPr marL="457200" indent="0">
+              <a:buNone/>
+              <a:defRPr sz="1800">
+                <a:solidFill>
+                  <a:schemeClr val="tx1">
+                    <a:tint val="75000"/>
+                  </a:schemeClr>
+                </a:solidFill>
+              </a:defRPr>
+            </a:lvl2pPr>
+            <a:lvl3pPr marL="914400" indent="0">
+              <a:buNone/>
+              <a:defRPr sz="1600">
+                <a:solidFill>
+                  <a:schemeClr val="tx1">
+                    <a:tint val="75000"/>
+                  </a:schemeClr>
+                </a:solidFill>
+              </a:defRPr>
+            </a:lvl3pPr>
+            <a:lvl4pPr marL="1371600" indent="0">
+              <a:buNone/>
+              <a:defRPr sz="1400">
+                <a:solidFill>
+                  <a:schemeClr val="tx1">
+                    <a:tint val="75000"/>
+                  </a:schemeClr>
+                </a:solidFill>
+              </a:defRPr>
+            </a:lvl4pPr>
+            <a:lvl5pPr marL="1828800" indent="0">
+              <a:buNone/>
+              <a:defRPr sz="1400">
+                <a:solidFill>
+                  <a:schemeClr val="tx1">
+                    <a:tint val="75000"/>
+                  </a:schemeClr>
+                </a:solidFill>
+              </a:defRPr>
+            </a:lvl5pPr>
+            <a:lvl6pPr marL="2286000" indent="0">
+              <a:buNone/>
+              <a:defRPr sz="1400">
+                <a:solidFill>
+                  <a:schemeClr val="tx1">
+                    <a:tint val="75000"/>
+                  </a:schemeClr>
+                </a:solidFill>
+              </a:defRPr>
+            </a:lvl6pPr>
+            <a:lvl7pPr marL="2743200" indent="0">
+              <a:buNone/>
+              <a:defRPr sz="1400">
+                <a:solidFill>
+                  <a:schemeClr val="tx1">
+                    <a:tint val="75000"/>
+                  </a:schemeClr>
+                </a:solidFill>
+              </a:defRPr>
+            </a:lvl7pPr>
+            <a:lvl8pPr marL="3200400" indent="0">
+              <a:buNone/>
+              <a:defRPr sz="1400">
+                <a:solidFill>
+                  <a:schemeClr val="tx1">
+                    <a:tint val="75000"/>
+                  </a:schemeClr>
+                </a:solidFill>
+              </a:defRPr>
+            </a:lvl8pPr>
+            <a:lvl9pPr marL="3657600" indent="0">
+              <a:buNone/>
+              <a:defRPr sz="1400">
+                <a:solidFill>
+                  <a:schemeClr val="tx1">
+                    <a:tint val="75000"/>
+                  </a:schemeClr>
+                </a:solidFill>
+              </a:defRPr>
+            </a:lvl9pPr>
+          </a:lstStyle>
+          <a:p>
+            <a:pPr lvl="0"/>
+            <a:r>
+              <a:rPr lang="ja-JP" altLang="en-US"/>
+              <a:t>マスター テキストの書式設定</a:t>
+            </a:r>
+          </a:p>
+        </p:txBody>
+      </p:sp>
+      <p:sp>
+        <p:nvSpPr>
+          <p:cNvPr id="4" name="Date Placeholder 3"/>
+          <p:cNvSpPr>
+            <a:spLocks noGrp="1"/>
+          </p:cNvSpPr>
+          <p:nvPr>
+            <p:ph type="dt" sz="half" idx="10"/>
+          </p:nvPr>
+        </p:nvSpPr>
+        <p:spPr/>
+        <p:txBody>
+          <a:bodyPr/>
+          <a:lstStyle/>
+          <a:p>
+            <a:fld id="{2D3307F4-2003-445F-80EA-0A6F700AA6C1}" type="datetimeFigureOut">
+              <a:rPr kumimoji="1" lang="ja-JP" altLang="en-US" smtClean="0"/>
+              <a:t>2021/5/8</a:t>
+            </a:fld>
+            <a:endParaRPr kumimoji="1" lang="ja-JP" altLang="en-US"/>
+          </a:p>
+        </p:txBody>
+      </p:sp>
+      <p:sp>
+        <p:nvSpPr>
+          <p:cNvPr id="5" name="Footer Placeholder 4"/>
+          <p:cNvSpPr>
+            <a:spLocks noGrp="1"/>
+          </p:cNvSpPr>
+          <p:nvPr>
+            <p:ph type="ftr" sz="quarter" idx="11"/>
+          </p:nvPr>
+        </p:nvSpPr>
+        <p:spPr/>
+        <p:txBody>
+          <a:bodyPr/>
+          <a:lstStyle/>
+          <a:p>
+            <a:endParaRPr kumimoji="1" lang="ja-JP" altLang="en-US"/>
+          </a:p>
+        </p:txBody>
+      </p:sp>
+      <p:sp>
+        <p:nvSpPr>
+          <p:cNvPr id="6" name="Slide Number Placeholder 5"/>
+          <p:cNvSpPr>
+            <a:spLocks noGrp="1"/>
+          </p:cNvSpPr>
+          <p:nvPr>
+            <p:ph type="sldNum" sz="quarter" idx="12"/>
+          </p:nvPr>
+        </p:nvSpPr>
+        <p:spPr/>
+        <p:txBody>
+          <a:bodyPr/>
+          <a:lstStyle/>
+          <a:p>
+            <a:fld id="{90DBCB82-CD30-4D11-9E37-F5D5CB324EF5}" type="slidenum">
+              <a:rPr kumimoji="1" lang="ja-JP" altLang="en-US" smtClean="0"/>
+              <a:t>‹#›</a:t>
+            </a:fld>
+            <a:endParaRPr kumimoji="1" lang="ja-JP" altLang="en-US"/>
+          </a:p>
+        </p:txBody>
+      </p:sp>
+    </p:spTree>
+    <p:extLst>
+      <p:ext uri="{BB962C8B-B14F-4D97-AF65-F5344CB8AC3E}">
+        <p14:creationId xmlns:p14="http://schemas.microsoft.com/office/powerpoint/2010/main" val="4043802487"/>
+      </p:ext>
+    </p:extLst>
+  </p:cSld>
+  <p:clrMapOvr>
+    <a:masterClrMapping/>
+  </p:clrMapOvr>
+</p:sldLayout>
+</file>
+
+<file path=ppt/slideLayouts/slideLayout11.xml><?xml version="1.0" encoding="utf-8"?>
+<p:sldLayout xmlns:a="http://schemas.openxmlformats.org/drawingml/2006/main" xmlns:r="http://schemas.openxmlformats.org/officeDocument/2006/relationships" xmlns:p="http://schemas.openxmlformats.org/presentationml/2006/main" preserve="1">
+  <p:cSld name="引用 (キャプション付き)">
+    <p:spTree>
+      <p:nvGrpSpPr>
+        <p:cNvPr id="1" name=""/>
+        <p:cNvGrpSpPr/>
+        <p:nvPr/>
+      </p:nvGrpSpPr>
+      <p:grpSpPr>
+        <a:xfrm>
+          <a:off x="0" y="0"/>
+          <a:ext cx="0" cy="0"/>
+          <a:chOff x="0" y="0"/>
+          <a:chExt cx="0" cy="0"/>
+        </a:xfrm>
+      </p:grpSpPr>
+      <p:sp>
+        <p:nvSpPr>
+          <p:cNvPr id="2" name="Title 1"/>
+          <p:cNvSpPr>
+            <a:spLocks noGrp="1"/>
+          </p:cNvSpPr>
+          <p:nvPr>
+            <p:ph type="title"/>
+          </p:nvPr>
+        </p:nvSpPr>
+        <p:spPr>
+          <a:xfrm>
+            <a:off x="931334" y="609600"/>
+            <a:ext cx="8094134" cy="3022600"/>
+          </a:xfrm>
+        </p:spPr>
+        <p:txBody>
+          <a:bodyPr anchor="ctr">
+            <a:normAutofit/>
+          </a:bodyPr>
+          <a:lstStyle>
+            <a:lvl1pPr algn="l">
+              <a:defRPr sz="4400" b="0" cap="none"/>
+            </a:lvl1pPr>
+          </a:lstStyle>
+          <a:p>
+            <a:r>
+              <a:rPr lang="ja-JP" altLang="en-US"/>
+              <a:t>マスター タイトルの書式設定</a:t>
+            </a:r>
+            <a:endParaRPr lang="en-US" dirty="0"/>
+          </a:p>
+        </p:txBody>
+      </p:sp>
+      <p:sp>
+        <p:nvSpPr>
+          <p:cNvPr id="23" name="Text Placeholder 9"/>
+          <p:cNvSpPr>
+            <a:spLocks noGrp="1"/>
+          </p:cNvSpPr>
+          <p:nvPr>
+            <p:ph type="body" sz="quarter" idx="13"/>
+          </p:nvPr>
+        </p:nvSpPr>
+        <p:spPr>
+          <a:xfrm>
+            <a:off x="1366139" y="3632200"/>
+            <a:ext cx="7224524" cy="381000"/>
+          </a:xfrm>
+        </p:spPr>
+        <p:txBody>
+          <a:bodyPr anchor="ctr">
+            <a:noAutofit/>
+          </a:bodyPr>
+          <a:lstStyle>
+            <a:lvl1pPr marL="0" indent="0">
+              <a:buFontTx/>
+              <a:buNone/>
+              <a:defRPr sz="1600">
+                <a:solidFill>
+                  <a:schemeClr val="tx1">
+                    <a:lumMod val="50000"/>
+                    <a:lumOff val="50000"/>
+                  </a:schemeClr>
+                </a:solidFill>
+              </a:defRPr>
+            </a:lvl1pPr>
+            <a:lvl2pPr marL="457200" indent="0">
+              <a:buFontTx/>
+              <a:buNone/>
+              <a:defRPr/>
+            </a:lvl2pPr>
+            <a:lvl3pPr marL="914400" indent="0">
+              <a:buFontTx/>
+              <a:buNone/>
+              <a:defRPr/>
+            </a:lvl3pPr>
+            <a:lvl4pPr marL="1371600" indent="0">
+              <a:buFontTx/>
+              <a:buNone/>
+              <a:defRPr/>
+            </a:lvl4pPr>
+            <a:lvl5pPr marL="1828800" indent="0">
+              <a:buFontTx/>
+              <a:buNone/>
+              <a:defRPr/>
+            </a:lvl5pPr>
+          </a:lstStyle>
+          <a:p>
+            <a:pPr lvl="0"/>
+            <a:r>
+              <a:rPr lang="ja-JP" altLang="en-US"/>
+              <a:t>マスター テキストの書式設定</a:t>
+            </a:r>
+          </a:p>
+        </p:txBody>
+      </p:sp>
+      <p:sp>
+        <p:nvSpPr>
+          <p:cNvPr id="3" name="Text Placeholder 2"/>
+          <p:cNvSpPr>
+            <a:spLocks noGrp="1"/>
+          </p:cNvSpPr>
+          <p:nvPr>
+            <p:ph type="body" idx="1"/>
+          </p:nvPr>
+        </p:nvSpPr>
+        <p:spPr>
+          <a:xfrm>
+            <a:off x="677335" y="4470400"/>
+            <a:ext cx="8596668" cy="1570962"/>
+          </a:xfrm>
+        </p:spPr>
+        <p:txBody>
+          <a:bodyPr anchor="ctr">
+            <a:normAutofit/>
+          </a:bodyPr>
+          <a:lstStyle>
+            <a:lvl1pPr marL="0" indent="0" algn="l">
+              <a:buNone/>
+              <a:defRPr sz="1800">
+                <a:solidFill>
+                  <a:schemeClr val="tx1">
+                    <a:lumMod val="75000"/>
+                    <a:lumOff val="25000"/>
+                  </a:schemeClr>
+                </a:solidFill>
+              </a:defRPr>
+            </a:lvl1pPr>
+            <a:lvl2pPr marL="457200" indent="0">
+              <a:buNone/>
+              <a:defRPr sz="1800">
+                <a:solidFill>
+                  <a:schemeClr val="tx1">
+                    <a:tint val="75000"/>
+                  </a:schemeClr>
+                </a:solidFill>
+              </a:defRPr>
+            </a:lvl2pPr>
+            <a:lvl3pPr marL="914400" indent="0">
+              <a:buNone/>
+              <a:defRPr sz="1600">
+                <a:solidFill>
+                  <a:schemeClr val="tx1">
+                    <a:tint val="75000"/>
+                  </a:schemeClr>
+                </a:solidFill>
+              </a:defRPr>
+            </a:lvl3pPr>
+            <a:lvl4pPr marL="1371600" indent="0">
+              <a:buNone/>
+              <a:defRPr sz="1400">
+                <a:solidFill>
+                  <a:schemeClr val="tx1">
+                    <a:tint val="75000"/>
+                  </a:schemeClr>
+                </a:solidFill>
+              </a:defRPr>
+            </a:lvl4pPr>
+            <a:lvl5pPr marL="1828800" indent="0">
+              <a:buNone/>
+              <a:defRPr sz="1400">
+                <a:solidFill>
+                  <a:schemeClr val="tx1">
+                    <a:tint val="75000"/>
+                  </a:schemeClr>
+                </a:solidFill>
+              </a:defRPr>
+            </a:lvl5pPr>
+            <a:lvl6pPr marL="2286000" indent="0">
+              <a:buNone/>
+              <a:defRPr sz="1400">
+                <a:solidFill>
+                  <a:schemeClr val="tx1">
+                    <a:tint val="75000"/>
+                  </a:schemeClr>
+                </a:solidFill>
+              </a:defRPr>
+            </a:lvl6pPr>
+            <a:lvl7pPr marL="2743200" indent="0">
+              <a:buNone/>
+              <a:defRPr sz="1400">
+                <a:solidFill>
+                  <a:schemeClr val="tx1">
+                    <a:tint val="75000"/>
+                  </a:schemeClr>
+                </a:solidFill>
+              </a:defRPr>
+            </a:lvl7pPr>
+            <a:lvl8pPr marL="3200400" indent="0">
+              <a:buNone/>
+              <a:defRPr sz="1400">
+                <a:solidFill>
+                  <a:schemeClr val="tx1">
+                    <a:tint val="75000"/>
+                  </a:schemeClr>
+                </a:solidFill>
+              </a:defRPr>
+            </a:lvl8pPr>
+            <a:lvl9pPr marL="3657600" indent="0">
+              <a:buNone/>
+              <a:defRPr sz="1400">
+                <a:solidFill>
+                  <a:schemeClr val="tx1">
+                    <a:tint val="75000"/>
+                  </a:schemeClr>
+                </a:solidFill>
+              </a:defRPr>
+            </a:lvl9pPr>
+          </a:lstStyle>
+          <a:p>
+            <a:pPr lvl="0"/>
+            <a:r>
+              <a:rPr lang="ja-JP" altLang="en-US"/>
+              <a:t>マスター テキストの書式設定</a:t>
+            </a:r>
+          </a:p>
+        </p:txBody>
+      </p:sp>
+      <p:sp>
+        <p:nvSpPr>
+          <p:cNvPr id="4" name="Date Placeholder 3"/>
+          <p:cNvSpPr>
+            <a:spLocks noGrp="1"/>
+          </p:cNvSpPr>
+          <p:nvPr>
+            <p:ph type="dt" sz="half" idx="10"/>
+          </p:nvPr>
+        </p:nvSpPr>
+        <p:spPr/>
+        <p:txBody>
+          <a:bodyPr/>
+          <a:lstStyle/>
+          <a:p>
+            <a:fld id="{2D3307F4-2003-445F-80EA-0A6F700AA6C1}" type="datetimeFigureOut">
+              <a:rPr kumimoji="1" lang="ja-JP" altLang="en-US" smtClean="0"/>
+              <a:t>2021/5/8</a:t>
+            </a:fld>
+            <a:endParaRPr kumimoji="1" lang="ja-JP" altLang="en-US"/>
+          </a:p>
+        </p:txBody>
+      </p:sp>
+      <p:sp>
+        <p:nvSpPr>
+          <p:cNvPr id="5" name="Footer Placeholder 4"/>
+          <p:cNvSpPr>
+            <a:spLocks noGrp="1"/>
+          </p:cNvSpPr>
+          <p:nvPr>
+            <p:ph type="ftr" sz="quarter" idx="11"/>
+          </p:nvPr>
+        </p:nvSpPr>
+        <p:spPr/>
+        <p:txBody>
+          <a:bodyPr/>
+          <a:lstStyle/>
+          <a:p>
+            <a:endParaRPr kumimoji="1" lang="ja-JP" altLang="en-US"/>
+          </a:p>
+        </p:txBody>
+      </p:sp>
+      <p:sp>
+        <p:nvSpPr>
+          <p:cNvPr id="6" name="Slide Number Placeholder 5"/>
+          <p:cNvSpPr>
+            <a:spLocks noGrp="1"/>
+          </p:cNvSpPr>
+          <p:nvPr>
+            <p:ph type="sldNum" sz="quarter" idx="12"/>
+          </p:nvPr>
+        </p:nvSpPr>
+        <p:spPr/>
+        <p:txBody>
+          <a:bodyPr/>
+          <a:lstStyle/>
+          <a:p>
+            <a:fld id="{90DBCB82-CD30-4D11-9E37-F5D5CB324EF5}" type="slidenum">
+              <a:rPr kumimoji="1" lang="ja-JP" altLang="en-US" smtClean="0"/>
+              <a:t>‹#›</a:t>
+            </a:fld>
+            <a:endParaRPr kumimoji="1" lang="ja-JP" altLang="en-US"/>
+          </a:p>
+        </p:txBody>
+      </p:sp>
+      <p:sp>
+        <p:nvSpPr>
+          <p:cNvPr id="20" name="TextBox 19"/>
+          <p:cNvSpPr txBox="1"/>
+          <p:nvPr/>
+        </p:nvSpPr>
+        <p:spPr>
+          <a:xfrm>
+            <a:off x="541870" y="790378"/>
+            <a:ext cx="609600" cy="584776"/>
+          </a:xfrm>
+          <a:prstGeom prst="rect">
+            <a:avLst/>
+          </a:prstGeom>
+        </p:spPr>
+        <p:txBody>
+          <a:bodyPr vert="horz" lIns="91440" tIns="45720" rIns="91440" bIns="45720" rtlCol="0" anchor="ctr">
+            <a:noAutofit/>
+          </a:bodyPr>
+          <a:lstStyle/>
+          <a:p>
+            <a:pPr lvl="0"/>
+            <a:r>
+              <a:rPr lang="en-US" sz="8000" baseline="0" dirty="0">
+                <a:ln w="3175" cmpd="sng">
+                  <a:noFill/>
+                </a:ln>
+                <a:solidFill>
+                  <a:schemeClr val="accent1">
+                    <a:lumMod val="60000"/>
+                    <a:lumOff val="40000"/>
+                  </a:schemeClr>
+                </a:solidFill>
+                <a:effectLst/>
+                <a:latin typeface="Arial"/>
+              </a:rPr>
+              <a:t>“</a:t>
+            </a:r>
+          </a:p>
+        </p:txBody>
+      </p:sp>
+      <p:sp>
+        <p:nvSpPr>
+          <p:cNvPr id="22" name="TextBox 21"/>
+          <p:cNvSpPr txBox="1"/>
+          <p:nvPr/>
+        </p:nvSpPr>
+        <p:spPr>
+          <a:xfrm>
+            <a:off x="8893011" y="2886556"/>
+            <a:ext cx="609600" cy="584776"/>
+          </a:xfrm>
+          <a:prstGeom prst="rect">
+            <a:avLst/>
+          </a:prstGeom>
+        </p:spPr>
+        <p:txBody>
+          <a:bodyPr vert="horz" lIns="91440" tIns="45720" rIns="91440" bIns="45720" rtlCol="0" anchor="ctr">
+            <a:noAutofit/>
+          </a:bodyPr>
+          <a:lstStyle/>
+          <a:p>
+            <a:pPr lvl="0"/>
+            <a:r>
+              <a:rPr lang="en-US" sz="8000" baseline="0" dirty="0">
+                <a:ln w="3175" cmpd="sng">
+                  <a:noFill/>
+                </a:ln>
+                <a:solidFill>
+                  <a:schemeClr val="accent1">
+                    <a:lumMod val="60000"/>
+                    <a:lumOff val="40000"/>
+                  </a:schemeClr>
+                </a:solidFill>
+                <a:latin typeface="Arial"/>
+              </a:rPr>
+              <a:t>”</a:t>
+            </a:r>
+            <a:endParaRPr lang="en-US" dirty="0">
+              <a:solidFill>
+                <a:schemeClr val="accent1">
+                  <a:lumMod val="60000"/>
+                  <a:lumOff val="40000"/>
+                </a:schemeClr>
+              </a:solidFill>
+              <a:latin typeface="Arial"/>
+            </a:endParaRPr>
+          </a:p>
+        </p:txBody>
+      </p:sp>
+    </p:spTree>
+    <p:extLst>
+      <p:ext uri="{BB962C8B-B14F-4D97-AF65-F5344CB8AC3E}">
+        <p14:creationId xmlns:p14="http://schemas.microsoft.com/office/powerpoint/2010/main" val="146076772"/>
+      </p:ext>
+    </p:extLst>
+  </p:cSld>
+  <p:clrMapOvr>
+    <a:masterClrMapping/>
+  </p:clrMapOvr>
+</p:sldLayout>
+</file>
+
+<file path=ppt/slideLayouts/slideLayout12.xml><?xml version="1.0" encoding="utf-8"?>
+<p:sldLayout xmlns:a="http://schemas.openxmlformats.org/drawingml/2006/main" xmlns:r="http://schemas.openxmlformats.org/officeDocument/2006/relationships" xmlns:p="http://schemas.openxmlformats.org/presentationml/2006/main" preserve="1">
+  <p:cSld name="名札">
+    <p:spTree>
+      <p:nvGrpSpPr>
+        <p:cNvPr id="1" name=""/>
+        <p:cNvGrpSpPr/>
+        <p:nvPr/>
+      </p:nvGrpSpPr>
+      <p:grpSpPr>
+        <a:xfrm>
+          <a:off x="0" y="0"/>
+          <a:ext cx="0" cy="0"/>
+          <a:chOff x="0" y="0"/>
+          <a:chExt cx="0" cy="0"/>
+        </a:xfrm>
+      </p:grpSpPr>
+      <p:sp>
+        <p:nvSpPr>
+          <p:cNvPr id="2" name="Title 1"/>
+          <p:cNvSpPr>
+            <a:spLocks noGrp="1"/>
+          </p:cNvSpPr>
+          <p:nvPr>
+            <p:ph type="title"/>
+          </p:nvPr>
+        </p:nvSpPr>
+        <p:spPr>
+          <a:xfrm>
+            <a:off x="677335" y="1931988"/>
+            <a:ext cx="8596668" cy="2595460"/>
+          </a:xfrm>
+        </p:spPr>
+        <p:txBody>
+          <a:bodyPr anchor="b">
+            <a:normAutofit/>
+          </a:bodyPr>
+          <a:lstStyle>
+            <a:lvl1pPr algn="l">
+              <a:defRPr sz="4400" b="0" cap="none"/>
+            </a:lvl1pPr>
+          </a:lstStyle>
+          <a:p>
+            <a:r>
+              <a:rPr lang="ja-JP" altLang="en-US"/>
+              <a:t>マスター タイトルの書式設定</a:t>
+            </a:r>
+            <a:endParaRPr lang="en-US" dirty="0"/>
+          </a:p>
+        </p:txBody>
+      </p:sp>
+      <p:sp>
+        <p:nvSpPr>
+          <p:cNvPr id="3" name="Text Placeholder 2"/>
+          <p:cNvSpPr>
+            <a:spLocks noGrp="1"/>
+          </p:cNvSpPr>
+          <p:nvPr>
+            <p:ph type="body" idx="1"/>
+          </p:nvPr>
+        </p:nvSpPr>
+        <p:spPr>
+          <a:xfrm>
+            <a:off x="677335" y="4527448"/>
+            <a:ext cx="8596668" cy="1513914"/>
+          </a:xfrm>
+        </p:spPr>
+        <p:txBody>
+          <a:bodyPr anchor="t">
+            <a:normAutofit/>
+          </a:bodyPr>
+          <a:lstStyle>
+            <a:lvl1pPr marL="0" indent="0" algn="l">
+              <a:buNone/>
+              <a:defRPr sz="1800">
+                <a:solidFill>
+                  <a:schemeClr val="tx1">
+                    <a:lumMod val="75000"/>
+                    <a:lumOff val="25000"/>
+                  </a:schemeClr>
+                </a:solidFill>
+              </a:defRPr>
+            </a:lvl1pPr>
+            <a:lvl2pPr marL="457200" indent="0">
+              <a:buNone/>
+              <a:defRPr sz="1800">
+                <a:solidFill>
+                  <a:schemeClr val="tx1">
+                    <a:tint val="75000"/>
+                  </a:schemeClr>
+                </a:solidFill>
+              </a:defRPr>
+            </a:lvl2pPr>
+            <a:lvl3pPr marL="914400" indent="0">
+              <a:buNone/>
+              <a:defRPr sz="1600">
+                <a:solidFill>
+                  <a:schemeClr val="tx1">
+                    <a:tint val="75000"/>
+                  </a:schemeClr>
+                </a:solidFill>
+              </a:defRPr>
+            </a:lvl3pPr>
+            <a:lvl4pPr marL="1371600" indent="0">
+              <a:buNone/>
+              <a:defRPr sz="1400">
+                <a:solidFill>
+                  <a:schemeClr val="tx1">
+                    <a:tint val="75000"/>
+                  </a:schemeClr>
+                </a:solidFill>
+              </a:defRPr>
+            </a:lvl4pPr>
+            <a:lvl5pPr marL="1828800" indent="0">
+              <a:buNone/>
+              <a:defRPr sz="1400">
+                <a:solidFill>
+                  <a:schemeClr val="tx1">
+                    <a:tint val="75000"/>
+                  </a:schemeClr>
+                </a:solidFill>
+              </a:defRPr>
+            </a:lvl5pPr>
+            <a:lvl6pPr marL="2286000" indent="0">
+              <a:buNone/>
+              <a:defRPr sz="1400">
+                <a:solidFill>
+                  <a:schemeClr val="tx1">
+                    <a:tint val="75000"/>
+                  </a:schemeClr>
+                </a:solidFill>
+              </a:defRPr>
+            </a:lvl6pPr>
+            <a:lvl7pPr marL="2743200" indent="0">
+              <a:buNone/>
+              <a:defRPr sz="1400">
+                <a:solidFill>
+                  <a:schemeClr val="tx1">
+                    <a:tint val="75000"/>
+                  </a:schemeClr>
+                </a:solidFill>
+              </a:defRPr>
+            </a:lvl7pPr>
+            <a:lvl8pPr marL="3200400" indent="0">
+              <a:buNone/>
+              <a:defRPr sz="1400">
+                <a:solidFill>
+                  <a:schemeClr val="tx1">
+                    <a:tint val="75000"/>
+                  </a:schemeClr>
+                </a:solidFill>
+              </a:defRPr>
+            </a:lvl8pPr>
+            <a:lvl9pPr marL="3657600" indent="0">
+              <a:buNone/>
+              <a:defRPr sz="1400">
+                <a:solidFill>
+                  <a:schemeClr val="tx1">
+                    <a:tint val="75000"/>
+                  </a:schemeClr>
+                </a:solidFill>
+              </a:defRPr>
+            </a:lvl9pPr>
+          </a:lstStyle>
+          <a:p>
+            <a:pPr lvl="0"/>
+            <a:r>
+              <a:rPr lang="ja-JP" altLang="en-US"/>
+              <a:t>マスター テキストの書式設定</a:t>
+            </a:r>
+          </a:p>
+        </p:txBody>
+      </p:sp>
+      <p:sp>
+        <p:nvSpPr>
+          <p:cNvPr id="4" name="Date Placeholder 3"/>
+          <p:cNvSpPr>
+            <a:spLocks noGrp="1"/>
+          </p:cNvSpPr>
+          <p:nvPr>
+            <p:ph type="dt" sz="half" idx="10"/>
+          </p:nvPr>
+        </p:nvSpPr>
+        <p:spPr/>
+        <p:txBody>
+          <a:bodyPr/>
+          <a:lstStyle/>
+          <a:p>
+            <a:fld id="{2D3307F4-2003-445F-80EA-0A6F700AA6C1}" type="datetimeFigureOut">
+              <a:rPr kumimoji="1" lang="ja-JP" altLang="en-US" smtClean="0"/>
+              <a:t>2021/5/8</a:t>
+            </a:fld>
+            <a:endParaRPr kumimoji="1" lang="ja-JP" altLang="en-US"/>
+          </a:p>
+        </p:txBody>
+      </p:sp>
+      <p:sp>
+        <p:nvSpPr>
+          <p:cNvPr id="5" name="Footer Placeholder 4"/>
+          <p:cNvSpPr>
+            <a:spLocks noGrp="1"/>
+          </p:cNvSpPr>
+          <p:nvPr>
+            <p:ph type="ftr" sz="quarter" idx="11"/>
+          </p:nvPr>
+        </p:nvSpPr>
+        <p:spPr/>
+        <p:txBody>
+          <a:bodyPr/>
+          <a:lstStyle/>
+          <a:p>
+            <a:endParaRPr kumimoji="1" lang="ja-JP" altLang="en-US"/>
+          </a:p>
+        </p:txBody>
+      </p:sp>
+      <p:sp>
+        <p:nvSpPr>
+          <p:cNvPr id="6" name="Slide Number Placeholder 5"/>
+          <p:cNvSpPr>
+            <a:spLocks noGrp="1"/>
+          </p:cNvSpPr>
+          <p:nvPr>
+            <p:ph type="sldNum" sz="quarter" idx="12"/>
+          </p:nvPr>
+        </p:nvSpPr>
+        <p:spPr/>
+        <p:txBody>
+          <a:bodyPr/>
+          <a:lstStyle/>
+          <a:p>
+            <a:fld id="{90DBCB82-CD30-4D11-9E37-F5D5CB324EF5}" type="slidenum">
+              <a:rPr kumimoji="1" lang="ja-JP" altLang="en-US" smtClean="0"/>
+              <a:t>‹#›</a:t>
+            </a:fld>
+            <a:endParaRPr kumimoji="1" lang="ja-JP" altLang="en-US"/>
+          </a:p>
+        </p:txBody>
+      </p:sp>
+    </p:spTree>
+    <p:extLst>
+      <p:ext uri="{BB962C8B-B14F-4D97-AF65-F5344CB8AC3E}">
+        <p14:creationId xmlns:p14="http://schemas.microsoft.com/office/powerpoint/2010/main" val="2112545803"/>
+      </p:ext>
+    </p:extLst>
+  </p:cSld>
+  <p:clrMapOvr>
+    <a:masterClrMapping/>
+  </p:clrMapOvr>
+</p:sldLayout>
+</file>
+
+<file path=ppt/slideLayouts/slideLayout13.xml><?xml version="1.0" encoding="utf-8"?>
+<p:sldLayout xmlns:a="http://schemas.openxmlformats.org/drawingml/2006/main" xmlns:r="http://schemas.openxmlformats.org/officeDocument/2006/relationships" xmlns:p="http://schemas.openxmlformats.org/presentationml/2006/main" preserve="1">
+  <p:cSld name="引用付きの名札">
+    <p:spTree>
+      <p:nvGrpSpPr>
+        <p:cNvPr id="1" name=""/>
+        <p:cNvGrpSpPr/>
+        <p:nvPr/>
+      </p:nvGrpSpPr>
+      <p:grpSpPr>
+        <a:xfrm>
+          <a:off x="0" y="0"/>
+          <a:ext cx="0" cy="0"/>
+          <a:chOff x="0" y="0"/>
+          <a:chExt cx="0" cy="0"/>
+        </a:xfrm>
+      </p:grpSpPr>
+      <p:sp>
+        <p:nvSpPr>
+          <p:cNvPr id="2" name="Title 1"/>
+          <p:cNvSpPr>
+            <a:spLocks noGrp="1"/>
+          </p:cNvSpPr>
+          <p:nvPr>
+            <p:ph type="title"/>
+          </p:nvPr>
+        </p:nvSpPr>
+        <p:spPr>
+          <a:xfrm>
+            <a:off x="931334" y="609600"/>
+            <a:ext cx="8094134" cy="3022600"/>
+          </a:xfrm>
+        </p:spPr>
+        <p:txBody>
+          <a:bodyPr anchor="ctr">
+            <a:normAutofit/>
+          </a:bodyPr>
+          <a:lstStyle>
+            <a:lvl1pPr algn="l">
+              <a:defRPr sz="4400" b="0" cap="none"/>
+            </a:lvl1pPr>
+          </a:lstStyle>
+          <a:p>
+            <a:r>
+              <a:rPr lang="ja-JP" altLang="en-US"/>
+              <a:t>マスター タイトルの書式設定</a:t>
+            </a:r>
+            <a:endParaRPr lang="en-US" dirty="0"/>
+          </a:p>
+        </p:txBody>
+      </p:sp>
+      <p:sp>
+        <p:nvSpPr>
+          <p:cNvPr id="23" name="Text Placeholder 9"/>
+          <p:cNvSpPr>
+            <a:spLocks noGrp="1"/>
+          </p:cNvSpPr>
+          <p:nvPr>
+            <p:ph type="body" sz="quarter" idx="13"/>
+          </p:nvPr>
+        </p:nvSpPr>
+        <p:spPr>
+          <a:xfrm>
+            <a:off x="677332" y="4013200"/>
+            <a:ext cx="8596669" cy="514248"/>
+          </a:xfrm>
+        </p:spPr>
+        <p:txBody>
+          <a:bodyPr anchor="b">
+            <a:noAutofit/>
+          </a:bodyPr>
+          <a:lstStyle>
+            <a:lvl1pPr marL="0" indent="0">
+              <a:buFontTx/>
+              <a:buNone/>
+              <a:defRPr sz="2400">
+                <a:solidFill>
+                  <a:schemeClr val="tx1">
+                    <a:lumMod val="75000"/>
+                    <a:lumOff val="25000"/>
+                  </a:schemeClr>
+                </a:solidFill>
+              </a:defRPr>
+            </a:lvl1pPr>
+            <a:lvl2pPr marL="457200" indent="0">
+              <a:buFontTx/>
+              <a:buNone/>
+              <a:defRPr/>
+            </a:lvl2pPr>
+            <a:lvl3pPr marL="914400" indent="0">
+              <a:buFontTx/>
+              <a:buNone/>
+              <a:defRPr/>
+            </a:lvl3pPr>
+            <a:lvl4pPr marL="1371600" indent="0">
+              <a:buFontTx/>
+              <a:buNone/>
+              <a:defRPr/>
+            </a:lvl4pPr>
+            <a:lvl5pPr marL="1828800" indent="0">
+              <a:buFontTx/>
+              <a:buNone/>
+              <a:defRPr/>
+            </a:lvl5pPr>
+          </a:lstStyle>
+          <a:p>
+            <a:pPr lvl="0"/>
+            <a:r>
+              <a:rPr lang="ja-JP" altLang="en-US"/>
+              <a:t>マスター テキストの書式設定</a:t>
+            </a:r>
+          </a:p>
+        </p:txBody>
+      </p:sp>
+      <p:sp>
+        <p:nvSpPr>
+          <p:cNvPr id="3" name="Text Placeholder 2"/>
+          <p:cNvSpPr>
+            <a:spLocks noGrp="1"/>
+          </p:cNvSpPr>
+          <p:nvPr>
+            <p:ph type="body" idx="1"/>
+          </p:nvPr>
+        </p:nvSpPr>
+        <p:spPr>
+          <a:xfrm>
+            <a:off x="677335" y="4527448"/>
+            <a:ext cx="8596668" cy="1513914"/>
+          </a:xfrm>
+        </p:spPr>
+        <p:txBody>
+          <a:bodyPr anchor="t">
+            <a:normAutofit/>
+          </a:bodyPr>
+          <a:lstStyle>
+            <a:lvl1pPr marL="0" indent="0" algn="l">
+              <a:buNone/>
+              <a:defRPr sz="1800">
+                <a:solidFill>
+                  <a:schemeClr val="tx1">
+                    <a:lumMod val="50000"/>
+                    <a:lumOff val="50000"/>
+                  </a:schemeClr>
+                </a:solidFill>
+              </a:defRPr>
+            </a:lvl1pPr>
+            <a:lvl2pPr marL="457200" indent="0">
+              <a:buNone/>
+              <a:defRPr sz="1800">
+                <a:solidFill>
+                  <a:schemeClr val="tx1">
+                    <a:tint val="75000"/>
+                  </a:schemeClr>
+                </a:solidFill>
+              </a:defRPr>
+            </a:lvl2pPr>
+            <a:lvl3pPr marL="914400" indent="0">
+              <a:buNone/>
+              <a:defRPr sz="1600">
+                <a:solidFill>
+                  <a:schemeClr val="tx1">
+                    <a:tint val="75000"/>
+                  </a:schemeClr>
+                </a:solidFill>
+              </a:defRPr>
+            </a:lvl3pPr>
+            <a:lvl4pPr marL="1371600" indent="0">
+              <a:buNone/>
+              <a:defRPr sz="1400">
+                <a:solidFill>
+                  <a:schemeClr val="tx1">
+                    <a:tint val="75000"/>
+                  </a:schemeClr>
+                </a:solidFill>
+              </a:defRPr>
+            </a:lvl4pPr>
+            <a:lvl5pPr marL="1828800" indent="0">
+              <a:buNone/>
+              <a:defRPr sz="1400">
+                <a:solidFill>
+                  <a:schemeClr val="tx1">
+                    <a:tint val="75000"/>
+                  </a:schemeClr>
+                </a:solidFill>
+              </a:defRPr>
+            </a:lvl5pPr>
+            <a:lvl6pPr marL="2286000" indent="0">
+              <a:buNone/>
+              <a:defRPr sz="1400">
+                <a:solidFill>
+                  <a:schemeClr val="tx1">
+                    <a:tint val="75000"/>
+                  </a:schemeClr>
+                </a:solidFill>
+              </a:defRPr>
+            </a:lvl6pPr>
+            <a:lvl7pPr marL="2743200" indent="0">
+              <a:buNone/>
+              <a:defRPr sz="1400">
+                <a:solidFill>
+                  <a:schemeClr val="tx1">
+                    <a:tint val="75000"/>
+                  </a:schemeClr>
+                </a:solidFill>
+              </a:defRPr>
+            </a:lvl7pPr>
+            <a:lvl8pPr marL="3200400" indent="0">
+              <a:buNone/>
+              <a:defRPr sz="1400">
+                <a:solidFill>
+                  <a:schemeClr val="tx1">
+                    <a:tint val="75000"/>
+                  </a:schemeClr>
+                </a:solidFill>
+              </a:defRPr>
+            </a:lvl8pPr>
+            <a:lvl9pPr marL="3657600" indent="0">
+              <a:buNone/>
+              <a:defRPr sz="1400">
+                <a:solidFill>
+                  <a:schemeClr val="tx1">
+                    <a:tint val="75000"/>
+                  </a:schemeClr>
+                </a:solidFill>
+              </a:defRPr>
+            </a:lvl9pPr>
+          </a:lstStyle>
+          <a:p>
+            <a:pPr lvl="0"/>
+            <a:r>
+              <a:rPr lang="ja-JP" altLang="en-US"/>
+              <a:t>マスター テキストの書式設定</a:t>
+            </a:r>
+          </a:p>
+        </p:txBody>
+      </p:sp>
+      <p:sp>
+        <p:nvSpPr>
+          <p:cNvPr id="4" name="Date Placeholder 3"/>
+          <p:cNvSpPr>
+            <a:spLocks noGrp="1"/>
+          </p:cNvSpPr>
+          <p:nvPr>
+            <p:ph type="dt" sz="half" idx="10"/>
+          </p:nvPr>
+        </p:nvSpPr>
+        <p:spPr/>
+        <p:txBody>
+          <a:bodyPr/>
+          <a:lstStyle/>
+          <a:p>
+            <a:fld id="{2D3307F4-2003-445F-80EA-0A6F700AA6C1}" type="datetimeFigureOut">
+              <a:rPr kumimoji="1" lang="ja-JP" altLang="en-US" smtClean="0"/>
+              <a:t>2021/5/8</a:t>
+            </a:fld>
+            <a:endParaRPr kumimoji="1" lang="ja-JP" altLang="en-US"/>
+          </a:p>
+        </p:txBody>
+      </p:sp>
+      <p:sp>
+        <p:nvSpPr>
+          <p:cNvPr id="5" name="Footer Placeholder 4"/>
+          <p:cNvSpPr>
+            <a:spLocks noGrp="1"/>
+          </p:cNvSpPr>
+          <p:nvPr>
+            <p:ph type="ftr" sz="quarter" idx="11"/>
+          </p:nvPr>
+        </p:nvSpPr>
+        <p:spPr/>
+        <p:txBody>
+          <a:bodyPr/>
+          <a:lstStyle/>
+          <a:p>
+            <a:endParaRPr kumimoji="1" lang="ja-JP" altLang="en-US"/>
+          </a:p>
+        </p:txBody>
+      </p:sp>
+      <p:sp>
+        <p:nvSpPr>
+          <p:cNvPr id="6" name="Slide Number Placeholder 5"/>
+          <p:cNvSpPr>
+            <a:spLocks noGrp="1"/>
+          </p:cNvSpPr>
+          <p:nvPr>
+            <p:ph type="sldNum" sz="quarter" idx="12"/>
+          </p:nvPr>
+        </p:nvSpPr>
+        <p:spPr/>
+        <p:txBody>
+          <a:bodyPr/>
+          <a:lstStyle/>
+          <a:p>
+            <a:fld id="{90DBCB82-CD30-4D11-9E37-F5D5CB324EF5}" type="slidenum">
+              <a:rPr kumimoji="1" lang="ja-JP" altLang="en-US" smtClean="0"/>
+              <a:t>‹#›</a:t>
+            </a:fld>
+            <a:endParaRPr kumimoji="1" lang="ja-JP" altLang="en-US"/>
+          </a:p>
+        </p:txBody>
+      </p:sp>
+      <p:sp>
+        <p:nvSpPr>
+          <p:cNvPr id="24" name="TextBox 23"/>
+          <p:cNvSpPr txBox="1"/>
+          <p:nvPr/>
+        </p:nvSpPr>
+        <p:spPr>
+          <a:xfrm>
+            <a:off x="541870" y="790378"/>
+            <a:ext cx="609600" cy="584776"/>
+          </a:xfrm>
+          <a:prstGeom prst="rect">
+            <a:avLst/>
+          </a:prstGeom>
+        </p:spPr>
+        <p:txBody>
+          <a:bodyPr vert="horz" lIns="91440" tIns="45720" rIns="91440" bIns="45720" rtlCol="0" anchor="ctr">
+            <a:noAutofit/>
+          </a:bodyPr>
+          <a:lstStyle/>
+          <a:p>
+            <a:pPr lvl="0"/>
+            <a:r>
+              <a:rPr lang="en-US" sz="8000" baseline="0" dirty="0">
+                <a:ln w="3175" cmpd="sng">
+                  <a:noFill/>
+                </a:ln>
+                <a:solidFill>
+                  <a:schemeClr val="accent1">
+                    <a:lumMod val="60000"/>
+                    <a:lumOff val="40000"/>
+                  </a:schemeClr>
+                </a:solidFill>
+                <a:effectLst/>
+                <a:latin typeface="Arial"/>
+              </a:rPr>
+              <a:t>“</a:t>
+            </a:r>
+          </a:p>
+        </p:txBody>
+      </p:sp>
+      <p:sp>
+        <p:nvSpPr>
+          <p:cNvPr id="25" name="TextBox 24"/>
+          <p:cNvSpPr txBox="1"/>
+          <p:nvPr/>
+        </p:nvSpPr>
+        <p:spPr>
+          <a:xfrm>
+            <a:off x="8893011" y="2886556"/>
+            <a:ext cx="609600" cy="584776"/>
+          </a:xfrm>
+          <a:prstGeom prst="rect">
+            <a:avLst/>
+          </a:prstGeom>
+        </p:spPr>
+        <p:txBody>
+          <a:bodyPr vert="horz" lIns="91440" tIns="45720" rIns="91440" bIns="45720" rtlCol="0" anchor="ctr">
+            <a:noAutofit/>
+          </a:bodyPr>
+          <a:lstStyle/>
+          <a:p>
+            <a:pPr lvl="0"/>
+            <a:r>
+              <a:rPr lang="en-US" sz="8000" baseline="0" dirty="0">
+                <a:ln w="3175" cmpd="sng">
+                  <a:noFill/>
+                </a:ln>
+                <a:solidFill>
+                  <a:schemeClr val="accent1">
+                    <a:lumMod val="60000"/>
+                    <a:lumOff val="40000"/>
+                  </a:schemeClr>
+                </a:solidFill>
+                <a:effectLst/>
+                <a:latin typeface="Arial"/>
+              </a:rPr>
+              <a:t>”</a:t>
+            </a:r>
+          </a:p>
+        </p:txBody>
+      </p:sp>
+    </p:spTree>
+    <p:extLst>
+      <p:ext uri="{BB962C8B-B14F-4D97-AF65-F5344CB8AC3E}">
+        <p14:creationId xmlns:p14="http://schemas.microsoft.com/office/powerpoint/2010/main" val="2772503258"/>
+      </p:ext>
+    </p:extLst>
+  </p:cSld>
+  <p:clrMapOvr>
+    <a:masterClrMapping/>
+  </p:clrMapOvr>
+</p:sldLayout>
+</file>
+
+<file path=ppt/slideLayouts/slideLayout14.xml><?xml version="1.0" encoding="utf-8"?>
+<p:sldLayout xmlns:a="http://schemas.openxmlformats.org/drawingml/2006/main" xmlns:r="http://schemas.openxmlformats.org/officeDocument/2006/relationships" xmlns:p="http://schemas.openxmlformats.org/presentationml/2006/main" preserve="1">
+  <p:cSld name="真または偽">
+    <p:spTree>
+      <p:nvGrpSpPr>
+        <p:cNvPr id="1" name=""/>
+        <p:cNvGrpSpPr/>
+        <p:nvPr/>
+      </p:nvGrpSpPr>
+      <p:grpSpPr>
+        <a:xfrm>
+          <a:off x="0" y="0"/>
+          <a:ext cx="0" cy="0"/>
+          <a:chOff x="0" y="0"/>
+          <a:chExt cx="0" cy="0"/>
+        </a:xfrm>
+      </p:grpSpPr>
+      <p:sp>
+        <p:nvSpPr>
+          <p:cNvPr id="2" name="Title 1"/>
+          <p:cNvSpPr>
+            <a:spLocks noGrp="1"/>
+          </p:cNvSpPr>
+          <p:nvPr>
+            <p:ph type="title"/>
+          </p:nvPr>
+        </p:nvSpPr>
+        <p:spPr>
+          <a:xfrm>
+            <a:off x="685799" y="609600"/>
+            <a:ext cx="8588203" cy="3022600"/>
+          </a:xfrm>
+        </p:spPr>
+        <p:txBody>
+          <a:bodyPr anchor="ctr">
+            <a:normAutofit/>
+          </a:bodyPr>
+          <a:lstStyle>
+            <a:lvl1pPr algn="l">
+              <a:defRPr sz="4400" b="0" cap="none"/>
+            </a:lvl1pPr>
+          </a:lstStyle>
+          <a:p>
+            <a:r>
+              <a:rPr lang="ja-JP" altLang="en-US"/>
+              <a:t>マスター タイトルの書式設定</a:t>
+            </a:r>
+            <a:endParaRPr lang="en-US" dirty="0"/>
+          </a:p>
+        </p:txBody>
+      </p:sp>
+      <p:sp>
+        <p:nvSpPr>
+          <p:cNvPr id="23" name="Text Placeholder 9"/>
+          <p:cNvSpPr>
+            <a:spLocks noGrp="1"/>
+          </p:cNvSpPr>
+          <p:nvPr>
+            <p:ph type="body" sz="quarter" idx="13"/>
+          </p:nvPr>
+        </p:nvSpPr>
+        <p:spPr>
+          <a:xfrm>
+            <a:off x="677332" y="4013200"/>
+            <a:ext cx="8596669" cy="514248"/>
+          </a:xfrm>
+        </p:spPr>
+        <p:txBody>
+          <a:bodyPr anchor="b">
+            <a:noAutofit/>
+          </a:bodyPr>
+          <a:lstStyle>
+            <a:lvl1pPr marL="0" indent="0">
+              <a:buFontTx/>
+              <a:buNone/>
+              <a:defRPr sz="2400">
+                <a:solidFill>
+                  <a:schemeClr val="accent1"/>
+                </a:solidFill>
+              </a:defRPr>
+            </a:lvl1pPr>
+            <a:lvl2pPr marL="457200" indent="0">
+              <a:buFontTx/>
+              <a:buNone/>
+              <a:defRPr/>
+            </a:lvl2pPr>
+            <a:lvl3pPr marL="914400" indent="0">
+              <a:buFontTx/>
+              <a:buNone/>
+              <a:defRPr/>
+            </a:lvl3pPr>
+            <a:lvl4pPr marL="1371600" indent="0">
+              <a:buFontTx/>
+              <a:buNone/>
+              <a:defRPr/>
+            </a:lvl4pPr>
+            <a:lvl5pPr marL="1828800" indent="0">
+              <a:buFontTx/>
+              <a:buNone/>
+              <a:defRPr/>
+            </a:lvl5pPr>
+          </a:lstStyle>
+          <a:p>
+            <a:pPr lvl="0"/>
+            <a:r>
+              <a:rPr lang="ja-JP" altLang="en-US"/>
+              <a:t>マスター テキストの書式設定</a:t>
+            </a:r>
+          </a:p>
+        </p:txBody>
+      </p:sp>
+      <p:sp>
+        <p:nvSpPr>
+          <p:cNvPr id="3" name="Text Placeholder 2"/>
+          <p:cNvSpPr>
+            <a:spLocks noGrp="1"/>
+          </p:cNvSpPr>
+          <p:nvPr>
+            <p:ph type="body" idx="1"/>
+          </p:nvPr>
+        </p:nvSpPr>
+        <p:spPr>
+          <a:xfrm>
+            <a:off x="677335" y="4527448"/>
+            <a:ext cx="8596668" cy="1513914"/>
+          </a:xfrm>
+        </p:spPr>
+        <p:txBody>
+          <a:bodyPr anchor="t">
+            <a:normAutofit/>
+          </a:bodyPr>
+          <a:lstStyle>
+            <a:lvl1pPr marL="0" indent="0" algn="l">
+              <a:buNone/>
+              <a:defRPr sz="1800">
+                <a:solidFill>
+                  <a:schemeClr val="tx1">
+                    <a:lumMod val="50000"/>
+                    <a:lumOff val="50000"/>
+                  </a:schemeClr>
+                </a:solidFill>
+              </a:defRPr>
+            </a:lvl1pPr>
+            <a:lvl2pPr marL="457200" indent="0">
+              <a:buNone/>
+              <a:defRPr sz="1800">
+                <a:solidFill>
+                  <a:schemeClr val="tx1">
+                    <a:tint val="75000"/>
+                  </a:schemeClr>
+                </a:solidFill>
+              </a:defRPr>
+            </a:lvl2pPr>
+            <a:lvl3pPr marL="914400" indent="0">
+              <a:buNone/>
+              <a:defRPr sz="1600">
+                <a:solidFill>
+                  <a:schemeClr val="tx1">
+                    <a:tint val="75000"/>
+                  </a:schemeClr>
+                </a:solidFill>
+              </a:defRPr>
+            </a:lvl3pPr>
+            <a:lvl4pPr marL="1371600" indent="0">
+              <a:buNone/>
+              <a:defRPr sz="1400">
+                <a:solidFill>
+                  <a:schemeClr val="tx1">
+                    <a:tint val="75000"/>
+                  </a:schemeClr>
+                </a:solidFill>
+              </a:defRPr>
+            </a:lvl4pPr>
+            <a:lvl5pPr marL="1828800" indent="0">
+              <a:buNone/>
+              <a:defRPr sz="1400">
+                <a:solidFill>
+                  <a:schemeClr val="tx1">
+                    <a:tint val="75000"/>
+                  </a:schemeClr>
+                </a:solidFill>
+              </a:defRPr>
+            </a:lvl5pPr>
+            <a:lvl6pPr marL="2286000" indent="0">
+              <a:buNone/>
+              <a:defRPr sz="1400">
+                <a:solidFill>
+                  <a:schemeClr val="tx1">
+                    <a:tint val="75000"/>
+                  </a:schemeClr>
+                </a:solidFill>
+              </a:defRPr>
+            </a:lvl6pPr>
+            <a:lvl7pPr marL="2743200" indent="0">
+              <a:buNone/>
+              <a:defRPr sz="1400">
+                <a:solidFill>
+                  <a:schemeClr val="tx1">
+                    <a:tint val="75000"/>
+                  </a:schemeClr>
+                </a:solidFill>
+              </a:defRPr>
+            </a:lvl7pPr>
+            <a:lvl8pPr marL="3200400" indent="0">
+              <a:buNone/>
+              <a:defRPr sz="1400">
+                <a:solidFill>
+                  <a:schemeClr val="tx1">
+                    <a:tint val="75000"/>
+                  </a:schemeClr>
+                </a:solidFill>
+              </a:defRPr>
+            </a:lvl8pPr>
+            <a:lvl9pPr marL="3657600" indent="0">
+              <a:buNone/>
+              <a:defRPr sz="1400">
+                <a:solidFill>
+                  <a:schemeClr val="tx1">
+                    <a:tint val="75000"/>
+                  </a:schemeClr>
+                </a:solidFill>
+              </a:defRPr>
+            </a:lvl9pPr>
+          </a:lstStyle>
+          <a:p>
+            <a:pPr lvl="0"/>
+            <a:r>
+              <a:rPr lang="ja-JP" altLang="en-US"/>
+              <a:t>マスター テキストの書式設定</a:t>
+            </a:r>
+          </a:p>
+        </p:txBody>
+      </p:sp>
+      <p:sp>
+        <p:nvSpPr>
+          <p:cNvPr id="4" name="Date Placeholder 3"/>
+          <p:cNvSpPr>
+            <a:spLocks noGrp="1"/>
+          </p:cNvSpPr>
+          <p:nvPr>
+            <p:ph type="dt" sz="half" idx="10"/>
+          </p:nvPr>
+        </p:nvSpPr>
+        <p:spPr/>
+        <p:txBody>
+          <a:bodyPr/>
+          <a:lstStyle/>
+          <a:p>
+            <a:fld id="{2D3307F4-2003-445F-80EA-0A6F700AA6C1}" type="datetimeFigureOut">
+              <a:rPr kumimoji="1" lang="ja-JP" altLang="en-US" smtClean="0"/>
+              <a:t>2021/5/8</a:t>
+            </a:fld>
+            <a:endParaRPr kumimoji="1" lang="ja-JP" altLang="en-US"/>
+          </a:p>
+        </p:txBody>
+      </p:sp>
+      <p:sp>
+        <p:nvSpPr>
+          <p:cNvPr id="5" name="Footer Placeholder 4"/>
+          <p:cNvSpPr>
+            <a:spLocks noGrp="1"/>
+          </p:cNvSpPr>
+          <p:nvPr>
+            <p:ph type="ftr" sz="quarter" idx="11"/>
+          </p:nvPr>
+        </p:nvSpPr>
+        <p:spPr/>
+        <p:txBody>
+          <a:bodyPr/>
+          <a:lstStyle/>
+          <a:p>
+            <a:endParaRPr kumimoji="1" lang="ja-JP" altLang="en-US"/>
+          </a:p>
+        </p:txBody>
+      </p:sp>
+      <p:sp>
+        <p:nvSpPr>
+          <p:cNvPr id="6" name="Slide Number Placeholder 5"/>
+          <p:cNvSpPr>
+            <a:spLocks noGrp="1"/>
+          </p:cNvSpPr>
+          <p:nvPr>
+            <p:ph type="sldNum" sz="quarter" idx="12"/>
+          </p:nvPr>
+        </p:nvSpPr>
+        <p:spPr/>
+        <p:txBody>
+          <a:bodyPr/>
+          <a:lstStyle/>
+          <a:p>
+            <a:fld id="{90DBCB82-CD30-4D11-9E37-F5D5CB324EF5}" type="slidenum">
+              <a:rPr kumimoji="1" lang="ja-JP" altLang="en-US" smtClean="0"/>
+              <a:t>‹#›</a:t>
+            </a:fld>
+            <a:endParaRPr kumimoji="1" lang="ja-JP" altLang="en-US"/>
+          </a:p>
+        </p:txBody>
+      </p:sp>
+    </p:spTree>
+    <p:extLst>
+      <p:ext uri="{BB962C8B-B14F-4D97-AF65-F5344CB8AC3E}">
+        <p14:creationId xmlns:p14="http://schemas.microsoft.com/office/powerpoint/2010/main" val="3579648464"/>
+      </p:ext>
+    </p:extLst>
+  </p:cSld>
+  <p:clrMapOvr>
+    <a:masterClrMapping/>
+  </p:clrMapOvr>
+</p:sldLayout>
+</file>
+
+<file path=ppt/slideLayouts/slideLayout15.xml><?xml version="1.0" encoding="utf-8"?>
 <p:sldLayout xmlns:a="http://schemas.openxmlformats.org/drawingml/2006/main" xmlns:r="http://schemas.openxmlformats.org/officeDocument/2006/relationships" xmlns:p="http://schemas.openxmlformats.org/presentationml/2006/main" type="vertTx" preserve="1">
   <p:cSld name="タイトルと縦書きテキスト">
     <p:spTree>
@@ -828,13 +3005,7 @@
       </p:grpSpPr>
       <p:sp>
         <p:nvSpPr>
-          <p:cNvPr id="2" name="タイトル 1">
-            <a:extLst>
-              <a:ext uri="{FF2B5EF4-FFF2-40B4-BE49-F238E27FC236}">
-                <a16:creationId xmlns:a16="http://schemas.microsoft.com/office/drawing/2014/main" id="{C43C9E1A-5CDF-4DEC-838C-4E8BCC3C5BB0}"/>
-              </a:ext>
-            </a:extLst>
-          </p:cNvPr>
+          <p:cNvPr id="2" name="Title 1"/>
           <p:cNvSpPr>
             <a:spLocks noGrp="1"/>
           </p:cNvSpPr>
@@ -848,21 +3019,16 @@
           <a:lstStyle/>
           <a:p>
             <a:r>
-              <a:rPr kumimoji="1" lang="ja-JP" altLang="en-US"/>
+              <a:rPr lang="ja-JP" altLang="en-US"/>
               <a:t>マスター タイトルの書式設定</a:t>
             </a:r>
-          </a:p>
-        </p:txBody>
-      </p:sp>
-      <p:sp>
-        <p:nvSpPr>
-          <p:cNvPr id="3" name="縦書きテキスト プレースホルダー 2">
-            <a:extLst>
-              <a:ext uri="{FF2B5EF4-FFF2-40B4-BE49-F238E27FC236}">
-                <a16:creationId xmlns:a16="http://schemas.microsoft.com/office/drawing/2014/main" id="{C78A0AA6-0F48-446D-9E6A-994EFEB6D3C6}"/>
-              </a:ext>
-            </a:extLst>
-          </p:cNvPr>
+            <a:endParaRPr lang="en-US" dirty="0"/>
+          </a:p>
+        </p:txBody>
+      </p:sp>
+      <p:sp>
+        <p:nvSpPr>
+          <p:cNvPr id="3" name="Vertical Text Placeholder 2"/>
           <p:cNvSpPr>
             <a:spLocks noGrp="1"/>
           </p:cNvSpPr>
@@ -877,81 +3043,76 @@
           <a:p>
             <a:pPr lvl="0"/>
             <a:r>
-              <a:rPr kumimoji="1" lang="ja-JP" altLang="en-US"/>
+              <a:rPr lang="ja-JP" altLang="en-US"/>
               <a:t>マスター テキストの書式設定</a:t>
             </a:r>
           </a:p>
           <a:p>
             <a:pPr lvl="1"/>
             <a:r>
-              <a:rPr kumimoji="1" lang="ja-JP" altLang="en-US"/>
+              <a:rPr lang="ja-JP" altLang="en-US"/>
               <a:t>第 </a:t>
             </a:r>
             <a:r>
-              <a:rPr kumimoji="1" lang="en-US" altLang="ja-JP"/>
+              <a:rPr lang="en-US" altLang="ja-JP"/>
               <a:t>2 </a:t>
             </a:r>
             <a:r>
-              <a:rPr kumimoji="1" lang="ja-JP" altLang="en-US"/>
+              <a:rPr lang="ja-JP" altLang="en-US"/>
               <a:t>レベル</a:t>
             </a:r>
           </a:p>
           <a:p>
             <a:pPr lvl="2"/>
             <a:r>
-              <a:rPr kumimoji="1" lang="ja-JP" altLang="en-US"/>
+              <a:rPr lang="ja-JP" altLang="en-US"/>
               <a:t>第 </a:t>
             </a:r>
             <a:r>
-              <a:rPr kumimoji="1" lang="en-US" altLang="ja-JP"/>
+              <a:rPr lang="en-US" altLang="ja-JP"/>
               <a:t>3 </a:t>
             </a:r>
             <a:r>
-              <a:rPr kumimoji="1" lang="ja-JP" altLang="en-US"/>
+              <a:rPr lang="ja-JP" altLang="en-US"/>
               <a:t>レベル</a:t>
             </a:r>
           </a:p>
           <a:p>
             <a:pPr lvl="3"/>
             <a:r>
-              <a:rPr kumimoji="1" lang="ja-JP" altLang="en-US"/>
+              <a:rPr lang="ja-JP" altLang="en-US"/>
               <a:t>第 </a:t>
             </a:r>
             <a:r>
-              <a:rPr kumimoji="1" lang="en-US" altLang="ja-JP"/>
+              <a:rPr lang="en-US" altLang="ja-JP"/>
               <a:t>4 </a:t>
             </a:r>
             <a:r>
-              <a:rPr kumimoji="1" lang="ja-JP" altLang="en-US"/>
+              <a:rPr lang="ja-JP" altLang="en-US"/>
               <a:t>レベル</a:t>
             </a:r>
           </a:p>
           <a:p>
             <a:pPr lvl="4"/>
             <a:r>
-              <a:rPr kumimoji="1" lang="ja-JP" altLang="en-US"/>
+              <a:rPr lang="ja-JP" altLang="en-US"/>
               <a:t>第 </a:t>
             </a:r>
             <a:r>
-              <a:rPr kumimoji="1" lang="en-US" altLang="ja-JP"/>
+              <a:rPr lang="en-US" altLang="ja-JP"/>
               <a:t>5 </a:t>
             </a:r>
             <a:r>
-              <a:rPr kumimoji="1" lang="ja-JP" altLang="en-US"/>
+              <a:rPr lang="ja-JP" altLang="en-US"/>
               <a:t>レベル</a:t>
             </a:r>
-          </a:p>
-        </p:txBody>
-      </p:sp>
-      <p:sp>
-        <p:nvSpPr>
-          <p:cNvPr id="4" name="日付プレースホルダー 3">
-            <a:extLst>
-              <a:ext uri="{FF2B5EF4-FFF2-40B4-BE49-F238E27FC236}">
-                <a16:creationId xmlns:a16="http://schemas.microsoft.com/office/drawing/2014/main" id="{1CBB173B-D0D0-4E55-BB9D-AFAAF996E70B}"/>
-              </a:ext>
-            </a:extLst>
-          </p:cNvPr>
+            <a:endParaRPr lang="en-US" dirty="0"/>
+          </a:p>
+        </p:txBody>
+      </p:sp>
+      <p:sp>
+        <p:nvSpPr>
+          <p:cNvPr id="4" name="Date Placeholder 3"/>
           <p:cNvSpPr>
             <a:spLocks noGrp="1"/>
           </p:cNvSpPr>
@@ -974,13 +3135,7 @@
       </p:sp>
       <p:sp>
         <p:nvSpPr>
-          <p:cNvPr id="5" name="フッター プレースホルダー 4">
-            <a:extLst>
-              <a:ext uri="{FF2B5EF4-FFF2-40B4-BE49-F238E27FC236}">
-                <a16:creationId xmlns:a16="http://schemas.microsoft.com/office/drawing/2014/main" id="{4E48CC43-50A5-48E2-9B6A-CE8AE8893BB5}"/>
-              </a:ext>
-            </a:extLst>
-          </p:cNvPr>
+          <p:cNvPr id="5" name="Footer Placeholder 4"/>
           <p:cNvSpPr>
             <a:spLocks noGrp="1"/>
           </p:cNvSpPr>
@@ -999,13 +3154,7 @@
       </p:sp>
       <p:sp>
         <p:nvSpPr>
-          <p:cNvPr id="6" name="スライド番号プレースホルダー 5">
-            <a:extLst>
-              <a:ext uri="{FF2B5EF4-FFF2-40B4-BE49-F238E27FC236}">
-                <a16:creationId xmlns:a16="http://schemas.microsoft.com/office/drawing/2014/main" id="{195F0A5A-3080-4756-A1D0-3FEA33141E87}"/>
-              </a:ext>
-            </a:extLst>
-          </p:cNvPr>
+          <p:cNvPr id="6" name="Slide Number Placeholder 5"/>
           <p:cNvSpPr>
             <a:spLocks noGrp="1"/>
           </p:cNvSpPr>
@@ -1029,7 +3178,7 @@
     </p:spTree>
     <p:extLst>
       <p:ext uri="{BB962C8B-B14F-4D97-AF65-F5344CB8AC3E}">
-        <p14:creationId xmlns:p14="http://schemas.microsoft.com/office/powerpoint/2010/main" val="1170104766"/>
+        <p14:creationId xmlns:p14="http://schemas.microsoft.com/office/powerpoint/2010/main" val="2980817504"/>
       </p:ext>
     </p:extLst>
   </p:cSld>
@@ -1039,7 +3188,7 @@
 </p:sldLayout>
 </file>
 
-<file path=ppt/slideLayouts/slideLayout11.xml><?xml version="1.0" encoding="utf-8"?>
+<file path=ppt/slideLayouts/slideLayout16.xml><?xml version="1.0" encoding="utf-8"?>
 <p:sldLayout xmlns:a="http://schemas.openxmlformats.org/drawingml/2006/main" xmlns:r="http://schemas.openxmlformats.org/officeDocument/2006/relationships" xmlns:p="http://schemas.openxmlformats.org/presentationml/2006/main" type="vertTitleAndTx" preserve="1">
   <p:cSld name="縦書きタイトルと&#10;縦書きテキスト">
     <p:spTree>
@@ -1058,13 +3207,7 @@
       </p:grpSpPr>
       <p:sp>
         <p:nvSpPr>
-          <p:cNvPr id="2" name="縦書きタイトル 1">
-            <a:extLst>
-              <a:ext uri="{FF2B5EF4-FFF2-40B4-BE49-F238E27FC236}">
-                <a16:creationId xmlns:a16="http://schemas.microsoft.com/office/drawing/2014/main" id="{7E3CEEAC-DD7E-4EA6-9470-2DF98DD895C4}"/>
-              </a:ext>
-            </a:extLst>
-          </p:cNvPr>
+          <p:cNvPr id="2" name="Vertical Title 1"/>
           <p:cNvSpPr>
             <a:spLocks noGrp="1"/>
           </p:cNvSpPr>
@@ -1074,124 +3217,114 @@
         </p:nvSpPr>
         <p:spPr>
           <a:xfrm>
-            <a:off x="8724900" y="365125"/>
-            <a:ext cx="2628900" cy="5811838"/>
+            <a:off x="7967673" y="609599"/>
+            <a:ext cx="1304743" cy="5251451"/>
           </a:xfrm>
         </p:spPr>
         <p:txBody>
+          <a:bodyPr vert="eaVert" anchor="ctr"/>
+          <a:lstStyle/>
+          <a:p>
+            <a:r>
+              <a:rPr lang="ja-JP" altLang="en-US"/>
+              <a:t>マスター タイトルの書式設定</a:t>
+            </a:r>
+            <a:endParaRPr lang="en-US" dirty="0"/>
+          </a:p>
+        </p:txBody>
+      </p:sp>
+      <p:sp>
+        <p:nvSpPr>
+          <p:cNvPr id="3" name="Vertical Text Placeholder 2"/>
+          <p:cNvSpPr>
+            <a:spLocks noGrp="1"/>
+          </p:cNvSpPr>
+          <p:nvPr>
+            <p:ph type="body" orient="vert" idx="1"/>
+          </p:nvPr>
+        </p:nvSpPr>
+        <p:spPr>
+          <a:xfrm>
+            <a:off x="677335" y="609600"/>
+            <a:ext cx="7060150" cy="5251450"/>
+          </a:xfrm>
+        </p:spPr>
+        <p:txBody>
           <a:bodyPr vert="eaVert"/>
           <a:lstStyle/>
           <a:p>
-            <a:r>
-              <a:rPr kumimoji="1" lang="ja-JP" altLang="en-US"/>
-              <a:t>マスター タイトルの書式設定</a:t>
-            </a:r>
-          </a:p>
-        </p:txBody>
-      </p:sp>
-      <p:sp>
-        <p:nvSpPr>
-          <p:cNvPr id="3" name="縦書きテキスト プレースホルダー 2">
-            <a:extLst>
-              <a:ext uri="{FF2B5EF4-FFF2-40B4-BE49-F238E27FC236}">
-                <a16:creationId xmlns:a16="http://schemas.microsoft.com/office/drawing/2014/main" id="{FFEF61B7-4C7E-4F33-B03E-A4401FCFEF92}"/>
-              </a:ext>
-            </a:extLst>
-          </p:cNvPr>
-          <p:cNvSpPr>
-            <a:spLocks noGrp="1"/>
-          </p:cNvSpPr>
-          <p:nvPr>
-            <p:ph type="body" orient="vert" idx="1"/>
-          </p:nvPr>
-        </p:nvSpPr>
-        <p:spPr>
-          <a:xfrm>
-            <a:off x="838200" y="365125"/>
-            <a:ext cx="7734300" cy="5811838"/>
-          </a:xfrm>
-        </p:spPr>
-        <p:txBody>
-          <a:bodyPr vert="eaVert"/>
-          <a:lstStyle/>
-          <a:p>
             <a:pPr lvl="0"/>
             <a:r>
-              <a:rPr kumimoji="1" lang="ja-JP" altLang="en-US"/>
+              <a:rPr lang="ja-JP" altLang="en-US"/>
               <a:t>マスター テキストの書式設定</a:t>
             </a:r>
           </a:p>
           <a:p>
             <a:pPr lvl="1"/>
             <a:r>
-              <a:rPr kumimoji="1" lang="ja-JP" altLang="en-US"/>
+              <a:rPr lang="ja-JP" altLang="en-US"/>
               <a:t>第 </a:t>
             </a:r>
             <a:r>
-              <a:rPr kumimoji="1" lang="en-US" altLang="ja-JP"/>
+              <a:rPr lang="en-US" altLang="ja-JP"/>
               <a:t>2 </a:t>
             </a:r>
             <a:r>
-              <a:rPr kumimoji="1" lang="ja-JP" altLang="en-US"/>
+              <a:rPr lang="ja-JP" altLang="en-US"/>
               <a:t>レベル</a:t>
             </a:r>
           </a:p>
           <a:p>
             <a:pPr lvl="2"/>
             <a:r>
-              <a:rPr kumimoji="1" lang="ja-JP" altLang="en-US"/>
+              <a:rPr lang="ja-JP" altLang="en-US"/>
               <a:t>第 </a:t>
             </a:r>
             <a:r>
-              <a:rPr kumimoji="1" lang="en-US" altLang="ja-JP"/>
+              <a:rPr lang="en-US" altLang="ja-JP"/>
               <a:t>3 </a:t>
             </a:r>
             <a:r>
-              <a:rPr kumimoji="1" lang="ja-JP" altLang="en-US"/>
+              <a:rPr lang="ja-JP" altLang="en-US"/>
               <a:t>レベル</a:t>
             </a:r>
           </a:p>
           <a:p>
             <a:pPr lvl="3"/>
             <a:r>
-              <a:rPr kumimoji="1" lang="ja-JP" altLang="en-US"/>
+              <a:rPr lang="ja-JP" altLang="en-US"/>
               <a:t>第 </a:t>
             </a:r>
             <a:r>
-              <a:rPr kumimoji="1" lang="en-US" altLang="ja-JP"/>
+              <a:rPr lang="en-US" altLang="ja-JP"/>
               <a:t>4 </a:t>
             </a:r>
             <a:r>
-              <a:rPr kumimoji="1" lang="ja-JP" altLang="en-US"/>
+              <a:rPr lang="ja-JP" altLang="en-US"/>
               <a:t>レベル</a:t>
             </a:r>
           </a:p>
           <a:p>
             <a:pPr lvl="4"/>
             <a:r>
-              <a:rPr kumimoji="1" lang="ja-JP" altLang="en-US"/>
+              <a:rPr lang="ja-JP" altLang="en-US"/>
               <a:t>第 </a:t>
             </a:r>
             <a:r>
-              <a:rPr kumimoji="1" lang="en-US" altLang="ja-JP"/>
+              <a:rPr lang="en-US" altLang="ja-JP"/>
               <a:t>5 </a:t>
             </a:r>
             <a:r>
-              <a:rPr kumimoji="1" lang="ja-JP" altLang="en-US"/>
+              <a:rPr lang="ja-JP" altLang="en-US"/>
               <a:t>レベル</a:t>
             </a:r>
-          </a:p>
-        </p:txBody>
-      </p:sp>
-      <p:sp>
-        <p:nvSpPr>
-          <p:cNvPr id="4" name="日付プレースホルダー 3">
-            <a:extLst>
-              <a:ext uri="{FF2B5EF4-FFF2-40B4-BE49-F238E27FC236}">
-                <a16:creationId xmlns:a16="http://schemas.microsoft.com/office/drawing/2014/main" id="{A650F9C7-084A-4973-8722-A548B39BEE7D}"/>
-              </a:ext>
-            </a:extLst>
-          </p:cNvPr>
+            <a:endParaRPr lang="en-US" dirty="0"/>
+          </a:p>
+        </p:txBody>
+      </p:sp>
+      <p:sp>
+        <p:nvSpPr>
+          <p:cNvPr id="4" name="Date Placeholder 3"/>
           <p:cNvSpPr>
             <a:spLocks noGrp="1"/>
           </p:cNvSpPr>
@@ -1214,13 +3347,7 @@
       </p:sp>
       <p:sp>
         <p:nvSpPr>
-          <p:cNvPr id="5" name="フッター プレースホルダー 4">
-            <a:extLst>
-              <a:ext uri="{FF2B5EF4-FFF2-40B4-BE49-F238E27FC236}">
-                <a16:creationId xmlns:a16="http://schemas.microsoft.com/office/drawing/2014/main" id="{D8AC22A5-FA11-49C0-BE27-8AE0FC1DFDC7}"/>
-              </a:ext>
-            </a:extLst>
-          </p:cNvPr>
+          <p:cNvPr id="5" name="Footer Placeholder 4"/>
           <p:cNvSpPr>
             <a:spLocks noGrp="1"/>
           </p:cNvSpPr>
@@ -1239,13 +3366,7 @@
       </p:sp>
       <p:sp>
         <p:nvSpPr>
-          <p:cNvPr id="6" name="スライド番号プレースホルダー 5">
-            <a:extLst>
-              <a:ext uri="{FF2B5EF4-FFF2-40B4-BE49-F238E27FC236}">
-                <a16:creationId xmlns:a16="http://schemas.microsoft.com/office/drawing/2014/main" id="{6817123C-A338-4FC0-AAB5-ADDD2FC8EA85}"/>
-              </a:ext>
-            </a:extLst>
-          </p:cNvPr>
+          <p:cNvPr id="6" name="Slide Number Placeholder 5"/>
           <p:cNvSpPr>
             <a:spLocks noGrp="1"/>
           </p:cNvSpPr>
@@ -1269,7 +3390,7 @@
     </p:spTree>
     <p:extLst>
       <p:ext uri="{BB962C8B-B14F-4D97-AF65-F5344CB8AC3E}">
-        <p14:creationId xmlns:p14="http://schemas.microsoft.com/office/powerpoint/2010/main" val="3009947012"/>
+        <p14:creationId xmlns:p14="http://schemas.microsoft.com/office/powerpoint/2010/main" val="2345472421"/>
       </p:ext>
     </p:extLst>
   </p:cSld>
@@ -1298,18 +3419,41 @@
       </p:grpSpPr>
       <p:sp>
         <p:nvSpPr>
-          <p:cNvPr id="2" name="タイトル 1">
-            <a:extLst>
-              <a:ext uri="{FF2B5EF4-FFF2-40B4-BE49-F238E27FC236}">
-                <a16:creationId xmlns:a16="http://schemas.microsoft.com/office/drawing/2014/main" id="{F4F9E384-2857-4FD5-9595-F004BFCB9FD8}"/>
-              </a:ext>
-            </a:extLst>
-          </p:cNvPr>
+          <p:cNvPr id="2" name="Title 1"/>
           <p:cNvSpPr>
             <a:spLocks noGrp="1"/>
           </p:cNvSpPr>
           <p:nvPr>
             <p:ph type="title"/>
+          </p:nvPr>
+        </p:nvSpPr>
+        <p:spPr/>
+        <p:txBody>
+          <a:bodyPr>
+            <a:normAutofit/>
+          </a:bodyPr>
+          <a:lstStyle>
+            <a:lvl1pPr>
+              <a:defRPr sz="3600"/>
+            </a:lvl1pPr>
+          </a:lstStyle>
+          <a:p>
+            <a:r>
+              <a:rPr lang="ja-JP" altLang="en-US"/>
+              <a:t>マスター タイトルの書式設定</a:t>
+            </a:r>
+            <a:endParaRPr lang="en-US" dirty="0"/>
+          </a:p>
+        </p:txBody>
+      </p:sp>
+      <p:sp>
+        <p:nvSpPr>
+          <p:cNvPr id="3" name="Content Placeholder 2"/>
+          <p:cNvSpPr>
+            <a:spLocks noGrp="1"/>
+          </p:cNvSpPr>
+          <p:nvPr>
+            <p:ph idx="1"/>
           </p:nvPr>
         </p:nvSpPr>
         <p:spPr/>
@@ -1317,111 +3461,78 @@
           <a:bodyPr/>
           <a:lstStyle/>
           <a:p>
-            <a:r>
-              <a:rPr kumimoji="1" lang="ja-JP" altLang="en-US"/>
-              <a:t>マスター タイトルの書式設定</a:t>
-            </a:r>
-          </a:p>
-        </p:txBody>
-      </p:sp>
-      <p:sp>
-        <p:nvSpPr>
-          <p:cNvPr id="3" name="コンテンツ プレースホルダー 2">
-            <a:extLst>
-              <a:ext uri="{FF2B5EF4-FFF2-40B4-BE49-F238E27FC236}">
-                <a16:creationId xmlns:a16="http://schemas.microsoft.com/office/drawing/2014/main" id="{583E5A3D-043F-4C2B-BF6D-AC6464882FCD}"/>
-              </a:ext>
-            </a:extLst>
-          </p:cNvPr>
-          <p:cNvSpPr>
-            <a:spLocks noGrp="1"/>
-          </p:cNvSpPr>
-          <p:nvPr>
-            <p:ph idx="1"/>
-          </p:nvPr>
-        </p:nvSpPr>
-        <p:spPr/>
-        <p:txBody>
-          <a:bodyPr/>
-          <a:lstStyle/>
-          <a:p>
             <a:pPr lvl="0"/>
             <a:r>
-              <a:rPr kumimoji="1" lang="ja-JP" altLang="en-US"/>
+              <a:rPr lang="ja-JP" altLang="en-US"/>
               <a:t>マスター テキストの書式設定</a:t>
             </a:r>
           </a:p>
           <a:p>
             <a:pPr lvl="1"/>
             <a:r>
-              <a:rPr kumimoji="1" lang="ja-JP" altLang="en-US"/>
+              <a:rPr lang="ja-JP" altLang="en-US"/>
               <a:t>第 </a:t>
             </a:r>
             <a:r>
-              <a:rPr kumimoji="1" lang="en-US" altLang="ja-JP"/>
+              <a:rPr lang="en-US" altLang="ja-JP"/>
               <a:t>2 </a:t>
             </a:r>
             <a:r>
-              <a:rPr kumimoji="1" lang="ja-JP" altLang="en-US"/>
+              <a:rPr lang="ja-JP" altLang="en-US"/>
               <a:t>レベル</a:t>
             </a:r>
           </a:p>
           <a:p>
             <a:pPr lvl="2"/>
             <a:r>
-              <a:rPr kumimoji="1" lang="ja-JP" altLang="en-US"/>
+              <a:rPr lang="ja-JP" altLang="en-US"/>
               <a:t>第 </a:t>
             </a:r>
             <a:r>
-              <a:rPr kumimoji="1" lang="en-US" altLang="ja-JP"/>
+              <a:rPr lang="en-US" altLang="ja-JP"/>
               <a:t>3 </a:t>
             </a:r>
             <a:r>
-              <a:rPr kumimoji="1" lang="ja-JP" altLang="en-US"/>
+              <a:rPr lang="ja-JP" altLang="en-US"/>
               <a:t>レベル</a:t>
             </a:r>
           </a:p>
           <a:p>
             <a:pPr lvl="3"/>
             <a:r>
-              <a:rPr kumimoji="1" lang="ja-JP" altLang="en-US"/>
+              <a:rPr lang="ja-JP" altLang="en-US"/>
               <a:t>第 </a:t>
             </a:r>
             <a:r>
-              <a:rPr kumimoji="1" lang="en-US" altLang="ja-JP"/>
+              <a:rPr lang="en-US" altLang="ja-JP"/>
               <a:t>4 </a:t>
             </a:r>
             <a:r>
-              <a:rPr kumimoji="1" lang="ja-JP" altLang="en-US"/>
+              <a:rPr lang="ja-JP" altLang="en-US"/>
               <a:t>レベル</a:t>
             </a:r>
           </a:p>
           <a:p>
             <a:pPr lvl="4"/>
             <a:r>
-              <a:rPr kumimoji="1" lang="ja-JP" altLang="en-US"/>
+              <a:rPr lang="ja-JP" altLang="en-US"/>
               <a:t>第 </a:t>
             </a:r>
             <a:r>
-              <a:rPr kumimoji="1" lang="en-US" altLang="ja-JP"/>
+              <a:rPr lang="en-US" altLang="ja-JP"/>
               <a:t>5 </a:t>
             </a:r>
             <a:r>
-              <a:rPr kumimoji="1" lang="ja-JP" altLang="en-US"/>
+              <a:rPr lang="ja-JP" altLang="en-US"/>
               <a:t>レベル</a:t>
             </a:r>
-          </a:p>
-        </p:txBody>
-      </p:sp>
-      <p:sp>
-        <p:nvSpPr>
-          <p:cNvPr id="4" name="日付プレースホルダー 3">
-            <a:extLst>
-              <a:ext uri="{FF2B5EF4-FFF2-40B4-BE49-F238E27FC236}">
-                <a16:creationId xmlns:a16="http://schemas.microsoft.com/office/drawing/2014/main" id="{AA78FA99-81DA-4438-BC31-1B0569EB8B31}"/>
-              </a:ext>
-            </a:extLst>
-          </p:cNvPr>
+            <a:endParaRPr lang="en-US" dirty="0"/>
+          </a:p>
+        </p:txBody>
+      </p:sp>
+      <p:sp>
+        <p:nvSpPr>
+          <p:cNvPr id="4" name="Date Placeholder 3"/>
           <p:cNvSpPr>
             <a:spLocks noGrp="1"/>
           </p:cNvSpPr>
@@ -1444,13 +3555,7 @@
       </p:sp>
       <p:sp>
         <p:nvSpPr>
-          <p:cNvPr id="5" name="フッター プレースホルダー 4">
-            <a:extLst>
-              <a:ext uri="{FF2B5EF4-FFF2-40B4-BE49-F238E27FC236}">
-                <a16:creationId xmlns:a16="http://schemas.microsoft.com/office/drawing/2014/main" id="{AC48C12D-2CED-4177-A9D1-424142AF3542}"/>
-              </a:ext>
-            </a:extLst>
-          </p:cNvPr>
+          <p:cNvPr id="5" name="Footer Placeholder 4"/>
           <p:cNvSpPr>
             <a:spLocks noGrp="1"/>
           </p:cNvSpPr>
@@ -1469,13 +3574,7 @@
       </p:sp>
       <p:sp>
         <p:nvSpPr>
-          <p:cNvPr id="6" name="スライド番号プレースホルダー 5">
-            <a:extLst>
-              <a:ext uri="{FF2B5EF4-FFF2-40B4-BE49-F238E27FC236}">
-                <a16:creationId xmlns:a16="http://schemas.microsoft.com/office/drawing/2014/main" id="{177AFCD3-1673-474A-91C3-276B309EBC64}"/>
-              </a:ext>
-            </a:extLst>
-          </p:cNvPr>
+          <p:cNvPr id="6" name="Slide Number Placeholder 5"/>
           <p:cNvSpPr>
             <a:spLocks noGrp="1"/>
           </p:cNvSpPr>
@@ -1499,7 +3598,7 @@
     </p:spTree>
     <p:extLst>
       <p:ext uri="{BB962C8B-B14F-4D97-AF65-F5344CB8AC3E}">
-        <p14:creationId xmlns:p14="http://schemas.microsoft.com/office/powerpoint/2010/main" val="175300504"/>
+        <p14:creationId xmlns:p14="http://schemas.microsoft.com/office/powerpoint/2010/main" val="1805554640"/>
       </p:ext>
     </p:extLst>
   </p:cSld>
@@ -1528,13 +3627,7 @@
       </p:grpSpPr>
       <p:sp>
         <p:nvSpPr>
-          <p:cNvPr id="2" name="タイトル 1">
-            <a:extLst>
-              <a:ext uri="{FF2B5EF4-FFF2-40B4-BE49-F238E27FC236}">
-                <a16:creationId xmlns:a16="http://schemas.microsoft.com/office/drawing/2014/main" id="{68E8775B-C62B-4228-A5F1-39DB2132448D}"/>
-              </a:ext>
-            </a:extLst>
-          </p:cNvPr>
+          <p:cNvPr id="2" name="Title 1"/>
           <p:cNvSpPr>
             <a:spLocks noGrp="1"/>
           </p:cNvSpPr>
@@ -1544,34 +3637,29 @@
         </p:nvSpPr>
         <p:spPr>
           <a:xfrm>
-            <a:off x="831850" y="1709738"/>
-            <a:ext cx="10515600" cy="2852737"/>
+            <a:off x="677335" y="2700867"/>
+            <a:ext cx="8596668" cy="1826581"/>
           </a:xfrm>
         </p:spPr>
         <p:txBody>
           <a:bodyPr anchor="b"/>
           <a:lstStyle>
-            <a:lvl1pPr>
-              <a:defRPr sz="6000"/>
+            <a:lvl1pPr algn="l">
+              <a:defRPr sz="4000" b="0" cap="none"/>
             </a:lvl1pPr>
           </a:lstStyle>
           <a:p>
             <a:r>
-              <a:rPr kumimoji="1" lang="ja-JP" altLang="en-US"/>
+              <a:rPr lang="ja-JP" altLang="en-US"/>
               <a:t>マスター タイトルの書式設定</a:t>
             </a:r>
-          </a:p>
-        </p:txBody>
-      </p:sp>
-      <p:sp>
-        <p:nvSpPr>
-          <p:cNvPr id="3" name="テキスト プレースホルダー 2">
-            <a:extLst>
-              <a:ext uri="{FF2B5EF4-FFF2-40B4-BE49-F238E27FC236}">
-                <a16:creationId xmlns:a16="http://schemas.microsoft.com/office/drawing/2014/main" id="{381E199A-555A-4D35-AC5B-B08987E5DD21}"/>
-              </a:ext>
-            </a:extLst>
-          </p:cNvPr>
+            <a:endParaRPr lang="en-US" dirty="0"/>
+          </a:p>
+        </p:txBody>
+      </p:sp>
+      <p:sp>
+        <p:nvSpPr>
+          <p:cNvPr id="3" name="Text Placeholder 2"/>
           <p:cNvSpPr>
             <a:spLocks noGrp="1"/>
           </p:cNvSpPr>
@@ -1581,26 +3669,27 @@
         </p:nvSpPr>
         <p:spPr>
           <a:xfrm>
-            <a:off x="831850" y="4589463"/>
-            <a:ext cx="10515600" cy="1500187"/>
+            <a:off x="677335" y="4527448"/>
+            <a:ext cx="8596668" cy="860400"/>
           </a:xfrm>
         </p:spPr>
         <p:txBody>
-          <a:bodyPr/>
+          <a:bodyPr anchor="t"/>
           <a:lstStyle>
-            <a:lvl1pPr marL="0" indent="0">
-              <a:buNone/>
-              <a:defRPr sz="2400">
+            <a:lvl1pPr marL="0" indent="0" algn="l">
+              <a:buNone/>
+              <a:defRPr sz="2000">
                 <a:solidFill>
                   <a:schemeClr val="tx1">
-                    <a:tint val="75000"/>
+                    <a:lumMod val="50000"/>
+                    <a:lumOff val="50000"/>
                   </a:schemeClr>
                 </a:solidFill>
               </a:defRPr>
             </a:lvl1pPr>
             <a:lvl2pPr marL="457200" indent="0">
               <a:buNone/>
-              <a:defRPr sz="2000">
+              <a:defRPr sz="1800">
                 <a:solidFill>
                   <a:schemeClr val="tx1">
                     <a:tint val="75000"/>
@@ -1610,7 +3699,7 @@
             </a:lvl2pPr>
             <a:lvl3pPr marL="914400" indent="0">
               <a:buNone/>
-              <a:defRPr sz="1800">
+              <a:defRPr sz="1600">
                 <a:solidFill>
                   <a:schemeClr val="tx1">
                     <a:tint val="75000"/>
@@ -1620,7 +3709,7 @@
             </a:lvl3pPr>
             <a:lvl4pPr marL="1371600" indent="0">
               <a:buNone/>
-              <a:defRPr sz="1600">
+              <a:defRPr sz="1400">
                 <a:solidFill>
                   <a:schemeClr val="tx1">
                     <a:tint val="75000"/>
@@ -1630,7 +3719,7 @@
             </a:lvl4pPr>
             <a:lvl5pPr marL="1828800" indent="0">
               <a:buNone/>
-              <a:defRPr sz="1600">
+              <a:defRPr sz="1400">
                 <a:solidFill>
                   <a:schemeClr val="tx1">
                     <a:tint val="75000"/>
@@ -1640,7 +3729,7 @@
             </a:lvl5pPr>
             <a:lvl6pPr marL="2286000" indent="0">
               <a:buNone/>
-              <a:defRPr sz="1600">
+              <a:defRPr sz="1400">
                 <a:solidFill>
                   <a:schemeClr val="tx1">
                     <a:tint val="75000"/>
@@ -1650,7 +3739,7 @@
             </a:lvl6pPr>
             <a:lvl7pPr marL="2743200" indent="0">
               <a:buNone/>
-              <a:defRPr sz="1600">
+              <a:defRPr sz="1400">
                 <a:solidFill>
                   <a:schemeClr val="tx1">
                     <a:tint val="75000"/>
@@ -1660,7 +3749,7 @@
             </a:lvl7pPr>
             <a:lvl8pPr marL="3200400" indent="0">
               <a:buNone/>
-              <a:defRPr sz="1600">
+              <a:defRPr sz="1400">
                 <a:solidFill>
                   <a:schemeClr val="tx1">
                     <a:tint val="75000"/>
@@ -1670,7 +3759,7 @@
             </a:lvl8pPr>
             <a:lvl9pPr marL="3657600" indent="0">
               <a:buNone/>
-              <a:defRPr sz="1600">
+              <a:defRPr sz="1400">
                 <a:solidFill>
                   <a:schemeClr val="tx1">
                     <a:tint val="75000"/>
@@ -1682,7 +3771,7 @@
           <a:p>
             <a:pPr lvl="0"/>
             <a:r>
-              <a:rPr kumimoji="1" lang="ja-JP" altLang="en-US"/>
+              <a:rPr lang="ja-JP" altLang="en-US"/>
               <a:t>マスター テキストの書式設定</a:t>
             </a:r>
           </a:p>
@@ -1690,13 +3779,7 @@
       </p:sp>
       <p:sp>
         <p:nvSpPr>
-          <p:cNvPr id="4" name="日付プレースホルダー 3">
-            <a:extLst>
-              <a:ext uri="{FF2B5EF4-FFF2-40B4-BE49-F238E27FC236}">
-                <a16:creationId xmlns:a16="http://schemas.microsoft.com/office/drawing/2014/main" id="{C5638193-CA6F-4DAB-9CAB-D098F629F9AE}"/>
-              </a:ext>
-            </a:extLst>
-          </p:cNvPr>
+          <p:cNvPr id="4" name="Date Placeholder 3"/>
           <p:cNvSpPr>
             <a:spLocks noGrp="1"/>
           </p:cNvSpPr>
@@ -1719,13 +3802,7 @@
       </p:sp>
       <p:sp>
         <p:nvSpPr>
-          <p:cNvPr id="5" name="フッター プレースホルダー 4">
-            <a:extLst>
-              <a:ext uri="{FF2B5EF4-FFF2-40B4-BE49-F238E27FC236}">
-                <a16:creationId xmlns:a16="http://schemas.microsoft.com/office/drawing/2014/main" id="{77F22D74-5A61-4B13-94CC-BA4E935F3C73}"/>
-              </a:ext>
-            </a:extLst>
-          </p:cNvPr>
+          <p:cNvPr id="5" name="Footer Placeholder 4"/>
           <p:cNvSpPr>
             <a:spLocks noGrp="1"/>
           </p:cNvSpPr>
@@ -1744,13 +3821,7 @@
       </p:sp>
       <p:sp>
         <p:nvSpPr>
-          <p:cNvPr id="6" name="スライド番号プレースホルダー 5">
-            <a:extLst>
-              <a:ext uri="{FF2B5EF4-FFF2-40B4-BE49-F238E27FC236}">
-                <a16:creationId xmlns:a16="http://schemas.microsoft.com/office/drawing/2014/main" id="{232C5E38-A58F-4473-BB68-D350F55ECBAD}"/>
-              </a:ext>
-            </a:extLst>
-          </p:cNvPr>
+          <p:cNvPr id="6" name="Slide Number Placeholder 5"/>
           <p:cNvSpPr>
             <a:spLocks noGrp="1"/>
           </p:cNvSpPr>
@@ -1774,7 +3845,7 @@
     </p:spTree>
     <p:extLst>
       <p:ext uri="{BB962C8B-B14F-4D97-AF65-F5344CB8AC3E}">
-        <p14:creationId xmlns:p14="http://schemas.microsoft.com/office/powerpoint/2010/main" val="2233119468"/>
+        <p14:creationId xmlns:p14="http://schemas.microsoft.com/office/powerpoint/2010/main" val="122431265"/>
       </p:ext>
     </p:extLst>
   </p:cSld>
@@ -1803,13 +3874,7 @@
       </p:grpSpPr>
       <p:sp>
         <p:nvSpPr>
-          <p:cNvPr id="2" name="タイトル 1">
-            <a:extLst>
-              <a:ext uri="{FF2B5EF4-FFF2-40B4-BE49-F238E27FC236}">
-                <a16:creationId xmlns:a16="http://schemas.microsoft.com/office/drawing/2014/main" id="{35DCEB8B-FC82-4956-9BFA-948BF46A9C58}"/>
-              </a:ext>
-            </a:extLst>
-          </p:cNvPr>
+          <p:cNvPr id="2" name="Title 1"/>
           <p:cNvSpPr>
             <a:spLocks noGrp="1"/>
           </p:cNvSpPr>
@@ -1823,21 +3888,16 @@
           <a:lstStyle/>
           <a:p>
             <a:r>
-              <a:rPr kumimoji="1" lang="ja-JP" altLang="en-US"/>
+              <a:rPr lang="ja-JP" altLang="en-US"/>
               <a:t>マスター タイトルの書式設定</a:t>
             </a:r>
-          </a:p>
-        </p:txBody>
-      </p:sp>
-      <p:sp>
-        <p:nvSpPr>
-          <p:cNvPr id="3" name="コンテンツ プレースホルダー 2">
-            <a:extLst>
-              <a:ext uri="{FF2B5EF4-FFF2-40B4-BE49-F238E27FC236}">
-                <a16:creationId xmlns:a16="http://schemas.microsoft.com/office/drawing/2014/main" id="{07645ED6-46A9-4D08-9F48-6E43EB9D5407}"/>
-              </a:ext>
-            </a:extLst>
-          </p:cNvPr>
+            <a:endParaRPr lang="en-US" dirty="0"/>
+          </a:p>
+        </p:txBody>
+      </p:sp>
+      <p:sp>
+        <p:nvSpPr>
+          <p:cNvPr id="3" name="Content Placeholder 2"/>
           <p:cNvSpPr>
             <a:spLocks noGrp="1"/>
           </p:cNvSpPr>
@@ -1847,8 +3907,8 @@
         </p:nvSpPr>
         <p:spPr>
           <a:xfrm>
-            <a:off x="838200" y="1825625"/>
-            <a:ext cx="5181600" cy="4351338"/>
+            <a:off x="677334" y="2160589"/>
+            <a:ext cx="4184035" cy="3880772"/>
           </a:xfrm>
         </p:spPr>
         <p:txBody>
@@ -1857,81 +3917,76 @@
           <a:p>
             <a:pPr lvl="0"/>
             <a:r>
-              <a:rPr kumimoji="1" lang="ja-JP" altLang="en-US"/>
+              <a:rPr lang="ja-JP" altLang="en-US"/>
               <a:t>マスター テキストの書式設定</a:t>
             </a:r>
           </a:p>
           <a:p>
             <a:pPr lvl="1"/>
             <a:r>
-              <a:rPr kumimoji="1" lang="ja-JP" altLang="en-US"/>
+              <a:rPr lang="ja-JP" altLang="en-US"/>
               <a:t>第 </a:t>
             </a:r>
             <a:r>
-              <a:rPr kumimoji="1" lang="en-US" altLang="ja-JP"/>
+              <a:rPr lang="en-US" altLang="ja-JP"/>
               <a:t>2 </a:t>
             </a:r>
             <a:r>
-              <a:rPr kumimoji="1" lang="ja-JP" altLang="en-US"/>
+              <a:rPr lang="ja-JP" altLang="en-US"/>
               <a:t>レベル</a:t>
             </a:r>
           </a:p>
           <a:p>
             <a:pPr lvl="2"/>
             <a:r>
-              <a:rPr kumimoji="1" lang="ja-JP" altLang="en-US"/>
+              <a:rPr lang="ja-JP" altLang="en-US"/>
               <a:t>第 </a:t>
             </a:r>
             <a:r>
-              <a:rPr kumimoji="1" lang="en-US" altLang="ja-JP"/>
+              <a:rPr lang="en-US" altLang="ja-JP"/>
               <a:t>3 </a:t>
             </a:r>
             <a:r>
-              <a:rPr kumimoji="1" lang="ja-JP" altLang="en-US"/>
+              <a:rPr lang="ja-JP" altLang="en-US"/>
               <a:t>レベル</a:t>
             </a:r>
           </a:p>
           <a:p>
             <a:pPr lvl="3"/>
             <a:r>
-              <a:rPr kumimoji="1" lang="ja-JP" altLang="en-US"/>
+              <a:rPr lang="ja-JP" altLang="en-US"/>
               <a:t>第 </a:t>
             </a:r>
             <a:r>
-              <a:rPr kumimoji="1" lang="en-US" altLang="ja-JP"/>
+              <a:rPr lang="en-US" altLang="ja-JP"/>
               <a:t>4 </a:t>
             </a:r>
             <a:r>
-              <a:rPr kumimoji="1" lang="ja-JP" altLang="en-US"/>
+              <a:rPr lang="ja-JP" altLang="en-US"/>
               <a:t>レベル</a:t>
             </a:r>
           </a:p>
           <a:p>
             <a:pPr lvl="4"/>
             <a:r>
-              <a:rPr kumimoji="1" lang="ja-JP" altLang="en-US"/>
+              <a:rPr lang="ja-JP" altLang="en-US"/>
               <a:t>第 </a:t>
             </a:r>
             <a:r>
-              <a:rPr kumimoji="1" lang="en-US" altLang="ja-JP"/>
+              <a:rPr lang="en-US" altLang="ja-JP"/>
               <a:t>5 </a:t>
             </a:r>
             <a:r>
-              <a:rPr kumimoji="1" lang="ja-JP" altLang="en-US"/>
+              <a:rPr lang="ja-JP" altLang="en-US"/>
               <a:t>レベル</a:t>
             </a:r>
-          </a:p>
-        </p:txBody>
-      </p:sp>
-      <p:sp>
-        <p:nvSpPr>
-          <p:cNvPr id="4" name="コンテンツ プレースホルダー 3">
-            <a:extLst>
-              <a:ext uri="{FF2B5EF4-FFF2-40B4-BE49-F238E27FC236}">
-                <a16:creationId xmlns:a16="http://schemas.microsoft.com/office/drawing/2014/main" id="{6BC09BE6-D738-4F89-B84A-FE06F73C654A}"/>
-              </a:ext>
-            </a:extLst>
-          </p:cNvPr>
+            <a:endParaRPr lang="en-US" dirty="0"/>
+          </a:p>
+        </p:txBody>
+      </p:sp>
+      <p:sp>
+        <p:nvSpPr>
+          <p:cNvPr id="4" name="Content Placeholder 3"/>
           <p:cNvSpPr>
             <a:spLocks noGrp="1"/>
           </p:cNvSpPr>
@@ -1941,8 +3996,8 @@
         </p:nvSpPr>
         <p:spPr>
           <a:xfrm>
-            <a:off x="6172200" y="1825625"/>
-            <a:ext cx="5181600" cy="4351338"/>
+            <a:off x="5089970" y="2160589"/>
+            <a:ext cx="4184034" cy="3880773"/>
           </a:xfrm>
         </p:spPr>
         <p:txBody>
@@ -1951,81 +4006,76 @@
           <a:p>
             <a:pPr lvl="0"/>
             <a:r>
-              <a:rPr kumimoji="1" lang="ja-JP" altLang="en-US"/>
+              <a:rPr lang="ja-JP" altLang="en-US"/>
               <a:t>マスター テキストの書式設定</a:t>
             </a:r>
           </a:p>
           <a:p>
             <a:pPr lvl="1"/>
             <a:r>
-              <a:rPr kumimoji="1" lang="ja-JP" altLang="en-US"/>
+              <a:rPr lang="ja-JP" altLang="en-US"/>
               <a:t>第 </a:t>
             </a:r>
             <a:r>
-              <a:rPr kumimoji="1" lang="en-US" altLang="ja-JP"/>
+              <a:rPr lang="en-US" altLang="ja-JP"/>
               <a:t>2 </a:t>
             </a:r>
             <a:r>
-              <a:rPr kumimoji="1" lang="ja-JP" altLang="en-US"/>
+              <a:rPr lang="ja-JP" altLang="en-US"/>
               <a:t>レベル</a:t>
             </a:r>
           </a:p>
           <a:p>
             <a:pPr lvl="2"/>
             <a:r>
-              <a:rPr kumimoji="1" lang="ja-JP" altLang="en-US"/>
+              <a:rPr lang="ja-JP" altLang="en-US"/>
               <a:t>第 </a:t>
             </a:r>
             <a:r>
-              <a:rPr kumimoji="1" lang="en-US" altLang="ja-JP"/>
+              <a:rPr lang="en-US" altLang="ja-JP"/>
               <a:t>3 </a:t>
             </a:r>
             <a:r>
-              <a:rPr kumimoji="1" lang="ja-JP" altLang="en-US"/>
+              <a:rPr lang="ja-JP" altLang="en-US"/>
               <a:t>レベル</a:t>
             </a:r>
           </a:p>
           <a:p>
             <a:pPr lvl="3"/>
             <a:r>
-              <a:rPr kumimoji="1" lang="ja-JP" altLang="en-US"/>
+              <a:rPr lang="ja-JP" altLang="en-US"/>
               <a:t>第 </a:t>
             </a:r>
             <a:r>
-              <a:rPr kumimoji="1" lang="en-US" altLang="ja-JP"/>
+              <a:rPr lang="en-US" altLang="ja-JP"/>
               <a:t>4 </a:t>
             </a:r>
             <a:r>
-              <a:rPr kumimoji="1" lang="ja-JP" altLang="en-US"/>
+              <a:rPr lang="ja-JP" altLang="en-US"/>
               <a:t>レベル</a:t>
             </a:r>
           </a:p>
           <a:p>
             <a:pPr lvl="4"/>
             <a:r>
-              <a:rPr kumimoji="1" lang="ja-JP" altLang="en-US"/>
+              <a:rPr lang="ja-JP" altLang="en-US"/>
               <a:t>第 </a:t>
             </a:r>
             <a:r>
-              <a:rPr kumimoji="1" lang="en-US" altLang="ja-JP"/>
+              <a:rPr lang="en-US" altLang="ja-JP"/>
               <a:t>5 </a:t>
             </a:r>
             <a:r>
-              <a:rPr kumimoji="1" lang="ja-JP" altLang="en-US"/>
+              <a:rPr lang="ja-JP" altLang="en-US"/>
               <a:t>レベル</a:t>
             </a:r>
-          </a:p>
-        </p:txBody>
-      </p:sp>
-      <p:sp>
-        <p:nvSpPr>
-          <p:cNvPr id="5" name="日付プレースホルダー 4">
-            <a:extLst>
-              <a:ext uri="{FF2B5EF4-FFF2-40B4-BE49-F238E27FC236}">
-                <a16:creationId xmlns:a16="http://schemas.microsoft.com/office/drawing/2014/main" id="{2510E1FE-5245-4994-99A5-8805F252CEE5}"/>
-              </a:ext>
-            </a:extLst>
-          </p:cNvPr>
+            <a:endParaRPr lang="en-US" dirty="0"/>
+          </a:p>
+        </p:txBody>
+      </p:sp>
+      <p:sp>
+        <p:nvSpPr>
+          <p:cNvPr id="5" name="Date Placeholder 4"/>
           <p:cNvSpPr>
             <a:spLocks noGrp="1"/>
           </p:cNvSpPr>
@@ -2048,13 +4098,7 @@
       </p:sp>
       <p:sp>
         <p:nvSpPr>
-          <p:cNvPr id="6" name="フッター プレースホルダー 5">
-            <a:extLst>
-              <a:ext uri="{FF2B5EF4-FFF2-40B4-BE49-F238E27FC236}">
-                <a16:creationId xmlns:a16="http://schemas.microsoft.com/office/drawing/2014/main" id="{BA00B954-E006-4445-9E91-05B2C00653A0}"/>
-              </a:ext>
-            </a:extLst>
-          </p:cNvPr>
+          <p:cNvPr id="6" name="Footer Placeholder 5"/>
           <p:cNvSpPr>
             <a:spLocks noGrp="1"/>
           </p:cNvSpPr>
@@ -2073,13 +4117,7 @@
       </p:sp>
       <p:sp>
         <p:nvSpPr>
-          <p:cNvPr id="7" name="スライド番号プレースホルダー 6">
-            <a:extLst>
-              <a:ext uri="{FF2B5EF4-FFF2-40B4-BE49-F238E27FC236}">
-                <a16:creationId xmlns:a16="http://schemas.microsoft.com/office/drawing/2014/main" id="{924B6865-F056-4F8A-9973-E1A66215176C}"/>
-              </a:ext>
-            </a:extLst>
-          </p:cNvPr>
+          <p:cNvPr id="7" name="Slide Number Placeholder 6"/>
           <p:cNvSpPr>
             <a:spLocks noGrp="1"/>
           </p:cNvSpPr>
@@ -2103,7 +4141,7 @@
     </p:spTree>
     <p:extLst>
       <p:ext uri="{BB962C8B-B14F-4D97-AF65-F5344CB8AC3E}">
-        <p14:creationId xmlns:p14="http://schemas.microsoft.com/office/powerpoint/2010/main" val="3749452091"/>
+        <p14:creationId xmlns:p14="http://schemas.microsoft.com/office/powerpoint/2010/main" val="297078265"/>
       </p:ext>
     </p:extLst>
   </p:cSld>
@@ -2132,65 +4170,55 @@
       </p:grpSpPr>
       <p:sp>
         <p:nvSpPr>
-          <p:cNvPr id="2" name="タイトル 1">
-            <a:extLst>
-              <a:ext uri="{FF2B5EF4-FFF2-40B4-BE49-F238E27FC236}">
-                <a16:creationId xmlns:a16="http://schemas.microsoft.com/office/drawing/2014/main" id="{B3D8056B-14FC-4BA8-ABF3-70B0D2762109}"/>
-              </a:ext>
-            </a:extLst>
-          </p:cNvPr>
+          <p:cNvPr id="2" name="Title 1"/>
           <p:cNvSpPr>
             <a:spLocks noGrp="1"/>
           </p:cNvSpPr>
           <p:nvPr>
             <p:ph type="title"/>
+          </p:nvPr>
+        </p:nvSpPr>
+        <p:spPr/>
+        <p:txBody>
+          <a:bodyPr/>
+          <a:lstStyle>
+            <a:lvl1pPr>
+              <a:defRPr/>
+            </a:lvl1pPr>
+          </a:lstStyle>
+          <a:p>
+            <a:r>
+              <a:rPr lang="ja-JP" altLang="en-US"/>
+              <a:t>マスター タイトルの書式設定</a:t>
+            </a:r>
+            <a:endParaRPr lang="en-US" dirty="0"/>
+          </a:p>
+        </p:txBody>
+      </p:sp>
+      <p:sp>
+        <p:nvSpPr>
+          <p:cNvPr id="3" name="Text Placeholder 2"/>
+          <p:cNvSpPr>
+            <a:spLocks noGrp="1"/>
+          </p:cNvSpPr>
+          <p:nvPr>
+            <p:ph type="body" idx="1"/>
           </p:nvPr>
         </p:nvSpPr>
         <p:spPr>
           <a:xfrm>
-            <a:off x="839788" y="365125"/>
-            <a:ext cx="10515600" cy="1325563"/>
+            <a:off x="675745" y="2160983"/>
+            <a:ext cx="4185623" cy="576262"/>
           </a:xfrm>
         </p:spPr>
         <p:txBody>
-          <a:bodyPr/>
-          <a:lstStyle/>
-          <a:p>
-            <a:r>
-              <a:rPr kumimoji="1" lang="ja-JP" altLang="en-US"/>
-              <a:t>マスター タイトルの書式設定</a:t>
-            </a:r>
-          </a:p>
-        </p:txBody>
-      </p:sp>
-      <p:sp>
-        <p:nvSpPr>
-          <p:cNvPr id="3" name="テキスト プレースホルダー 2">
-            <a:extLst>
-              <a:ext uri="{FF2B5EF4-FFF2-40B4-BE49-F238E27FC236}">
-                <a16:creationId xmlns:a16="http://schemas.microsoft.com/office/drawing/2014/main" id="{7B50A0B4-C76A-4435-9F38-1FD3E2A3CD93}"/>
-              </a:ext>
-            </a:extLst>
-          </p:cNvPr>
-          <p:cNvSpPr>
-            <a:spLocks noGrp="1"/>
-          </p:cNvSpPr>
-          <p:nvPr>
-            <p:ph type="body" idx="1"/>
-          </p:nvPr>
-        </p:nvSpPr>
-        <p:spPr>
-          <a:xfrm>
-            <a:off x="839788" y="1681163"/>
-            <a:ext cx="5157787" cy="823912"/>
-          </a:xfrm>
-        </p:spPr>
-        <p:txBody>
-          <a:bodyPr anchor="b"/>
+          <a:bodyPr anchor="b">
+            <a:noAutofit/>
+          </a:bodyPr>
           <a:lstStyle>
             <a:lvl1pPr marL="0" indent="0">
               <a:buNone/>
-              <a:defRPr sz="2400" b="1"/>
+              <a:defRPr sz="2400" b="0"/>
             </a:lvl1pPr>
             <a:lvl2pPr marL="457200" indent="0">
               <a:buNone/>
@@ -2228,7 +4256,7 @@
           <a:p>
             <a:pPr lvl="0"/>
             <a:r>
-              <a:rPr kumimoji="1" lang="ja-JP" altLang="en-US"/>
+              <a:rPr lang="ja-JP" altLang="en-US"/>
               <a:t>マスター テキストの書式設定</a:t>
             </a:r>
           </a:p>
@@ -2236,13 +4264,7 @@
       </p:sp>
       <p:sp>
         <p:nvSpPr>
-          <p:cNvPr id="4" name="コンテンツ プレースホルダー 3">
-            <a:extLst>
-              <a:ext uri="{FF2B5EF4-FFF2-40B4-BE49-F238E27FC236}">
-                <a16:creationId xmlns:a16="http://schemas.microsoft.com/office/drawing/2014/main" id="{EB0FB719-70C6-4A9A-8FCC-8AC4A4B41D3E}"/>
-              </a:ext>
-            </a:extLst>
-          </p:cNvPr>
+          <p:cNvPr id="4" name="Content Placeholder 3"/>
           <p:cNvSpPr>
             <a:spLocks noGrp="1"/>
           </p:cNvSpPr>
@@ -2252,91 +4274,88 @@
         </p:nvSpPr>
         <p:spPr>
           <a:xfrm>
-            <a:off x="839788" y="2505075"/>
-            <a:ext cx="5157787" cy="3684588"/>
+            <a:off x="675745" y="2737245"/>
+            <a:ext cx="4185623" cy="3304117"/>
           </a:xfrm>
         </p:spPr>
         <p:txBody>
-          <a:bodyPr/>
+          <a:bodyPr>
+            <a:normAutofit/>
+          </a:bodyPr>
           <a:lstStyle/>
           <a:p>
             <a:pPr lvl="0"/>
             <a:r>
-              <a:rPr kumimoji="1" lang="ja-JP" altLang="en-US"/>
+              <a:rPr lang="ja-JP" altLang="en-US"/>
               <a:t>マスター テキストの書式設定</a:t>
             </a:r>
           </a:p>
           <a:p>
             <a:pPr lvl="1"/>
             <a:r>
-              <a:rPr kumimoji="1" lang="ja-JP" altLang="en-US"/>
+              <a:rPr lang="ja-JP" altLang="en-US"/>
               <a:t>第 </a:t>
             </a:r>
             <a:r>
-              <a:rPr kumimoji="1" lang="en-US" altLang="ja-JP"/>
+              <a:rPr lang="en-US" altLang="ja-JP"/>
               <a:t>2 </a:t>
             </a:r>
             <a:r>
-              <a:rPr kumimoji="1" lang="ja-JP" altLang="en-US"/>
+              <a:rPr lang="ja-JP" altLang="en-US"/>
               <a:t>レベル</a:t>
             </a:r>
           </a:p>
           <a:p>
             <a:pPr lvl="2"/>
             <a:r>
-              <a:rPr kumimoji="1" lang="ja-JP" altLang="en-US"/>
+              <a:rPr lang="ja-JP" altLang="en-US"/>
               <a:t>第 </a:t>
             </a:r>
             <a:r>
-              <a:rPr kumimoji="1" lang="en-US" altLang="ja-JP"/>
+              <a:rPr lang="en-US" altLang="ja-JP"/>
               <a:t>3 </a:t>
             </a:r>
             <a:r>
-              <a:rPr kumimoji="1" lang="ja-JP" altLang="en-US"/>
+              <a:rPr lang="ja-JP" altLang="en-US"/>
               <a:t>レベル</a:t>
             </a:r>
           </a:p>
           <a:p>
             <a:pPr lvl="3"/>
             <a:r>
-              <a:rPr kumimoji="1" lang="ja-JP" altLang="en-US"/>
+              <a:rPr lang="ja-JP" altLang="en-US"/>
               <a:t>第 </a:t>
             </a:r>
             <a:r>
-              <a:rPr kumimoji="1" lang="en-US" altLang="ja-JP"/>
+              <a:rPr lang="en-US" altLang="ja-JP"/>
               <a:t>4 </a:t>
             </a:r>
             <a:r>
-              <a:rPr kumimoji="1" lang="ja-JP" altLang="en-US"/>
+              <a:rPr lang="ja-JP" altLang="en-US"/>
               <a:t>レベル</a:t>
             </a:r>
           </a:p>
           <a:p>
             <a:pPr lvl="4"/>
             <a:r>
-              <a:rPr kumimoji="1" lang="ja-JP" altLang="en-US"/>
+              <a:rPr lang="ja-JP" altLang="en-US"/>
               <a:t>第 </a:t>
             </a:r>
             <a:r>
-              <a:rPr kumimoji="1" lang="en-US" altLang="ja-JP"/>
+              <a:rPr lang="en-US" altLang="ja-JP"/>
               <a:t>5 </a:t>
             </a:r>
             <a:r>
-              <a:rPr kumimoji="1" lang="ja-JP" altLang="en-US"/>
+              <a:rPr lang="ja-JP" altLang="en-US"/>
               <a:t>レベル</a:t>
             </a:r>
-          </a:p>
-        </p:txBody>
-      </p:sp>
-      <p:sp>
-        <p:nvSpPr>
-          <p:cNvPr id="5" name="テキスト プレースホルダー 4">
-            <a:extLst>
-              <a:ext uri="{FF2B5EF4-FFF2-40B4-BE49-F238E27FC236}">
-                <a16:creationId xmlns:a16="http://schemas.microsoft.com/office/drawing/2014/main" id="{AAE34F68-433A-4083-BDC5-ECB9A6CF2D94}"/>
-              </a:ext>
-            </a:extLst>
-          </p:cNvPr>
+            <a:endParaRPr lang="en-US" dirty="0"/>
+          </a:p>
+        </p:txBody>
+      </p:sp>
+      <p:sp>
+        <p:nvSpPr>
+          <p:cNvPr id="5" name="Text Placeholder 4"/>
           <p:cNvSpPr>
             <a:spLocks noGrp="1"/>
           </p:cNvSpPr>
@@ -2346,16 +4365,18 @@
         </p:nvSpPr>
         <p:spPr>
           <a:xfrm>
-            <a:off x="6172200" y="1681163"/>
-            <a:ext cx="5183188" cy="823912"/>
+            <a:off x="5088383" y="2160983"/>
+            <a:ext cx="4185618" cy="576262"/>
           </a:xfrm>
         </p:spPr>
         <p:txBody>
-          <a:bodyPr anchor="b"/>
+          <a:bodyPr anchor="b">
+            <a:noAutofit/>
+          </a:bodyPr>
           <a:lstStyle>
             <a:lvl1pPr marL="0" indent="0">
               <a:buNone/>
-              <a:defRPr sz="2400" b="1"/>
+              <a:defRPr sz="2400" b="0"/>
             </a:lvl1pPr>
             <a:lvl2pPr marL="457200" indent="0">
               <a:buNone/>
@@ -2393,7 +4414,7 @@
           <a:p>
             <a:pPr lvl="0"/>
             <a:r>
-              <a:rPr kumimoji="1" lang="ja-JP" altLang="en-US"/>
+              <a:rPr lang="ja-JP" altLang="en-US"/>
               <a:t>マスター テキストの書式設定</a:t>
             </a:r>
           </a:p>
@@ -2401,13 +4422,7 @@
       </p:sp>
       <p:sp>
         <p:nvSpPr>
-          <p:cNvPr id="6" name="コンテンツ プレースホルダー 5">
-            <a:extLst>
-              <a:ext uri="{FF2B5EF4-FFF2-40B4-BE49-F238E27FC236}">
-                <a16:creationId xmlns:a16="http://schemas.microsoft.com/office/drawing/2014/main" id="{25BB7D75-A75A-4945-96BF-B6BB84FE7436}"/>
-              </a:ext>
-            </a:extLst>
-          </p:cNvPr>
+          <p:cNvPr id="6" name="Content Placeholder 5"/>
           <p:cNvSpPr>
             <a:spLocks noGrp="1"/>
           </p:cNvSpPr>
@@ -2417,91 +4432,88 @@
         </p:nvSpPr>
         <p:spPr>
           <a:xfrm>
-            <a:off x="6172200" y="2505075"/>
-            <a:ext cx="5183188" cy="3684588"/>
+            <a:off x="5088384" y="2737245"/>
+            <a:ext cx="4185617" cy="3304117"/>
           </a:xfrm>
         </p:spPr>
         <p:txBody>
-          <a:bodyPr/>
+          <a:bodyPr>
+            <a:normAutofit/>
+          </a:bodyPr>
           <a:lstStyle/>
           <a:p>
             <a:pPr lvl="0"/>
             <a:r>
-              <a:rPr kumimoji="1" lang="ja-JP" altLang="en-US"/>
+              <a:rPr lang="ja-JP" altLang="en-US"/>
               <a:t>マスター テキストの書式設定</a:t>
             </a:r>
           </a:p>
           <a:p>
             <a:pPr lvl="1"/>
             <a:r>
-              <a:rPr kumimoji="1" lang="ja-JP" altLang="en-US"/>
+              <a:rPr lang="ja-JP" altLang="en-US"/>
               <a:t>第 </a:t>
             </a:r>
             <a:r>
-              <a:rPr kumimoji="1" lang="en-US" altLang="ja-JP"/>
+              <a:rPr lang="en-US" altLang="ja-JP"/>
               <a:t>2 </a:t>
             </a:r>
             <a:r>
-              <a:rPr kumimoji="1" lang="ja-JP" altLang="en-US"/>
+              <a:rPr lang="ja-JP" altLang="en-US"/>
               <a:t>レベル</a:t>
             </a:r>
           </a:p>
           <a:p>
             <a:pPr lvl="2"/>
             <a:r>
-              <a:rPr kumimoji="1" lang="ja-JP" altLang="en-US"/>
+              <a:rPr lang="ja-JP" altLang="en-US"/>
               <a:t>第 </a:t>
             </a:r>
             <a:r>
-              <a:rPr kumimoji="1" lang="en-US" altLang="ja-JP"/>
+              <a:rPr lang="en-US" altLang="ja-JP"/>
               <a:t>3 </a:t>
             </a:r>
             <a:r>
-              <a:rPr kumimoji="1" lang="ja-JP" altLang="en-US"/>
+              <a:rPr lang="ja-JP" altLang="en-US"/>
               <a:t>レベル</a:t>
             </a:r>
           </a:p>
           <a:p>
             <a:pPr lvl="3"/>
             <a:r>
-              <a:rPr kumimoji="1" lang="ja-JP" altLang="en-US"/>
+              <a:rPr lang="ja-JP" altLang="en-US"/>
               <a:t>第 </a:t>
             </a:r>
             <a:r>
-              <a:rPr kumimoji="1" lang="en-US" altLang="ja-JP"/>
+              <a:rPr lang="en-US" altLang="ja-JP"/>
               <a:t>4 </a:t>
             </a:r>
             <a:r>
-              <a:rPr kumimoji="1" lang="ja-JP" altLang="en-US"/>
+              <a:rPr lang="ja-JP" altLang="en-US"/>
               <a:t>レベル</a:t>
             </a:r>
           </a:p>
           <a:p>
             <a:pPr lvl="4"/>
             <a:r>
-              <a:rPr kumimoji="1" lang="ja-JP" altLang="en-US"/>
+              <a:rPr lang="ja-JP" altLang="en-US"/>
               <a:t>第 </a:t>
             </a:r>
             <a:r>
-              <a:rPr kumimoji="1" lang="en-US" altLang="ja-JP"/>
+              <a:rPr lang="en-US" altLang="ja-JP"/>
               <a:t>5 </a:t>
             </a:r>
             <a:r>
-              <a:rPr kumimoji="1" lang="ja-JP" altLang="en-US"/>
+              <a:rPr lang="ja-JP" altLang="en-US"/>
               <a:t>レベル</a:t>
             </a:r>
-          </a:p>
-        </p:txBody>
-      </p:sp>
-      <p:sp>
-        <p:nvSpPr>
-          <p:cNvPr id="7" name="日付プレースホルダー 6">
-            <a:extLst>
-              <a:ext uri="{FF2B5EF4-FFF2-40B4-BE49-F238E27FC236}">
-                <a16:creationId xmlns:a16="http://schemas.microsoft.com/office/drawing/2014/main" id="{5C666F74-D879-4BDD-AF91-BE1C711602CB}"/>
-              </a:ext>
-            </a:extLst>
-          </p:cNvPr>
+            <a:endParaRPr lang="en-US" dirty="0"/>
+          </a:p>
+        </p:txBody>
+      </p:sp>
+      <p:sp>
+        <p:nvSpPr>
+          <p:cNvPr id="7" name="Date Placeholder 6"/>
           <p:cNvSpPr>
             <a:spLocks noGrp="1"/>
           </p:cNvSpPr>
@@ -2524,13 +4536,7 @@
       </p:sp>
       <p:sp>
         <p:nvSpPr>
-          <p:cNvPr id="8" name="フッター プレースホルダー 7">
-            <a:extLst>
-              <a:ext uri="{FF2B5EF4-FFF2-40B4-BE49-F238E27FC236}">
-                <a16:creationId xmlns:a16="http://schemas.microsoft.com/office/drawing/2014/main" id="{FF357C84-A9EE-4720-B519-9F7101C4C9F7}"/>
-              </a:ext>
-            </a:extLst>
-          </p:cNvPr>
+          <p:cNvPr id="8" name="Footer Placeholder 7"/>
           <p:cNvSpPr>
             <a:spLocks noGrp="1"/>
           </p:cNvSpPr>
@@ -2549,13 +4555,7 @@
       </p:sp>
       <p:sp>
         <p:nvSpPr>
-          <p:cNvPr id="9" name="スライド番号プレースホルダー 8">
-            <a:extLst>
-              <a:ext uri="{FF2B5EF4-FFF2-40B4-BE49-F238E27FC236}">
-                <a16:creationId xmlns:a16="http://schemas.microsoft.com/office/drawing/2014/main" id="{A3AB3F2A-A388-4B0C-B682-BA184D43F976}"/>
-              </a:ext>
-            </a:extLst>
-          </p:cNvPr>
+          <p:cNvPr id="9" name="Slide Number Placeholder 8"/>
           <p:cNvSpPr>
             <a:spLocks noGrp="1"/>
           </p:cNvSpPr>
@@ -2579,7 +4579,7 @@
     </p:spTree>
     <p:extLst>
       <p:ext uri="{BB962C8B-B14F-4D97-AF65-F5344CB8AC3E}">
-        <p14:creationId xmlns:p14="http://schemas.microsoft.com/office/powerpoint/2010/main" val="1673586599"/>
+        <p14:creationId xmlns:p14="http://schemas.microsoft.com/office/powerpoint/2010/main" val="1746248497"/>
       </p:ext>
     </p:extLst>
   </p:cSld>
@@ -2608,13 +4608,7 @@
       </p:grpSpPr>
       <p:sp>
         <p:nvSpPr>
-          <p:cNvPr id="2" name="タイトル 1">
-            <a:extLst>
-              <a:ext uri="{FF2B5EF4-FFF2-40B4-BE49-F238E27FC236}">
-                <a16:creationId xmlns:a16="http://schemas.microsoft.com/office/drawing/2014/main" id="{375A8393-09AB-4489-888E-E3AC40107048}"/>
-              </a:ext>
-            </a:extLst>
-          </p:cNvPr>
+          <p:cNvPr id="2" name="Title 1"/>
           <p:cNvSpPr>
             <a:spLocks noGrp="1"/>
           </p:cNvSpPr>
@@ -2622,27 +4616,27 @@
             <p:ph type="title"/>
           </p:nvPr>
         </p:nvSpPr>
-        <p:spPr/>
+        <p:spPr>
+          <a:xfrm>
+            <a:off x="677334" y="609600"/>
+            <a:ext cx="8596668" cy="1320800"/>
+          </a:xfrm>
+        </p:spPr>
         <p:txBody>
           <a:bodyPr/>
           <a:lstStyle/>
           <a:p>
             <a:r>
-              <a:rPr kumimoji="1" lang="ja-JP" altLang="en-US"/>
+              <a:rPr lang="ja-JP" altLang="en-US"/>
               <a:t>マスター タイトルの書式設定</a:t>
             </a:r>
-          </a:p>
-        </p:txBody>
-      </p:sp>
-      <p:sp>
-        <p:nvSpPr>
-          <p:cNvPr id="3" name="日付プレースホルダー 2">
-            <a:extLst>
-              <a:ext uri="{FF2B5EF4-FFF2-40B4-BE49-F238E27FC236}">
-                <a16:creationId xmlns:a16="http://schemas.microsoft.com/office/drawing/2014/main" id="{471330C4-9185-4121-A13A-2A8900C2ABC6}"/>
-              </a:ext>
-            </a:extLst>
-          </p:cNvPr>
+            <a:endParaRPr lang="en-US" dirty="0"/>
+          </a:p>
+        </p:txBody>
+      </p:sp>
+      <p:sp>
+        <p:nvSpPr>
+          <p:cNvPr id="3" name="Date Placeholder 2"/>
           <p:cNvSpPr>
             <a:spLocks noGrp="1"/>
           </p:cNvSpPr>
@@ -2665,13 +4659,7 @@
       </p:sp>
       <p:sp>
         <p:nvSpPr>
-          <p:cNvPr id="4" name="フッター プレースホルダー 3">
-            <a:extLst>
-              <a:ext uri="{FF2B5EF4-FFF2-40B4-BE49-F238E27FC236}">
-                <a16:creationId xmlns:a16="http://schemas.microsoft.com/office/drawing/2014/main" id="{40739E7F-4361-4B32-96F1-A19FB5F5B040}"/>
-              </a:ext>
-            </a:extLst>
-          </p:cNvPr>
+          <p:cNvPr id="4" name="Footer Placeholder 3"/>
           <p:cNvSpPr>
             <a:spLocks noGrp="1"/>
           </p:cNvSpPr>
@@ -2690,13 +4678,7 @@
       </p:sp>
       <p:sp>
         <p:nvSpPr>
-          <p:cNvPr id="5" name="スライド番号プレースホルダー 4">
-            <a:extLst>
-              <a:ext uri="{FF2B5EF4-FFF2-40B4-BE49-F238E27FC236}">
-                <a16:creationId xmlns:a16="http://schemas.microsoft.com/office/drawing/2014/main" id="{2E9932F3-EAB5-4426-8E30-E52B86984470}"/>
-              </a:ext>
-            </a:extLst>
-          </p:cNvPr>
+          <p:cNvPr id="5" name="Slide Number Placeholder 4"/>
           <p:cNvSpPr>
             <a:spLocks noGrp="1"/>
           </p:cNvSpPr>
@@ -2720,7 +4702,7 @@
     </p:spTree>
     <p:extLst>
       <p:ext uri="{BB962C8B-B14F-4D97-AF65-F5344CB8AC3E}">
-        <p14:creationId xmlns:p14="http://schemas.microsoft.com/office/powerpoint/2010/main" val="1916484125"/>
+        <p14:creationId xmlns:p14="http://schemas.microsoft.com/office/powerpoint/2010/main" val="607216665"/>
       </p:ext>
     </p:extLst>
   </p:cSld>
@@ -2749,13 +4731,7 @@
       </p:grpSpPr>
       <p:sp>
         <p:nvSpPr>
-          <p:cNvPr id="2" name="日付プレースホルダー 1">
-            <a:extLst>
-              <a:ext uri="{FF2B5EF4-FFF2-40B4-BE49-F238E27FC236}">
-                <a16:creationId xmlns:a16="http://schemas.microsoft.com/office/drawing/2014/main" id="{FDEF933A-25F1-4C75-9C52-A69E96387F1E}"/>
-              </a:ext>
-            </a:extLst>
-          </p:cNvPr>
+          <p:cNvPr id="2" name="Date Placeholder 1"/>
           <p:cNvSpPr>
             <a:spLocks noGrp="1"/>
           </p:cNvSpPr>
@@ -2778,13 +4754,7 @@
       </p:sp>
       <p:sp>
         <p:nvSpPr>
-          <p:cNvPr id="3" name="フッター プレースホルダー 2">
-            <a:extLst>
-              <a:ext uri="{FF2B5EF4-FFF2-40B4-BE49-F238E27FC236}">
-                <a16:creationId xmlns:a16="http://schemas.microsoft.com/office/drawing/2014/main" id="{35E96BCA-DF20-4B06-81CA-1458B3B3DBE1}"/>
-              </a:ext>
-            </a:extLst>
-          </p:cNvPr>
+          <p:cNvPr id="3" name="Footer Placeholder 2"/>
           <p:cNvSpPr>
             <a:spLocks noGrp="1"/>
           </p:cNvSpPr>
@@ -2803,13 +4773,7 @@
       </p:sp>
       <p:sp>
         <p:nvSpPr>
-          <p:cNvPr id="4" name="スライド番号プレースホルダー 3">
-            <a:extLst>
-              <a:ext uri="{FF2B5EF4-FFF2-40B4-BE49-F238E27FC236}">
-                <a16:creationId xmlns:a16="http://schemas.microsoft.com/office/drawing/2014/main" id="{BEBD290E-669F-4A76-ACED-2081468E8188}"/>
-              </a:ext>
-            </a:extLst>
-          </p:cNvPr>
+          <p:cNvPr id="4" name="Slide Number Placeholder 3"/>
           <p:cNvSpPr>
             <a:spLocks noGrp="1"/>
           </p:cNvSpPr>
@@ -2833,7 +4797,7 @@
     </p:spTree>
     <p:extLst>
       <p:ext uri="{BB962C8B-B14F-4D97-AF65-F5344CB8AC3E}">
-        <p14:creationId xmlns:p14="http://schemas.microsoft.com/office/powerpoint/2010/main" val="810294761"/>
+        <p14:creationId xmlns:p14="http://schemas.microsoft.com/office/powerpoint/2010/main" val="3167442447"/>
       </p:ext>
     </p:extLst>
   </p:cSld>
@@ -2862,13 +4826,7 @@
       </p:grpSpPr>
       <p:sp>
         <p:nvSpPr>
-          <p:cNvPr id="2" name="タイトル 1">
-            <a:extLst>
-              <a:ext uri="{FF2B5EF4-FFF2-40B4-BE49-F238E27FC236}">
-                <a16:creationId xmlns:a16="http://schemas.microsoft.com/office/drawing/2014/main" id="{4F0E3771-104A-479F-B49E-8BFD255709B6}"/>
-              </a:ext>
-            </a:extLst>
-          </p:cNvPr>
+          <p:cNvPr id="2" name="Title 1"/>
           <p:cNvSpPr>
             <a:spLocks noGrp="1"/>
           </p:cNvSpPr>
@@ -2878,34 +4836,31 @@
         </p:nvSpPr>
         <p:spPr>
           <a:xfrm>
-            <a:off x="839788" y="457200"/>
-            <a:ext cx="3932237" cy="1600200"/>
+            <a:off x="677334" y="1498604"/>
+            <a:ext cx="3854528" cy="1278466"/>
           </a:xfrm>
         </p:spPr>
         <p:txBody>
-          <a:bodyPr anchor="b"/>
+          <a:bodyPr anchor="b">
+            <a:normAutofit/>
+          </a:bodyPr>
           <a:lstStyle>
             <a:lvl1pPr>
-              <a:defRPr sz="3200"/>
+              <a:defRPr sz="2000"/>
             </a:lvl1pPr>
           </a:lstStyle>
           <a:p>
             <a:r>
-              <a:rPr kumimoji="1" lang="ja-JP" altLang="en-US"/>
+              <a:rPr lang="ja-JP" altLang="en-US"/>
               <a:t>マスター タイトルの書式設定</a:t>
             </a:r>
-          </a:p>
-        </p:txBody>
-      </p:sp>
-      <p:sp>
-        <p:nvSpPr>
-          <p:cNvPr id="3" name="コンテンツ プレースホルダー 2">
-            <a:extLst>
-              <a:ext uri="{FF2B5EF4-FFF2-40B4-BE49-F238E27FC236}">
-                <a16:creationId xmlns:a16="http://schemas.microsoft.com/office/drawing/2014/main" id="{31A3CFB0-4129-4376-B043-6FA664292A25}"/>
-              </a:ext>
-            </a:extLst>
-          </p:cNvPr>
+            <a:endParaRPr lang="en-US" dirty="0"/>
+          </a:p>
+        </p:txBody>
+      </p:sp>
+      <p:sp>
+        <p:nvSpPr>
+          <p:cNvPr id="3" name="Content Placeholder 2"/>
           <p:cNvSpPr>
             <a:spLocks noGrp="1"/>
           </p:cNvSpPr>
@@ -2915,119 +4870,88 @@
         </p:nvSpPr>
         <p:spPr>
           <a:xfrm>
-            <a:off x="5183188" y="987425"/>
-            <a:ext cx="6172200" cy="4873625"/>
+            <a:off x="4760461" y="514924"/>
+            <a:ext cx="4513541" cy="5526437"/>
           </a:xfrm>
         </p:spPr>
         <p:txBody>
-          <a:bodyPr/>
-          <a:lstStyle>
-            <a:lvl1pPr>
-              <a:defRPr sz="3200"/>
-            </a:lvl1pPr>
-            <a:lvl2pPr>
-              <a:defRPr sz="2800"/>
-            </a:lvl2pPr>
-            <a:lvl3pPr>
-              <a:defRPr sz="2400"/>
-            </a:lvl3pPr>
-            <a:lvl4pPr>
-              <a:defRPr sz="2000"/>
-            </a:lvl4pPr>
-            <a:lvl5pPr>
-              <a:defRPr sz="2000"/>
-            </a:lvl5pPr>
-            <a:lvl6pPr>
-              <a:defRPr sz="2000"/>
-            </a:lvl6pPr>
-            <a:lvl7pPr>
-              <a:defRPr sz="2000"/>
-            </a:lvl7pPr>
-            <a:lvl8pPr>
-              <a:defRPr sz="2000"/>
-            </a:lvl8pPr>
-            <a:lvl9pPr>
-              <a:defRPr sz="2000"/>
-            </a:lvl9pPr>
-          </a:lstStyle>
+          <a:bodyPr>
+            <a:normAutofit/>
+          </a:bodyPr>
+          <a:lstStyle/>
           <a:p>
             <a:pPr lvl="0"/>
             <a:r>
-              <a:rPr kumimoji="1" lang="ja-JP" altLang="en-US"/>
+              <a:rPr lang="ja-JP" altLang="en-US"/>
               <a:t>マスター テキストの書式設定</a:t>
             </a:r>
           </a:p>
           <a:p>
             <a:pPr lvl="1"/>
             <a:r>
-              <a:rPr kumimoji="1" lang="ja-JP" altLang="en-US"/>
+              <a:rPr lang="ja-JP" altLang="en-US"/>
               <a:t>第 </a:t>
             </a:r>
             <a:r>
-              <a:rPr kumimoji="1" lang="en-US" altLang="ja-JP"/>
+              <a:rPr lang="en-US" altLang="ja-JP"/>
               <a:t>2 </a:t>
             </a:r>
             <a:r>
-              <a:rPr kumimoji="1" lang="ja-JP" altLang="en-US"/>
+              <a:rPr lang="ja-JP" altLang="en-US"/>
               <a:t>レベル</a:t>
             </a:r>
           </a:p>
           <a:p>
             <a:pPr lvl="2"/>
             <a:r>
-              <a:rPr kumimoji="1" lang="ja-JP" altLang="en-US"/>
+              <a:rPr lang="ja-JP" altLang="en-US"/>
               <a:t>第 </a:t>
             </a:r>
             <a:r>
-              <a:rPr kumimoji="1" lang="en-US" altLang="ja-JP"/>
+              <a:rPr lang="en-US" altLang="ja-JP"/>
               <a:t>3 </a:t>
             </a:r>
             <a:r>
-              <a:rPr kumimoji="1" lang="ja-JP" altLang="en-US"/>
+              <a:rPr lang="ja-JP" altLang="en-US"/>
               <a:t>レベル</a:t>
             </a:r>
           </a:p>
           <a:p>
             <a:pPr lvl="3"/>
             <a:r>
-              <a:rPr kumimoji="1" lang="ja-JP" altLang="en-US"/>
+              <a:rPr lang="ja-JP" altLang="en-US"/>
               <a:t>第 </a:t>
             </a:r>
             <a:r>
-              <a:rPr kumimoji="1" lang="en-US" altLang="ja-JP"/>
+              <a:rPr lang="en-US" altLang="ja-JP"/>
               <a:t>4 </a:t>
             </a:r>
             <a:r>
-              <a:rPr kumimoji="1" lang="ja-JP" altLang="en-US"/>
+              <a:rPr lang="ja-JP" altLang="en-US"/>
               <a:t>レベル</a:t>
             </a:r>
           </a:p>
           <a:p>
             <a:pPr lvl="4"/>
             <a:r>
-              <a:rPr kumimoji="1" lang="ja-JP" altLang="en-US"/>
+              <a:rPr lang="ja-JP" altLang="en-US"/>
               <a:t>第 </a:t>
             </a:r>
             <a:r>
-              <a:rPr kumimoji="1" lang="en-US" altLang="ja-JP"/>
+              <a:rPr lang="en-US" altLang="ja-JP"/>
               <a:t>5 </a:t>
             </a:r>
             <a:r>
-              <a:rPr kumimoji="1" lang="ja-JP" altLang="en-US"/>
+              <a:rPr lang="ja-JP" altLang="en-US"/>
               <a:t>レベル</a:t>
             </a:r>
-          </a:p>
-        </p:txBody>
-      </p:sp>
-      <p:sp>
-        <p:nvSpPr>
-          <p:cNvPr id="4" name="テキスト プレースホルダー 3">
-            <a:extLst>
-              <a:ext uri="{FF2B5EF4-FFF2-40B4-BE49-F238E27FC236}">
-                <a16:creationId xmlns:a16="http://schemas.microsoft.com/office/drawing/2014/main" id="{32FD48B7-FBFF-4BC3-82BF-66F06CD9AB4D}"/>
-              </a:ext>
-            </a:extLst>
-          </p:cNvPr>
+            <a:endParaRPr lang="en-US" dirty="0"/>
+          </a:p>
+        </p:txBody>
+      </p:sp>
+      <p:sp>
+        <p:nvSpPr>
+          <p:cNvPr id="4" name="Text Placeholder 3"/>
           <p:cNvSpPr>
             <a:spLocks noGrp="1"/>
           </p:cNvSpPr>
@@ -3037,46 +4961,48 @@
         </p:nvSpPr>
         <p:spPr>
           <a:xfrm>
-            <a:off x="839788" y="2057400"/>
-            <a:ext cx="3932237" cy="3811588"/>
+            <a:off x="677334" y="2777069"/>
+            <a:ext cx="3854528" cy="2584449"/>
           </a:xfrm>
         </p:spPr>
         <p:txBody>
-          <a:bodyPr/>
+          <a:bodyPr>
+            <a:normAutofit/>
+          </a:bodyPr>
           <a:lstStyle>
             <a:lvl1pPr marL="0" indent="0">
               <a:buNone/>
-              <a:defRPr sz="1600"/>
+              <a:defRPr sz="1400"/>
             </a:lvl1pPr>
-            <a:lvl2pPr marL="457200" indent="0">
+            <a:lvl2pPr marL="457063" indent="0">
               <a:buNone/>
               <a:defRPr sz="1400"/>
             </a:lvl2pPr>
-            <a:lvl3pPr marL="914400" indent="0">
+            <a:lvl3pPr marL="914126" indent="0">
               <a:buNone/>
               <a:defRPr sz="1200"/>
             </a:lvl3pPr>
-            <a:lvl4pPr marL="1371600" indent="0">
+            <a:lvl4pPr marL="1371189" indent="0">
               <a:buNone/>
               <a:defRPr sz="1000"/>
             </a:lvl4pPr>
-            <a:lvl5pPr marL="1828800" indent="0">
+            <a:lvl5pPr marL="1828251" indent="0">
               <a:buNone/>
               <a:defRPr sz="1000"/>
             </a:lvl5pPr>
-            <a:lvl6pPr marL="2286000" indent="0">
+            <a:lvl6pPr marL="2285314" indent="0">
               <a:buNone/>
               <a:defRPr sz="1000"/>
             </a:lvl6pPr>
-            <a:lvl7pPr marL="2743200" indent="0">
+            <a:lvl7pPr marL="2742377" indent="0">
               <a:buNone/>
               <a:defRPr sz="1000"/>
             </a:lvl7pPr>
-            <a:lvl8pPr marL="3200400" indent="0">
+            <a:lvl8pPr marL="3199440" indent="0">
               <a:buNone/>
               <a:defRPr sz="1000"/>
             </a:lvl8pPr>
-            <a:lvl9pPr marL="3657600" indent="0">
+            <a:lvl9pPr marL="3656503" indent="0">
               <a:buNone/>
               <a:defRPr sz="1000"/>
             </a:lvl9pPr>
@@ -3084,7 +5010,7 @@
           <a:p>
             <a:pPr lvl="0"/>
             <a:r>
-              <a:rPr kumimoji="1" lang="ja-JP" altLang="en-US"/>
+              <a:rPr lang="ja-JP" altLang="en-US"/>
               <a:t>マスター テキストの書式設定</a:t>
             </a:r>
           </a:p>
@@ -3092,13 +5018,7 @@
       </p:sp>
       <p:sp>
         <p:nvSpPr>
-          <p:cNvPr id="5" name="日付プレースホルダー 4">
-            <a:extLst>
-              <a:ext uri="{FF2B5EF4-FFF2-40B4-BE49-F238E27FC236}">
-                <a16:creationId xmlns:a16="http://schemas.microsoft.com/office/drawing/2014/main" id="{958C1100-455E-42D9-9377-9B18594A8586}"/>
-              </a:ext>
-            </a:extLst>
-          </p:cNvPr>
+          <p:cNvPr id="5" name="Date Placeholder 4"/>
           <p:cNvSpPr>
             <a:spLocks noGrp="1"/>
           </p:cNvSpPr>
@@ -3121,13 +5041,7 @@
       </p:sp>
       <p:sp>
         <p:nvSpPr>
-          <p:cNvPr id="6" name="フッター プレースホルダー 5">
-            <a:extLst>
-              <a:ext uri="{FF2B5EF4-FFF2-40B4-BE49-F238E27FC236}">
-                <a16:creationId xmlns:a16="http://schemas.microsoft.com/office/drawing/2014/main" id="{18933EFD-3FCB-4EBF-BDCE-A35FFC70594B}"/>
-              </a:ext>
-            </a:extLst>
-          </p:cNvPr>
+          <p:cNvPr id="6" name="Footer Placeholder 5"/>
           <p:cNvSpPr>
             <a:spLocks noGrp="1"/>
           </p:cNvSpPr>
@@ -3146,13 +5060,7 @@
       </p:sp>
       <p:sp>
         <p:nvSpPr>
-          <p:cNvPr id="7" name="スライド番号プレースホルダー 6">
-            <a:extLst>
-              <a:ext uri="{FF2B5EF4-FFF2-40B4-BE49-F238E27FC236}">
-                <a16:creationId xmlns:a16="http://schemas.microsoft.com/office/drawing/2014/main" id="{3B72F0EA-D3E9-4EBC-892D-56EA68D3ADE9}"/>
-              </a:ext>
-            </a:extLst>
-          </p:cNvPr>
+          <p:cNvPr id="7" name="Slide Number Placeholder 6"/>
           <p:cNvSpPr>
             <a:spLocks noGrp="1"/>
           </p:cNvSpPr>
@@ -3176,7 +5084,7 @@
     </p:spTree>
     <p:extLst>
       <p:ext uri="{BB962C8B-B14F-4D97-AF65-F5344CB8AC3E}">
-        <p14:creationId xmlns:p14="http://schemas.microsoft.com/office/powerpoint/2010/main" val="57458553"/>
+        <p14:creationId xmlns:p14="http://schemas.microsoft.com/office/powerpoint/2010/main" val="586576644"/>
       </p:ext>
     </p:extLst>
   </p:cSld>
@@ -3205,13 +5113,7 @@
       </p:grpSpPr>
       <p:sp>
         <p:nvSpPr>
-          <p:cNvPr id="2" name="タイトル 1">
-            <a:extLst>
-              <a:ext uri="{FF2B5EF4-FFF2-40B4-BE49-F238E27FC236}">
-                <a16:creationId xmlns:a16="http://schemas.microsoft.com/office/drawing/2014/main" id="{E2FD3882-29BF-42D7-AC76-EE7A5B46A920}"/>
-              </a:ext>
-            </a:extLst>
-          </p:cNvPr>
+          <p:cNvPr id="2" name="Title 1"/>
           <p:cNvSpPr>
             <a:spLocks noGrp="1"/>
           </p:cNvSpPr>
@@ -3221,36 +5123,33 @@
         </p:nvSpPr>
         <p:spPr>
           <a:xfrm>
-            <a:off x="839788" y="457200"/>
-            <a:ext cx="3932237" cy="1600200"/>
+            <a:off x="677334" y="4800600"/>
+            <a:ext cx="8596667" cy="566738"/>
           </a:xfrm>
         </p:spPr>
         <p:txBody>
-          <a:bodyPr anchor="b"/>
+          <a:bodyPr anchor="b">
+            <a:normAutofit/>
+          </a:bodyPr>
           <a:lstStyle>
-            <a:lvl1pPr>
-              <a:defRPr sz="3200"/>
+            <a:lvl1pPr algn="l">
+              <a:defRPr sz="2400" b="0"/>
             </a:lvl1pPr>
           </a:lstStyle>
           <a:p>
             <a:r>
-              <a:rPr kumimoji="1" lang="ja-JP" altLang="en-US"/>
+              <a:rPr lang="ja-JP" altLang="en-US"/>
               <a:t>マスター タイトルの書式設定</a:t>
             </a:r>
-          </a:p>
-        </p:txBody>
-      </p:sp>
-      <p:sp>
-        <p:nvSpPr>
-          <p:cNvPr id="3" name="図プレースホルダー 2">
-            <a:extLst>
-              <a:ext uri="{FF2B5EF4-FFF2-40B4-BE49-F238E27FC236}">
-                <a16:creationId xmlns:a16="http://schemas.microsoft.com/office/drawing/2014/main" id="{9092082A-42E2-4EA3-906F-F41ECDEA6DAC}"/>
-              </a:ext>
-            </a:extLst>
-          </p:cNvPr>
-          <p:cNvSpPr>
-            <a:spLocks noGrp="1"/>
+            <a:endParaRPr lang="en-US" dirty="0"/>
+          </a:p>
+        </p:txBody>
+      </p:sp>
+      <p:sp>
+        <p:nvSpPr>
+          <p:cNvPr id="3" name="Picture Placeholder 2"/>
+          <p:cNvSpPr>
+            <a:spLocks noGrp="1" noChangeAspect="1"/>
           </p:cNvSpPr>
           <p:nvPr>
             <p:ph type="pic" idx="1"/>
@@ -3258,121 +5157,123 @@
         </p:nvSpPr>
         <p:spPr>
           <a:xfrm>
-            <a:off x="5183188" y="987425"/>
-            <a:ext cx="6172200" cy="4873625"/>
+            <a:off x="677334" y="609600"/>
+            <a:ext cx="8596668" cy="3845718"/>
           </a:xfrm>
         </p:spPr>
         <p:txBody>
-          <a:bodyPr/>
+          <a:bodyPr anchor="t">
+            <a:normAutofit/>
+          </a:bodyPr>
           <a:lstStyle>
-            <a:lvl1pPr marL="0" indent="0">
-              <a:buNone/>
-              <a:defRPr sz="3200"/>
-            </a:lvl1pPr>
-            <a:lvl2pPr marL="457200" indent="0">
-              <a:buNone/>
-              <a:defRPr sz="2800"/>
-            </a:lvl2pPr>
-            <a:lvl3pPr marL="914400" indent="0">
-              <a:buNone/>
-              <a:defRPr sz="2400"/>
-            </a:lvl3pPr>
-            <a:lvl4pPr marL="1371600" indent="0">
-              <a:buNone/>
-              <a:defRPr sz="2000"/>
-            </a:lvl4pPr>
-            <a:lvl5pPr marL="1828800" indent="0">
-              <a:buNone/>
-              <a:defRPr sz="2000"/>
-            </a:lvl5pPr>
-            <a:lvl6pPr marL="2286000" indent="0">
-              <a:buNone/>
-              <a:defRPr sz="2000"/>
-            </a:lvl6pPr>
-            <a:lvl7pPr marL="2743200" indent="0">
-              <a:buNone/>
-              <a:defRPr sz="2000"/>
-            </a:lvl7pPr>
-            <a:lvl8pPr marL="3200400" indent="0">
-              <a:buNone/>
-              <a:defRPr sz="2000"/>
-            </a:lvl8pPr>
-            <a:lvl9pPr marL="3657600" indent="0">
-              <a:buNone/>
-              <a:defRPr sz="2000"/>
-            </a:lvl9pPr>
-          </a:lstStyle>
-          <a:p>
-            <a:endParaRPr kumimoji="1" lang="ja-JP" altLang="en-US"/>
-          </a:p>
-        </p:txBody>
-      </p:sp>
-      <p:sp>
-        <p:nvSpPr>
-          <p:cNvPr id="4" name="テキスト プレースホルダー 3">
-            <a:extLst>
-              <a:ext uri="{FF2B5EF4-FFF2-40B4-BE49-F238E27FC236}">
-                <a16:creationId xmlns:a16="http://schemas.microsoft.com/office/drawing/2014/main" id="{6C013DFD-3566-4502-B4E0-72FDC33DBE8D}"/>
-              </a:ext>
-            </a:extLst>
-          </p:cNvPr>
-          <p:cNvSpPr>
-            <a:spLocks noGrp="1"/>
-          </p:cNvSpPr>
-          <p:nvPr>
-            <p:ph type="body" sz="half" idx="2"/>
-          </p:nvPr>
-        </p:nvSpPr>
-        <p:spPr>
-          <a:xfrm>
-            <a:off x="839788" y="2057400"/>
-            <a:ext cx="3932237" cy="3811588"/>
-          </a:xfrm>
-        </p:spPr>
-        <p:txBody>
-          <a:bodyPr/>
-          <a:lstStyle>
-            <a:lvl1pPr marL="0" indent="0">
+            <a:lvl1pPr marL="0" indent="0" algn="ctr">
               <a:buNone/>
               <a:defRPr sz="1600"/>
             </a:lvl1pPr>
             <a:lvl2pPr marL="457200" indent="0">
               <a:buNone/>
-              <a:defRPr sz="1400"/>
+              <a:defRPr sz="1600"/>
             </a:lvl2pPr>
             <a:lvl3pPr marL="914400" indent="0">
               <a:buNone/>
-              <a:defRPr sz="1200"/>
+              <a:defRPr sz="1600"/>
             </a:lvl3pPr>
             <a:lvl4pPr marL="1371600" indent="0">
               <a:buNone/>
-              <a:defRPr sz="1000"/>
+              <a:defRPr sz="1600"/>
             </a:lvl4pPr>
             <a:lvl5pPr marL="1828800" indent="0">
               <a:buNone/>
-              <a:defRPr sz="1000"/>
+              <a:defRPr sz="1600"/>
             </a:lvl5pPr>
             <a:lvl6pPr marL="2286000" indent="0">
               <a:buNone/>
-              <a:defRPr sz="1000"/>
+              <a:defRPr sz="1600"/>
             </a:lvl6pPr>
             <a:lvl7pPr marL="2743200" indent="0">
               <a:buNone/>
-              <a:defRPr sz="1000"/>
+              <a:defRPr sz="1600"/>
             </a:lvl7pPr>
             <a:lvl8pPr marL="3200400" indent="0">
               <a:buNone/>
-              <a:defRPr sz="1000"/>
+              <a:defRPr sz="1600"/>
             </a:lvl8pPr>
             <a:lvl9pPr marL="3657600" indent="0">
               <a:buNone/>
-              <a:defRPr sz="1000"/>
+              <a:defRPr sz="1600"/>
             </a:lvl9pPr>
           </a:lstStyle>
           <a:p>
+            <a:r>
+              <a:rPr lang="ja-JP" altLang="en-US"/>
+              <a:t>アイコンをクリックして図を追加</a:t>
+            </a:r>
+            <a:endParaRPr lang="en-US" dirty="0"/>
+          </a:p>
+        </p:txBody>
+      </p:sp>
+      <p:sp>
+        <p:nvSpPr>
+          <p:cNvPr id="4" name="Text Placeholder 3"/>
+          <p:cNvSpPr>
+            <a:spLocks noGrp="1"/>
+          </p:cNvSpPr>
+          <p:nvPr>
+            <p:ph type="body" sz="half" idx="2"/>
+          </p:nvPr>
+        </p:nvSpPr>
+        <p:spPr>
+          <a:xfrm>
+            <a:off x="677334" y="5367338"/>
+            <a:ext cx="8596667" cy="674024"/>
+          </a:xfrm>
+        </p:spPr>
+        <p:txBody>
+          <a:bodyPr>
+            <a:normAutofit/>
+          </a:bodyPr>
+          <a:lstStyle>
+            <a:lvl1pPr marL="0" indent="0">
+              <a:buNone/>
+              <a:defRPr sz="1200"/>
+            </a:lvl1pPr>
+            <a:lvl2pPr marL="457200" indent="0">
+              <a:buNone/>
+              <a:defRPr sz="1200"/>
+            </a:lvl2pPr>
+            <a:lvl3pPr marL="914400" indent="0">
+              <a:buNone/>
+              <a:defRPr sz="1000"/>
+            </a:lvl3pPr>
+            <a:lvl4pPr marL="1371600" indent="0">
+              <a:buNone/>
+              <a:defRPr sz="900"/>
+            </a:lvl4pPr>
+            <a:lvl5pPr marL="1828800" indent="0">
+              <a:buNone/>
+              <a:defRPr sz="900"/>
+            </a:lvl5pPr>
+            <a:lvl6pPr marL="2286000" indent="0">
+              <a:buNone/>
+              <a:defRPr sz="900"/>
+            </a:lvl6pPr>
+            <a:lvl7pPr marL="2743200" indent="0">
+              <a:buNone/>
+              <a:defRPr sz="900"/>
+            </a:lvl7pPr>
+            <a:lvl8pPr marL="3200400" indent="0">
+              <a:buNone/>
+              <a:defRPr sz="900"/>
+            </a:lvl8pPr>
+            <a:lvl9pPr marL="3657600" indent="0">
+              <a:buNone/>
+              <a:defRPr sz="900"/>
+            </a:lvl9pPr>
+          </a:lstStyle>
+          <a:p>
             <a:pPr lvl="0"/>
             <a:r>
-              <a:rPr kumimoji="1" lang="ja-JP" altLang="en-US"/>
+              <a:rPr lang="ja-JP" altLang="en-US"/>
               <a:t>マスター テキストの書式設定</a:t>
             </a:r>
           </a:p>
@@ -3380,13 +5281,7 @@
       </p:sp>
       <p:sp>
         <p:nvSpPr>
-          <p:cNvPr id="5" name="日付プレースホルダー 4">
-            <a:extLst>
-              <a:ext uri="{FF2B5EF4-FFF2-40B4-BE49-F238E27FC236}">
-                <a16:creationId xmlns:a16="http://schemas.microsoft.com/office/drawing/2014/main" id="{A952B94D-27B0-4F17-815D-45665C8A69FA}"/>
-              </a:ext>
-            </a:extLst>
-          </p:cNvPr>
+          <p:cNvPr id="5" name="Date Placeholder 4"/>
           <p:cNvSpPr>
             <a:spLocks noGrp="1"/>
           </p:cNvSpPr>
@@ -3409,13 +5304,7 @@
       </p:sp>
       <p:sp>
         <p:nvSpPr>
-          <p:cNvPr id="6" name="フッター プレースホルダー 5">
-            <a:extLst>
-              <a:ext uri="{FF2B5EF4-FFF2-40B4-BE49-F238E27FC236}">
-                <a16:creationId xmlns:a16="http://schemas.microsoft.com/office/drawing/2014/main" id="{38DF327D-CACB-43CD-AD71-6C398CA5C940}"/>
-              </a:ext>
-            </a:extLst>
-          </p:cNvPr>
+          <p:cNvPr id="6" name="Footer Placeholder 5"/>
           <p:cNvSpPr>
             <a:spLocks noGrp="1"/>
           </p:cNvSpPr>
@@ -3434,13 +5323,7 @@
       </p:sp>
       <p:sp>
         <p:nvSpPr>
-          <p:cNvPr id="7" name="スライド番号プレースホルダー 6">
-            <a:extLst>
-              <a:ext uri="{FF2B5EF4-FFF2-40B4-BE49-F238E27FC236}">
-                <a16:creationId xmlns:a16="http://schemas.microsoft.com/office/drawing/2014/main" id="{7373F07F-77E9-4178-8547-287041987E9E}"/>
-              </a:ext>
-            </a:extLst>
-          </p:cNvPr>
+          <p:cNvPr id="7" name="Slide Number Placeholder 6"/>
           <p:cNvSpPr>
             <a:spLocks noGrp="1"/>
           </p:cNvSpPr>
@@ -3464,7 +5347,7 @@
     </p:spTree>
     <p:extLst>
       <p:ext uri="{BB962C8B-B14F-4D97-AF65-F5344CB8AC3E}">
-        <p14:creationId xmlns:p14="http://schemas.microsoft.com/office/powerpoint/2010/main" val="551054505"/>
+        <p14:creationId xmlns:p14="http://schemas.microsoft.com/office/powerpoint/2010/main" val="294900398"/>
       </p:ext>
     </p:extLst>
   </p:cSld>
@@ -3496,15 +5379,539 @@
           <a:chExt cx="0" cy="0"/>
         </a:xfrm>
       </p:grpSpPr>
-      <p:sp>
-        <p:nvSpPr>
-          <p:cNvPr id="2" name="タイトル プレースホルダー 1">
-            <a:extLst>
-              <a:ext uri="{FF2B5EF4-FFF2-40B4-BE49-F238E27FC236}">
-                <a16:creationId xmlns:a16="http://schemas.microsoft.com/office/drawing/2014/main" id="{665C95ED-BC88-4A43-A99C-F7E7405F40B6}"/>
-              </a:ext>
-            </a:extLst>
-          </p:cNvPr>
+      <p:grpSp>
+        <p:nvGrpSpPr>
+          <p:cNvPr id="7" name="Group 6"/>
+          <p:cNvGrpSpPr/>
+          <p:nvPr/>
+        </p:nvGrpSpPr>
+        <p:grpSpPr>
+          <a:xfrm>
+            <a:off x="0" y="-8467"/>
+            <a:ext cx="12192000" cy="6866467"/>
+            <a:chOff x="0" y="-8467"/>
+            <a:chExt cx="12192000" cy="6866467"/>
+          </a:xfrm>
+        </p:grpSpPr>
+        <p:cxnSp>
+          <p:nvCxnSpPr>
+            <p:cNvPr id="20" name="Straight Connector 19"/>
+            <p:cNvCxnSpPr/>
+            <p:nvPr/>
+          </p:nvCxnSpPr>
+          <p:spPr>
+            <a:xfrm>
+              <a:off x="9371012" y="0"/>
+              <a:ext cx="1219200" cy="6858000"/>
+            </a:xfrm>
+            <a:prstGeom prst="line">
+              <a:avLst/>
+            </a:prstGeom>
+            <a:ln w="9525">
+              <a:solidFill>
+                <a:schemeClr val="bg1">
+                  <a:lumMod val="75000"/>
+                </a:schemeClr>
+              </a:solidFill>
+            </a:ln>
+          </p:spPr>
+          <p:style>
+            <a:lnRef idx="2">
+              <a:schemeClr val="accent1"/>
+            </a:lnRef>
+            <a:fillRef idx="0">
+              <a:schemeClr val="accent1"/>
+            </a:fillRef>
+            <a:effectRef idx="1">
+              <a:schemeClr val="accent1"/>
+            </a:effectRef>
+            <a:fontRef idx="minor">
+              <a:schemeClr val="tx1"/>
+            </a:fontRef>
+          </p:style>
+        </p:cxnSp>
+        <p:cxnSp>
+          <p:nvCxnSpPr>
+            <p:cNvPr id="21" name="Straight Connector 20"/>
+            <p:cNvCxnSpPr/>
+            <p:nvPr/>
+          </p:nvCxnSpPr>
+          <p:spPr>
+            <a:xfrm flipH="1">
+              <a:off x="7425267" y="3681413"/>
+              <a:ext cx="4763558" cy="3176587"/>
+            </a:xfrm>
+            <a:prstGeom prst="line">
+              <a:avLst/>
+            </a:prstGeom>
+            <a:ln w="9525">
+              <a:solidFill>
+                <a:schemeClr val="bg1">
+                  <a:lumMod val="85000"/>
+                </a:schemeClr>
+              </a:solidFill>
+            </a:ln>
+          </p:spPr>
+          <p:style>
+            <a:lnRef idx="2">
+              <a:schemeClr val="accent1"/>
+            </a:lnRef>
+            <a:fillRef idx="0">
+              <a:schemeClr val="accent1"/>
+            </a:fillRef>
+            <a:effectRef idx="1">
+              <a:schemeClr val="accent1"/>
+            </a:effectRef>
+            <a:fontRef idx="minor">
+              <a:schemeClr val="tx1"/>
+            </a:fontRef>
+          </p:style>
+        </p:cxnSp>
+        <p:sp>
+          <p:nvSpPr>
+            <p:cNvPr id="22" name="Rectangle 23"/>
+            <p:cNvSpPr/>
+            <p:nvPr/>
+          </p:nvSpPr>
+          <p:spPr>
+            <a:xfrm>
+              <a:off x="9181476" y="-8467"/>
+              <a:ext cx="3007349" cy="6866467"/>
+            </a:xfrm>
+            <a:custGeom>
+              <a:avLst/>
+              <a:gdLst/>
+              <a:ahLst/>
+              <a:cxnLst/>
+              <a:rect l="l" t="t" r="r" b="b"/>
+              <a:pathLst>
+                <a:path w="3007349" h="6866467">
+                  <a:moveTo>
+                    <a:pt x="2045532" y="0"/>
+                  </a:moveTo>
+                  <a:lnTo>
+                    <a:pt x="3007349" y="0"/>
+                  </a:lnTo>
+                  <a:lnTo>
+                    <a:pt x="3007349" y="6866467"/>
+                  </a:lnTo>
+                  <a:lnTo>
+                    <a:pt x="0" y="6866467"/>
+                  </a:lnTo>
+                  <a:lnTo>
+                    <a:pt x="2045532" y="0"/>
+                  </a:lnTo>
+                  <a:close/>
+                </a:path>
+              </a:pathLst>
+            </a:custGeom>
+            <a:solidFill>
+              <a:schemeClr val="accent1">
+                <a:alpha val="30000"/>
+              </a:schemeClr>
+            </a:solidFill>
+            <a:ln>
+              <a:noFill/>
+            </a:ln>
+            <a:effectLst/>
+          </p:spPr>
+          <p:style>
+            <a:lnRef idx="1">
+              <a:schemeClr val="accent1"/>
+            </a:lnRef>
+            <a:fillRef idx="3">
+              <a:schemeClr val="accent1"/>
+            </a:fillRef>
+            <a:effectRef idx="2">
+              <a:schemeClr val="accent1"/>
+            </a:effectRef>
+            <a:fontRef idx="minor">
+              <a:schemeClr val="lt1"/>
+            </a:fontRef>
+          </p:style>
+        </p:sp>
+        <p:sp>
+          <p:nvSpPr>
+            <p:cNvPr id="23" name="Rectangle 25"/>
+            <p:cNvSpPr/>
+            <p:nvPr/>
+          </p:nvSpPr>
+          <p:spPr>
+            <a:xfrm>
+              <a:off x="9603442" y="-8467"/>
+              <a:ext cx="2588558" cy="6866467"/>
+            </a:xfrm>
+            <a:custGeom>
+              <a:avLst/>
+              <a:gdLst/>
+              <a:ahLst/>
+              <a:cxnLst/>
+              <a:rect l="l" t="t" r="r" b="b"/>
+              <a:pathLst>
+                <a:path w="2573311" h="6866467">
+                  <a:moveTo>
+                    <a:pt x="0" y="0"/>
+                  </a:moveTo>
+                  <a:lnTo>
+                    <a:pt x="2573311" y="0"/>
+                  </a:lnTo>
+                  <a:lnTo>
+                    <a:pt x="2573311" y="6866467"/>
+                  </a:lnTo>
+                  <a:lnTo>
+                    <a:pt x="1202336" y="6866467"/>
+                  </a:lnTo>
+                  <a:lnTo>
+                    <a:pt x="0" y="0"/>
+                  </a:lnTo>
+                  <a:close/>
+                </a:path>
+              </a:pathLst>
+            </a:custGeom>
+            <a:solidFill>
+              <a:schemeClr val="accent1">
+                <a:alpha val="20000"/>
+              </a:schemeClr>
+            </a:solidFill>
+            <a:ln>
+              <a:noFill/>
+            </a:ln>
+            <a:effectLst/>
+          </p:spPr>
+          <p:style>
+            <a:lnRef idx="1">
+              <a:schemeClr val="accent1"/>
+            </a:lnRef>
+            <a:fillRef idx="3">
+              <a:schemeClr val="accent1"/>
+            </a:fillRef>
+            <a:effectRef idx="2">
+              <a:schemeClr val="accent1"/>
+            </a:effectRef>
+            <a:fontRef idx="minor">
+              <a:schemeClr val="lt1"/>
+            </a:fontRef>
+          </p:style>
+        </p:sp>
+        <p:sp>
+          <p:nvSpPr>
+            <p:cNvPr id="24" name="Isosceles Triangle 23"/>
+            <p:cNvSpPr/>
+            <p:nvPr/>
+          </p:nvSpPr>
+          <p:spPr>
+            <a:xfrm>
+              <a:off x="8932333" y="3048000"/>
+              <a:ext cx="3259667" cy="3810000"/>
+            </a:xfrm>
+            <a:prstGeom prst="triangle">
+              <a:avLst>
+                <a:gd name="adj" fmla="val 100000"/>
+              </a:avLst>
+            </a:prstGeom>
+            <a:solidFill>
+              <a:schemeClr val="accent2">
+                <a:alpha val="72000"/>
+              </a:schemeClr>
+            </a:solidFill>
+            <a:ln>
+              <a:noFill/>
+            </a:ln>
+            <a:effectLst/>
+          </p:spPr>
+          <p:style>
+            <a:lnRef idx="1">
+              <a:schemeClr val="accent1"/>
+            </a:lnRef>
+            <a:fillRef idx="3">
+              <a:schemeClr val="accent1"/>
+            </a:fillRef>
+            <a:effectRef idx="2">
+              <a:schemeClr val="accent1"/>
+            </a:effectRef>
+            <a:fontRef idx="minor">
+              <a:schemeClr val="lt1"/>
+            </a:fontRef>
+          </p:style>
+        </p:sp>
+        <p:sp>
+          <p:nvSpPr>
+            <p:cNvPr id="25" name="Rectangle 27"/>
+            <p:cNvSpPr/>
+            <p:nvPr/>
+          </p:nvSpPr>
+          <p:spPr>
+            <a:xfrm>
+              <a:off x="9334500" y="-8467"/>
+              <a:ext cx="2854326" cy="6866467"/>
+            </a:xfrm>
+            <a:custGeom>
+              <a:avLst/>
+              <a:gdLst/>
+              <a:ahLst/>
+              <a:cxnLst/>
+              <a:rect l="l" t="t" r="r" b="b"/>
+              <a:pathLst>
+                <a:path w="2858013" h="6866467">
+                  <a:moveTo>
+                    <a:pt x="0" y="0"/>
+                  </a:moveTo>
+                  <a:lnTo>
+                    <a:pt x="2858013" y="0"/>
+                  </a:lnTo>
+                  <a:lnTo>
+                    <a:pt x="2858013" y="6866467"/>
+                  </a:lnTo>
+                  <a:lnTo>
+                    <a:pt x="2473942" y="6866467"/>
+                  </a:lnTo>
+                  <a:lnTo>
+                    <a:pt x="0" y="0"/>
+                  </a:lnTo>
+                  <a:close/>
+                </a:path>
+              </a:pathLst>
+            </a:custGeom>
+            <a:solidFill>
+              <a:schemeClr val="accent2">
+                <a:lumMod val="75000"/>
+                <a:alpha val="70000"/>
+              </a:schemeClr>
+            </a:solidFill>
+            <a:ln>
+              <a:noFill/>
+            </a:ln>
+            <a:effectLst/>
+          </p:spPr>
+          <p:style>
+            <a:lnRef idx="1">
+              <a:schemeClr val="accent1"/>
+            </a:lnRef>
+            <a:fillRef idx="3">
+              <a:schemeClr val="accent1"/>
+            </a:fillRef>
+            <a:effectRef idx="2">
+              <a:schemeClr val="accent1"/>
+            </a:effectRef>
+            <a:fontRef idx="minor">
+              <a:schemeClr val="lt1"/>
+            </a:fontRef>
+          </p:style>
+        </p:sp>
+        <p:sp>
+          <p:nvSpPr>
+            <p:cNvPr id="26" name="Rectangle 28"/>
+            <p:cNvSpPr/>
+            <p:nvPr/>
+          </p:nvSpPr>
+          <p:spPr>
+            <a:xfrm>
+              <a:off x="10898730" y="-8467"/>
+              <a:ext cx="1290094" cy="6866467"/>
+            </a:xfrm>
+            <a:custGeom>
+              <a:avLst/>
+              <a:gdLst/>
+              <a:ahLst/>
+              <a:cxnLst/>
+              <a:rect l="l" t="t" r="r" b="b"/>
+              <a:pathLst>
+                <a:path w="1290094" h="6858000">
+                  <a:moveTo>
+                    <a:pt x="1019735" y="0"/>
+                  </a:moveTo>
+                  <a:lnTo>
+                    <a:pt x="1290094" y="0"/>
+                  </a:lnTo>
+                  <a:lnTo>
+                    <a:pt x="1290094" y="6858000"/>
+                  </a:lnTo>
+                  <a:lnTo>
+                    <a:pt x="0" y="6858000"/>
+                  </a:lnTo>
+                  <a:lnTo>
+                    <a:pt x="1019735" y="0"/>
+                  </a:lnTo>
+                  <a:close/>
+                </a:path>
+              </a:pathLst>
+            </a:custGeom>
+            <a:solidFill>
+              <a:schemeClr val="accent1">
+                <a:lumMod val="60000"/>
+                <a:lumOff val="40000"/>
+                <a:alpha val="70000"/>
+              </a:schemeClr>
+            </a:solidFill>
+            <a:ln>
+              <a:noFill/>
+            </a:ln>
+            <a:effectLst/>
+          </p:spPr>
+          <p:style>
+            <a:lnRef idx="1">
+              <a:schemeClr val="accent1"/>
+            </a:lnRef>
+            <a:fillRef idx="3">
+              <a:schemeClr val="accent1"/>
+            </a:fillRef>
+            <a:effectRef idx="2">
+              <a:schemeClr val="accent1"/>
+            </a:effectRef>
+            <a:fontRef idx="minor">
+              <a:schemeClr val="lt1"/>
+            </a:fontRef>
+          </p:style>
+        </p:sp>
+        <p:sp>
+          <p:nvSpPr>
+            <p:cNvPr id="27" name="Rectangle 29"/>
+            <p:cNvSpPr/>
+            <p:nvPr/>
+          </p:nvSpPr>
+          <p:spPr>
+            <a:xfrm>
+              <a:off x="10938999" y="-8467"/>
+              <a:ext cx="1249825" cy="6866467"/>
+            </a:xfrm>
+            <a:custGeom>
+              <a:avLst/>
+              <a:gdLst/>
+              <a:ahLst/>
+              <a:cxnLst/>
+              <a:rect l="l" t="t" r="r" b="b"/>
+              <a:pathLst>
+                <a:path w="1249825" h="6858000">
+                  <a:moveTo>
+                    <a:pt x="0" y="0"/>
+                  </a:moveTo>
+                  <a:lnTo>
+                    <a:pt x="1249825" y="0"/>
+                  </a:lnTo>
+                  <a:lnTo>
+                    <a:pt x="1249825" y="6858000"/>
+                  </a:lnTo>
+                  <a:lnTo>
+                    <a:pt x="1109382" y="6858000"/>
+                  </a:lnTo>
+                  <a:lnTo>
+                    <a:pt x="0" y="0"/>
+                  </a:lnTo>
+                  <a:close/>
+                </a:path>
+              </a:pathLst>
+            </a:custGeom>
+            <a:solidFill>
+              <a:schemeClr val="accent1">
+                <a:alpha val="65000"/>
+              </a:schemeClr>
+            </a:solidFill>
+            <a:ln>
+              <a:noFill/>
+            </a:ln>
+            <a:effectLst/>
+          </p:spPr>
+          <p:style>
+            <a:lnRef idx="1">
+              <a:schemeClr val="accent1"/>
+            </a:lnRef>
+            <a:fillRef idx="3">
+              <a:schemeClr val="accent1"/>
+            </a:fillRef>
+            <a:effectRef idx="2">
+              <a:schemeClr val="accent1"/>
+            </a:effectRef>
+            <a:fontRef idx="minor">
+              <a:schemeClr val="lt1"/>
+            </a:fontRef>
+          </p:style>
+        </p:sp>
+        <p:sp>
+          <p:nvSpPr>
+            <p:cNvPr id="28" name="Isosceles Triangle 27"/>
+            <p:cNvSpPr/>
+            <p:nvPr/>
+          </p:nvSpPr>
+          <p:spPr>
+            <a:xfrm>
+              <a:off x="10371666" y="3589867"/>
+              <a:ext cx="1817159" cy="3268133"/>
+            </a:xfrm>
+            <a:prstGeom prst="triangle">
+              <a:avLst>
+                <a:gd name="adj" fmla="val 100000"/>
+              </a:avLst>
+            </a:prstGeom>
+            <a:solidFill>
+              <a:schemeClr val="accent1">
+                <a:alpha val="80000"/>
+              </a:schemeClr>
+            </a:solidFill>
+            <a:ln>
+              <a:noFill/>
+            </a:ln>
+            <a:effectLst/>
+          </p:spPr>
+          <p:style>
+            <a:lnRef idx="1">
+              <a:schemeClr val="accent1"/>
+            </a:lnRef>
+            <a:fillRef idx="3">
+              <a:schemeClr val="accent1"/>
+            </a:fillRef>
+            <a:effectRef idx="2">
+              <a:schemeClr val="accent1"/>
+            </a:effectRef>
+            <a:fontRef idx="minor">
+              <a:schemeClr val="lt1"/>
+            </a:fontRef>
+          </p:style>
+        </p:sp>
+        <p:sp>
+          <p:nvSpPr>
+            <p:cNvPr id="29" name="Isosceles Triangle 28"/>
+            <p:cNvSpPr/>
+            <p:nvPr/>
+          </p:nvSpPr>
+          <p:spPr>
+            <a:xfrm>
+              <a:off x="0" y="4013200"/>
+              <a:ext cx="448733" cy="2844800"/>
+            </a:xfrm>
+            <a:prstGeom prst="triangle">
+              <a:avLst>
+                <a:gd name="adj" fmla="val 0"/>
+              </a:avLst>
+            </a:prstGeom>
+            <a:solidFill>
+              <a:schemeClr val="accent1">
+                <a:alpha val="85000"/>
+              </a:schemeClr>
+            </a:solidFill>
+            <a:ln>
+              <a:noFill/>
+            </a:ln>
+            <a:effectLst/>
+          </p:spPr>
+          <p:style>
+            <a:lnRef idx="1">
+              <a:schemeClr val="accent1"/>
+            </a:lnRef>
+            <a:fillRef idx="3">
+              <a:schemeClr val="accent1"/>
+            </a:fillRef>
+            <a:effectRef idx="2">
+              <a:schemeClr val="accent1"/>
+            </a:effectRef>
+            <a:fontRef idx="minor">
+              <a:schemeClr val="lt1"/>
+            </a:fontRef>
+          </p:style>
+        </p:sp>
+      </p:grpSp>
+      <p:sp>
+        <p:nvSpPr>
+          <p:cNvPr id="2" name="Title Placeholder 1"/>
           <p:cNvSpPr>
             <a:spLocks noGrp="1"/>
           </p:cNvSpPr>
@@ -3514,35 +5921,30 @@
         </p:nvSpPr>
         <p:spPr>
           <a:xfrm>
-            <a:off x="838200" y="365125"/>
-            <a:ext cx="10515600" cy="1325563"/>
+            <a:off x="677334" y="609600"/>
+            <a:ext cx="8596668" cy="1320800"/>
           </a:xfrm>
           <a:prstGeom prst="rect">
             <a:avLst/>
           </a:prstGeom>
         </p:spPr>
         <p:txBody>
-          <a:bodyPr vert="horz" lIns="91440" tIns="45720" rIns="91440" bIns="45720" rtlCol="0" anchor="ctr">
+          <a:bodyPr vert="horz" lIns="91440" tIns="45720" rIns="91440" bIns="45720" rtlCol="0" anchor="t">
             <a:normAutofit/>
           </a:bodyPr>
           <a:lstStyle/>
           <a:p>
             <a:r>
-              <a:rPr kumimoji="1" lang="ja-JP" altLang="en-US"/>
+              <a:rPr lang="ja-JP" altLang="en-US"/>
               <a:t>マスター タイトルの書式設定</a:t>
             </a:r>
-          </a:p>
-        </p:txBody>
-      </p:sp>
-      <p:sp>
-        <p:nvSpPr>
-          <p:cNvPr id="3" name="テキスト プレースホルダー 2">
-            <a:extLst>
-              <a:ext uri="{FF2B5EF4-FFF2-40B4-BE49-F238E27FC236}">
-                <a16:creationId xmlns:a16="http://schemas.microsoft.com/office/drawing/2014/main" id="{441F1061-7E29-480F-8BB5-7C0093BD868D}"/>
-              </a:ext>
-            </a:extLst>
-          </p:cNvPr>
+            <a:endParaRPr lang="en-US" dirty="0"/>
+          </a:p>
+        </p:txBody>
+      </p:sp>
+      <p:sp>
+        <p:nvSpPr>
+          <p:cNvPr id="3" name="Text Placeholder 2"/>
           <p:cNvSpPr>
             <a:spLocks noGrp="1"/>
           </p:cNvSpPr>
@@ -3552,8 +5954,8 @@
         </p:nvSpPr>
         <p:spPr>
           <a:xfrm>
-            <a:off x="838200" y="1825625"/>
-            <a:ext cx="10515600" cy="4351338"/>
+            <a:off x="677334" y="2160589"/>
+            <a:ext cx="8596668" cy="3880773"/>
           </a:xfrm>
           <a:prstGeom prst="rect">
             <a:avLst/>
@@ -3567,81 +5969,76 @@
           <a:p>
             <a:pPr lvl="0"/>
             <a:r>
-              <a:rPr kumimoji="1" lang="ja-JP" altLang="en-US"/>
+              <a:rPr lang="ja-JP" altLang="en-US"/>
               <a:t>マスター テキストの書式設定</a:t>
             </a:r>
           </a:p>
           <a:p>
             <a:pPr lvl="1"/>
             <a:r>
-              <a:rPr kumimoji="1" lang="ja-JP" altLang="en-US"/>
+              <a:rPr lang="ja-JP" altLang="en-US"/>
               <a:t>第 </a:t>
             </a:r>
             <a:r>
-              <a:rPr kumimoji="1" lang="en-US" altLang="ja-JP"/>
+              <a:rPr lang="en-US" altLang="ja-JP"/>
               <a:t>2 </a:t>
             </a:r>
             <a:r>
-              <a:rPr kumimoji="1" lang="ja-JP" altLang="en-US"/>
+              <a:rPr lang="ja-JP" altLang="en-US"/>
               <a:t>レベル</a:t>
             </a:r>
           </a:p>
           <a:p>
             <a:pPr lvl="2"/>
             <a:r>
-              <a:rPr kumimoji="1" lang="ja-JP" altLang="en-US"/>
+              <a:rPr lang="ja-JP" altLang="en-US"/>
               <a:t>第 </a:t>
             </a:r>
             <a:r>
-              <a:rPr kumimoji="1" lang="en-US" altLang="ja-JP"/>
+              <a:rPr lang="en-US" altLang="ja-JP"/>
               <a:t>3 </a:t>
             </a:r>
             <a:r>
-              <a:rPr kumimoji="1" lang="ja-JP" altLang="en-US"/>
+              <a:rPr lang="ja-JP" altLang="en-US"/>
               <a:t>レベル</a:t>
             </a:r>
           </a:p>
           <a:p>
             <a:pPr lvl="3"/>
             <a:r>
-              <a:rPr kumimoji="1" lang="ja-JP" altLang="en-US"/>
+              <a:rPr lang="ja-JP" altLang="en-US"/>
               <a:t>第 </a:t>
             </a:r>
             <a:r>
-              <a:rPr kumimoji="1" lang="en-US" altLang="ja-JP"/>
+              <a:rPr lang="en-US" altLang="ja-JP"/>
               <a:t>4 </a:t>
             </a:r>
             <a:r>
-              <a:rPr kumimoji="1" lang="ja-JP" altLang="en-US"/>
+              <a:rPr lang="ja-JP" altLang="en-US"/>
               <a:t>レベル</a:t>
             </a:r>
           </a:p>
           <a:p>
             <a:pPr lvl="4"/>
             <a:r>
-              <a:rPr kumimoji="1" lang="ja-JP" altLang="en-US"/>
+              <a:rPr lang="ja-JP" altLang="en-US"/>
               <a:t>第 </a:t>
             </a:r>
             <a:r>
-              <a:rPr kumimoji="1" lang="en-US" altLang="ja-JP"/>
+              <a:rPr lang="en-US" altLang="ja-JP"/>
               <a:t>5 </a:t>
             </a:r>
             <a:r>
-              <a:rPr kumimoji="1" lang="ja-JP" altLang="en-US"/>
+              <a:rPr lang="ja-JP" altLang="en-US"/>
               <a:t>レベル</a:t>
             </a:r>
-          </a:p>
-        </p:txBody>
-      </p:sp>
-      <p:sp>
-        <p:nvSpPr>
-          <p:cNvPr id="4" name="日付プレースホルダー 3">
-            <a:extLst>
-              <a:ext uri="{FF2B5EF4-FFF2-40B4-BE49-F238E27FC236}">
-                <a16:creationId xmlns:a16="http://schemas.microsoft.com/office/drawing/2014/main" id="{D240EE59-E1BE-42DA-A5B0-3F8526C53B61}"/>
-              </a:ext>
-            </a:extLst>
-          </p:cNvPr>
+            <a:endParaRPr lang="en-US" dirty="0"/>
+          </a:p>
+        </p:txBody>
+      </p:sp>
+      <p:sp>
+        <p:nvSpPr>
+          <p:cNvPr id="4" name="Date Placeholder 3"/>
           <p:cNvSpPr>
             <a:spLocks noGrp="1"/>
           </p:cNvSpPr>
@@ -3651,8 +6048,8 @@
         </p:nvSpPr>
         <p:spPr>
           <a:xfrm>
-            <a:off x="838200" y="6356350"/>
-            <a:ext cx="2743200" cy="365125"/>
+            <a:off x="7205133" y="6041362"/>
+            <a:ext cx="911939" cy="365125"/>
           </a:xfrm>
           <a:prstGeom prst="rect">
             <a:avLst/>
@@ -3661,8 +6058,8 @@
         <p:txBody>
           <a:bodyPr vert="horz" lIns="91440" tIns="45720" rIns="91440" bIns="45720" rtlCol="0" anchor="ctr"/>
           <a:lstStyle>
-            <a:lvl1pPr algn="l">
-              <a:defRPr sz="1200">
+            <a:lvl1pPr algn="r">
+              <a:defRPr sz="900">
                 <a:solidFill>
                   <a:schemeClr val="tx1">
                     <a:tint val="75000"/>
@@ -3682,13 +6079,7 @@
       </p:sp>
       <p:sp>
         <p:nvSpPr>
-          <p:cNvPr id="5" name="フッター プレースホルダー 4">
-            <a:extLst>
-              <a:ext uri="{FF2B5EF4-FFF2-40B4-BE49-F238E27FC236}">
-                <a16:creationId xmlns:a16="http://schemas.microsoft.com/office/drawing/2014/main" id="{B77A1C9C-06E1-48BA-84D6-2B64E18909CD}"/>
-              </a:ext>
-            </a:extLst>
-          </p:cNvPr>
+          <p:cNvPr id="5" name="Footer Placeholder 4"/>
           <p:cNvSpPr>
             <a:spLocks noGrp="1"/>
           </p:cNvSpPr>
@@ -3698,8 +6089,8 @@
         </p:nvSpPr>
         <p:spPr>
           <a:xfrm>
-            <a:off x="4038600" y="6356350"/>
-            <a:ext cx="4114800" cy="365125"/>
+            <a:off x="677334" y="6041362"/>
+            <a:ext cx="6297612" cy="365125"/>
           </a:xfrm>
           <a:prstGeom prst="rect">
             <a:avLst/>
@@ -3708,8 +6099,8 @@
         <p:txBody>
           <a:bodyPr vert="horz" lIns="91440" tIns="45720" rIns="91440" bIns="45720" rtlCol="0" anchor="ctr"/>
           <a:lstStyle>
-            <a:lvl1pPr algn="ctr">
-              <a:defRPr sz="1200">
+            <a:lvl1pPr algn="l">
+              <a:defRPr sz="900">
                 <a:solidFill>
                   <a:schemeClr val="tx1">
                     <a:tint val="75000"/>
@@ -3725,13 +6116,7 @@
       </p:sp>
       <p:sp>
         <p:nvSpPr>
-          <p:cNvPr id="6" name="スライド番号プレースホルダー 5">
-            <a:extLst>
-              <a:ext uri="{FF2B5EF4-FFF2-40B4-BE49-F238E27FC236}">
-                <a16:creationId xmlns:a16="http://schemas.microsoft.com/office/drawing/2014/main" id="{A7C91AD8-BB6D-4191-9CE8-F8D369B1A9FA}"/>
-              </a:ext>
-            </a:extLst>
-          </p:cNvPr>
+          <p:cNvPr id="6" name="Slide Number Placeholder 5"/>
           <p:cNvSpPr>
             <a:spLocks noGrp="1"/>
           </p:cNvSpPr>
@@ -3741,8 +6126,8 @@
         </p:nvSpPr>
         <p:spPr>
           <a:xfrm>
-            <a:off x="8610600" y="6356350"/>
-            <a:ext cx="2743200" cy="365125"/>
+            <a:off x="8590663" y="6041362"/>
+            <a:ext cx="683339" cy="365125"/>
           </a:xfrm>
           <a:prstGeom prst="rect">
             <a:avLst/>
@@ -3752,11 +6137,9 @@
           <a:bodyPr vert="horz" lIns="91440" tIns="45720" rIns="91440" bIns="45720" rtlCol="0" anchor="ctr"/>
           <a:lstStyle>
             <a:lvl1pPr algn="r">
-              <a:defRPr sz="1200">
+              <a:defRPr sz="900">
                 <a:solidFill>
-                  <a:schemeClr val="tx1">
-                    <a:tint val="75000"/>
-                  </a:schemeClr>
+                  <a:schemeClr val="accent1"/>
                 </a:solidFill>
               </a:defRPr>
             </a:lvl1pPr>
@@ -3773,55 +6156,335 @@
     </p:spTree>
     <p:extLst>
       <p:ext uri="{BB962C8B-B14F-4D97-AF65-F5344CB8AC3E}">
-        <p14:creationId xmlns:p14="http://schemas.microsoft.com/office/powerpoint/2010/main" val="2218097901"/>
+        <p14:creationId xmlns:p14="http://schemas.microsoft.com/office/powerpoint/2010/main" val="3570135379"/>
       </p:ext>
     </p:extLst>
   </p:cSld>
   <p:clrMap bg1="lt1" tx1="dk1" bg2="lt2" tx2="dk2" accent1="accent1" accent2="accent2" accent3="accent3" accent4="accent4" accent5="accent5" accent6="accent6" hlink="hlink" folHlink="folHlink"/>
   <p:sldLayoutIdLst>
-    <p:sldLayoutId id="2147483649" r:id="rId1"/>
-    <p:sldLayoutId id="2147483650" r:id="rId2"/>
-    <p:sldLayoutId id="2147483651" r:id="rId3"/>
-    <p:sldLayoutId id="2147483652" r:id="rId4"/>
-    <p:sldLayoutId id="2147483653" r:id="rId5"/>
-    <p:sldLayoutId id="2147483654" r:id="rId6"/>
-    <p:sldLayoutId id="2147483655" r:id="rId7"/>
-    <p:sldLayoutId id="2147483656" r:id="rId8"/>
-    <p:sldLayoutId id="2147483657" r:id="rId9"/>
-    <p:sldLayoutId id="2147483658" r:id="rId10"/>
-    <p:sldLayoutId id="2147483659" r:id="rId11"/>
+    <p:sldLayoutId id="2147483661" r:id="rId1"/>
+    <p:sldLayoutId id="2147483662" r:id="rId2"/>
+    <p:sldLayoutId id="2147483663" r:id="rId3"/>
+    <p:sldLayoutId id="2147483664" r:id="rId4"/>
+    <p:sldLayoutId id="2147483665" r:id="rId5"/>
+    <p:sldLayoutId id="2147483666" r:id="rId6"/>
+    <p:sldLayoutId id="2147483667" r:id="rId7"/>
+    <p:sldLayoutId id="2147483668" r:id="rId8"/>
+    <p:sldLayoutId id="2147483669" r:id="rId9"/>
+    <p:sldLayoutId id="2147483670" r:id="rId10"/>
+    <p:sldLayoutId id="2147483671" r:id="rId11"/>
+    <p:sldLayoutId id="2147483672" r:id="rId12"/>
+    <p:sldLayoutId id="2147483673" r:id="rId13"/>
+    <p:sldLayoutId id="2147483674" r:id="rId14"/>
+    <p:sldLayoutId id="2147483675" r:id="rId15"/>
+    <p:sldLayoutId id="2147483676" r:id="rId16"/>
   </p:sldLayoutIdLst>
   <p:txStyles>
     <p:titleStyle>
-      <a:lvl1pPr algn="l" defTabSz="914400" rtl="0" eaLnBrk="1" latinLnBrk="0" hangingPunct="1">
-        <a:lnSpc>
-          <a:spcPct val="90000"/>
-        </a:lnSpc>
+      <a:lvl1pPr algn="l" defTabSz="457200" rtl="0" eaLnBrk="1" latinLnBrk="0" hangingPunct="1">
         <a:spcBef>
           <a:spcPct val="0"/>
         </a:spcBef>
         <a:buNone/>
-        <a:defRPr kumimoji="1" sz="4400" kern="1200">
+        <a:defRPr kumimoji="1" sz="3600" kern="1200">
           <a:solidFill>
-            <a:schemeClr val="tx1"/>
+            <a:schemeClr val="accent1"/>
           </a:solidFill>
           <a:latin typeface="+mj-lt"/>
           <a:ea typeface="+mj-ea"/>
           <a:cs typeface="+mj-cs"/>
         </a:defRPr>
       </a:lvl1pPr>
+      <a:lvl2pPr eaLnBrk="1" hangingPunct="1">
+        <a:defRPr kumimoji="1">
+          <a:solidFill>
+            <a:schemeClr val="tx2"/>
+          </a:solidFill>
+        </a:defRPr>
+      </a:lvl2pPr>
+      <a:lvl3pPr eaLnBrk="1" hangingPunct="1">
+        <a:defRPr kumimoji="1">
+          <a:solidFill>
+            <a:schemeClr val="tx2"/>
+          </a:solidFill>
+        </a:defRPr>
+      </a:lvl3pPr>
+      <a:lvl4pPr eaLnBrk="1" hangingPunct="1">
+        <a:defRPr kumimoji="1">
+          <a:solidFill>
+            <a:schemeClr val="tx2"/>
+          </a:solidFill>
+        </a:defRPr>
+      </a:lvl4pPr>
+      <a:lvl5pPr eaLnBrk="1" hangingPunct="1">
+        <a:defRPr kumimoji="1">
+          <a:solidFill>
+            <a:schemeClr val="tx2"/>
+          </a:solidFill>
+        </a:defRPr>
+      </a:lvl5pPr>
+      <a:lvl6pPr eaLnBrk="1" hangingPunct="1">
+        <a:defRPr kumimoji="1">
+          <a:solidFill>
+            <a:schemeClr val="tx2"/>
+          </a:solidFill>
+        </a:defRPr>
+      </a:lvl6pPr>
+      <a:lvl7pPr eaLnBrk="1" hangingPunct="1">
+        <a:defRPr kumimoji="1">
+          <a:solidFill>
+            <a:schemeClr val="tx2"/>
+          </a:solidFill>
+        </a:defRPr>
+      </a:lvl7pPr>
+      <a:lvl8pPr eaLnBrk="1" hangingPunct="1">
+        <a:defRPr kumimoji="1">
+          <a:solidFill>
+            <a:schemeClr val="tx2"/>
+          </a:solidFill>
+        </a:defRPr>
+      </a:lvl8pPr>
+      <a:lvl9pPr eaLnBrk="1" hangingPunct="1">
+        <a:defRPr kumimoji="1">
+          <a:solidFill>
+            <a:schemeClr val="tx2"/>
+          </a:solidFill>
+        </a:defRPr>
+      </a:lvl9pPr>
     </p:titleStyle>
     <p:bodyStyle>
-      <a:lvl1pPr marL="228600" indent="-228600" algn="l" defTabSz="914400" rtl="0" eaLnBrk="1" latinLnBrk="0" hangingPunct="1">
-        <a:lnSpc>
-          <a:spcPct val="90000"/>
-        </a:lnSpc>
+      <a:lvl1pPr marL="342900" indent="-342900" algn="l" defTabSz="457200" rtl="0" eaLnBrk="1" latinLnBrk="0" hangingPunct="1">
         <a:spcBef>
           <a:spcPts val="1000"/>
         </a:spcBef>
-        <a:buFont typeface="Arial" panose="020B0604020202020204" pitchFamily="34" charset="0"/>
-        <a:buChar char="•"/>
-        <a:defRPr kumimoji="1" sz="2800" kern="1200">
+        <a:spcAft>
+          <a:spcPts val="0"/>
+        </a:spcAft>
+        <a:buClr>
+          <a:schemeClr val="accent1"/>
+        </a:buClr>
+        <a:buSzPct val="80000"/>
+        <a:buFont typeface="Wingdings 3" charset="2"/>
+        <a:buChar char=""/>
+        <a:defRPr kumimoji="1" sz="1800" kern="1200">
+          <a:solidFill>
+            <a:schemeClr val="tx1">
+              <a:lumMod val="75000"/>
+              <a:lumOff val="25000"/>
+            </a:schemeClr>
+          </a:solidFill>
+          <a:latin typeface="+mn-lt"/>
+          <a:ea typeface="+mn-ea"/>
+          <a:cs typeface="+mn-cs"/>
+        </a:defRPr>
+      </a:lvl1pPr>
+      <a:lvl2pPr marL="742950" indent="-285750" algn="l" defTabSz="457200" rtl="0" eaLnBrk="1" latinLnBrk="0" hangingPunct="1">
+        <a:spcBef>
+          <a:spcPts val="1000"/>
+        </a:spcBef>
+        <a:spcAft>
+          <a:spcPts val="0"/>
+        </a:spcAft>
+        <a:buClr>
+          <a:schemeClr val="accent1"/>
+        </a:buClr>
+        <a:buSzPct val="80000"/>
+        <a:buFont typeface="Wingdings 3" charset="2"/>
+        <a:buChar char=""/>
+        <a:defRPr kumimoji="1" sz="1600" kern="1200">
+          <a:solidFill>
+            <a:schemeClr val="tx1">
+              <a:lumMod val="75000"/>
+              <a:lumOff val="25000"/>
+            </a:schemeClr>
+          </a:solidFill>
+          <a:latin typeface="+mn-lt"/>
+          <a:ea typeface="+mn-ea"/>
+          <a:cs typeface="+mn-cs"/>
+        </a:defRPr>
+      </a:lvl2pPr>
+      <a:lvl3pPr marL="1143000" indent="-228600" algn="l" defTabSz="457200" rtl="0" eaLnBrk="1" latinLnBrk="0" hangingPunct="1">
+        <a:spcBef>
+          <a:spcPts val="1000"/>
+        </a:spcBef>
+        <a:spcAft>
+          <a:spcPts val="0"/>
+        </a:spcAft>
+        <a:buClr>
+          <a:schemeClr val="accent1"/>
+        </a:buClr>
+        <a:buSzPct val="80000"/>
+        <a:buFont typeface="Wingdings 3" charset="2"/>
+        <a:buChar char=""/>
+        <a:defRPr kumimoji="1" sz="1400" kern="1200">
+          <a:solidFill>
+            <a:schemeClr val="tx1">
+              <a:lumMod val="75000"/>
+              <a:lumOff val="25000"/>
+            </a:schemeClr>
+          </a:solidFill>
+          <a:latin typeface="+mn-lt"/>
+          <a:ea typeface="+mn-ea"/>
+          <a:cs typeface="+mn-cs"/>
+        </a:defRPr>
+      </a:lvl3pPr>
+      <a:lvl4pPr marL="1600200" indent="-228600" algn="l" defTabSz="457200" rtl="0" eaLnBrk="1" latinLnBrk="0" hangingPunct="1">
+        <a:spcBef>
+          <a:spcPts val="1000"/>
+        </a:spcBef>
+        <a:spcAft>
+          <a:spcPts val="0"/>
+        </a:spcAft>
+        <a:buClr>
+          <a:schemeClr val="accent1"/>
+        </a:buClr>
+        <a:buSzPct val="80000"/>
+        <a:buFont typeface="Wingdings 3" charset="2"/>
+        <a:buChar char=""/>
+        <a:defRPr kumimoji="1" sz="1200" kern="1200">
+          <a:solidFill>
+            <a:schemeClr val="tx1">
+              <a:lumMod val="75000"/>
+              <a:lumOff val="25000"/>
+            </a:schemeClr>
+          </a:solidFill>
+          <a:latin typeface="+mn-lt"/>
+          <a:ea typeface="+mn-ea"/>
+          <a:cs typeface="+mn-cs"/>
+        </a:defRPr>
+      </a:lvl4pPr>
+      <a:lvl5pPr marL="2057400" indent="-228600" algn="l" defTabSz="457200" rtl="0" eaLnBrk="1" latinLnBrk="0" hangingPunct="1">
+        <a:spcBef>
+          <a:spcPts val="1000"/>
+        </a:spcBef>
+        <a:spcAft>
+          <a:spcPts val="0"/>
+        </a:spcAft>
+        <a:buClr>
+          <a:schemeClr val="accent1"/>
+        </a:buClr>
+        <a:buSzPct val="80000"/>
+        <a:buFont typeface="Wingdings 3" charset="2"/>
+        <a:buChar char=""/>
+        <a:defRPr kumimoji="1" sz="1200" kern="1200">
+          <a:solidFill>
+            <a:schemeClr val="tx1">
+              <a:lumMod val="75000"/>
+              <a:lumOff val="25000"/>
+            </a:schemeClr>
+          </a:solidFill>
+          <a:latin typeface="+mn-lt"/>
+          <a:ea typeface="+mn-ea"/>
+          <a:cs typeface="+mn-cs"/>
+        </a:defRPr>
+      </a:lvl5pPr>
+      <a:lvl6pPr marL="2514600" indent="-228600" algn="l" defTabSz="457200" rtl="0" eaLnBrk="1" latinLnBrk="0" hangingPunct="1">
+        <a:spcBef>
+          <a:spcPts val="1000"/>
+        </a:spcBef>
+        <a:spcAft>
+          <a:spcPts val="0"/>
+        </a:spcAft>
+        <a:buClr>
+          <a:schemeClr val="accent1"/>
+        </a:buClr>
+        <a:buSzPct val="80000"/>
+        <a:buFont typeface="Wingdings 3" charset="2"/>
+        <a:buChar char=""/>
+        <a:defRPr kumimoji="1" sz="1200" kern="1200">
+          <a:solidFill>
+            <a:schemeClr val="tx1">
+              <a:lumMod val="75000"/>
+              <a:lumOff val="25000"/>
+            </a:schemeClr>
+          </a:solidFill>
+          <a:latin typeface="+mn-lt"/>
+          <a:ea typeface="+mn-ea"/>
+          <a:cs typeface="+mn-cs"/>
+        </a:defRPr>
+      </a:lvl6pPr>
+      <a:lvl7pPr marL="2971800" indent="-228600" algn="l" defTabSz="457200" rtl="0" eaLnBrk="1" latinLnBrk="0" hangingPunct="1">
+        <a:spcBef>
+          <a:spcPts val="1000"/>
+        </a:spcBef>
+        <a:spcAft>
+          <a:spcPts val="0"/>
+        </a:spcAft>
+        <a:buClr>
+          <a:schemeClr val="accent1"/>
+        </a:buClr>
+        <a:buSzPct val="80000"/>
+        <a:buFont typeface="Wingdings 3" charset="2"/>
+        <a:buChar char=""/>
+        <a:defRPr kumimoji="1" sz="1200" kern="1200">
+          <a:solidFill>
+            <a:schemeClr val="tx1">
+              <a:lumMod val="75000"/>
+              <a:lumOff val="25000"/>
+            </a:schemeClr>
+          </a:solidFill>
+          <a:latin typeface="+mn-lt"/>
+          <a:ea typeface="+mn-ea"/>
+          <a:cs typeface="+mn-cs"/>
+        </a:defRPr>
+      </a:lvl7pPr>
+      <a:lvl8pPr marL="3429000" indent="-228600" algn="l" defTabSz="457200" rtl="0" eaLnBrk="1" latinLnBrk="0" hangingPunct="1">
+        <a:spcBef>
+          <a:spcPts val="1000"/>
+        </a:spcBef>
+        <a:spcAft>
+          <a:spcPts val="0"/>
+        </a:spcAft>
+        <a:buClr>
+          <a:schemeClr val="accent1"/>
+        </a:buClr>
+        <a:buSzPct val="80000"/>
+        <a:buFont typeface="Wingdings 3" charset="2"/>
+        <a:buChar char=""/>
+        <a:defRPr kumimoji="1" sz="1200" kern="1200">
+          <a:solidFill>
+            <a:schemeClr val="tx1">
+              <a:lumMod val="75000"/>
+              <a:lumOff val="25000"/>
+            </a:schemeClr>
+          </a:solidFill>
+          <a:latin typeface="+mn-lt"/>
+          <a:ea typeface="+mn-ea"/>
+          <a:cs typeface="+mn-cs"/>
+        </a:defRPr>
+      </a:lvl8pPr>
+      <a:lvl9pPr marL="3886200" indent="-228600" algn="l" defTabSz="457200" rtl="0" eaLnBrk="1" latinLnBrk="0" hangingPunct="1">
+        <a:spcBef>
+          <a:spcPts val="1000"/>
+        </a:spcBef>
+        <a:spcAft>
+          <a:spcPts val="0"/>
+        </a:spcAft>
+        <a:buClr>
+          <a:schemeClr val="accent1"/>
+        </a:buClr>
+        <a:buSzPct val="80000"/>
+        <a:buFont typeface="Wingdings 3" charset="2"/>
+        <a:buChar char=""/>
+        <a:defRPr kumimoji="1" sz="1200" kern="1200">
+          <a:solidFill>
+            <a:schemeClr val="tx1">
+              <a:lumMod val="75000"/>
+              <a:lumOff val="25000"/>
+            </a:schemeClr>
+          </a:solidFill>
+          <a:latin typeface="+mn-lt"/>
+          <a:ea typeface="+mn-ea"/>
+          <a:cs typeface="+mn-cs"/>
+        </a:defRPr>
+      </a:lvl9pPr>
+    </p:bodyStyle>
+    <p:otherStyle>
+      <a:defPPr>
+        <a:defRPr lang="en-US"/>
+      </a:defPPr>
+      <a:lvl1pPr marL="0" algn="l" defTabSz="457200" rtl="0" eaLnBrk="1" latinLnBrk="0" hangingPunct="1">
+        <a:defRPr kumimoji="1" sz="1800" kern="1200">
           <a:solidFill>
             <a:schemeClr val="tx1"/>
           </a:solidFill>
@@ -3830,16 +6493,8 @@
           <a:cs typeface="+mn-cs"/>
         </a:defRPr>
       </a:lvl1pPr>
-      <a:lvl2pPr marL="685800" indent="-228600" algn="l" defTabSz="914400" rtl="0" eaLnBrk="1" latinLnBrk="0" hangingPunct="1">
-        <a:lnSpc>
-          <a:spcPct val="90000"/>
-        </a:lnSpc>
-        <a:spcBef>
-          <a:spcPts val="500"/>
-        </a:spcBef>
-        <a:buFont typeface="Arial" panose="020B0604020202020204" pitchFamily="34" charset="0"/>
-        <a:buChar char="•"/>
-        <a:defRPr kumimoji="1" sz="2400" kern="1200">
+      <a:lvl2pPr marL="457200" algn="l" defTabSz="457200" rtl="0" eaLnBrk="1" latinLnBrk="0" hangingPunct="1">
+        <a:defRPr kumimoji="1" sz="1800" kern="1200">
           <a:solidFill>
             <a:schemeClr val="tx1"/>
           </a:solidFill>
@@ -3848,16 +6503,8 @@
           <a:cs typeface="+mn-cs"/>
         </a:defRPr>
       </a:lvl2pPr>
-      <a:lvl3pPr marL="1143000" indent="-228600" algn="l" defTabSz="914400" rtl="0" eaLnBrk="1" latinLnBrk="0" hangingPunct="1">
-        <a:lnSpc>
-          <a:spcPct val="90000"/>
-        </a:lnSpc>
-        <a:spcBef>
-          <a:spcPts val="500"/>
-        </a:spcBef>
-        <a:buFont typeface="Arial" panose="020B0604020202020204" pitchFamily="34" charset="0"/>
-        <a:buChar char="•"/>
-        <a:defRPr kumimoji="1" sz="2000" kern="1200">
+      <a:lvl3pPr marL="914400" algn="l" defTabSz="457200" rtl="0" eaLnBrk="1" latinLnBrk="0" hangingPunct="1">
+        <a:defRPr kumimoji="1" sz="1800" kern="1200">
           <a:solidFill>
             <a:schemeClr val="tx1"/>
           </a:solidFill>
@@ -3866,15 +6513,7 @@
           <a:cs typeface="+mn-cs"/>
         </a:defRPr>
       </a:lvl3pPr>
-      <a:lvl4pPr marL="1600200" indent="-228600" algn="l" defTabSz="914400" rtl="0" eaLnBrk="1" latinLnBrk="0" hangingPunct="1">
-        <a:lnSpc>
-          <a:spcPct val="90000"/>
-        </a:lnSpc>
-        <a:spcBef>
-          <a:spcPts val="500"/>
-        </a:spcBef>
-        <a:buFont typeface="Arial" panose="020B0604020202020204" pitchFamily="34" charset="0"/>
-        <a:buChar char="•"/>
+      <a:lvl4pPr marL="1371600" algn="l" defTabSz="457200" rtl="0" eaLnBrk="1" latinLnBrk="0" hangingPunct="1">
         <a:defRPr kumimoji="1" sz="1800" kern="1200">
           <a:solidFill>
             <a:schemeClr val="tx1"/>
@@ -3884,15 +6523,7 @@
           <a:cs typeface="+mn-cs"/>
         </a:defRPr>
       </a:lvl4pPr>
-      <a:lvl5pPr marL="2057400" indent="-228600" algn="l" defTabSz="914400" rtl="0" eaLnBrk="1" latinLnBrk="0" hangingPunct="1">
-        <a:lnSpc>
-          <a:spcPct val="90000"/>
-        </a:lnSpc>
-        <a:spcBef>
-          <a:spcPts val="500"/>
-        </a:spcBef>
-        <a:buFont typeface="Arial" panose="020B0604020202020204" pitchFamily="34" charset="0"/>
-        <a:buChar char="•"/>
+      <a:lvl5pPr marL="1828800" algn="l" defTabSz="457200" rtl="0" eaLnBrk="1" latinLnBrk="0" hangingPunct="1">
         <a:defRPr kumimoji="1" sz="1800" kern="1200">
           <a:solidFill>
             <a:schemeClr val="tx1"/>
@@ -3902,15 +6533,7 @@
           <a:cs typeface="+mn-cs"/>
         </a:defRPr>
       </a:lvl5pPr>
-      <a:lvl6pPr marL="2514600" indent="-228600" algn="l" defTabSz="914400" rtl="0" eaLnBrk="1" latinLnBrk="0" hangingPunct="1">
-        <a:lnSpc>
-          <a:spcPct val="90000"/>
-        </a:lnSpc>
-        <a:spcBef>
-          <a:spcPts val="500"/>
-        </a:spcBef>
-        <a:buFont typeface="Arial" panose="020B0604020202020204" pitchFamily="34" charset="0"/>
-        <a:buChar char="•"/>
+      <a:lvl6pPr marL="2286000" algn="l" defTabSz="457200" rtl="0" eaLnBrk="1" latinLnBrk="0" hangingPunct="1">
         <a:defRPr kumimoji="1" sz="1800" kern="1200">
           <a:solidFill>
             <a:schemeClr val="tx1"/>
@@ -3920,15 +6543,7 @@
           <a:cs typeface="+mn-cs"/>
         </a:defRPr>
       </a:lvl6pPr>
-      <a:lvl7pPr marL="2971800" indent="-228600" algn="l" defTabSz="914400" rtl="0" eaLnBrk="1" latinLnBrk="0" hangingPunct="1">
-        <a:lnSpc>
-          <a:spcPct val="90000"/>
-        </a:lnSpc>
-        <a:spcBef>
-          <a:spcPts val="500"/>
-        </a:spcBef>
-        <a:buFont typeface="Arial" panose="020B0604020202020204" pitchFamily="34" charset="0"/>
-        <a:buChar char="•"/>
+      <a:lvl7pPr marL="2743200" algn="l" defTabSz="457200" rtl="0" eaLnBrk="1" latinLnBrk="0" hangingPunct="1">
         <a:defRPr kumimoji="1" sz="1800" kern="1200">
           <a:solidFill>
             <a:schemeClr val="tx1"/>
@@ -3938,15 +6553,7 @@
           <a:cs typeface="+mn-cs"/>
         </a:defRPr>
       </a:lvl7pPr>
-      <a:lvl8pPr marL="3429000" indent="-228600" algn="l" defTabSz="914400" rtl="0" eaLnBrk="1" latinLnBrk="0" hangingPunct="1">
-        <a:lnSpc>
-          <a:spcPct val="90000"/>
-        </a:lnSpc>
-        <a:spcBef>
-          <a:spcPts val="500"/>
-        </a:spcBef>
-        <a:buFont typeface="Arial" panose="020B0604020202020204" pitchFamily="34" charset="0"/>
-        <a:buChar char="•"/>
+      <a:lvl8pPr marL="3200400" algn="l" defTabSz="457200" rtl="0" eaLnBrk="1" latinLnBrk="0" hangingPunct="1">
         <a:defRPr kumimoji="1" sz="1800" kern="1200">
           <a:solidFill>
             <a:schemeClr val="tx1"/>
@@ -3956,110 +6563,7 @@
           <a:cs typeface="+mn-cs"/>
         </a:defRPr>
       </a:lvl8pPr>
-      <a:lvl9pPr marL="3886200" indent="-228600" algn="l" defTabSz="914400" rtl="0" eaLnBrk="1" latinLnBrk="0" hangingPunct="1">
-        <a:lnSpc>
-          <a:spcPct val="90000"/>
-        </a:lnSpc>
-        <a:spcBef>
-          <a:spcPts val="500"/>
-        </a:spcBef>
-        <a:buFont typeface="Arial" panose="020B0604020202020204" pitchFamily="34" charset="0"/>
-        <a:buChar char="•"/>
-        <a:defRPr kumimoji="1" sz="1800" kern="1200">
-          <a:solidFill>
-            <a:schemeClr val="tx1"/>
-          </a:solidFill>
-          <a:latin typeface="+mn-lt"/>
-          <a:ea typeface="+mn-ea"/>
-          <a:cs typeface="+mn-cs"/>
-        </a:defRPr>
-      </a:lvl9pPr>
-    </p:bodyStyle>
-    <p:otherStyle>
-      <a:defPPr>
-        <a:defRPr lang="ja-JP"/>
-      </a:defPPr>
-      <a:lvl1pPr marL="0" algn="l" defTabSz="914400" rtl="0" eaLnBrk="1" latinLnBrk="0" hangingPunct="1">
-        <a:defRPr kumimoji="1" sz="1800" kern="1200">
-          <a:solidFill>
-            <a:schemeClr val="tx1"/>
-          </a:solidFill>
-          <a:latin typeface="+mn-lt"/>
-          <a:ea typeface="+mn-ea"/>
-          <a:cs typeface="+mn-cs"/>
-        </a:defRPr>
-      </a:lvl1pPr>
-      <a:lvl2pPr marL="457200" algn="l" defTabSz="914400" rtl="0" eaLnBrk="1" latinLnBrk="0" hangingPunct="1">
-        <a:defRPr kumimoji="1" sz="1800" kern="1200">
-          <a:solidFill>
-            <a:schemeClr val="tx1"/>
-          </a:solidFill>
-          <a:latin typeface="+mn-lt"/>
-          <a:ea typeface="+mn-ea"/>
-          <a:cs typeface="+mn-cs"/>
-        </a:defRPr>
-      </a:lvl2pPr>
-      <a:lvl3pPr marL="914400" algn="l" defTabSz="914400" rtl="0" eaLnBrk="1" latinLnBrk="0" hangingPunct="1">
-        <a:defRPr kumimoji="1" sz="1800" kern="1200">
-          <a:solidFill>
-            <a:schemeClr val="tx1"/>
-          </a:solidFill>
-          <a:latin typeface="+mn-lt"/>
-          <a:ea typeface="+mn-ea"/>
-          <a:cs typeface="+mn-cs"/>
-        </a:defRPr>
-      </a:lvl3pPr>
-      <a:lvl4pPr marL="1371600" algn="l" defTabSz="914400" rtl="0" eaLnBrk="1" latinLnBrk="0" hangingPunct="1">
-        <a:defRPr kumimoji="1" sz="1800" kern="1200">
-          <a:solidFill>
-            <a:schemeClr val="tx1"/>
-          </a:solidFill>
-          <a:latin typeface="+mn-lt"/>
-          <a:ea typeface="+mn-ea"/>
-          <a:cs typeface="+mn-cs"/>
-        </a:defRPr>
-      </a:lvl4pPr>
-      <a:lvl5pPr marL="1828800" algn="l" defTabSz="914400" rtl="0" eaLnBrk="1" latinLnBrk="0" hangingPunct="1">
-        <a:defRPr kumimoji="1" sz="1800" kern="1200">
-          <a:solidFill>
-            <a:schemeClr val="tx1"/>
-          </a:solidFill>
-          <a:latin typeface="+mn-lt"/>
-          <a:ea typeface="+mn-ea"/>
-          <a:cs typeface="+mn-cs"/>
-        </a:defRPr>
-      </a:lvl5pPr>
-      <a:lvl6pPr marL="2286000" algn="l" defTabSz="914400" rtl="0" eaLnBrk="1" latinLnBrk="0" hangingPunct="1">
-        <a:defRPr kumimoji="1" sz="1800" kern="1200">
-          <a:solidFill>
-            <a:schemeClr val="tx1"/>
-          </a:solidFill>
-          <a:latin typeface="+mn-lt"/>
-          <a:ea typeface="+mn-ea"/>
-          <a:cs typeface="+mn-cs"/>
-        </a:defRPr>
-      </a:lvl6pPr>
-      <a:lvl7pPr marL="2743200" algn="l" defTabSz="914400" rtl="0" eaLnBrk="1" latinLnBrk="0" hangingPunct="1">
-        <a:defRPr kumimoji="1" sz="1800" kern="1200">
-          <a:solidFill>
-            <a:schemeClr val="tx1"/>
-          </a:solidFill>
-          <a:latin typeface="+mn-lt"/>
-          <a:ea typeface="+mn-ea"/>
-          <a:cs typeface="+mn-cs"/>
-        </a:defRPr>
-      </a:lvl7pPr>
-      <a:lvl8pPr marL="3200400" algn="l" defTabSz="914400" rtl="0" eaLnBrk="1" latinLnBrk="0" hangingPunct="1">
-        <a:defRPr kumimoji="1" sz="1800" kern="1200">
-          <a:solidFill>
-            <a:schemeClr val="tx1"/>
-          </a:solidFill>
-          <a:latin typeface="+mn-lt"/>
-          <a:ea typeface="+mn-ea"/>
-          <a:cs typeface="+mn-cs"/>
-        </a:defRPr>
-      </a:lvl8pPr>
-      <a:lvl9pPr marL="3657600" algn="l" defTabSz="914400" rtl="0" eaLnBrk="1" latinLnBrk="0" hangingPunct="1">
+      <a:lvl9pPr marL="3657600" algn="l" defTabSz="457200" rtl="0" eaLnBrk="1" latinLnBrk="0" hangingPunct="1">
         <a:defRPr kumimoji="1" sz="1800" kern="1200">
           <a:solidFill>
             <a:schemeClr val="tx1"/>
@@ -4411,6 +6915,126 @@
 </p:sld>
 </file>
 
+<file path=ppt/slides/slide11.xml><?xml version="1.0" encoding="utf-8"?>
+<p:sld xmlns:a="http://schemas.openxmlformats.org/drawingml/2006/main" xmlns:r="http://schemas.openxmlformats.org/officeDocument/2006/relationships" xmlns:p="http://schemas.openxmlformats.org/presentationml/2006/main">
+  <p:cSld>
+    <p:spTree>
+      <p:nvGrpSpPr>
+        <p:cNvPr id="1" name=""/>
+        <p:cNvGrpSpPr/>
+        <p:nvPr/>
+      </p:nvGrpSpPr>
+      <p:grpSpPr>
+        <a:xfrm>
+          <a:off x="0" y="0"/>
+          <a:ext cx="0" cy="0"/>
+          <a:chOff x="0" y="0"/>
+          <a:chExt cx="0" cy="0"/>
+        </a:xfrm>
+      </p:grpSpPr>
+      <p:sp>
+        <p:nvSpPr>
+          <p:cNvPr id="2" name="タイトル 1">
+            <a:extLst>
+              <a:ext uri="{FF2B5EF4-FFF2-40B4-BE49-F238E27FC236}">
+                <a16:creationId xmlns:a16="http://schemas.microsoft.com/office/drawing/2014/main" id="{33B7FC01-E128-4690-B776-F5AC32578BF3}"/>
+              </a:ext>
+            </a:extLst>
+          </p:cNvPr>
+          <p:cNvSpPr>
+            <a:spLocks noGrp="1"/>
+          </p:cNvSpPr>
+          <p:nvPr>
+            <p:ph type="title"/>
+          </p:nvPr>
+        </p:nvSpPr>
+        <p:spPr/>
+        <p:txBody>
+          <a:bodyPr/>
+          <a:lstStyle/>
+          <a:p>
+            <a:r>
+              <a:rPr kumimoji="1" lang="ja-JP" altLang="en-US" dirty="0"/>
+              <a:t>詳細</a:t>
+            </a:r>
+          </a:p>
+        </p:txBody>
+      </p:sp>
+      <p:sp>
+        <p:nvSpPr>
+          <p:cNvPr id="3" name="コンテンツ プレースホルダー 2">
+            <a:extLst>
+              <a:ext uri="{FF2B5EF4-FFF2-40B4-BE49-F238E27FC236}">
+                <a16:creationId xmlns:a16="http://schemas.microsoft.com/office/drawing/2014/main" id="{84301CD7-E194-4B00-B436-8F63FBFC9783}"/>
+              </a:ext>
+            </a:extLst>
+          </p:cNvPr>
+          <p:cNvSpPr>
+            <a:spLocks noGrp="1"/>
+          </p:cNvSpPr>
+          <p:nvPr>
+            <p:ph idx="1"/>
+          </p:nvPr>
+        </p:nvSpPr>
+        <p:spPr/>
+        <p:txBody>
+          <a:bodyPr/>
+          <a:lstStyle/>
+          <a:p>
+            <a:pPr marL="0" indent="0">
+              <a:buNone/>
+            </a:pPr>
+            <a:r>
+              <a:rPr kumimoji="1" lang="en-US" altLang="ja-JP" dirty="0"/>
+              <a:t>4</a:t>
+            </a:r>
+            <a:r>
+              <a:rPr kumimoji="1" lang="ja-JP" altLang="en-US" dirty="0"/>
+              <a:t>分間にまとめられなさそうなものをまとめました。</a:t>
+            </a:r>
+            <a:r>
+              <a:rPr kumimoji="1" lang="en-US" altLang="ja-JP" dirty="0"/>
+              <a:t>2~4</a:t>
+            </a:r>
+            <a:r>
+              <a:rPr kumimoji="1" lang="ja-JP" altLang="en-US" dirty="0"/>
+              <a:t>ページの</a:t>
+            </a:r>
+            <a:r>
+              <a:rPr kumimoji="1" lang="en-US" altLang="ja-JP" dirty="0"/>
+              <a:t>QR</a:t>
+            </a:r>
+            <a:r>
+              <a:rPr kumimoji="1" lang="ja-JP" altLang="en-US" dirty="0"/>
+              <a:t>コードと同じリンクです。</a:t>
+            </a:r>
+            <a:endParaRPr kumimoji="1" lang="en-US" altLang="ja-JP" dirty="0"/>
+          </a:p>
+          <a:p>
+            <a:pPr marL="0" indent="0">
+              <a:buNone/>
+            </a:pPr>
+            <a:r>
+              <a:rPr kumimoji="1" lang="en-US" altLang="ja-JP" dirty="0"/>
+              <a:t>https://github.com/Rashoru-Infinity/advanced_1a_screen_saver</a:t>
+            </a:r>
+            <a:endParaRPr kumimoji="1" lang="ja-JP" altLang="en-US" dirty="0"/>
+          </a:p>
+        </p:txBody>
+      </p:sp>
+    </p:spTree>
+    <p:extLst>
+      <p:ext uri="{BB962C8B-B14F-4D97-AF65-F5344CB8AC3E}">
+        <p14:creationId xmlns:p14="http://schemas.microsoft.com/office/powerpoint/2010/main" val="1123118825"/>
+      </p:ext>
+    </p:extLst>
+  </p:cSld>
+  <p:clrMapOvr>
+    <a:masterClrMapping/>
+  </p:clrMapOvr>
+</p:sld>
+</file>
+
 <file path=ppt/slides/slide2.xml><?xml version="1.0" encoding="utf-8"?>
 <p:sld xmlns:a="http://schemas.openxmlformats.org/drawingml/2006/main" xmlns:r="http://schemas.openxmlformats.org/officeDocument/2006/relationships" xmlns:p="http://schemas.openxmlformats.org/presentationml/2006/main">
   <p:cSld>
@@ -4488,11 +7112,151 @@
         </p:blipFill>
         <p:spPr>
           <a:xfrm>
-            <a:off x="2832496" y="1825625"/>
+            <a:off x="1616092" y="1834014"/>
             <a:ext cx="6527007" cy="4351338"/>
           </a:xfrm>
         </p:spPr>
       </p:pic>
+      <p:grpSp>
+        <p:nvGrpSpPr>
+          <p:cNvPr id="7" name="グループ化 6">
+            <a:extLst>
+              <a:ext uri="{FF2B5EF4-FFF2-40B4-BE49-F238E27FC236}">
+                <a16:creationId xmlns:a16="http://schemas.microsoft.com/office/drawing/2014/main" id="{F3D19176-E855-4E72-838E-5808A214870E}"/>
+              </a:ext>
+            </a:extLst>
+          </p:cNvPr>
+          <p:cNvGrpSpPr/>
+          <p:nvPr/>
+        </p:nvGrpSpPr>
+        <p:grpSpPr>
+          <a:xfrm>
+            <a:off x="9099035" y="2619513"/>
+            <a:ext cx="2063692" cy="2315362"/>
+            <a:chOff x="9764785" y="2550253"/>
+            <a:chExt cx="2063692" cy="2315362"/>
+          </a:xfrm>
+        </p:grpSpPr>
+        <p:sp>
+          <p:nvSpPr>
+            <p:cNvPr id="3" name="正方形/長方形 2">
+              <a:extLst>
+                <a:ext uri="{FF2B5EF4-FFF2-40B4-BE49-F238E27FC236}">
+                  <a16:creationId xmlns:a16="http://schemas.microsoft.com/office/drawing/2014/main" id="{6D4E7D9C-A10C-4E1D-AF77-5B259296744F}"/>
+                </a:ext>
+              </a:extLst>
+            </p:cNvPr>
+            <p:cNvSpPr/>
+            <p:nvPr/>
+          </p:nvSpPr>
+          <p:spPr>
+            <a:xfrm>
+              <a:off x="9764785" y="2550253"/>
+              <a:ext cx="2063692" cy="2315362"/>
+            </a:xfrm>
+            <a:prstGeom prst="rect">
+              <a:avLst/>
+            </a:prstGeom>
+            <a:noFill/>
+          </p:spPr>
+          <p:style>
+            <a:lnRef idx="2">
+              <a:schemeClr val="accent1">
+                <a:shade val="50000"/>
+              </a:schemeClr>
+            </a:lnRef>
+            <a:fillRef idx="1">
+              <a:schemeClr val="accent1"/>
+            </a:fillRef>
+            <a:effectRef idx="0">
+              <a:schemeClr val="accent1"/>
+            </a:effectRef>
+            <a:fontRef idx="minor">
+              <a:schemeClr val="lt1"/>
+            </a:fontRef>
+          </p:style>
+          <p:txBody>
+            <a:bodyPr rtlCol="0" anchor="ctr"/>
+            <a:lstStyle/>
+            <a:p>
+              <a:pPr algn="ctr"/>
+              <a:endParaRPr kumimoji="1" lang="ja-JP" altLang="en-US"/>
+            </a:p>
+          </p:txBody>
+        </p:sp>
+        <p:pic>
+          <p:nvPicPr>
+            <p:cNvPr id="6" name="コンテンツ プレースホルダー 9">
+              <a:extLst>
+                <a:ext uri="{FF2B5EF4-FFF2-40B4-BE49-F238E27FC236}">
+                  <a16:creationId xmlns:a16="http://schemas.microsoft.com/office/drawing/2014/main" id="{3FD5F279-75B0-4880-9C78-5F2C8BDDDFCA}"/>
+                </a:ext>
+              </a:extLst>
+            </p:cNvPr>
+            <p:cNvPicPr>
+              <a:picLocks noChangeAspect="1"/>
+            </p:cNvPicPr>
+            <p:nvPr/>
+          </p:nvPicPr>
+          <p:blipFill>
+            <a:blip r:embed="rId3">
+              <a:extLst>
+                <a:ext uri="{28A0092B-C50C-407E-A947-70E740481C1C}">
+                  <a14:useLocalDpi xmlns:a14="http://schemas.microsoft.com/office/drawing/2010/main" val="0"/>
+                </a:ext>
+              </a:extLst>
+            </a:blip>
+            <a:stretch>
+              <a:fillRect/>
+            </a:stretch>
+          </p:blipFill>
+          <p:spPr>
+            <a:xfrm>
+              <a:off x="10015678" y="2729419"/>
+              <a:ext cx="1561905" cy="1561905"/>
+            </a:xfrm>
+            <a:prstGeom prst="rect">
+              <a:avLst/>
+            </a:prstGeom>
+          </p:spPr>
+        </p:pic>
+        <p:sp>
+          <p:nvSpPr>
+            <p:cNvPr id="4" name="テキスト ボックス 3">
+              <a:extLst>
+                <a:ext uri="{FF2B5EF4-FFF2-40B4-BE49-F238E27FC236}">
+                  <a16:creationId xmlns:a16="http://schemas.microsoft.com/office/drawing/2014/main" id="{70807B2C-4CDE-416E-9D0E-2A7EFADA821A}"/>
+                </a:ext>
+              </a:extLst>
+            </p:cNvPr>
+            <p:cNvSpPr txBox="1"/>
+            <p:nvPr/>
+          </p:nvSpPr>
+          <p:spPr>
+            <a:xfrm>
+              <a:off x="10484139" y="4369937"/>
+              <a:ext cx="759205" cy="369332"/>
+            </a:xfrm>
+            <a:prstGeom prst="rect">
+              <a:avLst/>
+            </a:prstGeom>
+            <a:noFill/>
+          </p:spPr>
+          <p:txBody>
+            <a:bodyPr wrap="square" rtlCol="0">
+              <a:spAutoFit/>
+            </a:bodyPr>
+            <a:lstStyle/>
+            <a:p>
+              <a:r>
+                <a:rPr kumimoji="1" lang="en-US" altLang="ja-JP" dirty="0"/>
+                <a:t>LINK</a:t>
+              </a:r>
+              <a:endParaRPr kumimoji="1" lang="ja-JP" altLang="en-US" dirty="0"/>
+            </a:p>
+          </p:txBody>
+        </p:sp>
+      </p:grpSp>
     </p:spTree>
     <p:extLst>
       <p:ext uri="{BB962C8B-B14F-4D97-AF65-F5344CB8AC3E}">
@@ -4581,14 +7345,154 @@
         </p:blipFill>
         <p:spPr>
           <a:xfrm>
-            <a:off x="838200" y="2904091"/>
-            <a:ext cx="10515600" cy="2194406"/>
+            <a:off x="677863" y="3204363"/>
+            <a:ext cx="8596312" cy="1793887"/>
           </a:xfrm>
           <a:prstGeom prst="rect">
             <a:avLst/>
           </a:prstGeom>
         </p:spPr>
       </p:pic>
+      <p:grpSp>
+        <p:nvGrpSpPr>
+          <p:cNvPr id="5" name="グループ化 4">
+            <a:extLst>
+              <a:ext uri="{FF2B5EF4-FFF2-40B4-BE49-F238E27FC236}">
+                <a16:creationId xmlns:a16="http://schemas.microsoft.com/office/drawing/2014/main" id="{91181E34-1C70-409F-87FD-6EDE9C48984A}"/>
+              </a:ext>
+            </a:extLst>
+          </p:cNvPr>
+          <p:cNvGrpSpPr/>
+          <p:nvPr/>
+        </p:nvGrpSpPr>
+        <p:grpSpPr>
+          <a:xfrm>
+            <a:off x="8994341" y="2843613"/>
+            <a:ext cx="2063692" cy="2315362"/>
+            <a:chOff x="9764785" y="2550253"/>
+            <a:chExt cx="2063692" cy="2315362"/>
+          </a:xfrm>
+        </p:grpSpPr>
+        <p:sp>
+          <p:nvSpPr>
+            <p:cNvPr id="6" name="正方形/長方形 5">
+              <a:extLst>
+                <a:ext uri="{FF2B5EF4-FFF2-40B4-BE49-F238E27FC236}">
+                  <a16:creationId xmlns:a16="http://schemas.microsoft.com/office/drawing/2014/main" id="{0A86DA04-7F86-4E13-8D98-0D6D8A085D7D}"/>
+                </a:ext>
+              </a:extLst>
+            </p:cNvPr>
+            <p:cNvSpPr/>
+            <p:nvPr/>
+          </p:nvSpPr>
+          <p:spPr>
+            <a:xfrm>
+              <a:off x="9764785" y="2550253"/>
+              <a:ext cx="2063692" cy="2315362"/>
+            </a:xfrm>
+            <a:prstGeom prst="rect">
+              <a:avLst/>
+            </a:prstGeom>
+            <a:noFill/>
+          </p:spPr>
+          <p:style>
+            <a:lnRef idx="2">
+              <a:schemeClr val="accent1">
+                <a:shade val="50000"/>
+              </a:schemeClr>
+            </a:lnRef>
+            <a:fillRef idx="1">
+              <a:schemeClr val="accent1"/>
+            </a:fillRef>
+            <a:effectRef idx="0">
+              <a:schemeClr val="accent1"/>
+            </a:effectRef>
+            <a:fontRef idx="minor">
+              <a:schemeClr val="lt1"/>
+            </a:fontRef>
+          </p:style>
+          <p:txBody>
+            <a:bodyPr rtlCol="0" anchor="ctr"/>
+            <a:lstStyle/>
+            <a:p>
+              <a:pPr algn="ctr"/>
+              <a:endParaRPr kumimoji="1" lang="ja-JP" altLang="en-US"/>
+            </a:p>
+          </p:txBody>
+        </p:sp>
+        <p:pic>
+          <p:nvPicPr>
+            <p:cNvPr id="7" name="コンテンツ プレースホルダー 9">
+              <a:extLst>
+                <a:ext uri="{FF2B5EF4-FFF2-40B4-BE49-F238E27FC236}">
+                  <a16:creationId xmlns:a16="http://schemas.microsoft.com/office/drawing/2014/main" id="{B0D03320-0742-44C0-A5D0-A97FA535A335}"/>
+                </a:ext>
+              </a:extLst>
+            </p:cNvPr>
+            <p:cNvPicPr>
+              <a:picLocks noChangeAspect="1"/>
+            </p:cNvPicPr>
+            <p:nvPr/>
+          </p:nvPicPr>
+          <p:blipFill>
+            <a:blip r:embed="rId3">
+              <a:extLst>
+                <a:ext uri="{28A0092B-C50C-407E-A947-70E740481C1C}">
+                  <a14:useLocalDpi xmlns:a14="http://schemas.microsoft.com/office/drawing/2010/main" val="0"/>
+                </a:ext>
+              </a:extLst>
+            </a:blip>
+            <a:stretch>
+              <a:fillRect/>
+            </a:stretch>
+          </p:blipFill>
+          <p:spPr>
+            <a:xfrm>
+              <a:off x="10015678" y="2729419"/>
+              <a:ext cx="1561905" cy="1561905"/>
+            </a:xfrm>
+            <a:prstGeom prst="rect">
+              <a:avLst/>
+            </a:prstGeom>
+          </p:spPr>
+        </p:pic>
+        <p:sp>
+          <p:nvSpPr>
+            <p:cNvPr id="8" name="テキスト ボックス 7">
+              <a:extLst>
+                <a:ext uri="{FF2B5EF4-FFF2-40B4-BE49-F238E27FC236}">
+                  <a16:creationId xmlns:a16="http://schemas.microsoft.com/office/drawing/2014/main" id="{D2A96A88-501C-44B4-A5FA-65B043194670}"/>
+                </a:ext>
+              </a:extLst>
+            </p:cNvPr>
+            <p:cNvSpPr txBox="1"/>
+            <p:nvPr/>
+          </p:nvSpPr>
+          <p:spPr>
+            <a:xfrm>
+              <a:off x="10484139" y="4369937"/>
+              <a:ext cx="759205" cy="369332"/>
+            </a:xfrm>
+            <a:prstGeom prst="rect">
+              <a:avLst/>
+            </a:prstGeom>
+            <a:noFill/>
+          </p:spPr>
+          <p:txBody>
+            <a:bodyPr wrap="square" rtlCol="0">
+              <a:spAutoFit/>
+            </a:bodyPr>
+            <a:lstStyle/>
+            <a:p>
+              <a:r>
+                <a:rPr kumimoji="1" lang="en-US" altLang="ja-JP" dirty="0"/>
+                <a:t>LINK</a:t>
+              </a:r>
+              <a:endParaRPr kumimoji="1" lang="ja-JP" altLang="en-US" dirty="0"/>
+            </a:p>
+          </p:txBody>
+        </p:sp>
+      </p:grpSp>
     </p:spTree>
     <p:extLst>
       <p:ext uri="{BB962C8B-B14F-4D97-AF65-F5344CB8AC3E}">
@@ -4648,31 +7552,6 @@
           </a:p>
         </p:txBody>
       </p:sp>
-      <p:sp>
-        <p:nvSpPr>
-          <p:cNvPr id="6" name="コンテンツ プレースホルダー 5">
-            <a:extLst>
-              <a:ext uri="{FF2B5EF4-FFF2-40B4-BE49-F238E27FC236}">
-                <a16:creationId xmlns:a16="http://schemas.microsoft.com/office/drawing/2014/main" id="{FD3AFFB7-8C12-468F-84AA-FBDF9FCED4E4}"/>
-              </a:ext>
-            </a:extLst>
-          </p:cNvPr>
-          <p:cNvSpPr>
-            <a:spLocks noGrp="1"/>
-          </p:cNvSpPr>
-          <p:nvPr>
-            <p:ph idx="1"/>
-          </p:nvPr>
-        </p:nvSpPr>
-        <p:spPr/>
-        <p:txBody>
-          <a:bodyPr/>
-          <a:lstStyle/>
-          <a:p>
-            <a:endParaRPr lang="ja-JP" altLang="en-US"/>
-          </a:p>
-        </p:txBody>
-      </p:sp>
       <p:pic>
         <p:nvPicPr>
           <p:cNvPr id="7" name="図 6">
@@ -4703,6 +7582,154 @@
           </a:prstGeom>
         </p:spPr>
       </p:pic>
+      <p:grpSp>
+        <p:nvGrpSpPr>
+          <p:cNvPr id="5" name="グループ化 4">
+            <a:extLst>
+              <a:ext uri="{FF2B5EF4-FFF2-40B4-BE49-F238E27FC236}">
+                <a16:creationId xmlns:a16="http://schemas.microsoft.com/office/drawing/2014/main" id="{C0A3FA7C-BEAF-436C-B318-3AE95C5EB6D6}"/>
+              </a:ext>
+            </a:extLst>
+          </p:cNvPr>
+          <p:cNvGrpSpPr/>
+          <p:nvPr/>
+        </p:nvGrpSpPr>
+        <p:grpSpPr>
+          <a:xfrm>
+            <a:off x="8951053" y="3429000"/>
+            <a:ext cx="2063692" cy="2315362"/>
+            <a:chOff x="9764785" y="2550253"/>
+            <a:chExt cx="2063692" cy="2315362"/>
+          </a:xfrm>
+        </p:grpSpPr>
+        <p:sp>
+          <p:nvSpPr>
+            <p:cNvPr id="8" name="正方形/長方形 7">
+              <a:extLst>
+                <a:ext uri="{FF2B5EF4-FFF2-40B4-BE49-F238E27FC236}">
+                  <a16:creationId xmlns:a16="http://schemas.microsoft.com/office/drawing/2014/main" id="{B5BADBBC-261C-40CC-89FC-ED03ABEBAA0F}"/>
+                </a:ext>
+              </a:extLst>
+            </p:cNvPr>
+            <p:cNvSpPr/>
+            <p:nvPr/>
+          </p:nvSpPr>
+          <p:spPr>
+            <a:xfrm>
+              <a:off x="9764785" y="2550253"/>
+              <a:ext cx="2063692" cy="2315362"/>
+            </a:xfrm>
+            <a:prstGeom prst="rect">
+              <a:avLst/>
+            </a:prstGeom>
+            <a:noFill/>
+          </p:spPr>
+          <p:style>
+            <a:lnRef idx="2">
+              <a:schemeClr val="accent1">
+                <a:shade val="50000"/>
+              </a:schemeClr>
+            </a:lnRef>
+            <a:fillRef idx="1">
+              <a:schemeClr val="accent1"/>
+            </a:fillRef>
+            <a:effectRef idx="0">
+              <a:schemeClr val="accent1"/>
+            </a:effectRef>
+            <a:fontRef idx="minor">
+              <a:schemeClr val="lt1"/>
+            </a:fontRef>
+          </p:style>
+          <p:txBody>
+            <a:bodyPr rtlCol="0" anchor="ctr"/>
+            <a:lstStyle/>
+            <a:p>
+              <a:pPr algn="ctr"/>
+              <a:endParaRPr kumimoji="1" lang="ja-JP" altLang="en-US"/>
+            </a:p>
+          </p:txBody>
+        </p:sp>
+        <p:pic>
+          <p:nvPicPr>
+            <p:cNvPr id="9" name="コンテンツ プレースホルダー 9">
+              <a:extLst>
+                <a:ext uri="{FF2B5EF4-FFF2-40B4-BE49-F238E27FC236}">
+                  <a16:creationId xmlns:a16="http://schemas.microsoft.com/office/drawing/2014/main" id="{A8C2A90B-1CF8-47B6-9FE5-AA260EA18D8E}"/>
+                </a:ext>
+              </a:extLst>
+            </p:cNvPr>
+            <p:cNvPicPr>
+              <a:picLocks noChangeAspect="1"/>
+            </p:cNvPicPr>
+            <p:nvPr/>
+          </p:nvPicPr>
+          <p:blipFill>
+            <a:blip r:embed="rId3">
+              <a:extLst>
+                <a:ext uri="{28A0092B-C50C-407E-A947-70E740481C1C}">
+                  <a14:useLocalDpi xmlns:a14="http://schemas.microsoft.com/office/drawing/2010/main" val="0"/>
+                </a:ext>
+              </a:extLst>
+            </a:blip>
+            <a:stretch>
+              <a:fillRect/>
+            </a:stretch>
+          </p:blipFill>
+          <p:spPr>
+            <a:xfrm>
+              <a:off x="10015678" y="2729419"/>
+              <a:ext cx="1561905" cy="1561905"/>
+            </a:xfrm>
+            <a:prstGeom prst="rect">
+              <a:avLst/>
+            </a:prstGeom>
+          </p:spPr>
+        </p:pic>
+        <p:sp>
+          <p:nvSpPr>
+            <p:cNvPr id="10" name="テキスト ボックス 9">
+              <a:extLst>
+                <a:ext uri="{FF2B5EF4-FFF2-40B4-BE49-F238E27FC236}">
+                  <a16:creationId xmlns:a16="http://schemas.microsoft.com/office/drawing/2014/main" id="{95D31DBA-13C5-4A66-837C-FAC11361DB9B}"/>
+                </a:ext>
+              </a:extLst>
+            </p:cNvPr>
+            <p:cNvSpPr txBox="1"/>
+            <p:nvPr/>
+          </p:nvSpPr>
+          <p:spPr>
+            <a:xfrm>
+              <a:off x="10484139" y="4369937"/>
+              <a:ext cx="759205" cy="369332"/>
+            </a:xfrm>
+            <a:prstGeom prst="rect">
+              <a:avLst/>
+            </a:prstGeom>
+            <a:noFill/>
+          </p:spPr>
+          <p:txBody>
+            <a:bodyPr wrap="square" rtlCol="0">
+              <a:spAutoFit/>
+            </a:bodyPr>
+            <a:lstStyle/>
+            <a:p>
+              <a:r>
+                <a:rPr kumimoji="1" lang="en-US" altLang="ja-JP" dirty="0">
+                  <a:solidFill>
+                    <a:schemeClr val="bg1"/>
+                  </a:solidFill>
+                </a:rPr>
+                <a:t>LINK</a:t>
+              </a:r>
+              <a:endParaRPr kumimoji="1" lang="ja-JP" altLang="en-US" dirty="0">
+                <a:solidFill>
+                  <a:schemeClr val="bg1"/>
+                </a:solidFill>
+              </a:endParaRPr>
+            </a:p>
+          </p:txBody>
+        </p:sp>
+      </p:grpSp>
     </p:spTree>
     <p:extLst>
       <p:ext uri="{BB962C8B-B14F-4D97-AF65-F5344CB8AC3E}">
@@ -4762,8 +7789,8 @@
           </a:p>
         </p:txBody>
       </p:sp>
-      <mc:AlternateContent xmlns:mc="http://schemas.openxmlformats.org/markup-compatibility/2006" xmlns:a14="http://schemas.microsoft.com/office/drawing/2010/main">
-        <mc:Choice Requires="a14">
+      <mc:AlternateContent xmlns:mc="http://schemas.openxmlformats.org/markup-compatibility/2006">
+        <mc:Choice xmlns:a14="http://schemas.microsoft.com/office/drawing/2010/main" Requires="a14">
           <p:sp>
             <p:nvSpPr>
               <p:cNvPr id="3" name="コンテンツ プレースホルダー 2">
@@ -4783,11 +7810,14 @@
             <p:spPr/>
             <p:txBody>
               <a:bodyPr>
-                <a:normAutofit/>
+                <a:normAutofit fontScale="85000" lnSpcReduction="10000"/>
               </a:bodyPr>
               <a:lstStyle/>
               <a:p>
                 <a:pPr marL="0" indent="0">
+                  <a:lnSpc>
+                    <a:spcPct val="200000"/>
+                  </a:lnSpc>
                   <a:buNone/>
                 </a:pPr>
                 <a14:m>
@@ -5175,6 +8205,9 @@
               </a:p>
               <a:p>
                 <a:pPr marL="0" indent="0">
+                  <a:lnSpc>
+                    <a:spcPct val="200000"/>
+                  </a:lnSpc>
                   <a:buNone/>
                 </a:pPr>
                 <a14:m>
@@ -5211,7 +8244,7 @@
                         <a:rPr lang="en-US" altLang="ja-JP" b="0" i="1" smtClean="0">
                           <a:latin typeface="Cambria Math" panose="02040503050406030204" pitchFamily="18" charset="0"/>
                         </a:rPr>
-                        <m:t>/</m:t>
+                        <m:t>|</m:t>
                       </m:r>
                       <m:r>
                         <a:rPr lang="en-US" altLang="ja-JP" b="0" i="1" smtClean="0">
@@ -5262,6 +8295,9 @@
               </a:p>
               <a:p>
                 <a:pPr marL="0" indent="0">
+                  <a:lnSpc>
+                    <a:spcPct val="200000"/>
+                  </a:lnSpc>
                   <a:buNone/>
                 </a:pPr>
                 <a14:m>
@@ -5286,7 +8322,7 @@
                         <a:rPr kumimoji="1" lang="en-US" altLang="ja-JP" b="0" i="1" smtClean="0">
                           <a:latin typeface="Cambria Math" panose="02040503050406030204" pitchFamily="18" charset="0"/>
                         </a:rPr>
-                        <m:t>/</m:t>
+                        <m:t>|</m:t>
                       </m:r>
                       <m:r>
                         <a:rPr kumimoji="1" lang="en-US" altLang="ja-JP" b="0" i="1" smtClean="0">
@@ -5343,6 +8379,9 @@
               </a:p>
               <a:p>
                 <a:pPr marL="0" indent="0">
+                  <a:lnSpc>
+                    <a:spcPct val="200000"/>
+                  </a:lnSpc>
                   <a:buNone/>
                 </a:pPr>
                 <a14:m>
@@ -5406,6 +8445,9 @@
               </a:p>
               <a:p>
                 <a:pPr marL="0" indent="0">
+                  <a:lnSpc>
+                    <a:spcPct val="200000"/>
+                  </a:lnSpc>
                   <a:buNone/>
                 </a:pPr>
                 <a14:m>
@@ -5488,7 +8530,7 @@
             </p:txBody>
           </p:sp>
         </mc:Choice>
-        <mc:Fallback xmlns="">
+        <mc:Fallback>
           <p:sp>
             <p:nvSpPr>
               <p:cNvPr id="3" name="コンテンツ プレースホルダー 2">
@@ -5509,7 +8551,7 @@
               <a:blipFill>
                 <a:blip r:embed="rId2"/>
                 <a:stretch>
-                  <a:fillRect l="-174"/>
+                  <a:fillRect/>
                 </a:stretch>
               </a:blipFill>
             </p:spPr>
@@ -5800,7 +8842,7 @@
         <p:spPr/>
         <p:txBody>
           <a:bodyPr>
-            <a:normAutofit lnSpcReduction="10000"/>
+            <a:normAutofit/>
           </a:bodyPr>
           <a:lstStyle/>
           <a:p>
@@ -6209,6 +9251,9 @@
               <a:lstStyle/>
               <a:p>
                 <a:pPr marL="0" indent="0">
+                  <a:lnSpc>
+                    <a:spcPct val="200000"/>
+                  </a:lnSpc>
                   <a:buNone/>
                 </a:pPr>
                 <a14:m>
@@ -6290,6 +9335,9 @@
               </a:p>
               <a:p>
                 <a:pPr marL="0" indent="0">
+                  <a:lnSpc>
+                    <a:spcPct val="200000"/>
+                  </a:lnSpc>
                   <a:buNone/>
                 </a:pPr>
                 <a14:m>
@@ -6401,6 +9449,9 @@
               </a:p>
               <a:p>
                 <a:pPr marL="0" indent="0">
+                  <a:lnSpc>
+                    <a:spcPct val="200000"/>
+                  </a:lnSpc>
                   <a:buNone/>
                 </a:pPr>
                 <a14:m>
@@ -6530,6 +9581,9 @@
               </a:p>
               <a:p>
                 <a:pPr marL="0" indent="0">
+                  <a:lnSpc>
+                    <a:spcPct val="200000"/>
+                  </a:lnSpc>
                   <a:buNone/>
                 </a:pPr>
                 <a14:m>
@@ -6651,7 +9705,7 @@
               <a:blipFill>
                 <a:blip r:embed="rId2"/>
                 <a:stretch>
-                  <a:fillRect l="-174" t="-980"/>
+                  <a:fillRect/>
                 </a:stretch>
               </a:blipFill>
             </p:spPr>
@@ -6684,9 +9738,9 @@
 </file>
 
 <file path=ppt/theme/theme1.xml><?xml version="1.0" encoding="utf-8"?>
-<a:theme xmlns:a="http://schemas.openxmlformats.org/drawingml/2006/main" name="Office テーマ">
+<a:theme xmlns:a="http://schemas.openxmlformats.org/drawingml/2006/main" name="ファセット">
   <a:themeElements>
-    <a:clrScheme name="Office">
+    <a:clrScheme name="ファセット">
       <a:dk1>
         <a:sysClr val="windowText" lastClr="000000"/>
       </a:dk1>
@@ -6694,52 +9748,52 @@
         <a:sysClr val="window" lastClr="FFFFFF"/>
       </a:lt1>
       <a:dk2>
-        <a:srgbClr val="44546A"/>
+        <a:srgbClr val="2C3C43"/>
       </a:dk2>
       <a:lt2>
-        <a:srgbClr val="E7E6E6"/>
+        <a:srgbClr val="EBEBEB"/>
       </a:lt2>
       <a:accent1>
-        <a:srgbClr val="4472C4"/>
+        <a:srgbClr val="90C226"/>
       </a:accent1>
       <a:accent2>
-        <a:srgbClr val="ED7D31"/>
+        <a:srgbClr val="54A021"/>
       </a:accent2>
       <a:accent3>
-        <a:srgbClr val="A5A5A5"/>
+        <a:srgbClr val="E6B91E"/>
       </a:accent3>
       <a:accent4>
-        <a:srgbClr val="FFC000"/>
+        <a:srgbClr val="E76618"/>
       </a:accent4>
       <a:accent5>
-        <a:srgbClr val="5B9BD5"/>
+        <a:srgbClr val="C42F1A"/>
       </a:accent5>
       <a:accent6>
-        <a:srgbClr val="70AD47"/>
+        <a:srgbClr val="918655"/>
       </a:accent6>
       <a:hlink>
-        <a:srgbClr val="0563C1"/>
+        <a:srgbClr val="99CA3C"/>
       </a:hlink>
       <a:folHlink>
-        <a:srgbClr val="954F72"/>
+        <a:srgbClr val="B9D181"/>
       </a:folHlink>
     </a:clrScheme>
-    <a:fontScheme name="Office">
+    <a:fontScheme name="ファセット">
       <a:majorFont>
-        <a:latin typeface="游ゴシック Light" panose="020F0302020204030204"/>
+        <a:latin typeface="Trebuchet MS" panose="020B0603020202020204"/>
         <a:ea typeface=""/>
         <a:cs typeface=""/>
-        <a:font script="Jpan" typeface="游ゴシック Light"/>
+        <a:font script="Jpan" typeface="メイリオ"/>
         <a:font script="Hang" typeface="맑은 고딕"/>
-        <a:font script="Hans" typeface="等线 Light"/>
-        <a:font script="Hant" typeface="新細明體"/>
-        <a:font script="Arab" typeface="Times New Roman"/>
-        <a:font script="Hebr" typeface="Times New Roman"/>
-        <a:font script="Thai" typeface="Angsana New"/>
+        <a:font script="Hans" typeface="方正姚体"/>
+        <a:font script="Hant" typeface="微軟正黑體"/>
+        <a:font script="Arab" typeface="Tahoma"/>
+        <a:font script="Hebr" typeface="Arial"/>
+        <a:font script="Thai" typeface="Cordia New"/>
         <a:font script="Ethi" typeface="Nyala"/>
         <a:font script="Beng" typeface="Vrinda"/>
         <a:font script="Gujr" typeface="Shruti"/>
-        <a:font script="Khmr" typeface="MoolBoran"/>
+        <a:font script="Khmr" typeface="DaunPenh"/>
         <a:font script="Knda" typeface="Tunga"/>
         <a:font script="Guru" typeface="Raavi"/>
         <a:font script="Cans" typeface="Euphemia"/>
@@ -6756,38 +9810,21 @@
         <a:font script="Laoo" typeface="DokChampa"/>
         <a:font script="Sinh" typeface="Iskoola Pota"/>
         <a:font script="Mong" typeface="Mongolian Baiti"/>
-        <a:font script="Viet" typeface="Times New Roman"/>
+        <a:font script="Viet" typeface="Tahoma"/>
         <a:font script="Uigh" typeface="Microsoft Uighur"/>
         <a:font script="Geor" typeface="Sylfaen"/>
-        <a:font script="Armn" typeface="Arial"/>
-        <a:font script="Bugi" typeface="Leelawadee UI"/>
-        <a:font script="Bopo" typeface="Microsoft JhengHei"/>
-        <a:font script="Java" typeface="Javanese Text"/>
-        <a:font script="Lisu" typeface="Segoe UI"/>
-        <a:font script="Mymr" typeface="Myanmar Text"/>
-        <a:font script="Nkoo" typeface="Ebrima"/>
-        <a:font script="Olck" typeface="Nirmala UI"/>
-        <a:font script="Osma" typeface="Ebrima"/>
-        <a:font script="Phag" typeface="Phagspa"/>
-        <a:font script="Syrn" typeface="Estrangelo Edessa"/>
-        <a:font script="Syrj" typeface="Estrangelo Edessa"/>
-        <a:font script="Syre" typeface="Estrangelo Edessa"/>
-        <a:font script="Sora" typeface="Nirmala UI"/>
-        <a:font script="Tale" typeface="Microsoft Tai Le"/>
-        <a:font script="Talu" typeface="Microsoft New Tai Lue"/>
-        <a:font script="Tfng" typeface="Ebrima"/>
       </a:majorFont>
       <a:minorFont>
-        <a:latin typeface="游ゴシック" panose="020F0502020204030204"/>
+        <a:latin typeface="Trebuchet MS" panose="020B0603020202020204"/>
         <a:ea typeface=""/>
         <a:cs typeface=""/>
-        <a:font script="Jpan" typeface="游ゴシック"/>
-        <a:font script="Hang" typeface="맑은 고딕"/>
-        <a:font script="Hans" typeface="等线"/>
-        <a:font script="Hant" typeface="新細明體"/>
-        <a:font script="Arab" typeface="Arial"/>
-        <a:font script="Hebr" typeface="Arial"/>
-        <a:font script="Thai" typeface="Cordia New"/>
+        <a:font script="Jpan" typeface="メイリオ"/>
+        <a:font script="Hang" typeface="HY그래픽M"/>
+        <a:font script="Hans" typeface="华文新魏"/>
+        <a:font script="Hant" typeface="微軟正黑體"/>
+        <a:font script="Arab" typeface="Tahoma"/>
+        <a:font script="Hebr" typeface="Gisha"/>
+        <a:font script="Thai" typeface="IrisUPC"/>
         <a:font script="Ethi" typeface="Nyala"/>
         <a:font script="Beng" typeface="Vrinda"/>
         <a:font script="Gujr" typeface="Shruti"/>
@@ -6811,26 +9848,9 @@
         <a:font script="Viet" typeface="Arial"/>
         <a:font script="Uigh" typeface="Microsoft Uighur"/>
         <a:font script="Geor" typeface="Sylfaen"/>
-        <a:font script="Armn" typeface="Arial"/>
-        <a:font script="Bugi" typeface="Leelawadee UI"/>
-        <a:font script="Bopo" typeface="Microsoft JhengHei"/>
-        <a:font script="Java" typeface="Javanese Text"/>
-        <a:font script="Lisu" typeface="Segoe UI"/>
-        <a:font script="Mymr" typeface="Myanmar Text"/>
-        <a:font script="Nkoo" typeface="Ebrima"/>
-        <a:font script="Olck" typeface="Nirmala UI"/>
-        <a:font script="Osma" typeface="Ebrima"/>
-        <a:font script="Phag" typeface="Phagspa"/>
-        <a:font script="Syrn" typeface="Estrangelo Edessa"/>
-        <a:font script="Syrj" typeface="Estrangelo Edessa"/>
-        <a:font script="Syre" typeface="Estrangelo Edessa"/>
-        <a:font script="Sora" typeface="Nirmala UI"/>
-        <a:font script="Tale" typeface="Microsoft Tai Le"/>
-        <a:font script="Talu" typeface="Microsoft New Tai Lue"/>
-        <a:font script="Tfng" typeface="Ebrima"/>
       </a:minorFont>
     </a:fontScheme>
-    <a:fmtScheme name="Office">
+    <a:fmtScheme name="ファセット">
       <a:fillStyleLst>
         <a:solidFill>
           <a:schemeClr val="phClr"/>
@@ -6839,23 +9859,13 @@
           <a:gsLst>
             <a:gs pos="0">
               <a:schemeClr val="phClr">
+                <a:tint val="65000"/>
                 <a:lumMod val="110000"/>
-                <a:satMod val="105000"/>
-                <a:tint val="67000"/>
               </a:schemeClr>
             </a:gs>
-            <a:gs pos="50000">
+            <a:gs pos="88000">
               <a:schemeClr val="phClr">
-                <a:lumMod val="105000"/>
-                <a:satMod val="103000"/>
-                <a:tint val="73000"/>
-              </a:schemeClr>
-            </a:gs>
-            <a:gs pos="100000">
-              <a:schemeClr val="phClr">
-                <a:lumMod val="105000"/>
-                <a:satMod val="109000"/>
-                <a:tint val="81000"/>
+                <a:tint val="90000"/>
               </a:schemeClr>
             </a:gs>
           </a:gsLst>
@@ -6865,23 +9875,14 @@
           <a:gsLst>
             <a:gs pos="0">
               <a:schemeClr val="phClr">
-                <a:satMod val="103000"/>
-                <a:lumMod val="102000"/>
-                <a:tint val="94000"/>
+                <a:tint val="96000"/>
+                <a:lumMod val="100000"/>
               </a:schemeClr>
             </a:gs>
-            <a:gs pos="50000">
+            <a:gs pos="78000">
               <a:schemeClr val="phClr">
-                <a:satMod val="110000"/>
-                <a:lumMod val="100000"/>
-                <a:shade val="100000"/>
-              </a:schemeClr>
-            </a:gs>
-            <a:gs pos="100000">
-              <a:schemeClr val="phClr">
-                <a:lumMod val="99000"/>
-                <a:satMod val="120000"/>
-                <a:shade val="78000"/>
+                <a:shade val="94000"/>
+                <a:lumMod val="94000"/>
               </a:schemeClr>
             </a:gs>
           </a:gsLst>
@@ -6889,26 +9890,23 @@
         </a:gradFill>
       </a:fillStyleLst>
       <a:lnStyleLst>
-        <a:ln w="6350" cap="flat" cmpd="sng" algn="ctr">
+        <a:ln w="12700" cap="rnd" cmpd="sng" algn="ctr">
           <a:solidFill>
             <a:schemeClr val="phClr"/>
           </a:solidFill>
           <a:prstDash val="solid"/>
-          <a:miter lim="800000"/>
         </a:ln>
-        <a:ln w="12700" cap="flat" cmpd="sng" algn="ctr">
+        <a:ln w="19050" cap="rnd" cmpd="sng" algn="ctr">
           <a:solidFill>
             <a:schemeClr val="phClr"/>
           </a:solidFill>
           <a:prstDash val="solid"/>
-          <a:miter lim="800000"/>
         </a:ln>
-        <a:ln w="19050" cap="flat" cmpd="sng" algn="ctr">
+        <a:ln w="25400" cap="rnd" cmpd="sng" algn="ctr">
           <a:solidFill>
             <a:schemeClr val="phClr"/>
           </a:solidFill>
           <a:prstDash val="solid"/>
-          <a:miter lim="800000"/>
         </a:ln>
       </a:lnStyleLst>
       <a:effectStyleLst>
@@ -6916,54 +9914,72 @@
           <a:effectLst/>
         </a:effectStyle>
         <a:effectStyle>
-          <a:effectLst/>
+          <a:effectLst>
+            <a:outerShdw blurRad="38100" dist="25400" dir="5400000" rotWithShape="0">
+              <a:srgbClr val="000000">
+                <a:alpha val="35000"/>
+              </a:srgbClr>
+            </a:outerShdw>
+          </a:effectLst>
         </a:effectStyle>
         <a:effectStyle>
           <a:effectLst>
-            <a:outerShdw blurRad="57150" dist="19050" dir="5400000" algn="ctr" rotWithShape="0">
+            <a:outerShdw blurRad="50800" dist="38100" dir="5400000" rotWithShape="0">
               <a:srgbClr val="000000">
-                <a:alpha val="63000"/>
+                <a:alpha val="35000"/>
               </a:srgbClr>
             </a:outerShdw>
           </a:effectLst>
+          <a:scene3d>
+            <a:camera prst="orthographicFront">
+              <a:rot lat="0" lon="0" rev="0"/>
+            </a:camera>
+            <a:lightRig rig="threePt" dir="tl"/>
+          </a:scene3d>
+          <a:sp3d prstMaterial="plastic">
+            <a:bevelT w="0" h="0"/>
+          </a:sp3d>
         </a:effectStyle>
       </a:effectStyleLst>
       <a:bgFillStyleLst>
         <a:solidFill>
           <a:schemeClr val="phClr"/>
         </a:solidFill>
-        <a:solidFill>
-          <a:schemeClr val="phClr">
-            <a:tint val="95000"/>
-            <a:satMod val="170000"/>
-          </a:schemeClr>
-        </a:solidFill>
         <a:gradFill rotWithShape="1">
           <a:gsLst>
             <a:gs pos="0">
               <a:schemeClr val="phClr">
-                <a:tint val="93000"/>
-                <a:satMod val="150000"/>
-                <a:shade val="98000"/>
-                <a:lumMod val="102000"/>
+                <a:tint val="90000"/>
+                <a:lumMod val="104000"/>
               </a:schemeClr>
             </a:gs>
-            <a:gs pos="50000">
+            <a:gs pos="94000">
               <a:schemeClr val="phClr">
-                <a:tint val="98000"/>
-                <a:satMod val="130000"/>
-                <a:shade val="90000"/>
-                <a:lumMod val="103000"/>
+                <a:shade val="96000"/>
+                <a:lumMod val="82000"/>
+              </a:schemeClr>
+            </a:gs>
+          </a:gsLst>
+          <a:lin ang="5400000" scaled="0"/>
+        </a:gradFill>
+        <a:gradFill rotWithShape="1">
+          <a:gsLst>
+            <a:gs pos="0">
+              <a:schemeClr val="phClr">
+                <a:tint val="90000"/>
+                <a:lumMod val="110000"/>
               </a:schemeClr>
             </a:gs>
             <a:gs pos="100000">
               <a:schemeClr val="phClr">
-                <a:shade val="63000"/>
-                <a:satMod val="120000"/>
+                <a:shade val="94000"/>
+                <a:lumMod val="96000"/>
               </a:schemeClr>
             </a:gs>
           </a:gsLst>
-          <a:lin ang="5400000" scaled="0"/>
+          <a:path path="circle">
+            <a:fillToRect l="50000" t="50000" r="100000" b="100000"/>
+          </a:path>
         </a:gradFill>
       </a:bgFillStyleLst>
     </a:fmtScheme>
@@ -6972,7 +9988,7 @@
   <a:extraClrSchemeLst/>
   <a:extLst>
     <a:ext uri="{05A4C25C-085E-4340-85A3-A5531E510DB2}">
-      <thm15:themeFamily xmlns:thm15="http://schemas.microsoft.com/office/thememl/2012/main" name="Office Theme" id="{62F939B6-93AF-4DB8-9C6B-D6C7DFDC589F}" vid="{4A3C46E8-61CC-4603-A589-7422A47A8E4A}"/>
+      <thm15:themeFamily xmlns:thm15="http://schemas.microsoft.com/office/thememl/2012/main" name="Facet" id="{C0C680CD-088A-49FC-A102-D699147F32B2}" vid="{CFBC31BA-B70F-4F30-BCAA-4F3011E16C4D}"/>
     </a:ext>
   </a:extLst>
 </a:theme>

--- a/presentation.pptx
+++ b/presentation.pptx
@@ -5,7 +5,7 @@
     <p:sldMasterId id="2147483660" r:id="rId1"/>
   </p:sldMasterIdLst>
   <p:notesMasterIdLst>
-    <p:notesMasterId r:id="rId13"/>
+    <p:notesMasterId r:id="rId14"/>
   </p:notesMasterIdLst>
   <p:sldIdLst>
     <p:sldId id="256" r:id="rId2"/>
@@ -18,7 +18,8 @@
     <p:sldId id="260" r:id="rId9"/>
     <p:sldId id="264" r:id="rId10"/>
     <p:sldId id="262" r:id="rId11"/>
-    <p:sldId id="266" r:id="rId12"/>
+    <p:sldId id="267" r:id="rId12"/>
+    <p:sldId id="266" r:id="rId13"/>
   </p:sldIdLst>
   <p:sldSz cx="12192000" cy="6858000"/>
   <p:notesSz cx="6858000" cy="9144000"/>
@@ -207,7 +208,7 @@
           <a:p>
             <a:fld id="{DACD13BE-CFF8-4274-8F33-E17667936FF0}" type="datetimeFigureOut">
               <a:rPr kumimoji="1" lang="ja-JP" altLang="en-US" smtClean="0"/>
-              <a:t>2021/5/8</a:t>
+              <a:t>2021/5/10</a:t>
             </a:fld>
             <a:endParaRPr kumimoji="1" lang="ja-JP" altLang="en-US"/>
           </a:p>
@@ -581,6 +582,90 @@
     <p:extLst>
       <p:ext uri="{BB962C8B-B14F-4D97-AF65-F5344CB8AC3E}">
         <p14:creationId xmlns:p14="http://schemas.microsoft.com/office/powerpoint/2010/main" val="1837503596"/>
+      </p:ext>
+    </p:extLst>
+  </p:cSld>
+  <p:clrMapOvr>
+    <a:masterClrMapping/>
+  </p:clrMapOvr>
+</p:notes>
+</file>
+
+<file path=ppt/notesSlides/notesSlide2.xml><?xml version="1.0" encoding="utf-8"?>
+<p:notes xmlns:a="http://schemas.openxmlformats.org/drawingml/2006/main" xmlns:r="http://schemas.openxmlformats.org/officeDocument/2006/relationships" xmlns:p="http://schemas.openxmlformats.org/presentationml/2006/main">
+  <p:cSld>
+    <p:spTree>
+      <p:nvGrpSpPr>
+        <p:cNvPr id="1" name=""/>
+        <p:cNvGrpSpPr/>
+        <p:nvPr/>
+      </p:nvGrpSpPr>
+      <p:grpSpPr>
+        <a:xfrm>
+          <a:off x="0" y="0"/>
+          <a:ext cx="0" cy="0"/>
+          <a:chOff x="0" y="0"/>
+          <a:chExt cx="0" cy="0"/>
+        </a:xfrm>
+      </p:grpSpPr>
+      <p:sp>
+        <p:nvSpPr>
+          <p:cNvPr id="2" name="スライド イメージ プレースホルダー 1"/>
+          <p:cNvSpPr>
+            <a:spLocks noGrp="1" noRot="1" noChangeAspect="1"/>
+          </p:cNvSpPr>
+          <p:nvPr>
+            <p:ph type="sldImg"/>
+          </p:nvPr>
+        </p:nvSpPr>
+        <p:spPr/>
+      </p:sp>
+      <p:sp>
+        <p:nvSpPr>
+          <p:cNvPr id="3" name="ノート プレースホルダー 2"/>
+          <p:cNvSpPr>
+            <a:spLocks noGrp="1"/>
+          </p:cNvSpPr>
+          <p:nvPr>
+            <p:ph type="body" idx="1"/>
+          </p:nvPr>
+        </p:nvSpPr>
+        <p:spPr/>
+        <p:txBody>
+          <a:bodyPr/>
+          <a:lstStyle/>
+          <a:p>
+            <a:endParaRPr kumimoji="1" lang="ja-JP" altLang="en-US" dirty="0"/>
+          </a:p>
+        </p:txBody>
+      </p:sp>
+      <p:sp>
+        <p:nvSpPr>
+          <p:cNvPr id="4" name="スライド番号プレースホルダー 3"/>
+          <p:cNvSpPr>
+            <a:spLocks noGrp="1"/>
+          </p:cNvSpPr>
+          <p:nvPr>
+            <p:ph type="sldNum" sz="quarter" idx="5"/>
+          </p:nvPr>
+        </p:nvSpPr>
+        <p:spPr/>
+        <p:txBody>
+          <a:bodyPr/>
+          <a:lstStyle/>
+          <a:p>
+            <a:fld id="{5A21C2A0-4F37-4755-A7D4-6161E960034A}" type="slidenum">
+              <a:rPr kumimoji="1" lang="ja-JP" altLang="en-US" smtClean="0"/>
+              <a:t>11</a:t>
+            </a:fld>
+            <a:endParaRPr kumimoji="1" lang="ja-JP" altLang="en-US"/>
+          </a:p>
+        </p:txBody>
+      </p:sp>
+    </p:spTree>
+    <p:extLst>
+      <p:ext uri="{BB962C8B-B14F-4D97-AF65-F5344CB8AC3E}">
+        <p14:creationId xmlns:p14="http://schemas.microsoft.com/office/powerpoint/2010/main" val="158237264"/>
       </p:ext>
     </p:extLst>
   </p:cSld>
@@ -1312,7 +1397,7 @@
           <a:p>
             <a:fld id="{2D3307F4-2003-445F-80EA-0A6F700AA6C1}" type="datetimeFigureOut">
               <a:rPr kumimoji="1" lang="ja-JP" altLang="en-US" smtClean="0"/>
-              <a:t>2021/5/8</a:t>
+              <a:t>2021/5/10</a:t>
             </a:fld>
             <a:endParaRPr kumimoji="1" lang="ja-JP" altLang="en-US"/>
           </a:p>
@@ -1563,7 +1648,7 @@
           <a:p>
             <a:fld id="{2D3307F4-2003-445F-80EA-0A6F700AA6C1}" type="datetimeFigureOut">
               <a:rPr kumimoji="1" lang="ja-JP" altLang="en-US" smtClean="0"/>
-              <a:t>2021/5/8</a:t>
+              <a:t>2021/5/10</a:t>
             </a:fld>
             <a:endParaRPr kumimoji="1" lang="ja-JP" altLang="en-US"/>
           </a:p>
@@ -1877,7 +1962,7 @@
           <a:p>
             <a:fld id="{2D3307F4-2003-445F-80EA-0A6F700AA6C1}" type="datetimeFigureOut">
               <a:rPr kumimoji="1" lang="ja-JP" altLang="en-US" smtClean="0"/>
-              <a:t>2021/5/8</a:t>
+              <a:t>2021/5/10</a:t>
             </a:fld>
             <a:endParaRPr kumimoji="1" lang="ja-JP" altLang="en-US"/>
           </a:p>
@@ -2218,7 +2303,7 @@
           <a:p>
             <a:fld id="{2D3307F4-2003-445F-80EA-0A6F700AA6C1}" type="datetimeFigureOut">
               <a:rPr kumimoji="1" lang="ja-JP" altLang="en-US" smtClean="0"/>
-              <a:t>2021/5/8</a:t>
+              <a:t>2021/5/10</a:t>
             </a:fld>
             <a:endParaRPr kumimoji="1" lang="ja-JP" altLang="en-US"/>
           </a:p>
@@ -2532,7 +2617,7 @@
           <a:p>
             <a:fld id="{2D3307F4-2003-445F-80EA-0A6F700AA6C1}" type="datetimeFigureOut">
               <a:rPr kumimoji="1" lang="ja-JP" altLang="en-US" smtClean="0"/>
-              <a:t>2021/5/8</a:t>
+              <a:t>2021/5/10</a:t>
             </a:fld>
             <a:endParaRPr kumimoji="1" lang="ja-JP" altLang="en-US"/>
           </a:p>
@@ -2925,7 +3010,7 @@
           <a:p>
             <a:fld id="{2D3307F4-2003-445F-80EA-0A6F700AA6C1}" type="datetimeFigureOut">
               <a:rPr kumimoji="1" lang="ja-JP" altLang="en-US" smtClean="0"/>
-              <a:t>2021/5/8</a:t>
+              <a:t>2021/5/10</a:t>
             </a:fld>
             <a:endParaRPr kumimoji="1" lang="ja-JP" altLang="en-US"/>
           </a:p>
@@ -3127,7 +3212,7 @@
           <a:p>
             <a:fld id="{2D3307F4-2003-445F-80EA-0A6F700AA6C1}" type="datetimeFigureOut">
               <a:rPr kumimoji="1" lang="ja-JP" altLang="en-US" smtClean="0"/>
-              <a:t>2021/5/8</a:t>
+              <a:t>2021/5/10</a:t>
             </a:fld>
             <a:endParaRPr kumimoji="1" lang="ja-JP" altLang="en-US"/>
           </a:p>
@@ -3339,7 +3424,7 @@
           <a:p>
             <a:fld id="{2D3307F4-2003-445F-80EA-0A6F700AA6C1}" type="datetimeFigureOut">
               <a:rPr kumimoji="1" lang="ja-JP" altLang="en-US" smtClean="0"/>
-              <a:t>2021/5/8</a:t>
+              <a:t>2021/5/10</a:t>
             </a:fld>
             <a:endParaRPr kumimoji="1" lang="ja-JP" altLang="en-US"/>
           </a:p>
@@ -3547,7 +3632,7 @@
           <a:p>
             <a:fld id="{2D3307F4-2003-445F-80EA-0A6F700AA6C1}" type="datetimeFigureOut">
               <a:rPr kumimoji="1" lang="ja-JP" altLang="en-US" smtClean="0"/>
-              <a:t>2021/5/8</a:t>
+              <a:t>2021/5/10</a:t>
             </a:fld>
             <a:endParaRPr kumimoji="1" lang="ja-JP" altLang="en-US"/>
           </a:p>
@@ -3794,7 +3879,7 @@
           <a:p>
             <a:fld id="{2D3307F4-2003-445F-80EA-0A6F700AA6C1}" type="datetimeFigureOut">
               <a:rPr kumimoji="1" lang="ja-JP" altLang="en-US" smtClean="0"/>
-              <a:t>2021/5/8</a:t>
+              <a:t>2021/5/10</a:t>
             </a:fld>
             <a:endParaRPr kumimoji="1" lang="ja-JP" altLang="en-US"/>
           </a:p>
@@ -4090,7 +4175,7 @@
           <a:p>
             <a:fld id="{2D3307F4-2003-445F-80EA-0A6F700AA6C1}" type="datetimeFigureOut">
               <a:rPr kumimoji="1" lang="ja-JP" altLang="en-US" smtClean="0"/>
-              <a:t>2021/5/8</a:t>
+              <a:t>2021/5/10</a:t>
             </a:fld>
             <a:endParaRPr kumimoji="1" lang="ja-JP" altLang="en-US"/>
           </a:p>
@@ -4528,7 +4613,7 @@
           <a:p>
             <a:fld id="{2D3307F4-2003-445F-80EA-0A6F700AA6C1}" type="datetimeFigureOut">
               <a:rPr kumimoji="1" lang="ja-JP" altLang="en-US" smtClean="0"/>
-              <a:t>2021/5/8</a:t>
+              <a:t>2021/5/10</a:t>
             </a:fld>
             <a:endParaRPr kumimoji="1" lang="ja-JP" altLang="en-US"/>
           </a:p>
@@ -4651,7 +4736,7 @@
           <a:p>
             <a:fld id="{2D3307F4-2003-445F-80EA-0A6F700AA6C1}" type="datetimeFigureOut">
               <a:rPr kumimoji="1" lang="ja-JP" altLang="en-US" smtClean="0"/>
-              <a:t>2021/5/8</a:t>
+              <a:t>2021/5/10</a:t>
             </a:fld>
             <a:endParaRPr kumimoji="1" lang="ja-JP" altLang="en-US"/>
           </a:p>
@@ -4746,7 +4831,7 @@
           <a:p>
             <a:fld id="{2D3307F4-2003-445F-80EA-0A6F700AA6C1}" type="datetimeFigureOut">
               <a:rPr kumimoji="1" lang="ja-JP" altLang="en-US" smtClean="0"/>
-              <a:t>2021/5/8</a:t>
+              <a:t>2021/5/10</a:t>
             </a:fld>
             <a:endParaRPr kumimoji="1" lang="ja-JP" altLang="en-US"/>
           </a:p>
@@ -5033,7 +5118,7 @@
           <a:p>
             <a:fld id="{2D3307F4-2003-445F-80EA-0A6F700AA6C1}" type="datetimeFigureOut">
               <a:rPr kumimoji="1" lang="ja-JP" altLang="en-US" smtClean="0"/>
-              <a:t>2021/5/8</a:t>
+              <a:t>2021/5/10</a:t>
             </a:fld>
             <a:endParaRPr kumimoji="1" lang="ja-JP" altLang="en-US"/>
           </a:p>
@@ -5296,7 +5381,7 @@
           <a:p>
             <a:fld id="{2D3307F4-2003-445F-80EA-0A6F700AA6C1}" type="datetimeFigureOut">
               <a:rPr kumimoji="1" lang="ja-JP" altLang="en-US" smtClean="0"/>
-              <a:t>2021/5/8</a:t>
+              <a:t>2021/5/10</a:t>
             </a:fld>
             <a:endParaRPr kumimoji="1" lang="ja-JP" altLang="en-US"/>
           </a:p>
@@ -6071,7 +6156,7 @@
           <a:p>
             <a:fld id="{2D3307F4-2003-445F-80EA-0A6F700AA6C1}" type="datetimeFigureOut">
               <a:rPr kumimoji="1" lang="ja-JP" altLang="en-US" smtClean="0"/>
-              <a:t>2021/5/8</a:t>
+              <a:t>2021/5/10</a:t>
             </a:fld>
             <a:endParaRPr kumimoji="1" lang="ja-JP" altLang="en-US"/>
           </a:p>
@@ -6611,19 +6696,25 @@
             <p:ph type="ctrTitle"/>
           </p:nvPr>
         </p:nvSpPr>
-        <p:spPr/>
+        <p:spPr>
+          <a:xfrm>
+            <a:off x="1507067" y="2404531"/>
+            <a:ext cx="7766936" cy="1646302"/>
+          </a:xfrm>
+        </p:spPr>
         <p:txBody>
           <a:bodyPr/>
           <a:lstStyle/>
           <a:p>
             <a:r>
               <a:rPr lang="en-US" altLang="ja-JP" dirty="0"/>
-              <a:t>3D</a:t>
-            </a:r>
-            <a:r>
-              <a:rPr kumimoji="1" lang="ja-JP" altLang="en-US" dirty="0"/>
-              <a:t>スクリーンセーバー</a:t>
-            </a:r>
+              <a:t>3D </a:t>
+            </a:r>
+            <a:r>
+              <a:rPr lang="en-US" altLang="ja-JP" dirty="0" err="1"/>
+              <a:t>ScreenSaver</a:t>
+            </a:r>
+            <a:endParaRPr kumimoji="1" lang="ja-JP" altLang="en-US" dirty="0"/>
           </a:p>
         </p:txBody>
       </p:sp>
@@ -6788,7 +6879,23 @@
             </a:r>
             <a:r>
               <a:rPr lang="ja-JP" altLang="en-US" dirty="0"/>
-              <a:t>のいずれかで、</a:t>
+              <a:t>のいずれか</a:t>
+            </a:r>
+            <a:r>
+              <a:rPr lang="en-US" altLang="ja-JP" dirty="0"/>
+              <a:t>(</a:t>
+            </a:r>
+            <a:r>
+              <a:rPr lang="ja-JP" altLang="en-US" dirty="0"/>
+              <a:t>東西南北に対応</a:t>
+            </a:r>
+            <a:r>
+              <a:rPr lang="en-US" altLang="ja-JP" dirty="0"/>
+              <a:t>)</a:t>
+            </a:r>
+            <a:r>
+              <a:rPr lang="ja-JP" altLang="en-US" dirty="0"/>
+              <a:t>で、</a:t>
             </a:r>
             <a:r>
               <a:rPr lang="en-US" altLang="ja-JP" dirty="0"/>
@@ -6891,12 +6998,8 @@
               <a:t>’X’</a:t>
             </a:r>
             <a:r>
-              <a:rPr lang="ja-JP" altLang="en-US"/>
-              <a:t>にタテヨコで囲まれなければ</a:t>
-            </a:r>
-            <a:r>
               <a:rPr lang="ja-JP" altLang="en-US" dirty="0"/>
-              <a:t>ならない。</a:t>
+              <a:t>にタテヨコで囲まれなければならない。</a:t>
             </a:r>
             <a:endParaRPr kumimoji="1" lang="ja-JP" altLang="en-US" dirty="0"/>
           </a:p>
@@ -6937,6 +7040,248 @@
           <p:cNvPr id="2" name="タイトル 1">
             <a:extLst>
               <a:ext uri="{FF2B5EF4-FFF2-40B4-BE49-F238E27FC236}">
+                <a16:creationId xmlns:a16="http://schemas.microsoft.com/office/drawing/2014/main" id="{99AA5D3A-3364-410C-B6DF-6AB69A7850DF}"/>
+              </a:ext>
+            </a:extLst>
+          </p:cNvPr>
+          <p:cNvSpPr>
+            <a:spLocks noGrp="1"/>
+          </p:cNvSpPr>
+          <p:nvPr>
+            <p:ph type="title"/>
+          </p:nvPr>
+        </p:nvSpPr>
+        <p:spPr/>
+        <p:txBody>
+          <a:bodyPr/>
+          <a:lstStyle/>
+          <a:p>
+            <a:r>
+              <a:rPr kumimoji="1" lang="ja-JP" altLang="en-US" dirty="0"/>
+              <a:t>レイキャスティングのコンセプト</a:t>
+            </a:r>
+          </a:p>
+        </p:txBody>
+      </p:sp>
+      <p:sp>
+        <p:nvSpPr>
+          <p:cNvPr id="3" name="コンテンツ プレースホルダー 2">
+            <a:extLst>
+              <a:ext uri="{FF2B5EF4-FFF2-40B4-BE49-F238E27FC236}">
+                <a16:creationId xmlns:a16="http://schemas.microsoft.com/office/drawing/2014/main" id="{987EDCC6-3E99-491D-B7F7-431CD722A0E7}"/>
+              </a:ext>
+            </a:extLst>
+          </p:cNvPr>
+          <p:cNvSpPr>
+            <a:spLocks noGrp="1"/>
+          </p:cNvSpPr>
+          <p:nvPr>
+            <p:ph idx="1"/>
+          </p:nvPr>
+        </p:nvSpPr>
+        <p:spPr/>
+        <p:txBody>
+          <a:bodyPr/>
+          <a:lstStyle/>
+          <a:p>
+            <a:r>
+              <a:rPr lang="ja-JP" altLang="en-US" dirty="0"/>
+              <a:t>ある場所から視野角内に光線を飛ばし、物体との距離を測る</a:t>
+            </a:r>
+            <a:endParaRPr lang="en-US" altLang="ja-JP" dirty="0"/>
+          </a:p>
+          <a:p>
+            <a:r>
+              <a:rPr lang="ja-JP" altLang="en-US" dirty="0"/>
+              <a:t>検出した物体をカメラ平面との距離に応じたサイズで描画する</a:t>
+            </a:r>
+            <a:endParaRPr lang="en-US" altLang="ja-JP" dirty="0"/>
+          </a:p>
+          <a:p>
+            <a:r>
+              <a:rPr lang="ja-JP" altLang="en-US" dirty="0"/>
+              <a:t>光線はディスプレイの横のピクセルの個数分飛ばす</a:t>
+            </a:r>
+            <a:endParaRPr lang="en-US" altLang="ja-JP" dirty="0"/>
+          </a:p>
+          <a:p>
+            <a:r>
+              <a:rPr kumimoji="1" lang="ja-JP" altLang="en-US" dirty="0"/>
+              <a:t>カメラ平面と障害物との距離が大きいほど障害物を小さく描画する</a:t>
+            </a:r>
+            <a:endParaRPr lang="en-US" altLang="ja-JP" dirty="0"/>
+          </a:p>
+          <a:p>
+            <a:pPr marL="0" indent="0">
+              <a:buNone/>
+            </a:pPr>
+            <a:endParaRPr kumimoji="1" lang="ja-JP" altLang="en-US" dirty="0"/>
+          </a:p>
+        </p:txBody>
+      </p:sp>
+      <p:sp>
+        <p:nvSpPr>
+          <p:cNvPr id="6" name="テキスト ボックス 5">
+            <a:extLst>
+              <a:ext uri="{FF2B5EF4-FFF2-40B4-BE49-F238E27FC236}">
+                <a16:creationId xmlns:a16="http://schemas.microsoft.com/office/drawing/2014/main" id="{C2E8A5F2-1A83-426A-8A42-B51EB15E414E}"/>
+              </a:ext>
+            </a:extLst>
+          </p:cNvPr>
+          <p:cNvSpPr txBox="1"/>
+          <p:nvPr/>
+        </p:nvSpPr>
+        <p:spPr>
+          <a:xfrm>
+            <a:off x="4975668" y="4319688"/>
+            <a:ext cx="4798108" cy="1200329"/>
+          </a:xfrm>
+          <a:prstGeom prst="rect">
+            <a:avLst/>
+          </a:prstGeom>
+          <a:noFill/>
+        </p:spPr>
+        <p:txBody>
+          <a:bodyPr wrap="none" rtlCol="0">
+            <a:spAutoFit/>
+          </a:bodyPr>
+          <a:lstStyle/>
+          <a:p>
+            <a:pPr marL="285750" indent="-285750">
+              <a:buFont typeface="Arial" panose="020B0604020202020204" pitchFamily="34" charset="0"/>
+              <a:buChar char="•"/>
+            </a:pPr>
+            <a:r>
+              <a:rPr kumimoji="1" lang="ja-JP" altLang="en-US" dirty="0"/>
+              <a:t>青矢印が光線</a:t>
+            </a:r>
+            <a:endParaRPr kumimoji="1" lang="en-US" altLang="ja-JP" dirty="0"/>
+          </a:p>
+          <a:p>
+            <a:pPr marL="285750" indent="-285750">
+              <a:buFont typeface="Arial" panose="020B0604020202020204" pitchFamily="34" charset="0"/>
+              <a:buChar char="•"/>
+            </a:pPr>
+            <a:r>
+              <a:rPr kumimoji="1" lang="ja-JP" altLang="en-US" dirty="0"/>
+              <a:t>破線がカメラ平面</a:t>
+            </a:r>
+            <a:r>
+              <a:rPr kumimoji="1" lang="en-US" altLang="ja-JP" dirty="0"/>
+              <a:t>(</a:t>
+            </a:r>
+            <a:r>
+              <a:rPr kumimoji="1" lang="ja-JP" altLang="en-US" dirty="0"/>
+              <a:t>向いている方向と垂直</a:t>
+            </a:r>
+            <a:r>
+              <a:rPr kumimoji="1" lang="en-US" altLang="ja-JP" dirty="0"/>
+              <a:t>)</a:t>
+            </a:r>
+          </a:p>
+          <a:p>
+            <a:pPr marL="285750" indent="-285750">
+              <a:buFont typeface="Arial" panose="020B0604020202020204" pitchFamily="34" charset="0"/>
+              <a:buChar char="•"/>
+            </a:pPr>
+            <a:r>
+              <a:rPr kumimoji="1" lang="ja-JP" altLang="en-US" dirty="0"/>
+              <a:t>赤線がカメラ平面と障害物との距離</a:t>
+            </a:r>
+            <a:endParaRPr kumimoji="1" lang="en-US" altLang="ja-JP" dirty="0"/>
+          </a:p>
+          <a:p>
+            <a:r>
+              <a:rPr kumimoji="1" lang="ja-JP" altLang="en-US" dirty="0"/>
+              <a:t>　</a:t>
+            </a:r>
+            <a:r>
+              <a:rPr kumimoji="1" lang="en-US" altLang="ja-JP" dirty="0"/>
+              <a:t>(</a:t>
+            </a:r>
+            <a:r>
+              <a:rPr kumimoji="1" lang="ja-JP" altLang="en-US" dirty="0"/>
+              <a:t>描画で使う距離</a:t>
+            </a:r>
+            <a:r>
+              <a:rPr kumimoji="1" lang="en-US" altLang="ja-JP" dirty="0"/>
+              <a:t>)</a:t>
+            </a:r>
+            <a:endParaRPr kumimoji="1" lang="ja-JP" altLang="en-US" dirty="0"/>
+          </a:p>
+        </p:txBody>
+      </p:sp>
+      <p:pic>
+        <p:nvPicPr>
+          <p:cNvPr id="10" name="図 9">
+            <a:extLst>
+              <a:ext uri="{FF2B5EF4-FFF2-40B4-BE49-F238E27FC236}">
+                <a16:creationId xmlns:a16="http://schemas.microsoft.com/office/drawing/2014/main" id="{52AC5330-39D5-4DC0-B1E8-D12614557888}"/>
+              </a:ext>
+            </a:extLst>
+          </p:cNvPr>
+          <p:cNvPicPr>
+            <a:picLocks noChangeAspect="1"/>
+          </p:cNvPicPr>
+          <p:nvPr/>
+        </p:nvPicPr>
+        <p:blipFill>
+          <a:blip r:embed="rId3">
+            <a:extLst>
+              <a:ext uri="{28A0092B-C50C-407E-A947-70E740481C1C}">
+                <a14:useLocalDpi xmlns:a14="http://schemas.microsoft.com/office/drawing/2010/main" val="0"/>
+              </a:ext>
+            </a:extLst>
+          </a:blip>
+          <a:stretch>
+            <a:fillRect/>
+          </a:stretch>
+        </p:blipFill>
+        <p:spPr>
+          <a:xfrm>
+            <a:off x="1146618" y="3728800"/>
+            <a:ext cx="3829050" cy="2495550"/>
+          </a:xfrm>
+          <a:prstGeom prst="rect">
+            <a:avLst/>
+          </a:prstGeom>
+        </p:spPr>
+      </p:pic>
+    </p:spTree>
+    <p:extLst>
+      <p:ext uri="{BB962C8B-B14F-4D97-AF65-F5344CB8AC3E}">
+        <p14:creationId xmlns:p14="http://schemas.microsoft.com/office/powerpoint/2010/main" val="1533209314"/>
+      </p:ext>
+    </p:extLst>
+  </p:cSld>
+  <p:clrMapOvr>
+    <a:masterClrMapping/>
+  </p:clrMapOvr>
+</p:sld>
+</file>
+
+<file path=ppt/slides/slide12.xml><?xml version="1.0" encoding="utf-8"?>
+<p:sld xmlns:a="http://schemas.openxmlformats.org/drawingml/2006/main" xmlns:r="http://schemas.openxmlformats.org/officeDocument/2006/relationships" xmlns:p="http://schemas.openxmlformats.org/presentationml/2006/main">
+  <p:cSld>
+    <p:spTree>
+      <p:nvGrpSpPr>
+        <p:cNvPr id="1" name=""/>
+        <p:cNvGrpSpPr/>
+        <p:nvPr/>
+      </p:nvGrpSpPr>
+      <p:grpSpPr>
+        <a:xfrm>
+          <a:off x="0" y="0"/>
+          <a:ext cx="0" cy="0"/>
+          <a:chOff x="0" y="0"/>
+          <a:chExt cx="0" cy="0"/>
+        </a:xfrm>
+      </p:grpSpPr>
+      <p:sp>
+        <p:nvSpPr>
+          <p:cNvPr id="2" name="タイトル 1">
+            <a:extLst>
+              <a:ext uri="{FF2B5EF4-FFF2-40B4-BE49-F238E27FC236}">
                 <a16:creationId xmlns:a16="http://schemas.microsoft.com/office/drawing/2014/main" id="{33B7FC01-E128-4690-B776-F5AC32578BF3}"/>
               </a:ext>
             </a:extLst>
@@ -6955,7 +7300,7 @@
           <a:p>
             <a:r>
               <a:rPr kumimoji="1" lang="ja-JP" altLang="en-US" dirty="0"/>
-              <a:t>詳細</a:t>
+              <a:t>その他</a:t>
             </a:r>
           </a:p>
         </p:txBody>
@@ -6985,28 +7330,8 @@
               <a:buNone/>
             </a:pPr>
             <a:r>
-              <a:rPr kumimoji="1" lang="en-US" altLang="ja-JP" dirty="0"/>
-              <a:t>4</a:t>
-            </a:r>
-            <a:r>
               <a:rPr kumimoji="1" lang="ja-JP" altLang="en-US" dirty="0"/>
-              <a:t>分間にまとめられなさそうなものをまとめました。</a:t>
-            </a:r>
-            <a:r>
-              <a:rPr kumimoji="1" lang="en-US" altLang="ja-JP" dirty="0"/>
-              <a:t>2~4</a:t>
-            </a:r>
-            <a:r>
-              <a:rPr kumimoji="1" lang="ja-JP" altLang="en-US" dirty="0"/>
-              <a:t>ページの</a:t>
-            </a:r>
-            <a:r>
-              <a:rPr kumimoji="1" lang="en-US" altLang="ja-JP" dirty="0"/>
-              <a:t>QR</a:t>
-            </a:r>
-            <a:r>
-              <a:rPr kumimoji="1" lang="ja-JP" altLang="en-US" dirty="0"/>
-              <a:t>コードと同じリンクです。</a:t>
+              <a:t>リポジトリ</a:t>
             </a:r>
             <a:endParaRPr kumimoji="1" lang="en-US" altLang="ja-JP" dirty="0"/>
           </a:p>
@@ -7117,146 +7442,6 @@
           </a:xfrm>
         </p:spPr>
       </p:pic>
-      <p:grpSp>
-        <p:nvGrpSpPr>
-          <p:cNvPr id="7" name="グループ化 6">
-            <a:extLst>
-              <a:ext uri="{FF2B5EF4-FFF2-40B4-BE49-F238E27FC236}">
-                <a16:creationId xmlns:a16="http://schemas.microsoft.com/office/drawing/2014/main" id="{F3D19176-E855-4E72-838E-5808A214870E}"/>
-              </a:ext>
-            </a:extLst>
-          </p:cNvPr>
-          <p:cNvGrpSpPr/>
-          <p:nvPr/>
-        </p:nvGrpSpPr>
-        <p:grpSpPr>
-          <a:xfrm>
-            <a:off x="9099035" y="2619513"/>
-            <a:ext cx="2063692" cy="2315362"/>
-            <a:chOff x="9764785" y="2550253"/>
-            <a:chExt cx="2063692" cy="2315362"/>
-          </a:xfrm>
-        </p:grpSpPr>
-        <p:sp>
-          <p:nvSpPr>
-            <p:cNvPr id="3" name="正方形/長方形 2">
-              <a:extLst>
-                <a:ext uri="{FF2B5EF4-FFF2-40B4-BE49-F238E27FC236}">
-                  <a16:creationId xmlns:a16="http://schemas.microsoft.com/office/drawing/2014/main" id="{6D4E7D9C-A10C-4E1D-AF77-5B259296744F}"/>
-                </a:ext>
-              </a:extLst>
-            </p:cNvPr>
-            <p:cNvSpPr/>
-            <p:nvPr/>
-          </p:nvSpPr>
-          <p:spPr>
-            <a:xfrm>
-              <a:off x="9764785" y="2550253"/>
-              <a:ext cx="2063692" cy="2315362"/>
-            </a:xfrm>
-            <a:prstGeom prst="rect">
-              <a:avLst/>
-            </a:prstGeom>
-            <a:noFill/>
-          </p:spPr>
-          <p:style>
-            <a:lnRef idx="2">
-              <a:schemeClr val="accent1">
-                <a:shade val="50000"/>
-              </a:schemeClr>
-            </a:lnRef>
-            <a:fillRef idx="1">
-              <a:schemeClr val="accent1"/>
-            </a:fillRef>
-            <a:effectRef idx="0">
-              <a:schemeClr val="accent1"/>
-            </a:effectRef>
-            <a:fontRef idx="minor">
-              <a:schemeClr val="lt1"/>
-            </a:fontRef>
-          </p:style>
-          <p:txBody>
-            <a:bodyPr rtlCol="0" anchor="ctr"/>
-            <a:lstStyle/>
-            <a:p>
-              <a:pPr algn="ctr"/>
-              <a:endParaRPr kumimoji="1" lang="ja-JP" altLang="en-US"/>
-            </a:p>
-          </p:txBody>
-        </p:sp>
-        <p:pic>
-          <p:nvPicPr>
-            <p:cNvPr id="6" name="コンテンツ プレースホルダー 9">
-              <a:extLst>
-                <a:ext uri="{FF2B5EF4-FFF2-40B4-BE49-F238E27FC236}">
-                  <a16:creationId xmlns:a16="http://schemas.microsoft.com/office/drawing/2014/main" id="{3FD5F279-75B0-4880-9C78-5F2C8BDDDFCA}"/>
-                </a:ext>
-              </a:extLst>
-            </p:cNvPr>
-            <p:cNvPicPr>
-              <a:picLocks noChangeAspect="1"/>
-            </p:cNvPicPr>
-            <p:nvPr/>
-          </p:nvPicPr>
-          <p:blipFill>
-            <a:blip r:embed="rId3">
-              <a:extLst>
-                <a:ext uri="{28A0092B-C50C-407E-A947-70E740481C1C}">
-                  <a14:useLocalDpi xmlns:a14="http://schemas.microsoft.com/office/drawing/2010/main" val="0"/>
-                </a:ext>
-              </a:extLst>
-            </a:blip>
-            <a:stretch>
-              <a:fillRect/>
-            </a:stretch>
-          </p:blipFill>
-          <p:spPr>
-            <a:xfrm>
-              <a:off x="10015678" y="2729419"/>
-              <a:ext cx="1561905" cy="1561905"/>
-            </a:xfrm>
-            <a:prstGeom prst="rect">
-              <a:avLst/>
-            </a:prstGeom>
-          </p:spPr>
-        </p:pic>
-        <p:sp>
-          <p:nvSpPr>
-            <p:cNvPr id="4" name="テキスト ボックス 3">
-              <a:extLst>
-                <a:ext uri="{FF2B5EF4-FFF2-40B4-BE49-F238E27FC236}">
-                  <a16:creationId xmlns:a16="http://schemas.microsoft.com/office/drawing/2014/main" id="{70807B2C-4CDE-416E-9D0E-2A7EFADA821A}"/>
-                </a:ext>
-              </a:extLst>
-            </p:cNvPr>
-            <p:cNvSpPr txBox="1"/>
-            <p:nvPr/>
-          </p:nvSpPr>
-          <p:spPr>
-            <a:xfrm>
-              <a:off x="10484139" y="4369937"/>
-              <a:ext cx="759205" cy="369332"/>
-            </a:xfrm>
-            <a:prstGeom prst="rect">
-              <a:avLst/>
-            </a:prstGeom>
-            <a:noFill/>
-          </p:spPr>
-          <p:txBody>
-            <a:bodyPr wrap="square" rtlCol="0">
-              <a:spAutoFit/>
-            </a:bodyPr>
-            <a:lstStyle/>
-            <a:p>
-              <a:r>
-                <a:rPr kumimoji="1" lang="en-US" altLang="ja-JP" dirty="0"/>
-                <a:t>LINK</a:t>
-              </a:r>
-              <a:endParaRPr kumimoji="1" lang="ja-JP" altLang="en-US" dirty="0"/>
-            </a:p>
-          </p:txBody>
-        </p:sp>
-      </p:grpSp>
     </p:spTree>
     <p:extLst>
       <p:ext uri="{BB962C8B-B14F-4D97-AF65-F5344CB8AC3E}">
@@ -7353,146 +7538,6 @@
           </a:prstGeom>
         </p:spPr>
       </p:pic>
-      <p:grpSp>
-        <p:nvGrpSpPr>
-          <p:cNvPr id="5" name="グループ化 4">
-            <a:extLst>
-              <a:ext uri="{FF2B5EF4-FFF2-40B4-BE49-F238E27FC236}">
-                <a16:creationId xmlns:a16="http://schemas.microsoft.com/office/drawing/2014/main" id="{91181E34-1C70-409F-87FD-6EDE9C48984A}"/>
-              </a:ext>
-            </a:extLst>
-          </p:cNvPr>
-          <p:cNvGrpSpPr/>
-          <p:nvPr/>
-        </p:nvGrpSpPr>
-        <p:grpSpPr>
-          <a:xfrm>
-            <a:off x="8994341" y="2843613"/>
-            <a:ext cx="2063692" cy="2315362"/>
-            <a:chOff x="9764785" y="2550253"/>
-            <a:chExt cx="2063692" cy="2315362"/>
-          </a:xfrm>
-        </p:grpSpPr>
-        <p:sp>
-          <p:nvSpPr>
-            <p:cNvPr id="6" name="正方形/長方形 5">
-              <a:extLst>
-                <a:ext uri="{FF2B5EF4-FFF2-40B4-BE49-F238E27FC236}">
-                  <a16:creationId xmlns:a16="http://schemas.microsoft.com/office/drawing/2014/main" id="{0A86DA04-7F86-4E13-8D98-0D6D8A085D7D}"/>
-                </a:ext>
-              </a:extLst>
-            </p:cNvPr>
-            <p:cNvSpPr/>
-            <p:nvPr/>
-          </p:nvSpPr>
-          <p:spPr>
-            <a:xfrm>
-              <a:off x="9764785" y="2550253"/>
-              <a:ext cx="2063692" cy="2315362"/>
-            </a:xfrm>
-            <a:prstGeom prst="rect">
-              <a:avLst/>
-            </a:prstGeom>
-            <a:noFill/>
-          </p:spPr>
-          <p:style>
-            <a:lnRef idx="2">
-              <a:schemeClr val="accent1">
-                <a:shade val="50000"/>
-              </a:schemeClr>
-            </a:lnRef>
-            <a:fillRef idx="1">
-              <a:schemeClr val="accent1"/>
-            </a:fillRef>
-            <a:effectRef idx="0">
-              <a:schemeClr val="accent1"/>
-            </a:effectRef>
-            <a:fontRef idx="minor">
-              <a:schemeClr val="lt1"/>
-            </a:fontRef>
-          </p:style>
-          <p:txBody>
-            <a:bodyPr rtlCol="0" anchor="ctr"/>
-            <a:lstStyle/>
-            <a:p>
-              <a:pPr algn="ctr"/>
-              <a:endParaRPr kumimoji="1" lang="ja-JP" altLang="en-US"/>
-            </a:p>
-          </p:txBody>
-        </p:sp>
-        <p:pic>
-          <p:nvPicPr>
-            <p:cNvPr id="7" name="コンテンツ プレースホルダー 9">
-              <a:extLst>
-                <a:ext uri="{FF2B5EF4-FFF2-40B4-BE49-F238E27FC236}">
-                  <a16:creationId xmlns:a16="http://schemas.microsoft.com/office/drawing/2014/main" id="{B0D03320-0742-44C0-A5D0-A97FA535A335}"/>
-                </a:ext>
-              </a:extLst>
-            </p:cNvPr>
-            <p:cNvPicPr>
-              <a:picLocks noChangeAspect="1"/>
-            </p:cNvPicPr>
-            <p:nvPr/>
-          </p:nvPicPr>
-          <p:blipFill>
-            <a:blip r:embed="rId3">
-              <a:extLst>
-                <a:ext uri="{28A0092B-C50C-407E-A947-70E740481C1C}">
-                  <a14:useLocalDpi xmlns:a14="http://schemas.microsoft.com/office/drawing/2010/main" val="0"/>
-                </a:ext>
-              </a:extLst>
-            </a:blip>
-            <a:stretch>
-              <a:fillRect/>
-            </a:stretch>
-          </p:blipFill>
-          <p:spPr>
-            <a:xfrm>
-              <a:off x="10015678" y="2729419"/>
-              <a:ext cx="1561905" cy="1561905"/>
-            </a:xfrm>
-            <a:prstGeom prst="rect">
-              <a:avLst/>
-            </a:prstGeom>
-          </p:spPr>
-        </p:pic>
-        <p:sp>
-          <p:nvSpPr>
-            <p:cNvPr id="8" name="テキスト ボックス 7">
-              <a:extLst>
-                <a:ext uri="{FF2B5EF4-FFF2-40B4-BE49-F238E27FC236}">
-                  <a16:creationId xmlns:a16="http://schemas.microsoft.com/office/drawing/2014/main" id="{D2A96A88-501C-44B4-A5FA-65B043194670}"/>
-                </a:ext>
-              </a:extLst>
-            </p:cNvPr>
-            <p:cNvSpPr txBox="1"/>
-            <p:nvPr/>
-          </p:nvSpPr>
-          <p:spPr>
-            <a:xfrm>
-              <a:off x="10484139" y="4369937"/>
-              <a:ext cx="759205" cy="369332"/>
-            </a:xfrm>
-            <a:prstGeom prst="rect">
-              <a:avLst/>
-            </a:prstGeom>
-            <a:noFill/>
-          </p:spPr>
-          <p:txBody>
-            <a:bodyPr wrap="square" rtlCol="0">
-              <a:spAutoFit/>
-            </a:bodyPr>
-            <a:lstStyle/>
-            <a:p>
-              <a:r>
-                <a:rPr kumimoji="1" lang="en-US" altLang="ja-JP" dirty="0"/>
-                <a:t>LINK</a:t>
-              </a:r>
-              <a:endParaRPr kumimoji="1" lang="ja-JP" altLang="en-US" dirty="0"/>
-            </a:p>
-          </p:txBody>
-        </p:sp>
-      </p:grpSp>
     </p:spTree>
     <p:extLst>
       <p:ext uri="{BB962C8B-B14F-4D97-AF65-F5344CB8AC3E}">
@@ -7582,154 +7627,6 @@
           </a:prstGeom>
         </p:spPr>
       </p:pic>
-      <p:grpSp>
-        <p:nvGrpSpPr>
-          <p:cNvPr id="5" name="グループ化 4">
-            <a:extLst>
-              <a:ext uri="{FF2B5EF4-FFF2-40B4-BE49-F238E27FC236}">
-                <a16:creationId xmlns:a16="http://schemas.microsoft.com/office/drawing/2014/main" id="{C0A3FA7C-BEAF-436C-B318-3AE95C5EB6D6}"/>
-              </a:ext>
-            </a:extLst>
-          </p:cNvPr>
-          <p:cNvGrpSpPr/>
-          <p:nvPr/>
-        </p:nvGrpSpPr>
-        <p:grpSpPr>
-          <a:xfrm>
-            <a:off x="8951053" y="3429000"/>
-            <a:ext cx="2063692" cy="2315362"/>
-            <a:chOff x="9764785" y="2550253"/>
-            <a:chExt cx="2063692" cy="2315362"/>
-          </a:xfrm>
-        </p:grpSpPr>
-        <p:sp>
-          <p:nvSpPr>
-            <p:cNvPr id="8" name="正方形/長方形 7">
-              <a:extLst>
-                <a:ext uri="{FF2B5EF4-FFF2-40B4-BE49-F238E27FC236}">
-                  <a16:creationId xmlns:a16="http://schemas.microsoft.com/office/drawing/2014/main" id="{B5BADBBC-261C-40CC-89FC-ED03ABEBAA0F}"/>
-                </a:ext>
-              </a:extLst>
-            </p:cNvPr>
-            <p:cNvSpPr/>
-            <p:nvPr/>
-          </p:nvSpPr>
-          <p:spPr>
-            <a:xfrm>
-              <a:off x="9764785" y="2550253"/>
-              <a:ext cx="2063692" cy="2315362"/>
-            </a:xfrm>
-            <a:prstGeom prst="rect">
-              <a:avLst/>
-            </a:prstGeom>
-            <a:noFill/>
-          </p:spPr>
-          <p:style>
-            <a:lnRef idx="2">
-              <a:schemeClr val="accent1">
-                <a:shade val="50000"/>
-              </a:schemeClr>
-            </a:lnRef>
-            <a:fillRef idx="1">
-              <a:schemeClr val="accent1"/>
-            </a:fillRef>
-            <a:effectRef idx="0">
-              <a:schemeClr val="accent1"/>
-            </a:effectRef>
-            <a:fontRef idx="minor">
-              <a:schemeClr val="lt1"/>
-            </a:fontRef>
-          </p:style>
-          <p:txBody>
-            <a:bodyPr rtlCol="0" anchor="ctr"/>
-            <a:lstStyle/>
-            <a:p>
-              <a:pPr algn="ctr"/>
-              <a:endParaRPr kumimoji="1" lang="ja-JP" altLang="en-US"/>
-            </a:p>
-          </p:txBody>
-        </p:sp>
-        <p:pic>
-          <p:nvPicPr>
-            <p:cNvPr id="9" name="コンテンツ プレースホルダー 9">
-              <a:extLst>
-                <a:ext uri="{FF2B5EF4-FFF2-40B4-BE49-F238E27FC236}">
-                  <a16:creationId xmlns:a16="http://schemas.microsoft.com/office/drawing/2014/main" id="{A8C2A90B-1CF8-47B6-9FE5-AA260EA18D8E}"/>
-                </a:ext>
-              </a:extLst>
-            </p:cNvPr>
-            <p:cNvPicPr>
-              <a:picLocks noChangeAspect="1"/>
-            </p:cNvPicPr>
-            <p:nvPr/>
-          </p:nvPicPr>
-          <p:blipFill>
-            <a:blip r:embed="rId3">
-              <a:extLst>
-                <a:ext uri="{28A0092B-C50C-407E-A947-70E740481C1C}">
-                  <a14:useLocalDpi xmlns:a14="http://schemas.microsoft.com/office/drawing/2010/main" val="0"/>
-                </a:ext>
-              </a:extLst>
-            </a:blip>
-            <a:stretch>
-              <a:fillRect/>
-            </a:stretch>
-          </p:blipFill>
-          <p:spPr>
-            <a:xfrm>
-              <a:off x="10015678" y="2729419"/>
-              <a:ext cx="1561905" cy="1561905"/>
-            </a:xfrm>
-            <a:prstGeom prst="rect">
-              <a:avLst/>
-            </a:prstGeom>
-          </p:spPr>
-        </p:pic>
-        <p:sp>
-          <p:nvSpPr>
-            <p:cNvPr id="10" name="テキスト ボックス 9">
-              <a:extLst>
-                <a:ext uri="{FF2B5EF4-FFF2-40B4-BE49-F238E27FC236}">
-                  <a16:creationId xmlns:a16="http://schemas.microsoft.com/office/drawing/2014/main" id="{95D31DBA-13C5-4A66-837C-FAC11361DB9B}"/>
-                </a:ext>
-              </a:extLst>
-            </p:cNvPr>
-            <p:cNvSpPr txBox="1"/>
-            <p:nvPr/>
-          </p:nvSpPr>
-          <p:spPr>
-            <a:xfrm>
-              <a:off x="10484139" y="4369937"/>
-              <a:ext cx="759205" cy="369332"/>
-            </a:xfrm>
-            <a:prstGeom prst="rect">
-              <a:avLst/>
-            </a:prstGeom>
-            <a:noFill/>
-          </p:spPr>
-          <p:txBody>
-            <a:bodyPr wrap="square" rtlCol="0">
-              <a:spAutoFit/>
-            </a:bodyPr>
-            <a:lstStyle/>
-            <a:p>
-              <a:r>
-                <a:rPr kumimoji="1" lang="en-US" altLang="ja-JP" dirty="0">
-                  <a:solidFill>
-                    <a:schemeClr val="bg1"/>
-                  </a:solidFill>
-                </a:rPr>
-                <a:t>LINK</a:t>
-              </a:r>
-              <a:endParaRPr kumimoji="1" lang="ja-JP" altLang="en-US" dirty="0">
-                <a:solidFill>
-                  <a:schemeClr val="bg1"/>
-                </a:solidFill>
-              </a:endParaRPr>
-            </a:p>
-          </p:txBody>
-        </p:sp>
-      </p:grpSp>
     </p:spTree>
     <p:extLst>
       <p:ext uri="{BB962C8B-B14F-4D97-AF65-F5344CB8AC3E}">
@@ -7789,8 +7686,8 @@
           </a:p>
         </p:txBody>
       </p:sp>
-      <mc:AlternateContent xmlns:mc="http://schemas.openxmlformats.org/markup-compatibility/2006">
-        <mc:Choice xmlns:a14="http://schemas.microsoft.com/office/drawing/2010/main" Requires="a14">
+      <mc:AlternateContent xmlns:mc="http://schemas.openxmlformats.org/markup-compatibility/2006" xmlns:a14="http://schemas.microsoft.com/office/drawing/2010/main">
+        <mc:Choice Requires="a14">
           <p:sp>
             <p:nvSpPr>
               <p:cNvPr id="3" name="コンテンツ プレースホルダー 2">
@@ -8530,7 +8427,7 @@
             </p:txBody>
           </p:sp>
         </mc:Choice>
-        <mc:Fallback>
+        <mc:Fallback xmlns="">
           <p:sp>
             <p:nvSpPr>
               <p:cNvPr id="3" name="コンテンツ プレースホルダー 2">
@@ -9602,7 +9499,7 @@
                         <a:rPr kumimoji="1" lang="en-US" altLang="ja-JP" b="0" i="1" smtClean="0">
                           <a:latin typeface="Cambria Math" panose="02040503050406030204" pitchFamily="18" charset="0"/>
                         </a:rPr>
-                        <m:t>𝑚𝑎𝑧𝑒</m:t>
+                        <m:t>𝑚𝑎𝑝</m:t>
                       </m:r>
                       <m:r>
                         <a:rPr lang="ja-JP" altLang="en-US" i="1">

--- a/presentation.pptx
+++ b/presentation.pptx
@@ -208,7 +208,7 @@
           <a:p>
             <a:fld id="{DACD13BE-CFF8-4274-8F33-E17667936FF0}" type="datetimeFigureOut">
               <a:rPr kumimoji="1" lang="ja-JP" altLang="en-US" smtClean="0"/>
-              <a:t>2021/5/10</a:t>
+              <a:t>2021/5/12</a:t>
             </a:fld>
             <a:endParaRPr kumimoji="1" lang="ja-JP" altLang="en-US"/>
           </a:p>
@@ -1397,7 +1397,7 @@
           <a:p>
             <a:fld id="{2D3307F4-2003-445F-80EA-0A6F700AA6C1}" type="datetimeFigureOut">
               <a:rPr kumimoji="1" lang="ja-JP" altLang="en-US" smtClean="0"/>
-              <a:t>2021/5/10</a:t>
+              <a:t>2021/5/12</a:t>
             </a:fld>
             <a:endParaRPr kumimoji="1" lang="ja-JP" altLang="en-US"/>
           </a:p>
@@ -1648,7 +1648,7 @@
           <a:p>
             <a:fld id="{2D3307F4-2003-445F-80EA-0A6F700AA6C1}" type="datetimeFigureOut">
               <a:rPr kumimoji="1" lang="ja-JP" altLang="en-US" smtClean="0"/>
-              <a:t>2021/5/10</a:t>
+              <a:t>2021/5/12</a:t>
             </a:fld>
             <a:endParaRPr kumimoji="1" lang="ja-JP" altLang="en-US"/>
           </a:p>
@@ -1962,7 +1962,7 @@
           <a:p>
             <a:fld id="{2D3307F4-2003-445F-80EA-0A6F700AA6C1}" type="datetimeFigureOut">
               <a:rPr kumimoji="1" lang="ja-JP" altLang="en-US" smtClean="0"/>
-              <a:t>2021/5/10</a:t>
+              <a:t>2021/5/12</a:t>
             </a:fld>
             <a:endParaRPr kumimoji="1" lang="ja-JP" altLang="en-US"/>
           </a:p>
@@ -2303,7 +2303,7 @@
           <a:p>
             <a:fld id="{2D3307F4-2003-445F-80EA-0A6F700AA6C1}" type="datetimeFigureOut">
               <a:rPr kumimoji="1" lang="ja-JP" altLang="en-US" smtClean="0"/>
-              <a:t>2021/5/10</a:t>
+              <a:t>2021/5/12</a:t>
             </a:fld>
             <a:endParaRPr kumimoji="1" lang="ja-JP" altLang="en-US"/>
           </a:p>
@@ -2617,7 +2617,7 @@
           <a:p>
             <a:fld id="{2D3307F4-2003-445F-80EA-0A6F700AA6C1}" type="datetimeFigureOut">
               <a:rPr kumimoji="1" lang="ja-JP" altLang="en-US" smtClean="0"/>
-              <a:t>2021/5/10</a:t>
+              <a:t>2021/5/12</a:t>
             </a:fld>
             <a:endParaRPr kumimoji="1" lang="ja-JP" altLang="en-US"/>
           </a:p>
@@ -3010,7 +3010,7 @@
           <a:p>
             <a:fld id="{2D3307F4-2003-445F-80EA-0A6F700AA6C1}" type="datetimeFigureOut">
               <a:rPr kumimoji="1" lang="ja-JP" altLang="en-US" smtClean="0"/>
-              <a:t>2021/5/10</a:t>
+              <a:t>2021/5/12</a:t>
             </a:fld>
             <a:endParaRPr kumimoji="1" lang="ja-JP" altLang="en-US"/>
           </a:p>
@@ -3212,7 +3212,7 @@
           <a:p>
             <a:fld id="{2D3307F4-2003-445F-80EA-0A6F700AA6C1}" type="datetimeFigureOut">
               <a:rPr kumimoji="1" lang="ja-JP" altLang="en-US" smtClean="0"/>
-              <a:t>2021/5/10</a:t>
+              <a:t>2021/5/12</a:t>
             </a:fld>
             <a:endParaRPr kumimoji="1" lang="ja-JP" altLang="en-US"/>
           </a:p>
@@ -3424,7 +3424,7 @@
           <a:p>
             <a:fld id="{2D3307F4-2003-445F-80EA-0A6F700AA6C1}" type="datetimeFigureOut">
               <a:rPr kumimoji="1" lang="ja-JP" altLang="en-US" smtClean="0"/>
-              <a:t>2021/5/10</a:t>
+              <a:t>2021/5/12</a:t>
             </a:fld>
             <a:endParaRPr kumimoji="1" lang="ja-JP" altLang="en-US"/>
           </a:p>
@@ -3632,7 +3632,7 @@
           <a:p>
             <a:fld id="{2D3307F4-2003-445F-80EA-0A6F700AA6C1}" type="datetimeFigureOut">
               <a:rPr kumimoji="1" lang="ja-JP" altLang="en-US" smtClean="0"/>
-              <a:t>2021/5/10</a:t>
+              <a:t>2021/5/12</a:t>
             </a:fld>
             <a:endParaRPr kumimoji="1" lang="ja-JP" altLang="en-US"/>
           </a:p>
@@ -3879,7 +3879,7 @@
           <a:p>
             <a:fld id="{2D3307F4-2003-445F-80EA-0A6F700AA6C1}" type="datetimeFigureOut">
               <a:rPr kumimoji="1" lang="ja-JP" altLang="en-US" smtClean="0"/>
-              <a:t>2021/5/10</a:t>
+              <a:t>2021/5/12</a:t>
             </a:fld>
             <a:endParaRPr kumimoji="1" lang="ja-JP" altLang="en-US"/>
           </a:p>
@@ -4175,7 +4175,7 @@
           <a:p>
             <a:fld id="{2D3307F4-2003-445F-80EA-0A6F700AA6C1}" type="datetimeFigureOut">
               <a:rPr kumimoji="1" lang="ja-JP" altLang="en-US" smtClean="0"/>
-              <a:t>2021/5/10</a:t>
+              <a:t>2021/5/12</a:t>
             </a:fld>
             <a:endParaRPr kumimoji="1" lang="ja-JP" altLang="en-US"/>
           </a:p>
@@ -4613,7 +4613,7 @@
           <a:p>
             <a:fld id="{2D3307F4-2003-445F-80EA-0A6F700AA6C1}" type="datetimeFigureOut">
               <a:rPr kumimoji="1" lang="ja-JP" altLang="en-US" smtClean="0"/>
-              <a:t>2021/5/10</a:t>
+              <a:t>2021/5/12</a:t>
             </a:fld>
             <a:endParaRPr kumimoji="1" lang="ja-JP" altLang="en-US"/>
           </a:p>
@@ -4736,7 +4736,7 @@
           <a:p>
             <a:fld id="{2D3307F4-2003-445F-80EA-0A6F700AA6C1}" type="datetimeFigureOut">
               <a:rPr kumimoji="1" lang="ja-JP" altLang="en-US" smtClean="0"/>
-              <a:t>2021/5/10</a:t>
+              <a:t>2021/5/12</a:t>
             </a:fld>
             <a:endParaRPr kumimoji="1" lang="ja-JP" altLang="en-US"/>
           </a:p>
@@ -4831,7 +4831,7 @@
           <a:p>
             <a:fld id="{2D3307F4-2003-445F-80EA-0A6F700AA6C1}" type="datetimeFigureOut">
               <a:rPr kumimoji="1" lang="ja-JP" altLang="en-US" smtClean="0"/>
-              <a:t>2021/5/10</a:t>
+              <a:t>2021/5/12</a:t>
             </a:fld>
             <a:endParaRPr kumimoji="1" lang="ja-JP" altLang="en-US"/>
           </a:p>
@@ -5118,7 +5118,7 @@
           <a:p>
             <a:fld id="{2D3307F4-2003-445F-80EA-0A6F700AA6C1}" type="datetimeFigureOut">
               <a:rPr kumimoji="1" lang="ja-JP" altLang="en-US" smtClean="0"/>
-              <a:t>2021/5/10</a:t>
+              <a:t>2021/5/12</a:t>
             </a:fld>
             <a:endParaRPr kumimoji="1" lang="ja-JP" altLang="en-US"/>
           </a:p>
@@ -5381,7 +5381,7 @@
           <a:p>
             <a:fld id="{2D3307F4-2003-445F-80EA-0A6F700AA6C1}" type="datetimeFigureOut">
               <a:rPr kumimoji="1" lang="ja-JP" altLang="en-US" smtClean="0"/>
-              <a:t>2021/5/10</a:t>
+              <a:t>2021/5/12</a:t>
             </a:fld>
             <a:endParaRPr kumimoji="1" lang="ja-JP" altLang="en-US"/>
           </a:p>
@@ -6156,7 +6156,7 @@
           <a:p>
             <a:fld id="{2D3307F4-2003-445F-80EA-0A6F700AA6C1}" type="datetimeFigureOut">
               <a:rPr kumimoji="1" lang="ja-JP" altLang="en-US" smtClean="0"/>
-              <a:t>2021/5/10</a:t>
+              <a:t>2021/5/12</a:t>
             </a:fld>
             <a:endParaRPr kumimoji="1" lang="ja-JP" altLang="en-US"/>
           </a:p>
@@ -8624,14 +8624,10 @@
             </a:pPr>
             <a:r>
               <a:rPr lang="ja-JP" altLang="en-US" dirty="0"/>
-              <a:t>プログラムの開始</a:t>
-            </a:r>
-            <a:r>
-              <a:rPr lang="ja-JP" altLang="en-US"/>
-              <a:t>位置。</a:t>
-            </a:r>
-            <a:r>
-              <a:rPr lang="en-US" altLang="ja-JP"/>
+              <a:t>プログラムの開始位置。</a:t>
+            </a:r>
+            <a:r>
+              <a:rPr lang="en-US" altLang="ja-JP" dirty="0"/>
               <a:t>action</a:t>
             </a:r>
             <a:r>
@@ -9439,7 +9435,7 @@
                         <a:rPr lang="en-US" altLang="ja-JP" b="0" i="1" smtClean="0">
                           <a:latin typeface="Cambria Math" panose="02040503050406030204" pitchFamily="18" charset="0"/>
                         </a:rPr>
-                        <m:t>𝑚𝑎𝑧𝑒</m:t>
+                        <m:t>𝑚𝑎𝑝</m:t>
                       </m:r>
                       <m:r>
                         <a:rPr lang="ja-JP" altLang="en-US" i="1">
